--- a/recursion/fig/fig.pptx
+++ b/recursion/fig/fig.pptx
@@ -5,11 +5,13 @@
     <p:sldMasterId id="2147483648" r:id="rId1"/>
   </p:sldMasterIdLst>
   <p:sldIdLst>
-    <p:sldId id="256" r:id="rId2"/>
-    <p:sldId id="259" r:id="rId3"/>
-    <p:sldId id="257" r:id="rId4"/>
-    <p:sldId id="258" r:id="rId5"/>
-    <p:sldId id="260" r:id="rId6"/>
+    <p:sldId id="262" r:id="rId2"/>
+    <p:sldId id="263" r:id="rId3"/>
+    <p:sldId id="256" r:id="rId4"/>
+    <p:sldId id="259" r:id="rId5"/>
+    <p:sldId id="257" r:id="rId6"/>
+    <p:sldId id="258" r:id="rId7"/>
+    <p:sldId id="260" r:id="rId8"/>
   </p:sldIdLst>
   <p:sldSz cx="12192000" cy="6858000"/>
   <p:notesSz cx="6858000" cy="9144000"/>
@@ -481,6 +483,2249 @@
       </p:grpSpPr>
       <p:pic>
         <p:nvPicPr>
+          <p:cNvPr id="2" name="図 1">
+            <a:extLst>
+              <a:ext uri="{FF2B5EF4-FFF2-40B4-BE49-F238E27FC236}">
+                <a16:creationId xmlns:a16="http://schemas.microsoft.com/office/drawing/2014/main" id="{B1BFDBBD-6FD0-DE42-8D25-1F97EE4964EF}"/>
+              </a:ext>
+            </a:extLst>
+          </p:cNvPr>
+          <p:cNvPicPr>
+            <a:picLocks noChangeAspect="1"/>
+          </p:cNvPicPr>
+          <p:nvPr/>
+        </p:nvPicPr>
+        <p:blipFill>
+          <a:blip r:embed="rId2"/>
+          <a:stretch>
+            <a:fillRect/>
+          </a:stretch>
+        </p:blipFill>
+        <p:spPr>
+          <a:xfrm>
+            <a:off x="3575720" y="188640"/>
+            <a:ext cx="1152128" cy="962027"/>
+          </a:xfrm>
+          <a:prstGeom prst="rect">
+            <a:avLst/>
+          </a:prstGeom>
+        </p:spPr>
+      </p:pic>
+      <p:pic>
+        <p:nvPicPr>
+          <p:cNvPr id="4" name="図 3">
+            <a:extLst>
+              <a:ext uri="{FF2B5EF4-FFF2-40B4-BE49-F238E27FC236}">
+                <a16:creationId xmlns:a16="http://schemas.microsoft.com/office/drawing/2014/main" id="{6C7EE213-0271-7B41-A65E-7299B8B92047}"/>
+              </a:ext>
+            </a:extLst>
+          </p:cNvPr>
+          <p:cNvPicPr>
+            <a:picLocks noChangeAspect="1"/>
+          </p:cNvPicPr>
+          <p:nvPr/>
+        </p:nvPicPr>
+        <p:blipFill>
+          <a:blip r:embed="rId2"/>
+          <a:stretch>
+            <a:fillRect/>
+          </a:stretch>
+        </p:blipFill>
+        <p:spPr>
+          <a:xfrm>
+            <a:off x="1703512" y="1844824"/>
+            <a:ext cx="1152128" cy="962027"/>
+          </a:xfrm>
+          <a:prstGeom prst="rect">
+            <a:avLst/>
+          </a:prstGeom>
+        </p:spPr>
+      </p:pic>
+      <p:pic>
+        <p:nvPicPr>
+          <p:cNvPr id="6" name="図 5">
+            <a:extLst>
+              <a:ext uri="{FF2B5EF4-FFF2-40B4-BE49-F238E27FC236}">
+                <a16:creationId xmlns:a16="http://schemas.microsoft.com/office/drawing/2014/main" id="{0421CBDB-F07A-0F48-9D40-D7B7E3BE9FC5}"/>
+              </a:ext>
+            </a:extLst>
+          </p:cNvPr>
+          <p:cNvPicPr>
+            <a:picLocks noChangeAspect="1"/>
+          </p:cNvPicPr>
+          <p:nvPr/>
+        </p:nvPicPr>
+        <p:blipFill>
+          <a:blip r:embed="rId2"/>
+          <a:stretch>
+            <a:fillRect/>
+          </a:stretch>
+        </p:blipFill>
+        <p:spPr>
+          <a:xfrm>
+            <a:off x="3575720" y="1891403"/>
+            <a:ext cx="1152128" cy="962027"/>
+          </a:xfrm>
+          <a:prstGeom prst="rect">
+            <a:avLst/>
+          </a:prstGeom>
+        </p:spPr>
+      </p:pic>
+      <p:pic>
+        <p:nvPicPr>
+          <p:cNvPr id="8" name="図 7">
+            <a:extLst>
+              <a:ext uri="{FF2B5EF4-FFF2-40B4-BE49-F238E27FC236}">
+                <a16:creationId xmlns:a16="http://schemas.microsoft.com/office/drawing/2014/main" id="{6AA121A9-58D2-4C47-9516-F28B168BF1F9}"/>
+              </a:ext>
+            </a:extLst>
+          </p:cNvPr>
+          <p:cNvPicPr>
+            <a:picLocks noChangeAspect="1"/>
+          </p:cNvPicPr>
+          <p:nvPr/>
+        </p:nvPicPr>
+        <p:blipFill>
+          <a:blip r:embed="rId3"/>
+          <a:stretch>
+            <a:fillRect/>
+          </a:stretch>
+        </p:blipFill>
+        <p:spPr>
+          <a:xfrm>
+            <a:off x="911424" y="3284984"/>
+            <a:ext cx="864096" cy="1009982"/>
+          </a:xfrm>
+          <a:prstGeom prst="rect">
+            <a:avLst/>
+          </a:prstGeom>
+        </p:spPr>
+      </p:pic>
+      <p:cxnSp>
+        <p:nvCxnSpPr>
+          <p:cNvPr id="18" name="直線矢印コネクタ 17">
+            <a:extLst>
+              <a:ext uri="{FF2B5EF4-FFF2-40B4-BE49-F238E27FC236}">
+                <a16:creationId xmlns:a16="http://schemas.microsoft.com/office/drawing/2014/main" id="{F721AC28-4DA4-9645-84AD-7D5EEF6EFA83}"/>
+              </a:ext>
+            </a:extLst>
+          </p:cNvPr>
+          <p:cNvCxnSpPr>
+            <a:cxnSpLocks/>
+            <a:stCxn id="2" idx="2"/>
+            <a:endCxn id="4" idx="0"/>
+          </p:cNvCxnSpPr>
+          <p:nvPr/>
+        </p:nvCxnSpPr>
+        <p:spPr>
+          <a:xfrm flipH="1">
+            <a:off x="2279576" y="1150667"/>
+            <a:ext cx="1872208" cy="694157"/>
+          </a:xfrm>
+          <a:prstGeom prst="straightConnector1">
+            <a:avLst/>
+          </a:prstGeom>
+          <a:ln>
+            <a:solidFill>
+              <a:schemeClr val="tx1"/>
+            </a:solidFill>
+            <a:tailEnd type="triangle"/>
+          </a:ln>
+        </p:spPr>
+        <p:style>
+          <a:lnRef idx="1">
+            <a:schemeClr val="accent1"/>
+          </a:lnRef>
+          <a:fillRef idx="0">
+            <a:schemeClr val="accent1"/>
+          </a:fillRef>
+          <a:effectRef idx="0">
+            <a:schemeClr val="accent1"/>
+          </a:effectRef>
+          <a:fontRef idx="minor">
+            <a:schemeClr val="tx1"/>
+          </a:fontRef>
+        </p:style>
+      </p:cxnSp>
+      <p:cxnSp>
+        <p:nvCxnSpPr>
+          <p:cNvPr id="21" name="直線矢印コネクタ 20">
+            <a:extLst>
+              <a:ext uri="{FF2B5EF4-FFF2-40B4-BE49-F238E27FC236}">
+                <a16:creationId xmlns:a16="http://schemas.microsoft.com/office/drawing/2014/main" id="{58B5520A-1668-F645-ACDC-928294540B53}"/>
+              </a:ext>
+            </a:extLst>
+          </p:cNvPr>
+          <p:cNvCxnSpPr>
+            <a:cxnSpLocks/>
+            <a:stCxn id="2" idx="2"/>
+            <a:endCxn id="6" idx="0"/>
+          </p:cNvCxnSpPr>
+          <p:nvPr/>
+        </p:nvCxnSpPr>
+        <p:spPr>
+          <a:xfrm>
+            <a:off x="4151784" y="1150667"/>
+            <a:ext cx="0" cy="740736"/>
+          </a:xfrm>
+          <a:prstGeom prst="straightConnector1">
+            <a:avLst/>
+          </a:prstGeom>
+          <a:ln>
+            <a:solidFill>
+              <a:schemeClr val="tx1"/>
+            </a:solidFill>
+            <a:tailEnd type="triangle"/>
+          </a:ln>
+        </p:spPr>
+        <p:style>
+          <a:lnRef idx="1">
+            <a:schemeClr val="accent1"/>
+          </a:lnRef>
+          <a:fillRef idx="0">
+            <a:schemeClr val="accent1"/>
+          </a:fillRef>
+          <a:effectRef idx="0">
+            <a:schemeClr val="accent1"/>
+          </a:effectRef>
+          <a:fontRef idx="minor">
+            <a:schemeClr val="tx1"/>
+          </a:fontRef>
+        </p:style>
+      </p:cxnSp>
+      <p:cxnSp>
+        <p:nvCxnSpPr>
+          <p:cNvPr id="27" name="直線矢印コネクタ 26">
+            <a:extLst>
+              <a:ext uri="{FF2B5EF4-FFF2-40B4-BE49-F238E27FC236}">
+                <a16:creationId xmlns:a16="http://schemas.microsoft.com/office/drawing/2014/main" id="{BB865D0E-89DB-704C-B132-57A77A458301}"/>
+              </a:ext>
+            </a:extLst>
+          </p:cNvPr>
+          <p:cNvCxnSpPr>
+            <a:cxnSpLocks/>
+            <a:stCxn id="4" idx="2"/>
+            <a:endCxn id="8" idx="0"/>
+          </p:cNvCxnSpPr>
+          <p:nvPr/>
+        </p:nvCxnSpPr>
+        <p:spPr>
+          <a:xfrm flipH="1">
+            <a:off x="1343472" y="2806851"/>
+            <a:ext cx="936104" cy="478133"/>
+          </a:xfrm>
+          <a:prstGeom prst="straightConnector1">
+            <a:avLst/>
+          </a:prstGeom>
+          <a:ln>
+            <a:solidFill>
+              <a:schemeClr val="tx1"/>
+            </a:solidFill>
+            <a:tailEnd type="triangle"/>
+          </a:ln>
+        </p:spPr>
+        <p:style>
+          <a:lnRef idx="1">
+            <a:schemeClr val="accent1"/>
+          </a:lnRef>
+          <a:fillRef idx="0">
+            <a:schemeClr val="accent1"/>
+          </a:fillRef>
+          <a:effectRef idx="0">
+            <a:schemeClr val="accent1"/>
+          </a:effectRef>
+          <a:fontRef idx="minor">
+            <a:schemeClr val="tx1"/>
+          </a:fontRef>
+        </p:style>
+      </p:cxnSp>
+      <p:pic>
+        <p:nvPicPr>
+          <p:cNvPr id="52" name="図 51">
+            <a:extLst>
+              <a:ext uri="{FF2B5EF4-FFF2-40B4-BE49-F238E27FC236}">
+                <a16:creationId xmlns:a16="http://schemas.microsoft.com/office/drawing/2014/main" id="{615393A4-4709-FC40-9345-FE3341192520}"/>
+              </a:ext>
+            </a:extLst>
+          </p:cNvPr>
+          <p:cNvPicPr>
+            <a:picLocks noChangeAspect="1"/>
+          </p:cNvPicPr>
+          <p:nvPr/>
+        </p:nvPicPr>
+        <p:blipFill>
+          <a:blip r:embed="rId3"/>
+          <a:stretch>
+            <a:fillRect/>
+          </a:stretch>
+        </p:blipFill>
+        <p:spPr>
+          <a:xfrm>
+            <a:off x="1063824" y="3437384"/>
+            <a:ext cx="864096" cy="1009982"/>
+          </a:xfrm>
+          <a:prstGeom prst="rect">
+            <a:avLst/>
+          </a:prstGeom>
+        </p:spPr>
+      </p:pic>
+      <p:pic>
+        <p:nvPicPr>
+          <p:cNvPr id="53" name="図 52">
+            <a:extLst>
+              <a:ext uri="{FF2B5EF4-FFF2-40B4-BE49-F238E27FC236}">
+                <a16:creationId xmlns:a16="http://schemas.microsoft.com/office/drawing/2014/main" id="{54FC8630-7A30-0046-9024-CDAEC2954967}"/>
+              </a:ext>
+            </a:extLst>
+          </p:cNvPr>
+          <p:cNvPicPr>
+            <a:picLocks noChangeAspect="1"/>
+          </p:cNvPicPr>
+          <p:nvPr/>
+        </p:nvPicPr>
+        <p:blipFill>
+          <a:blip r:embed="rId3"/>
+          <a:stretch>
+            <a:fillRect/>
+          </a:stretch>
+        </p:blipFill>
+        <p:spPr>
+          <a:xfrm>
+            <a:off x="1216224" y="3589784"/>
+            <a:ext cx="864096" cy="1009982"/>
+          </a:xfrm>
+          <a:prstGeom prst="rect">
+            <a:avLst/>
+          </a:prstGeom>
+        </p:spPr>
+      </p:pic>
+      <p:pic>
+        <p:nvPicPr>
+          <p:cNvPr id="56" name="図 55">
+            <a:extLst>
+              <a:ext uri="{FF2B5EF4-FFF2-40B4-BE49-F238E27FC236}">
+                <a16:creationId xmlns:a16="http://schemas.microsoft.com/office/drawing/2014/main" id="{AFB10D3E-F002-E34D-AB80-F186C96090C0}"/>
+              </a:ext>
+            </a:extLst>
+          </p:cNvPr>
+          <p:cNvPicPr>
+            <a:picLocks noChangeAspect="1"/>
+          </p:cNvPicPr>
+          <p:nvPr/>
+        </p:nvPicPr>
+        <p:blipFill>
+          <a:blip r:embed="rId3"/>
+          <a:stretch>
+            <a:fillRect/>
+          </a:stretch>
+        </p:blipFill>
+        <p:spPr>
+          <a:xfrm>
+            <a:off x="5519936" y="1916832"/>
+            <a:ext cx="864096" cy="1009982"/>
+          </a:xfrm>
+          <a:prstGeom prst="rect">
+            <a:avLst/>
+          </a:prstGeom>
+        </p:spPr>
+      </p:pic>
+      <p:cxnSp>
+        <p:nvCxnSpPr>
+          <p:cNvPr id="58" name="直線矢印コネクタ 57">
+            <a:extLst>
+              <a:ext uri="{FF2B5EF4-FFF2-40B4-BE49-F238E27FC236}">
+                <a16:creationId xmlns:a16="http://schemas.microsoft.com/office/drawing/2014/main" id="{63BDCE27-45AD-A049-9D17-22EE93CD2FE6}"/>
+              </a:ext>
+            </a:extLst>
+          </p:cNvPr>
+          <p:cNvCxnSpPr>
+            <a:stCxn id="2" idx="2"/>
+            <a:endCxn id="56" idx="0"/>
+          </p:cNvCxnSpPr>
+          <p:nvPr/>
+        </p:nvCxnSpPr>
+        <p:spPr>
+          <a:xfrm>
+            <a:off x="4151784" y="1150667"/>
+            <a:ext cx="1800200" cy="766165"/>
+          </a:xfrm>
+          <a:prstGeom prst="straightConnector1">
+            <a:avLst/>
+          </a:prstGeom>
+          <a:ln>
+            <a:solidFill>
+              <a:schemeClr val="tx1"/>
+            </a:solidFill>
+            <a:tailEnd type="triangle"/>
+          </a:ln>
+        </p:spPr>
+        <p:style>
+          <a:lnRef idx="1">
+            <a:schemeClr val="accent1"/>
+          </a:lnRef>
+          <a:fillRef idx="0">
+            <a:schemeClr val="accent1"/>
+          </a:fillRef>
+          <a:effectRef idx="0">
+            <a:schemeClr val="accent1"/>
+          </a:effectRef>
+          <a:fontRef idx="minor">
+            <a:schemeClr val="tx1"/>
+          </a:fontRef>
+        </p:style>
+      </p:cxnSp>
+      <p:pic>
+        <p:nvPicPr>
+          <p:cNvPr id="59" name="図 58">
+            <a:extLst>
+              <a:ext uri="{FF2B5EF4-FFF2-40B4-BE49-F238E27FC236}">
+                <a16:creationId xmlns:a16="http://schemas.microsoft.com/office/drawing/2014/main" id="{0DEF85E0-F6AB-504E-A512-CAA04F23218D}"/>
+              </a:ext>
+            </a:extLst>
+          </p:cNvPr>
+          <p:cNvPicPr>
+            <a:picLocks noChangeAspect="1"/>
+          </p:cNvPicPr>
+          <p:nvPr/>
+        </p:nvPicPr>
+        <p:blipFill>
+          <a:blip r:embed="rId2"/>
+          <a:stretch>
+            <a:fillRect/>
+          </a:stretch>
+        </p:blipFill>
+        <p:spPr>
+          <a:xfrm>
+            <a:off x="2999656" y="3284984"/>
+            <a:ext cx="1152128" cy="962027"/>
+          </a:xfrm>
+          <a:prstGeom prst="rect">
+            <a:avLst/>
+          </a:prstGeom>
+        </p:spPr>
+      </p:pic>
+      <p:pic>
+        <p:nvPicPr>
+          <p:cNvPr id="60" name="図 59">
+            <a:extLst>
+              <a:ext uri="{FF2B5EF4-FFF2-40B4-BE49-F238E27FC236}">
+                <a16:creationId xmlns:a16="http://schemas.microsoft.com/office/drawing/2014/main" id="{32AFA010-49B7-424B-870F-952B3FFA181B}"/>
+              </a:ext>
+            </a:extLst>
+          </p:cNvPr>
+          <p:cNvPicPr>
+            <a:picLocks noChangeAspect="1"/>
+          </p:cNvPicPr>
+          <p:nvPr/>
+        </p:nvPicPr>
+        <p:blipFill>
+          <a:blip r:embed="rId3"/>
+          <a:stretch>
+            <a:fillRect/>
+          </a:stretch>
+        </p:blipFill>
+        <p:spPr>
+          <a:xfrm>
+            <a:off x="4583832" y="3356992"/>
+            <a:ext cx="864096" cy="1009982"/>
+          </a:xfrm>
+          <a:prstGeom prst="rect">
+            <a:avLst/>
+          </a:prstGeom>
+        </p:spPr>
+      </p:pic>
+      <p:pic>
+        <p:nvPicPr>
+          <p:cNvPr id="61" name="図 60">
+            <a:extLst>
+              <a:ext uri="{FF2B5EF4-FFF2-40B4-BE49-F238E27FC236}">
+                <a16:creationId xmlns:a16="http://schemas.microsoft.com/office/drawing/2014/main" id="{79905621-9473-F546-93CE-82D2DBF9C60F}"/>
+              </a:ext>
+            </a:extLst>
+          </p:cNvPr>
+          <p:cNvPicPr>
+            <a:picLocks noChangeAspect="1"/>
+          </p:cNvPicPr>
+          <p:nvPr/>
+        </p:nvPicPr>
+        <p:blipFill>
+          <a:blip r:embed="rId3"/>
+          <a:stretch>
+            <a:fillRect/>
+          </a:stretch>
+        </p:blipFill>
+        <p:spPr>
+          <a:xfrm>
+            <a:off x="4727848" y="3501008"/>
+            <a:ext cx="864096" cy="1009982"/>
+          </a:xfrm>
+          <a:prstGeom prst="rect">
+            <a:avLst/>
+          </a:prstGeom>
+        </p:spPr>
+      </p:pic>
+      <p:cxnSp>
+        <p:nvCxnSpPr>
+          <p:cNvPr id="62" name="直線矢印コネクタ 61">
+            <a:extLst>
+              <a:ext uri="{FF2B5EF4-FFF2-40B4-BE49-F238E27FC236}">
+                <a16:creationId xmlns:a16="http://schemas.microsoft.com/office/drawing/2014/main" id="{22C49EFC-5874-954A-BD89-2A7127B359BC}"/>
+              </a:ext>
+            </a:extLst>
+          </p:cNvPr>
+          <p:cNvCxnSpPr>
+            <a:cxnSpLocks/>
+            <a:stCxn id="6" idx="2"/>
+            <a:endCxn id="60" idx="0"/>
+          </p:cNvCxnSpPr>
+          <p:nvPr/>
+        </p:nvCxnSpPr>
+        <p:spPr>
+          <a:xfrm>
+            <a:off x="4151784" y="2853430"/>
+            <a:ext cx="864096" cy="503562"/>
+          </a:xfrm>
+          <a:prstGeom prst="straightConnector1">
+            <a:avLst/>
+          </a:prstGeom>
+          <a:ln>
+            <a:solidFill>
+              <a:schemeClr val="tx1"/>
+            </a:solidFill>
+            <a:tailEnd type="triangle"/>
+          </a:ln>
+        </p:spPr>
+        <p:style>
+          <a:lnRef idx="1">
+            <a:schemeClr val="accent1"/>
+          </a:lnRef>
+          <a:fillRef idx="0">
+            <a:schemeClr val="accent1"/>
+          </a:fillRef>
+          <a:effectRef idx="0">
+            <a:schemeClr val="accent1"/>
+          </a:effectRef>
+          <a:fontRef idx="minor">
+            <a:schemeClr val="tx1"/>
+          </a:fontRef>
+        </p:style>
+      </p:cxnSp>
+      <p:cxnSp>
+        <p:nvCxnSpPr>
+          <p:cNvPr id="66" name="直線矢印コネクタ 65">
+            <a:extLst>
+              <a:ext uri="{FF2B5EF4-FFF2-40B4-BE49-F238E27FC236}">
+                <a16:creationId xmlns:a16="http://schemas.microsoft.com/office/drawing/2014/main" id="{DE96A513-3A8D-EC45-BC84-1A5623921A45}"/>
+              </a:ext>
+            </a:extLst>
+          </p:cNvPr>
+          <p:cNvCxnSpPr>
+            <a:stCxn id="6" idx="2"/>
+            <a:endCxn id="59" idx="0"/>
+          </p:cNvCxnSpPr>
+          <p:nvPr/>
+        </p:nvCxnSpPr>
+        <p:spPr>
+          <a:xfrm flipH="1">
+            <a:off x="3575720" y="2853430"/>
+            <a:ext cx="576064" cy="431554"/>
+          </a:xfrm>
+          <a:prstGeom prst="straightConnector1">
+            <a:avLst/>
+          </a:prstGeom>
+          <a:ln>
+            <a:solidFill>
+              <a:schemeClr val="tx1"/>
+            </a:solidFill>
+            <a:tailEnd type="triangle"/>
+          </a:ln>
+        </p:spPr>
+        <p:style>
+          <a:lnRef idx="1">
+            <a:schemeClr val="accent1"/>
+          </a:lnRef>
+          <a:fillRef idx="0">
+            <a:schemeClr val="accent1"/>
+          </a:fillRef>
+          <a:effectRef idx="0">
+            <a:schemeClr val="accent1"/>
+          </a:effectRef>
+          <a:fontRef idx="minor">
+            <a:schemeClr val="tx1"/>
+          </a:fontRef>
+        </p:style>
+      </p:cxnSp>
+      <p:pic>
+        <p:nvPicPr>
+          <p:cNvPr id="70" name="図 69">
+            <a:extLst>
+              <a:ext uri="{FF2B5EF4-FFF2-40B4-BE49-F238E27FC236}">
+                <a16:creationId xmlns:a16="http://schemas.microsoft.com/office/drawing/2014/main" id="{2A67A5CD-04D9-E24B-AF96-469DD34BA3B9}"/>
+              </a:ext>
+            </a:extLst>
+          </p:cNvPr>
+          <p:cNvPicPr>
+            <a:picLocks noChangeAspect="1"/>
+          </p:cNvPicPr>
+          <p:nvPr/>
+        </p:nvPicPr>
+        <p:blipFill>
+          <a:blip r:embed="rId3"/>
+          <a:stretch>
+            <a:fillRect/>
+          </a:stretch>
+        </p:blipFill>
+        <p:spPr>
+          <a:xfrm>
+            <a:off x="3143672" y="4626114"/>
+            <a:ext cx="864096" cy="1009982"/>
+          </a:xfrm>
+          <a:prstGeom prst="rect">
+            <a:avLst/>
+          </a:prstGeom>
+        </p:spPr>
+      </p:pic>
+      <p:pic>
+        <p:nvPicPr>
+          <p:cNvPr id="71" name="図 70">
+            <a:extLst>
+              <a:ext uri="{FF2B5EF4-FFF2-40B4-BE49-F238E27FC236}">
+                <a16:creationId xmlns:a16="http://schemas.microsoft.com/office/drawing/2014/main" id="{5A518C7E-0507-354B-A793-39F99635E9AA}"/>
+              </a:ext>
+            </a:extLst>
+          </p:cNvPr>
+          <p:cNvPicPr>
+            <a:picLocks noChangeAspect="1"/>
+          </p:cNvPicPr>
+          <p:nvPr/>
+        </p:nvPicPr>
+        <p:blipFill>
+          <a:blip r:embed="rId3"/>
+          <a:stretch>
+            <a:fillRect/>
+          </a:stretch>
+        </p:blipFill>
+        <p:spPr>
+          <a:xfrm>
+            <a:off x="3296072" y="4778514"/>
+            <a:ext cx="864096" cy="1009982"/>
+          </a:xfrm>
+          <a:prstGeom prst="rect">
+            <a:avLst/>
+          </a:prstGeom>
+        </p:spPr>
+      </p:pic>
+      <p:pic>
+        <p:nvPicPr>
+          <p:cNvPr id="72" name="図 71">
+            <a:extLst>
+              <a:ext uri="{FF2B5EF4-FFF2-40B4-BE49-F238E27FC236}">
+                <a16:creationId xmlns:a16="http://schemas.microsoft.com/office/drawing/2014/main" id="{DFAF9FFA-FE06-7648-88C6-03E0A67506BF}"/>
+              </a:ext>
+            </a:extLst>
+          </p:cNvPr>
+          <p:cNvPicPr>
+            <a:picLocks noChangeAspect="1"/>
+          </p:cNvPicPr>
+          <p:nvPr/>
+        </p:nvPicPr>
+        <p:blipFill>
+          <a:blip r:embed="rId3"/>
+          <a:stretch>
+            <a:fillRect/>
+          </a:stretch>
+        </p:blipFill>
+        <p:spPr>
+          <a:xfrm>
+            <a:off x="3448472" y="4930914"/>
+            <a:ext cx="864096" cy="1009982"/>
+          </a:xfrm>
+          <a:prstGeom prst="rect">
+            <a:avLst/>
+          </a:prstGeom>
+        </p:spPr>
+      </p:pic>
+      <p:pic>
+        <p:nvPicPr>
+          <p:cNvPr id="73" name="図 72">
+            <a:extLst>
+              <a:ext uri="{FF2B5EF4-FFF2-40B4-BE49-F238E27FC236}">
+                <a16:creationId xmlns:a16="http://schemas.microsoft.com/office/drawing/2014/main" id="{D0BEC110-9602-C041-A860-6AECB918E137}"/>
+              </a:ext>
+            </a:extLst>
+          </p:cNvPr>
+          <p:cNvPicPr>
+            <a:picLocks noChangeAspect="1"/>
+          </p:cNvPicPr>
+          <p:nvPr/>
+        </p:nvPicPr>
+        <p:blipFill>
+          <a:blip r:embed="rId3"/>
+          <a:stretch>
+            <a:fillRect/>
+          </a:stretch>
+        </p:blipFill>
+        <p:spPr>
+          <a:xfrm>
+            <a:off x="3600872" y="5083314"/>
+            <a:ext cx="864096" cy="1009982"/>
+          </a:xfrm>
+          <a:prstGeom prst="rect">
+            <a:avLst/>
+          </a:prstGeom>
+        </p:spPr>
+      </p:pic>
+      <p:cxnSp>
+        <p:nvCxnSpPr>
+          <p:cNvPr id="76" name="直線矢印コネクタ 75">
+            <a:extLst>
+              <a:ext uri="{FF2B5EF4-FFF2-40B4-BE49-F238E27FC236}">
+                <a16:creationId xmlns:a16="http://schemas.microsoft.com/office/drawing/2014/main" id="{AF863FDB-E0E0-AA40-B014-341EA1F01F16}"/>
+              </a:ext>
+            </a:extLst>
+          </p:cNvPr>
+          <p:cNvCxnSpPr>
+            <a:stCxn id="59" idx="2"/>
+            <a:endCxn id="70" idx="0"/>
+          </p:cNvCxnSpPr>
+          <p:nvPr/>
+        </p:nvCxnSpPr>
+        <p:spPr>
+          <a:xfrm>
+            <a:off x="3575720" y="4247011"/>
+            <a:ext cx="0" cy="379103"/>
+          </a:xfrm>
+          <a:prstGeom prst="straightConnector1">
+            <a:avLst/>
+          </a:prstGeom>
+          <a:ln>
+            <a:solidFill>
+              <a:schemeClr val="tx1"/>
+            </a:solidFill>
+            <a:tailEnd type="triangle"/>
+          </a:ln>
+        </p:spPr>
+        <p:style>
+          <a:lnRef idx="1">
+            <a:schemeClr val="accent1"/>
+          </a:lnRef>
+          <a:fillRef idx="0">
+            <a:schemeClr val="accent1"/>
+          </a:fillRef>
+          <a:effectRef idx="0">
+            <a:schemeClr val="accent1"/>
+          </a:effectRef>
+          <a:fontRef idx="minor">
+            <a:schemeClr val="tx1"/>
+          </a:fontRef>
+        </p:style>
+      </p:cxnSp>
+    </p:spTree>
+    <p:extLst>
+      <p:ext uri="{BB962C8B-B14F-4D97-AF65-F5344CB8AC3E}">
+        <p14:creationId xmlns:p14="http://schemas.microsoft.com/office/powerpoint/2010/main" val="3050807100"/>
+      </p:ext>
+    </p:extLst>
+  </p:cSld>
+  <p:clrMapOvr>
+    <a:masterClrMapping/>
+  </p:clrMapOvr>
+</p:sld>
+</file>
+
+<file path=ppt/slides/slide2.xml><?xml version="1.0" encoding="utf-8"?>
+<p:sld xmlns:a="http://schemas.openxmlformats.org/drawingml/2006/main" xmlns:r="http://schemas.openxmlformats.org/officeDocument/2006/relationships" xmlns:p="http://schemas.openxmlformats.org/presentationml/2006/main">
+  <p:cSld>
+    <p:spTree>
+      <p:nvGrpSpPr>
+        <p:cNvPr id="1" name=""/>
+        <p:cNvGrpSpPr/>
+        <p:nvPr/>
+      </p:nvGrpSpPr>
+      <p:grpSpPr>
+        <a:xfrm>
+          <a:off x="0" y="0"/>
+          <a:ext cx="0" cy="0"/>
+          <a:chOff x="0" y="0"/>
+          <a:chExt cx="0" cy="0"/>
+        </a:xfrm>
+      </p:grpSpPr>
+      <p:pic>
+        <p:nvPicPr>
+          <p:cNvPr id="2" name="図 1">
+            <a:extLst>
+              <a:ext uri="{FF2B5EF4-FFF2-40B4-BE49-F238E27FC236}">
+                <a16:creationId xmlns:a16="http://schemas.microsoft.com/office/drawing/2014/main" id="{B1BFDBBD-6FD0-DE42-8D25-1F97EE4964EF}"/>
+              </a:ext>
+            </a:extLst>
+          </p:cNvPr>
+          <p:cNvPicPr>
+            <a:picLocks noChangeAspect="1"/>
+          </p:cNvPicPr>
+          <p:nvPr/>
+        </p:nvPicPr>
+        <p:blipFill>
+          <a:blip r:embed="rId2"/>
+          <a:stretch>
+            <a:fillRect/>
+          </a:stretch>
+        </p:blipFill>
+        <p:spPr>
+          <a:xfrm>
+            <a:off x="3359696" y="836712"/>
+            <a:ext cx="1152128" cy="962027"/>
+          </a:xfrm>
+          <a:prstGeom prst="rect">
+            <a:avLst/>
+          </a:prstGeom>
+        </p:spPr>
+      </p:pic>
+      <p:pic>
+        <p:nvPicPr>
+          <p:cNvPr id="4" name="図 3">
+            <a:extLst>
+              <a:ext uri="{FF2B5EF4-FFF2-40B4-BE49-F238E27FC236}">
+                <a16:creationId xmlns:a16="http://schemas.microsoft.com/office/drawing/2014/main" id="{6C7EE213-0271-7B41-A65E-7299B8B92047}"/>
+              </a:ext>
+            </a:extLst>
+          </p:cNvPr>
+          <p:cNvPicPr>
+            <a:picLocks noChangeAspect="1"/>
+          </p:cNvPicPr>
+          <p:nvPr/>
+        </p:nvPicPr>
+        <p:blipFill>
+          <a:blip r:embed="rId2"/>
+          <a:stretch>
+            <a:fillRect/>
+          </a:stretch>
+        </p:blipFill>
+        <p:spPr>
+          <a:xfrm>
+            <a:off x="1487488" y="2492896"/>
+            <a:ext cx="1152128" cy="962027"/>
+          </a:xfrm>
+          <a:prstGeom prst="rect">
+            <a:avLst/>
+          </a:prstGeom>
+        </p:spPr>
+      </p:pic>
+      <p:pic>
+        <p:nvPicPr>
+          <p:cNvPr id="6" name="図 5">
+            <a:extLst>
+              <a:ext uri="{FF2B5EF4-FFF2-40B4-BE49-F238E27FC236}">
+                <a16:creationId xmlns:a16="http://schemas.microsoft.com/office/drawing/2014/main" id="{0421CBDB-F07A-0F48-9D40-D7B7E3BE9FC5}"/>
+              </a:ext>
+            </a:extLst>
+          </p:cNvPr>
+          <p:cNvPicPr>
+            <a:picLocks noChangeAspect="1"/>
+          </p:cNvPicPr>
+          <p:nvPr/>
+        </p:nvPicPr>
+        <p:blipFill>
+          <a:blip r:embed="rId2"/>
+          <a:stretch>
+            <a:fillRect/>
+          </a:stretch>
+        </p:blipFill>
+        <p:spPr>
+          <a:xfrm>
+            <a:off x="3359696" y="2539475"/>
+            <a:ext cx="1152128" cy="962027"/>
+          </a:xfrm>
+          <a:prstGeom prst="rect">
+            <a:avLst/>
+          </a:prstGeom>
+        </p:spPr>
+      </p:pic>
+      <p:pic>
+        <p:nvPicPr>
+          <p:cNvPr id="8" name="図 7">
+            <a:extLst>
+              <a:ext uri="{FF2B5EF4-FFF2-40B4-BE49-F238E27FC236}">
+                <a16:creationId xmlns:a16="http://schemas.microsoft.com/office/drawing/2014/main" id="{6AA121A9-58D2-4C47-9516-F28B168BF1F9}"/>
+              </a:ext>
+            </a:extLst>
+          </p:cNvPr>
+          <p:cNvPicPr>
+            <a:picLocks noChangeAspect="1"/>
+          </p:cNvPicPr>
+          <p:nvPr/>
+        </p:nvPicPr>
+        <p:blipFill>
+          <a:blip r:embed="rId3"/>
+          <a:stretch>
+            <a:fillRect/>
+          </a:stretch>
+        </p:blipFill>
+        <p:spPr>
+          <a:xfrm>
+            <a:off x="695400" y="3933056"/>
+            <a:ext cx="864096" cy="1009982"/>
+          </a:xfrm>
+          <a:prstGeom prst="rect">
+            <a:avLst/>
+          </a:prstGeom>
+        </p:spPr>
+      </p:pic>
+      <p:cxnSp>
+        <p:nvCxnSpPr>
+          <p:cNvPr id="18" name="直線矢印コネクタ 17">
+            <a:extLst>
+              <a:ext uri="{FF2B5EF4-FFF2-40B4-BE49-F238E27FC236}">
+                <a16:creationId xmlns:a16="http://schemas.microsoft.com/office/drawing/2014/main" id="{F721AC28-4DA4-9645-84AD-7D5EEF6EFA83}"/>
+              </a:ext>
+            </a:extLst>
+          </p:cNvPr>
+          <p:cNvCxnSpPr>
+            <a:cxnSpLocks/>
+            <a:stCxn id="2" idx="2"/>
+            <a:endCxn id="4" idx="0"/>
+          </p:cNvCxnSpPr>
+          <p:nvPr/>
+        </p:nvCxnSpPr>
+        <p:spPr>
+          <a:xfrm flipH="1">
+            <a:off x="2063552" y="1798739"/>
+            <a:ext cx="1872208" cy="694157"/>
+          </a:xfrm>
+          <a:prstGeom prst="straightConnector1">
+            <a:avLst/>
+          </a:prstGeom>
+          <a:ln>
+            <a:solidFill>
+              <a:schemeClr val="tx1"/>
+            </a:solidFill>
+            <a:tailEnd type="triangle"/>
+          </a:ln>
+        </p:spPr>
+        <p:style>
+          <a:lnRef idx="1">
+            <a:schemeClr val="accent1"/>
+          </a:lnRef>
+          <a:fillRef idx="0">
+            <a:schemeClr val="accent1"/>
+          </a:fillRef>
+          <a:effectRef idx="0">
+            <a:schemeClr val="accent1"/>
+          </a:effectRef>
+          <a:fontRef idx="minor">
+            <a:schemeClr val="tx1"/>
+          </a:fontRef>
+        </p:style>
+      </p:cxnSp>
+      <p:cxnSp>
+        <p:nvCxnSpPr>
+          <p:cNvPr id="21" name="直線矢印コネクタ 20">
+            <a:extLst>
+              <a:ext uri="{FF2B5EF4-FFF2-40B4-BE49-F238E27FC236}">
+                <a16:creationId xmlns:a16="http://schemas.microsoft.com/office/drawing/2014/main" id="{58B5520A-1668-F645-ACDC-928294540B53}"/>
+              </a:ext>
+            </a:extLst>
+          </p:cNvPr>
+          <p:cNvCxnSpPr>
+            <a:cxnSpLocks/>
+            <a:stCxn id="2" idx="2"/>
+            <a:endCxn id="6" idx="0"/>
+          </p:cNvCxnSpPr>
+          <p:nvPr/>
+        </p:nvCxnSpPr>
+        <p:spPr>
+          <a:xfrm>
+            <a:off x="3935760" y="1798739"/>
+            <a:ext cx="0" cy="740736"/>
+          </a:xfrm>
+          <a:prstGeom prst="straightConnector1">
+            <a:avLst/>
+          </a:prstGeom>
+          <a:ln>
+            <a:solidFill>
+              <a:schemeClr val="tx1"/>
+            </a:solidFill>
+            <a:tailEnd type="triangle"/>
+          </a:ln>
+        </p:spPr>
+        <p:style>
+          <a:lnRef idx="1">
+            <a:schemeClr val="accent1"/>
+          </a:lnRef>
+          <a:fillRef idx="0">
+            <a:schemeClr val="accent1"/>
+          </a:fillRef>
+          <a:effectRef idx="0">
+            <a:schemeClr val="accent1"/>
+          </a:effectRef>
+          <a:fontRef idx="minor">
+            <a:schemeClr val="tx1"/>
+          </a:fontRef>
+        </p:style>
+      </p:cxnSp>
+      <p:cxnSp>
+        <p:nvCxnSpPr>
+          <p:cNvPr id="27" name="直線矢印コネクタ 26">
+            <a:extLst>
+              <a:ext uri="{FF2B5EF4-FFF2-40B4-BE49-F238E27FC236}">
+                <a16:creationId xmlns:a16="http://schemas.microsoft.com/office/drawing/2014/main" id="{BB865D0E-89DB-704C-B132-57A77A458301}"/>
+              </a:ext>
+            </a:extLst>
+          </p:cNvPr>
+          <p:cNvCxnSpPr>
+            <a:cxnSpLocks/>
+            <a:stCxn id="4" idx="2"/>
+            <a:endCxn id="8" idx="0"/>
+          </p:cNvCxnSpPr>
+          <p:nvPr/>
+        </p:nvCxnSpPr>
+        <p:spPr>
+          <a:xfrm flipH="1">
+            <a:off x="1127448" y="3454923"/>
+            <a:ext cx="936104" cy="478133"/>
+          </a:xfrm>
+          <a:prstGeom prst="straightConnector1">
+            <a:avLst/>
+          </a:prstGeom>
+          <a:ln>
+            <a:solidFill>
+              <a:schemeClr val="tx1"/>
+            </a:solidFill>
+            <a:tailEnd type="triangle"/>
+          </a:ln>
+        </p:spPr>
+        <p:style>
+          <a:lnRef idx="1">
+            <a:schemeClr val="accent1"/>
+          </a:lnRef>
+          <a:fillRef idx="0">
+            <a:schemeClr val="accent1"/>
+          </a:fillRef>
+          <a:effectRef idx="0">
+            <a:schemeClr val="accent1"/>
+          </a:effectRef>
+          <a:fontRef idx="minor">
+            <a:schemeClr val="tx1"/>
+          </a:fontRef>
+        </p:style>
+      </p:cxnSp>
+      <p:pic>
+        <p:nvPicPr>
+          <p:cNvPr id="52" name="図 51">
+            <a:extLst>
+              <a:ext uri="{FF2B5EF4-FFF2-40B4-BE49-F238E27FC236}">
+                <a16:creationId xmlns:a16="http://schemas.microsoft.com/office/drawing/2014/main" id="{615393A4-4709-FC40-9345-FE3341192520}"/>
+              </a:ext>
+            </a:extLst>
+          </p:cNvPr>
+          <p:cNvPicPr>
+            <a:picLocks noChangeAspect="1"/>
+          </p:cNvPicPr>
+          <p:nvPr/>
+        </p:nvPicPr>
+        <p:blipFill>
+          <a:blip r:embed="rId3"/>
+          <a:stretch>
+            <a:fillRect/>
+          </a:stretch>
+        </p:blipFill>
+        <p:spPr>
+          <a:xfrm>
+            <a:off x="847800" y="4085456"/>
+            <a:ext cx="864096" cy="1009982"/>
+          </a:xfrm>
+          <a:prstGeom prst="rect">
+            <a:avLst/>
+          </a:prstGeom>
+        </p:spPr>
+      </p:pic>
+      <p:pic>
+        <p:nvPicPr>
+          <p:cNvPr id="53" name="図 52">
+            <a:extLst>
+              <a:ext uri="{FF2B5EF4-FFF2-40B4-BE49-F238E27FC236}">
+                <a16:creationId xmlns:a16="http://schemas.microsoft.com/office/drawing/2014/main" id="{54FC8630-7A30-0046-9024-CDAEC2954967}"/>
+              </a:ext>
+            </a:extLst>
+          </p:cNvPr>
+          <p:cNvPicPr>
+            <a:picLocks noChangeAspect="1"/>
+          </p:cNvPicPr>
+          <p:nvPr/>
+        </p:nvPicPr>
+        <p:blipFill>
+          <a:blip r:embed="rId3"/>
+          <a:stretch>
+            <a:fillRect/>
+          </a:stretch>
+        </p:blipFill>
+        <p:spPr>
+          <a:xfrm>
+            <a:off x="1000200" y="4237856"/>
+            <a:ext cx="864096" cy="1009982"/>
+          </a:xfrm>
+          <a:prstGeom prst="rect">
+            <a:avLst/>
+          </a:prstGeom>
+        </p:spPr>
+      </p:pic>
+      <p:pic>
+        <p:nvPicPr>
+          <p:cNvPr id="56" name="図 55">
+            <a:extLst>
+              <a:ext uri="{FF2B5EF4-FFF2-40B4-BE49-F238E27FC236}">
+                <a16:creationId xmlns:a16="http://schemas.microsoft.com/office/drawing/2014/main" id="{AFB10D3E-F002-E34D-AB80-F186C96090C0}"/>
+              </a:ext>
+            </a:extLst>
+          </p:cNvPr>
+          <p:cNvPicPr>
+            <a:picLocks noChangeAspect="1"/>
+          </p:cNvPicPr>
+          <p:nvPr/>
+        </p:nvPicPr>
+        <p:blipFill>
+          <a:blip r:embed="rId3"/>
+          <a:stretch>
+            <a:fillRect/>
+          </a:stretch>
+        </p:blipFill>
+        <p:spPr>
+          <a:xfrm>
+            <a:off x="5303912" y="2564904"/>
+            <a:ext cx="864096" cy="1009982"/>
+          </a:xfrm>
+          <a:prstGeom prst="rect">
+            <a:avLst/>
+          </a:prstGeom>
+        </p:spPr>
+      </p:pic>
+      <p:cxnSp>
+        <p:nvCxnSpPr>
+          <p:cNvPr id="58" name="直線矢印コネクタ 57">
+            <a:extLst>
+              <a:ext uri="{FF2B5EF4-FFF2-40B4-BE49-F238E27FC236}">
+                <a16:creationId xmlns:a16="http://schemas.microsoft.com/office/drawing/2014/main" id="{63BDCE27-45AD-A049-9D17-22EE93CD2FE6}"/>
+              </a:ext>
+            </a:extLst>
+          </p:cNvPr>
+          <p:cNvCxnSpPr>
+            <a:stCxn id="2" idx="2"/>
+            <a:endCxn id="56" idx="0"/>
+          </p:cNvCxnSpPr>
+          <p:nvPr/>
+        </p:nvCxnSpPr>
+        <p:spPr>
+          <a:xfrm>
+            <a:off x="3935760" y="1798739"/>
+            <a:ext cx="1800200" cy="766165"/>
+          </a:xfrm>
+          <a:prstGeom prst="straightConnector1">
+            <a:avLst/>
+          </a:prstGeom>
+          <a:ln>
+            <a:solidFill>
+              <a:schemeClr val="tx1"/>
+            </a:solidFill>
+            <a:tailEnd type="triangle"/>
+          </a:ln>
+        </p:spPr>
+        <p:style>
+          <a:lnRef idx="1">
+            <a:schemeClr val="accent1"/>
+          </a:lnRef>
+          <a:fillRef idx="0">
+            <a:schemeClr val="accent1"/>
+          </a:fillRef>
+          <a:effectRef idx="0">
+            <a:schemeClr val="accent1"/>
+          </a:effectRef>
+          <a:fontRef idx="minor">
+            <a:schemeClr val="tx1"/>
+          </a:fontRef>
+        </p:style>
+      </p:cxnSp>
+      <p:pic>
+        <p:nvPicPr>
+          <p:cNvPr id="59" name="図 58">
+            <a:extLst>
+              <a:ext uri="{FF2B5EF4-FFF2-40B4-BE49-F238E27FC236}">
+                <a16:creationId xmlns:a16="http://schemas.microsoft.com/office/drawing/2014/main" id="{0DEF85E0-F6AB-504E-A512-CAA04F23218D}"/>
+              </a:ext>
+            </a:extLst>
+          </p:cNvPr>
+          <p:cNvPicPr>
+            <a:picLocks noChangeAspect="1"/>
+          </p:cNvPicPr>
+          <p:nvPr/>
+        </p:nvPicPr>
+        <p:blipFill>
+          <a:blip r:embed="rId2"/>
+          <a:stretch>
+            <a:fillRect/>
+          </a:stretch>
+        </p:blipFill>
+        <p:spPr>
+          <a:xfrm>
+            <a:off x="2783632" y="3933056"/>
+            <a:ext cx="1152128" cy="962027"/>
+          </a:xfrm>
+          <a:prstGeom prst="rect">
+            <a:avLst/>
+          </a:prstGeom>
+        </p:spPr>
+      </p:pic>
+      <p:pic>
+        <p:nvPicPr>
+          <p:cNvPr id="60" name="図 59">
+            <a:extLst>
+              <a:ext uri="{FF2B5EF4-FFF2-40B4-BE49-F238E27FC236}">
+                <a16:creationId xmlns:a16="http://schemas.microsoft.com/office/drawing/2014/main" id="{32AFA010-49B7-424B-870F-952B3FFA181B}"/>
+              </a:ext>
+            </a:extLst>
+          </p:cNvPr>
+          <p:cNvPicPr>
+            <a:picLocks noChangeAspect="1"/>
+          </p:cNvPicPr>
+          <p:nvPr/>
+        </p:nvPicPr>
+        <p:blipFill>
+          <a:blip r:embed="rId3"/>
+          <a:stretch>
+            <a:fillRect/>
+          </a:stretch>
+        </p:blipFill>
+        <p:spPr>
+          <a:xfrm>
+            <a:off x="4367808" y="4005064"/>
+            <a:ext cx="864096" cy="1009982"/>
+          </a:xfrm>
+          <a:prstGeom prst="rect">
+            <a:avLst/>
+          </a:prstGeom>
+        </p:spPr>
+      </p:pic>
+      <p:pic>
+        <p:nvPicPr>
+          <p:cNvPr id="61" name="図 60">
+            <a:extLst>
+              <a:ext uri="{FF2B5EF4-FFF2-40B4-BE49-F238E27FC236}">
+                <a16:creationId xmlns:a16="http://schemas.microsoft.com/office/drawing/2014/main" id="{79905621-9473-F546-93CE-82D2DBF9C60F}"/>
+              </a:ext>
+            </a:extLst>
+          </p:cNvPr>
+          <p:cNvPicPr>
+            <a:picLocks noChangeAspect="1"/>
+          </p:cNvPicPr>
+          <p:nvPr/>
+        </p:nvPicPr>
+        <p:blipFill>
+          <a:blip r:embed="rId3"/>
+          <a:stretch>
+            <a:fillRect/>
+          </a:stretch>
+        </p:blipFill>
+        <p:spPr>
+          <a:xfrm>
+            <a:off x="4511824" y="4149080"/>
+            <a:ext cx="864096" cy="1009982"/>
+          </a:xfrm>
+          <a:prstGeom prst="rect">
+            <a:avLst/>
+          </a:prstGeom>
+        </p:spPr>
+      </p:pic>
+      <p:cxnSp>
+        <p:nvCxnSpPr>
+          <p:cNvPr id="62" name="直線矢印コネクタ 61">
+            <a:extLst>
+              <a:ext uri="{FF2B5EF4-FFF2-40B4-BE49-F238E27FC236}">
+                <a16:creationId xmlns:a16="http://schemas.microsoft.com/office/drawing/2014/main" id="{22C49EFC-5874-954A-BD89-2A7127B359BC}"/>
+              </a:ext>
+            </a:extLst>
+          </p:cNvPr>
+          <p:cNvCxnSpPr>
+            <a:cxnSpLocks/>
+            <a:stCxn id="6" idx="2"/>
+            <a:endCxn id="60" idx="0"/>
+          </p:cNvCxnSpPr>
+          <p:nvPr/>
+        </p:nvCxnSpPr>
+        <p:spPr>
+          <a:xfrm>
+            <a:off x="3935760" y="3501502"/>
+            <a:ext cx="864096" cy="503562"/>
+          </a:xfrm>
+          <a:prstGeom prst="straightConnector1">
+            <a:avLst/>
+          </a:prstGeom>
+          <a:ln>
+            <a:solidFill>
+              <a:schemeClr val="tx1"/>
+            </a:solidFill>
+            <a:tailEnd type="triangle"/>
+          </a:ln>
+        </p:spPr>
+        <p:style>
+          <a:lnRef idx="1">
+            <a:schemeClr val="accent1"/>
+          </a:lnRef>
+          <a:fillRef idx="0">
+            <a:schemeClr val="accent1"/>
+          </a:fillRef>
+          <a:effectRef idx="0">
+            <a:schemeClr val="accent1"/>
+          </a:effectRef>
+          <a:fontRef idx="minor">
+            <a:schemeClr val="tx1"/>
+          </a:fontRef>
+        </p:style>
+      </p:cxnSp>
+      <p:cxnSp>
+        <p:nvCxnSpPr>
+          <p:cNvPr id="66" name="直線矢印コネクタ 65">
+            <a:extLst>
+              <a:ext uri="{FF2B5EF4-FFF2-40B4-BE49-F238E27FC236}">
+                <a16:creationId xmlns:a16="http://schemas.microsoft.com/office/drawing/2014/main" id="{DE96A513-3A8D-EC45-BC84-1A5623921A45}"/>
+              </a:ext>
+            </a:extLst>
+          </p:cNvPr>
+          <p:cNvCxnSpPr>
+            <a:stCxn id="6" idx="2"/>
+            <a:endCxn id="59" idx="0"/>
+          </p:cNvCxnSpPr>
+          <p:nvPr/>
+        </p:nvCxnSpPr>
+        <p:spPr>
+          <a:xfrm flipH="1">
+            <a:off x="3359696" y="3501502"/>
+            <a:ext cx="576064" cy="431554"/>
+          </a:xfrm>
+          <a:prstGeom prst="straightConnector1">
+            <a:avLst/>
+          </a:prstGeom>
+          <a:ln>
+            <a:solidFill>
+              <a:schemeClr val="tx1"/>
+            </a:solidFill>
+            <a:tailEnd type="triangle"/>
+          </a:ln>
+        </p:spPr>
+        <p:style>
+          <a:lnRef idx="1">
+            <a:schemeClr val="accent1"/>
+          </a:lnRef>
+          <a:fillRef idx="0">
+            <a:schemeClr val="accent1"/>
+          </a:fillRef>
+          <a:effectRef idx="0">
+            <a:schemeClr val="accent1"/>
+          </a:effectRef>
+          <a:fontRef idx="minor">
+            <a:schemeClr val="tx1"/>
+          </a:fontRef>
+        </p:style>
+      </p:cxnSp>
+      <p:pic>
+        <p:nvPicPr>
+          <p:cNvPr id="70" name="図 69">
+            <a:extLst>
+              <a:ext uri="{FF2B5EF4-FFF2-40B4-BE49-F238E27FC236}">
+                <a16:creationId xmlns:a16="http://schemas.microsoft.com/office/drawing/2014/main" id="{2A67A5CD-04D9-E24B-AF96-469DD34BA3B9}"/>
+              </a:ext>
+            </a:extLst>
+          </p:cNvPr>
+          <p:cNvPicPr>
+            <a:picLocks noChangeAspect="1"/>
+          </p:cNvPicPr>
+          <p:nvPr/>
+        </p:nvPicPr>
+        <p:blipFill>
+          <a:blip r:embed="rId3"/>
+          <a:stretch>
+            <a:fillRect/>
+          </a:stretch>
+        </p:blipFill>
+        <p:spPr>
+          <a:xfrm>
+            <a:off x="2927648" y="5274186"/>
+            <a:ext cx="864096" cy="1009982"/>
+          </a:xfrm>
+          <a:prstGeom prst="rect">
+            <a:avLst/>
+          </a:prstGeom>
+        </p:spPr>
+      </p:pic>
+      <p:pic>
+        <p:nvPicPr>
+          <p:cNvPr id="71" name="図 70">
+            <a:extLst>
+              <a:ext uri="{FF2B5EF4-FFF2-40B4-BE49-F238E27FC236}">
+                <a16:creationId xmlns:a16="http://schemas.microsoft.com/office/drawing/2014/main" id="{5A518C7E-0507-354B-A793-39F99635E9AA}"/>
+              </a:ext>
+            </a:extLst>
+          </p:cNvPr>
+          <p:cNvPicPr>
+            <a:picLocks noChangeAspect="1"/>
+          </p:cNvPicPr>
+          <p:nvPr/>
+        </p:nvPicPr>
+        <p:blipFill>
+          <a:blip r:embed="rId3"/>
+          <a:stretch>
+            <a:fillRect/>
+          </a:stretch>
+        </p:blipFill>
+        <p:spPr>
+          <a:xfrm>
+            <a:off x="3080048" y="5426586"/>
+            <a:ext cx="864096" cy="1009982"/>
+          </a:xfrm>
+          <a:prstGeom prst="rect">
+            <a:avLst/>
+          </a:prstGeom>
+        </p:spPr>
+      </p:pic>
+      <p:pic>
+        <p:nvPicPr>
+          <p:cNvPr id="72" name="図 71">
+            <a:extLst>
+              <a:ext uri="{FF2B5EF4-FFF2-40B4-BE49-F238E27FC236}">
+                <a16:creationId xmlns:a16="http://schemas.microsoft.com/office/drawing/2014/main" id="{DFAF9FFA-FE06-7648-88C6-03E0A67506BF}"/>
+              </a:ext>
+            </a:extLst>
+          </p:cNvPr>
+          <p:cNvPicPr>
+            <a:picLocks noChangeAspect="1"/>
+          </p:cNvPicPr>
+          <p:nvPr/>
+        </p:nvPicPr>
+        <p:blipFill>
+          <a:blip r:embed="rId3"/>
+          <a:stretch>
+            <a:fillRect/>
+          </a:stretch>
+        </p:blipFill>
+        <p:spPr>
+          <a:xfrm>
+            <a:off x="3232448" y="5578986"/>
+            <a:ext cx="864096" cy="1009982"/>
+          </a:xfrm>
+          <a:prstGeom prst="rect">
+            <a:avLst/>
+          </a:prstGeom>
+        </p:spPr>
+      </p:pic>
+      <p:pic>
+        <p:nvPicPr>
+          <p:cNvPr id="73" name="図 72">
+            <a:extLst>
+              <a:ext uri="{FF2B5EF4-FFF2-40B4-BE49-F238E27FC236}">
+                <a16:creationId xmlns:a16="http://schemas.microsoft.com/office/drawing/2014/main" id="{D0BEC110-9602-C041-A860-6AECB918E137}"/>
+              </a:ext>
+            </a:extLst>
+          </p:cNvPr>
+          <p:cNvPicPr>
+            <a:picLocks noChangeAspect="1"/>
+          </p:cNvPicPr>
+          <p:nvPr/>
+        </p:nvPicPr>
+        <p:blipFill>
+          <a:blip r:embed="rId3"/>
+          <a:stretch>
+            <a:fillRect/>
+          </a:stretch>
+        </p:blipFill>
+        <p:spPr>
+          <a:xfrm>
+            <a:off x="3384848" y="5731386"/>
+            <a:ext cx="864096" cy="1009982"/>
+          </a:xfrm>
+          <a:prstGeom prst="rect">
+            <a:avLst/>
+          </a:prstGeom>
+        </p:spPr>
+      </p:pic>
+      <p:cxnSp>
+        <p:nvCxnSpPr>
+          <p:cNvPr id="76" name="直線矢印コネクタ 75">
+            <a:extLst>
+              <a:ext uri="{FF2B5EF4-FFF2-40B4-BE49-F238E27FC236}">
+                <a16:creationId xmlns:a16="http://schemas.microsoft.com/office/drawing/2014/main" id="{AF863FDB-E0E0-AA40-B014-341EA1F01F16}"/>
+              </a:ext>
+            </a:extLst>
+          </p:cNvPr>
+          <p:cNvCxnSpPr>
+            <a:stCxn id="59" idx="2"/>
+            <a:endCxn id="70" idx="0"/>
+          </p:cNvCxnSpPr>
+          <p:nvPr/>
+        </p:nvCxnSpPr>
+        <p:spPr>
+          <a:xfrm>
+            <a:off x="3359696" y="4895083"/>
+            <a:ext cx="0" cy="379103"/>
+          </a:xfrm>
+          <a:prstGeom prst="straightConnector1">
+            <a:avLst/>
+          </a:prstGeom>
+          <a:ln>
+            <a:solidFill>
+              <a:schemeClr val="tx1"/>
+            </a:solidFill>
+            <a:tailEnd type="triangle"/>
+          </a:ln>
+        </p:spPr>
+        <p:style>
+          <a:lnRef idx="1">
+            <a:schemeClr val="accent1"/>
+          </a:lnRef>
+          <a:fillRef idx="0">
+            <a:schemeClr val="accent1"/>
+          </a:fillRef>
+          <a:effectRef idx="0">
+            <a:schemeClr val="accent1"/>
+          </a:effectRef>
+          <a:fontRef idx="minor">
+            <a:schemeClr val="tx1"/>
+          </a:fontRef>
+        </p:style>
+      </p:cxnSp>
+      <p:cxnSp>
+        <p:nvCxnSpPr>
+          <p:cNvPr id="5" name="直線矢印コネクタ 4">
+            <a:extLst>
+              <a:ext uri="{FF2B5EF4-FFF2-40B4-BE49-F238E27FC236}">
+                <a16:creationId xmlns:a16="http://schemas.microsoft.com/office/drawing/2014/main" id="{26069D32-1A86-994D-95AE-B903BCFD5DBE}"/>
+              </a:ext>
+            </a:extLst>
+          </p:cNvPr>
+          <p:cNvCxnSpPr>
+            <a:cxnSpLocks/>
+          </p:cNvCxnSpPr>
+          <p:nvPr/>
+        </p:nvCxnSpPr>
+        <p:spPr>
+          <a:xfrm flipV="1">
+            <a:off x="1487488" y="3501008"/>
+            <a:ext cx="720080" cy="432048"/>
+          </a:xfrm>
+          <a:prstGeom prst="straightConnector1">
+            <a:avLst/>
+          </a:prstGeom>
+          <a:ln>
+            <a:solidFill>
+              <a:srgbClr val="FF0000"/>
+            </a:solidFill>
+            <a:tailEnd type="triangle"/>
+          </a:ln>
+        </p:spPr>
+        <p:style>
+          <a:lnRef idx="1">
+            <a:schemeClr val="accent1"/>
+          </a:lnRef>
+          <a:fillRef idx="0">
+            <a:schemeClr val="accent1"/>
+          </a:fillRef>
+          <a:effectRef idx="0">
+            <a:schemeClr val="accent1"/>
+          </a:effectRef>
+          <a:fontRef idx="minor">
+            <a:schemeClr val="tx1"/>
+          </a:fontRef>
+        </p:style>
+      </p:cxnSp>
+      <p:sp>
+        <p:nvSpPr>
+          <p:cNvPr id="11" name="テキスト ボックス 10">
+            <a:extLst>
+              <a:ext uri="{FF2B5EF4-FFF2-40B4-BE49-F238E27FC236}">
+                <a16:creationId xmlns:a16="http://schemas.microsoft.com/office/drawing/2014/main" id="{FA6FCC86-16E0-9E46-85FE-AF4FCC093807}"/>
+              </a:ext>
+            </a:extLst>
+          </p:cNvPr>
+          <p:cNvSpPr txBox="1"/>
+          <p:nvPr/>
+        </p:nvSpPr>
+        <p:spPr>
+          <a:xfrm>
+            <a:off x="1775520" y="3717032"/>
+            <a:ext cx="312906" cy="369332"/>
+          </a:xfrm>
+          <a:prstGeom prst="rect">
+            <a:avLst/>
+          </a:prstGeom>
+          <a:noFill/>
+        </p:spPr>
+        <p:txBody>
+          <a:bodyPr wrap="none" rtlCol="0">
+            <a:spAutoFit/>
+          </a:bodyPr>
+          <a:lstStyle/>
+          <a:p>
+            <a:r>
+              <a:rPr kumimoji="1" lang="en-US" altLang="ja-JP">
+                <a:solidFill>
+                  <a:srgbClr val="FF0000"/>
+                </a:solidFill>
+              </a:rPr>
+              <a:t>3</a:t>
+            </a:r>
+            <a:endParaRPr kumimoji="1" lang="ja-JP" altLang="en-US">
+              <a:solidFill>
+                <a:srgbClr val="FF0000"/>
+              </a:solidFill>
+            </a:endParaRPr>
+          </a:p>
+        </p:txBody>
+      </p:sp>
+      <p:cxnSp>
+        <p:nvCxnSpPr>
+          <p:cNvPr id="29" name="直線矢印コネクタ 28">
+            <a:extLst>
+              <a:ext uri="{FF2B5EF4-FFF2-40B4-BE49-F238E27FC236}">
+                <a16:creationId xmlns:a16="http://schemas.microsoft.com/office/drawing/2014/main" id="{BC054361-3E3D-EC46-8EE6-2ABF2C7E88FC}"/>
+              </a:ext>
+            </a:extLst>
+          </p:cNvPr>
+          <p:cNvCxnSpPr>
+            <a:cxnSpLocks/>
+          </p:cNvCxnSpPr>
+          <p:nvPr/>
+        </p:nvCxnSpPr>
+        <p:spPr>
+          <a:xfrm flipV="1">
+            <a:off x="2351584" y="2204864"/>
+            <a:ext cx="864096" cy="360040"/>
+          </a:xfrm>
+          <a:prstGeom prst="straightConnector1">
+            <a:avLst/>
+          </a:prstGeom>
+          <a:ln>
+            <a:solidFill>
+              <a:srgbClr val="FF0000"/>
+            </a:solidFill>
+            <a:tailEnd type="triangle"/>
+          </a:ln>
+        </p:spPr>
+        <p:style>
+          <a:lnRef idx="1">
+            <a:schemeClr val="accent1"/>
+          </a:lnRef>
+          <a:fillRef idx="0">
+            <a:schemeClr val="accent1"/>
+          </a:fillRef>
+          <a:effectRef idx="0">
+            <a:schemeClr val="accent1"/>
+          </a:effectRef>
+          <a:fontRef idx="minor">
+            <a:schemeClr val="tx1"/>
+          </a:fontRef>
+        </p:style>
+      </p:cxnSp>
+      <p:sp>
+        <p:nvSpPr>
+          <p:cNvPr id="31" name="テキスト ボックス 30">
+            <a:extLst>
+              <a:ext uri="{FF2B5EF4-FFF2-40B4-BE49-F238E27FC236}">
+                <a16:creationId xmlns:a16="http://schemas.microsoft.com/office/drawing/2014/main" id="{CF6E062C-09FB-0845-A112-D37B003BD224}"/>
+              </a:ext>
+            </a:extLst>
+          </p:cNvPr>
+          <p:cNvSpPr txBox="1"/>
+          <p:nvPr/>
+        </p:nvSpPr>
+        <p:spPr>
+          <a:xfrm>
+            <a:off x="2711624" y="2420888"/>
+            <a:ext cx="312906" cy="369332"/>
+          </a:xfrm>
+          <a:prstGeom prst="rect">
+            <a:avLst/>
+          </a:prstGeom>
+          <a:noFill/>
+        </p:spPr>
+        <p:txBody>
+          <a:bodyPr wrap="none" rtlCol="0">
+            <a:spAutoFit/>
+          </a:bodyPr>
+          <a:lstStyle/>
+          <a:p>
+            <a:r>
+              <a:rPr kumimoji="1" lang="en-US" altLang="ja-JP">
+                <a:solidFill>
+                  <a:srgbClr val="FF0000"/>
+                </a:solidFill>
+              </a:rPr>
+              <a:t>3</a:t>
+            </a:r>
+            <a:endParaRPr kumimoji="1" lang="ja-JP" altLang="en-US">
+              <a:solidFill>
+                <a:srgbClr val="FF0000"/>
+              </a:solidFill>
+            </a:endParaRPr>
+          </a:p>
+        </p:txBody>
+      </p:sp>
+      <p:cxnSp>
+        <p:nvCxnSpPr>
+          <p:cNvPr id="32" name="直線矢印コネクタ 31">
+            <a:extLst>
+              <a:ext uri="{FF2B5EF4-FFF2-40B4-BE49-F238E27FC236}">
+                <a16:creationId xmlns:a16="http://schemas.microsoft.com/office/drawing/2014/main" id="{B1FB619E-F0C5-D54E-BF5F-54FA65C99A9F}"/>
+              </a:ext>
+            </a:extLst>
+          </p:cNvPr>
+          <p:cNvCxnSpPr>
+            <a:cxnSpLocks/>
+          </p:cNvCxnSpPr>
+          <p:nvPr/>
+        </p:nvCxnSpPr>
+        <p:spPr>
+          <a:xfrm flipV="1">
+            <a:off x="4079776" y="2060848"/>
+            <a:ext cx="0" cy="504056"/>
+          </a:xfrm>
+          <a:prstGeom prst="straightConnector1">
+            <a:avLst/>
+          </a:prstGeom>
+          <a:ln>
+            <a:solidFill>
+              <a:srgbClr val="FF0000"/>
+            </a:solidFill>
+            <a:tailEnd type="triangle"/>
+          </a:ln>
+        </p:spPr>
+        <p:style>
+          <a:lnRef idx="1">
+            <a:schemeClr val="accent1"/>
+          </a:lnRef>
+          <a:fillRef idx="0">
+            <a:schemeClr val="accent1"/>
+          </a:fillRef>
+          <a:effectRef idx="0">
+            <a:schemeClr val="accent1"/>
+          </a:effectRef>
+          <a:fontRef idx="minor">
+            <a:schemeClr val="tx1"/>
+          </a:fontRef>
+        </p:style>
+      </p:cxnSp>
+      <p:sp>
+        <p:nvSpPr>
+          <p:cNvPr id="35" name="テキスト ボックス 34">
+            <a:extLst>
+              <a:ext uri="{FF2B5EF4-FFF2-40B4-BE49-F238E27FC236}">
+                <a16:creationId xmlns:a16="http://schemas.microsoft.com/office/drawing/2014/main" id="{35F58886-5932-A540-BA1B-14469E8418D7}"/>
+              </a:ext>
+            </a:extLst>
+          </p:cNvPr>
+          <p:cNvSpPr txBox="1"/>
+          <p:nvPr/>
+        </p:nvSpPr>
+        <p:spPr>
+          <a:xfrm>
+            <a:off x="4223792" y="2204864"/>
+            <a:ext cx="312906" cy="369332"/>
+          </a:xfrm>
+          <a:prstGeom prst="rect">
+            <a:avLst/>
+          </a:prstGeom>
+          <a:noFill/>
+        </p:spPr>
+        <p:txBody>
+          <a:bodyPr wrap="none" rtlCol="0">
+            <a:spAutoFit/>
+          </a:bodyPr>
+          <a:lstStyle/>
+          <a:p>
+            <a:r>
+              <a:rPr kumimoji="1" lang="en-US" altLang="ja-JP">
+                <a:solidFill>
+                  <a:srgbClr val="FF0000"/>
+                </a:solidFill>
+              </a:rPr>
+              <a:t>6</a:t>
+            </a:r>
+            <a:endParaRPr kumimoji="1" lang="ja-JP" altLang="en-US">
+              <a:solidFill>
+                <a:srgbClr val="FF0000"/>
+              </a:solidFill>
+            </a:endParaRPr>
+          </a:p>
+        </p:txBody>
+      </p:sp>
+      <p:cxnSp>
+        <p:nvCxnSpPr>
+          <p:cNvPr id="36" name="直線矢印コネクタ 35">
+            <a:extLst>
+              <a:ext uri="{FF2B5EF4-FFF2-40B4-BE49-F238E27FC236}">
+                <a16:creationId xmlns:a16="http://schemas.microsoft.com/office/drawing/2014/main" id="{21F841B5-758E-1346-9A69-8F09627D6CB9}"/>
+              </a:ext>
+            </a:extLst>
+          </p:cNvPr>
+          <p:cNvCxnSpPr>
+            <a:cxnSpLocks/>
+          </p:cNvCxnSpPr>
+          <p:nvPr/>
+        </p:nvCxnSpPr>
+        <p:spPr>
+          <a:xfrm flipH="1" flipV="1">
+            <a:off x="4655840" y="1916832"/>
+            <a:ext cx="1008112" cy="432048"/>
+          </a:xfrm>
+          <a:prstGeom prst="straightConnector1">
+            <a:avLst/>
+          </a:prstGeom>
+          <a:ln>
+            <a:solidFill>
+              <a:srgbClr val="FF0000"/>
+            </a:solidFill>
+            <a:tailEnd type="triangle"/>
+          </a:ln>
+        </p:spPr>
+        <p:style>
+          <a:lnRef idx="1">
+            <a:schemeClr val="accent1"/>
+          </a:lnRef>
+          <a:fillRef idx="0">
+            <a:schemeClr val="accent1"/>
+          </a:fillRef>
+          <a:effectRef idx="0">
+            <a:schemeClr val="accent1"/>
+          </a:effectRef>
+          <a:fontRef idx="minor">
+            <a:schemeClr val="tx1"/>
+          </a:fontRef>
+        </p:style>
+      </p:cxnSp>
+      <p:sp>
+        <p:nvSpPr>
+          <p:cNvPr id="38" name="テキスト ボックス 37">
+            <a:extLst>
+              <a:ext uri="{FF2B5EF4-FFF2-40B4-BE49-F238E27FC236}">
+                <a16:creationId xmlns:a16="http://schemas.microsoft.com/office/drawing/2014/main" id="{2F46860F-B908-B94D-8526-EF4D0674BC0D}"/>
+              </a:ext>
+            </a:extLst>
+          </p:cNvPr>
+          <p:cNvSpPr txBox="1"/>
+          <p:nvPr/>
+        </p:nvSpPr>
+        <p:spPr>
+          <a:xfrm>
+            <a:off x="5231904" y="1772816"/>
+            <a:ext cx="312906" cy="369332"/>
+          </a:xfrm>
+          <a:prstGeom prst="rect">
+            <a:avLst/>
+          </a:prstGeom>
+          <a:noFill/>
+        </p:spPr>
+        <p:txBody>
+          <a:bodyPr wrap="none" rtlCol="0">
+            <a:spAutoFit/>
+          </a:bodyPr>
+          <a:lstStyle/>
+          <a:p>
+            <a:r>
+              <a:rPr kumimoji="1" lang="en-US" altLang="ja-JP">
+                <a:solidFill>
+                  <a:srgbClr val="FF0000"/>
+                </a:solidFill>
+              </a:rPr>
+              <a:t>1</a:t>
+            </a:r>
+            <a:endParaRPr kumimoji="1" lang="ja-JP" altLang="en-US">
+              <a:solidFill>
+                <a:srgbClr val="FF0000"/>
+              </a:solidFill>
+            </a:endParaRPr>
+          </a:p>
+        </p:txBody>
+      </p:sp>
+      <p:cxnSp>
+        <p:nvCxnSpPr>
+          <p:cNvPr id="39" name="直線矢印コネクタ 38">
+            <a:extLst>
+              <a:ext uri="{FF2B5EF4-FFF2-40B4-BE49-F238E27FC236}">
+                <a16:creationId xmlns:a16="http://schemas.microsoft.com/office/drawing/2014/main" id="{4C9928C6-EF6B-044C-958E-DB9D9639F25E}"/>
+              </a:ext>
+            </a:extLst>
+          </p:cNvPr>
+          <p:cNvCxnSpPr>
+            <a:cxnSpLocks/>
+          </p:cNvCxnSpPr>
+          <p:nvPr/>
+        </p:nvCxnSpPr>
+        <p:spPr>
+          <a:xfrm flipV="1">
+            <a:off x="3431704" y="3645024"/>
+            <a:ext cx="432048" cy="360040"/>
+          </a:xfrm>
+          <a:prstGeom prst="straightConnector1">
+            <a:avLst/>
+          </a:prstGeom>
+          <a:ln>
+            <a:solidFill>
+              <a:srgbClr val="FF0000"/>
+            </a:solidFill>
+            <a:tailEnd type="triangle"/>
+          </a:ln>
+        </p:spPr>
+        <p:style>
+          <a:lnRef idx="1">
+            <a:schemeClr val="accent1"/>
+          </a:lnRef>
+          <a:fillRef idx="0">
+            <a:schemeClr val="accent1"/>
+          </a:fillRef>
+          <a:effectRef idx="0">
+            <a:schemeClr val="accent1"/>
+          </a:effectRef>
+          <a:fontRef idx="minor">
+            <a:schemeClr val="tx1"/>
+          </a:fontRef>
+        </p:style>
+      </p:cxnSp>
+      <p:sp>
+        <p:nvSpPr>
+          <p:cNvPr id="41" name="テキスト ボックス 40">
+            <a:extLst>
+              <a:ext uri="{FF2B5EF4-FFF2-40B4-BE49-F238E27FC236}">
+                <a16:creationId xmlns:a16="http://schemas.microsoft.com/office/drawing/2014/main" id="{2A09B05A-2ABD-8B43-920C-96CA7B83FDA4}"/>
+              </a:ext>
+            </a:extLst>
+          </p:cNvPr>
+          <p:cNvSpPr txBox="1"/>
+          <p:nvPr/>
+        </p:nvSpPr>
+        <p:spPr>
+          <a:xfrm>
+            <a:off x="3647728" y="3789040"/>
+            <a:ext cx="312906" cy="369332"/>
+          </a:xfrm>
+          <a:prstGeom prst="rect">
+            <a:avLst/>
+          </a:prstGeom>
+          <a:noFill/>
+        </p:spPr>
+        <p:txBody>
+          <a:bodyPr wrap="none" rtlCol="0">
+            <a:spAutoFit/>
+          </a:bodyPr>
+          <a:lstStyle/>
+          <a:p>
+            <a:r>
+              <a:rPr kumimoji="1" lang="en-US" altLang="ja-JP">
+                <a:solidFill>
+                  <a:srgbClr val="FF0000"/>
+                </a:solidFill>
+              </a:rPr>
+              <a:t>4</a:t>
+            </a:r>
+            <a:endParaRPr kumimoji="1" lang="ja-JP" altLang="en-US">
+              <a:solidFill>
+                <a:srgbClr val="FF0000"/>
+              </a:solidFill>
+            </a:endParaRPr>
+          </a:p>
+        </p:txBody>
+      </p:sp>
+      <p:cxnSp>
+        <p:nvCxnSpPr>
+          <p:cNvPr id="42" name="直線矢印コネクタ 41">
+            <a:extLst>
+              <a:ext uri="{FF2B5EF4-FFF2-40B4-BE49-F238E27FC236}">
+                <a16:creationId xmlns:a16="http://schemas.microsoft.com/office/drawing/2014/main" id="{3C9A9614-6206-3C49-9CF6-D5D3DD09645C}"/>
+              </a:ext>
+            </a:extLst>
+          </p:cNvPr>
+          <p:cNvCxnSpPr>
+            <a:cxnSpLocks/>
+          </p:cNvCxnSpPr>
+          <p:nvPr/>
+        </p:nvCxnSpPr>
+        <p:spPr>
+          <a:xfrm flipV="1">
+            <a:off x="3503712" y="4869160"/>
+            <a:ext cx="0" cy="360040"/>
+          </a:xfrm>
+          <a:prstGeom prst="straightConnector1">
+            <a:avLst/>
+          </a:prstGeom>
+          <a:ln>
+            <a:solidFill>
+              <a:srgbClr val="FF0000"/>
+            </a:solidFill>
+            <a:tailEnd type="triangle"/>
+          </a:ln>
+        </p:spPr>
+        <p:style>
+          <a:lnRef idx="1">
+            <a:schemeClr val="accent1"/>
+          </a:lnRef>
+          <a:fillRef idx="0">
+            <a:schemeClr val="accent1"/>
+          </a:fillRef>
+          <a:effectRef idx="0">
+            <a:schemeClr val="accent1"/>
+          </a:effectRef>
+          <a:fontRef idx="minor">
+            <a:schemeClr val="tx1"/>
+          </a:fontRef>
+        </p:style>
+      </p:cxnSp>
+      <p:sp>
+        <p:nvSpPr>
+          <p:cNvPr id="44" name="テキスト ボックス 43">
+            <a:extLst>
+              <a:ext uri="{FF2B5EF4-FFF2-40B4-BE49-F238E27FC236}">
+                <a16:creationId xmlns:a16="http://schemas.microsoft.com/office/drawing/2014/main" id="{CB60D352-31EC-B249-9BA6-96FBBEB32EDF}"/>
+              </a:ext>
+            </a:extLst>
+          </p:cNvPr>
+          <p:cNvSpPr txBox="1"/>
+          <p:nvPr/>
+        </p:nvSpPr>
+        <p:spPr>
+          <a:xfrm>
+            <a:off x="3575720" y="4869160"/>
+            <a:ext cx="312906" cy="369332"/>
+          </a:xfrm>
+          <a:prstGeom prst="rect">
+            <a:avLst/>
+          </a:prstGeom>
+          <a:noFill/>
+        </p:spPr>
+        <p:txBody>
+          <a:bodyPr wrap="none" rtlCol="0">
+            <a:spAutoFit/>
+          </a:bodyPr>
+          <a:lstStyle/>
+          <a:p>
+            <a:r>
+              <a:rPr kumimoji="1" lang="en-US" altLang="ja-JP">
+                <a:solidFill>
+                  <a:srgbClr val="FF0000"/>
+                </a:solidFill>
+              </a:rPr>
+              <a:t>4</a:t>
+            </a:r>
+            <a:endParaRPr kumimoji="1" lang="ja-JP" altLang="en-US">
+              <a:solidFill>
+                <a:srgbClr val="FF0000"/>
+              </a:solidFill>
+            </a:endParaRPr>
+          </a:p>
+        </p:txBody>
+      </p:sp>
+      <p:sp>
+        <p:nvSpPr>
+          <p:cNvPr id="45" name="テキスト ボックス 44">
+            <a:extLst>
+              <a:ext uri="{FF2B5EF4-FFF2-40B4-BE49-F238E27FC236}">
+                <a16:creationId xmlns:a16="http://schemas.microsoft.com/office/drawing/2014/main" id="{047B47A8-B0C5-5649-A552-219688EC98C6}"/>
+              </a:ext>
+            </a:extLst>
+          </p:cNvPr>
+          <p:cNvSpPr txBox="1"/>
+          <p:nvPr/>
+        </p:nvSpPr>
+        <p:spPr>
+          <a:xfrm>
+            <a:off x="4655840" y="3573016"/>
+            <a:ext cx="312906" cy="369332"/>
+          </a:xfrm>
+          <a:prstGeom prst="rect">
+            <a:avLst/>
+          </a:prstGeom>
+          <a:noFill/>
+        </p:spPr>
+        <p:txBody>
+          <a:bodyPr wrap="none" rtlCol="0">
+            <a:spAutoFit/>
+          </a:bodyPr>
+          <a:lstStyle/>
+          <a:p>
+            <a:r>
+              <a:rPr kumimoji="1" lang="en-US" altLang="ja-JP">
+                <a:solidFill>
+                  <a:srgbClr val="FF0000"/>
+                </a:solidFill>
+              </a:rPr>
+              <a:t>2</a:t>
+            </a:r>
+            <a:endParaRPr kumimoji="1" lang="ja-JP" altLang="en-US">
+              <a:solidFill>
+                <a:srgbClr val="FF0000"/>
+              </a:solidFill>
+            </a:endParaRPr>
+          </a:p>
+        </p:txBody>
+      </p:sp>
+      <p:cxnSp>
+        <p:nvCxnSpPr>
+          <p:cNvPr id="46" name="直線矢印コネクタ 45">
+            <a:extLst>
+              <a:ext uri="{FF2B5EF4-FFF2-40B4-BE49-F238E27FC236}">
+                <a16:creationId xmlns:a16="http://schemas.microsoft.com/office/drawing/2014/main" id="{437DFBDD-7C15-4742-A060-4F8DDBD07BAA}"/>
+              </a:ext>
+            </a:extLst>
+          </p:cNvPr>
+          <p:cNvCxnSpPr>
+            <a:cxnSpLocks/>
+            <a:stCxn id="45" idx="1"/>
+          </p:cNvCxnSpPr>
+          <p:nvPr/>
+        </p:nvCxnSpPr>
+        <p:spPr>
+          <a:xfrm flipH="1" flipV="1">
+            <a:off x="4223792" y="3501008"/>
+            <a:ext cx="432048" cy="256674"/>
+          </a:xfrm>
+          <a:prstGeom prst="straightConnector1">
+            <a:avLst/>
+          </a:prstGeom>
+          <a:ln>
+            <a:solidFill>
+              <a:srgbClr val="FF0000"/>
+            </a:solidFill>
+            <a:tailEnd type="triangle"/>
+          </a:ln>
+        </p:spPr>
+        <p:style>
+          <a:lnRef idx="1">
+            <a:schemeClr val="accent1"/>
+          </a:lnRef>
+          <a:fillRef idx="0">
+            <a:schemeClr val="accent1"/>
+          </a:fillRef>
+          <a:effectRef idx="0">
+            <a:schemeClr val="accent1"/>
+          </a:effectRef>
+          <a:fontRef idx="minor">
+            <a:schemeClr val="tx1"/>
+          </a:fontRef>
+        </p:style>
+      </p:cxnSp>
+      <p:cxnSp>
+        <p:nvCxnSpPr>
+          <p:cNvPr id="49" name="直線矢印コネクタ 48">
+            <a:extLst>
+              <a:ext uri="{FF2B5EF4-FFF2-40B4-BE49-F238E27FC236}">
+                <a16:creationId xmlns:a16="http://schemas.microsoft.com/office/drawing/2014/main" id="{49A614C6-FCDC-2E4B-A324-3D6DEF559774}"/>
+              </a:ext>
+            </a:extLst>
+          </p:cNvPr>
+          <p:cNvCxnSpPr>
+            <a:cxnSpLocks/>
+          </p:cNvCxnSpPr>
+          <p:nvPr/>
+        </p:nvCxnSpPr>
+        <p:spPr>
+          <a:xfrm flipV="1">
+            <a:off x="3935760" y="404664"/>
+            <a:ext cx="0" cy="504056"/>
+          </a:xfrm>
+          <a:prstGeom prst="straightConnector1">
+            <a:avLst/>
+          </a:prstGeom>
+          <a:ln>
+            <a:solidFill>
+              <a:srgbClr val="FF0000"/>
+            </a:solidFill>
+            <a:tailEnd type="triangle"/>
+          </a:ln>
+        </p:spPr>
+        <p:style>
+          <a:lnRef idx="1">
+            <a:schemeClr val="accent1"/>
+          </a:lnRef>
+          <a:fillRef idx="0">
+            <a:schemeClr val="accent1"/>
+          </a:fillRef>
+          <a:effectRef idx="0">
+            <a:schemeClr val="accent1"/>
+          </a:effectRef>
+          <a:fontRef idx="minor">
+            <a:schemeClr val="tx1"/>
+          </a:fontRef>
+        </p:style>
+      </p:cxnSp>
+      <p:sp>
+        <p:nvSpPr>
+          <p:cNvPr id="50" name="テキスト ボックス 49">
+            <a:extLst>
+              <a:ext uri="{FF2B5EF4-FFF2-40B4-BE49-F238E27FC236}">
+                <a16:creationId xmlns:a16="http://schemas.microsoft.com/office/drawing/2014/main" id="{57C4B449-EE6A-C94B-9FE7-47A649E7E8B1}"/>
+              </a:ext>
+            </a:extLst>
+          </p:cNvPr>
+          <p:cNvSpPr txBox="1"/>
+          <p:nvPr/>
+        </p:nvSpPr>
+        <p:spPr>
+          <a:xfrm>
+            <a:off x="4007768" y="548680"/>
+            <a:ext cx="441146" cy="369332"/>
+          </a:xfrm>
+          <a:prstGeom prst="rect">
+            <a:avLst/>
+          </a:prstGeom>
+          <a:noFill/>
+        </p:spPr>
+        <p:txBody>
+          <a:bodyPr wrap="none" rtlCol="0">
+            <a:spAutoFit/>
+          </a:bodyPr>
+          <a:lstStyle/>
+          <a:p>
+            <a:r>
+              <a:rPr kumimoji="1" lang="en-US" altLang="ja-JP">
+                <a:solidFill>
+                  <a:srgbClr val="FF0000"/>
+                </a:solidFill>
+              </a:rPr>
+              <a:t>10</a:t>
+            </a:r>
+            <a:endParaRPr kumimoji="1" lang="ja-JP" altLang="en-US">
+              <a:solidFill>
+                <a:srgbClr val="FF0000"/>
+              </a:solidFill>
+            </a:endParaRPr>
+          </a:p>
+        </p:txBody>
+      </p:sp>
+    </p:spTree>
+    <p:extLst>
+      <p:ext uri="{BB962C8B-B14F-4D97-AF65-F5344CB8AC3E}">
+        <p14:creationId xmlns:p14="http://schemas.microsoft.com/office/powerpoint/2010/main" val="1471343838"/>
+      </p:ext>
+    </p:extLst>
+  </p:cSld>
+  <p:clrMapOvr>
+    <a:masterClrMapping/>
+  </p:clrMapOvr>
+</p:sld>
+</file>
+
+<file path=ppt/slides/slide3.xml><?xml version="1.0" encoding="utf-8"?>
+<p:sld xmlns:a="http://schemas.openxmlformats.org/drawingml/2006/main" xmlns:r="http://schemas.openxmlformats.org/officeDocument/2006/relationships" xmlns:p="http://schemas.openxmlformats.org/presentationml/2006/main">
+  <p:cSld>
+    <p:spTree>
+      <p:nvGrpSpPr>
+        <p:cNvPr id="1" name=""/>
+        <p:cNvGrpSpPr/>
+        <p:nvPr/>
+      </p:nvGrpSpPr>
+      <p:grpSpPr>
+        <a:xfrm>
+          <a:off x="0" y="0"/>
+          <a:ext cx="0" cy="0"/>
+          <a:chOff x="0" y="0"/>
+          <a:chExt cx="0" cy="0"/>
+        </a:xfrm>
+      </p:grpSpPr>
+      <p:pic>
+        <p:nvPicPr>
           <p:cNvPr id="1026" name="Picture 2" descr="æã®æ°ãæ¹ã®ã¤ã©ã¹ãã1ã"/>
           <p:cNvPicPr>
             <a:picLocks noChangeAspect="1" noChangeArrowheads="1"/>
@@ -681,10 +2926,9 @@
           <a:lstStyle/>
           <a:p>
             <a:r>
-              <a:rPr kumimoji="1" lang="ja-JP" altLang="en-US" dirty="0" smtClean="0"/>
+              <a:rPr kumimoji="1" lang="ja-JP" altLang="en-US" dirty="0"/>
               <a:t>お互い両手の人差し指を立てる</a:t>
             </a:r>
-            <a:endParaRPr kumimoji="1" lang="ja-JP" altLang="en-US" dirty="0"/>
           </a:p>
         </p:txBody>
       </p:sp>
@@ -890,10 +3134,9 @@
           <a:lstStyle/>
           <a:p>
             <a:r>
-              <a:rPr kumimoji="1" lang="ja-JP" altLang="en-US" dirty="0" smtClean="0"/>
+              <a:rPr kumimoji="1" lang="ja-JP" altLang="en-US" dirty="0"/>
               <a:t>どちらかの手で相手の手を攻撃</a:t>
             </a:r>
-            <a:endParaRPr kumimoji="1" lang="ja-JP" altLang="en-US" dirty="0"/>
           </a:p>
         </p:txBody>
       </p:sp>
@@ -1145,7 +3388,7 @@
           <a:lstStyle/>
           <a:p>
             <a:r>
-              <a:rPr lang="ja-JP" altLang="en-US" dirty="0" smtClean="0"/>
+              <a:rPr lang="ja-JP" altLang="en-US" dirty="0"/>
               <a:t>攻撃された側は指の本数を増やす</a:t>
             </a:r>
             <a:endParaRPr kumimoji="1" lang="ja-JP" altLang="en-US" dirty="0"/>
@@ -1254,7 +3497,7 @@
 </p:sld>
 </file>
 
-<file path=ppt/slides/slide2.xml><?xml version="1.0" encoding="utf-8"?>
+<file path=ppt/slides/slide4.xml><?xml version="1.0" encoding="utf-8"?>
 <p:sld xmlns:a="http://schemas.openxmlformats.org/drawingml/2006/main" xmlns:r="http://schemas.openxmlformats.org/officeDocument/2006/relationships" xmlns:p="http://schemas.openxmlformats.org/presentationml/2006/main">
   <p:cSld>
     <p:spTree>
@@ -1417,15 +3660,15 @@
           <a:lstStyle/>
           <a:p>
             <a:r>
-              <a:rPr lang="ja-JP" altLang="en-US" dirty="0" smtClean="0"/>
+              <a:rPr lang="ja-JP" altLang="en-US" dirty="0"/>
               <a:t>指の本数が</a:t>
             </a:r>
             <a:r>
-              <a:rPr lang="en-US" altLang="ja-JP" dirty="0" smtClean="0"/>
+              <a:rPr lang="en-US" altLang="ja-JP" dirty="0"/>
               <a:t>5</a:t>
             </a:r>
             <a:r>
-              <a:rPr lang="ja-JP" altLang="en-US" dirty="0" smtClean="0"/>
+              <a:rPr lang="ja-JP" altLang="en-US" dirty="0"/>
               <a:t>本を超えたらその手は死亡</a:t>
             </a:r>
             <a:endParaRPr kumimoji="1" lang="ja-JP" altLang="en-US" dirty="0"/>
@@ -1706,7 +3949,7 @@
           <a:lstStyle/>
           <a:p>
             <a:r>
-              <a:rPr kumimoji="1" lang="en-US" altLang="ja-JP" sz="8800" b="1" dirty="0" smtClean="0">
+              <a:rPr kumimoji="1" lang="en-US" altLang="ja-JP" sz="8800" b="1" dirty="0">
                 <a:solidFill>
                   <a:srgbClr val="FF0000"/>
                 </a:solidFill>
@@ -1785,7 +4028,7 @@
           <a:lstStyle/>
           <a:p>
             <a:r>
-              <a:rPr lang="ja-JP" altLang="en-US" dirty="0" smtClean="0"/>
+              <a:rPr lang="ja-JP" altLang="en-US" dirty="0"/>
               <a:t>両手が死んだら負け</a:t>
             </a:r>
             <a:endParaRPr kumimoji="1" lang="ja-JP" altLang="en-US" dirty="0"/>
@@ -1904,7 +4147,7 @@
           <a:lstStyle/>
           <a:p>
             <a:r>
-              <a:rPr kumimoji="1" lang="en-US" altLang="ja-JP" sz="8800" b="1" dirty="0" smtClean="0">
+              <a:rPr kumimoji="1" lang="en-US" altLang="ja-JP" sz="8800" b="1" dirty="0">
                 <a:solidFill>
                   <a:srgbClr val="FF0000"/>
                 </a:solidFill>
@@ -1942,7 +4185,7 @@
           <a:lstStyle/>
           <a:p>
             <a:r>
-              <a:rPr kumimoji="1" lang="en-US" altLang="ja-JP" sz="8800" b="1" dirty="0" smtClean="0">
+              <a:rPr kumimoji="1" lang="en-US" altLang="ja-JP" sz="8800" b="1" dirty="0">
                 <a:solidFill>
                   <a:srgbClr val="FF0000"/>
                 </a:solidFill>
@@ -1980,7 +4223,7 @@
           <a:lstStyle/>
           <a:p>
             <a:r>
-              <a:rPr kumimoji="1" lang="en-US" altLang="ja-JP" sz="8800" b="1" dirty="0" smtClean="0">
+              <a:rPr kumimoji="1" lang="en-US" altLang="ja-JP" sz="8800" b="1" dirty="0">
                 <a:solidFill>
                   <a:srgbClr val="FF0000"/>
                 </a:solidFill>
@@ -2018,7 +4261,7 @@
           <a:lstStyle/>
           <a:p>
             <a:r>
-              <a:rPr kumimoji="1" lang="en-US" altLang="ja-JP" sz="8800" b="1" dirty="0" smtClean="0">
+              <a:rPr kumimoji="1" lang="en-US" altLang="ja-JP" sz="8800" b="1" dirty="0">
                 <a:solidFill>
                   <a:srgbClr val="FF0000"/>
                 </a:solidFill>
@@ -2097,7 +4340,7 @@
           <a:lstStyle/>
           <a:p>
             <a:r>
-              <a:rPr kumimoji="1" lang="en-US" altLang="ja-JP" sz="8800" b="1" dirty="0" smtClean="0">
+              <a:rPr kumimoji="1" lang="en-US" altLang="ja-JP" sz="8800" b="1" dirty="0">
                 <a:solidFill>
                   <a:srgbClr val="FF0000"/>
                 </a:solidFill>
@@ -2164,7 +4407,7 @@
 </p:sld>
 </file>
 
-<file path=ppt/slides/slide3.xml><?xml version="1.0" encoding="utf-8"?>
+<file path=ppt/slides/slide5.xml><?xml version="1.0" encoding="utf-8"?>
 <p:sld xmlns:a="http://schemas.openxmlformats.org/drawingml/2006/main" xmlns:r="http://schemas.openxmlformats.org/officeDocument/2006/relationships" xmlns:p="http://schemas.openxmlformats.org/presentationml/2006/main">
   <p:cSld>
     <p:spTree>
@@ -2341,15 +4584,15 @@
             <a:lstStyle/>
             <a:p>
               <a:r>
-                <a:rPr lang="ja-JP" altLang="en-US" dirty="0" smtClean="0"/>
+                <a:rPr lang="ja-JP" altLang="en-US" dirty="0"/>
                 <a:t>指の本数が</a:t>
               </a:r>
               <a:r>
-                <a:rPr lang="en-US" altLang="ja-JP" dirty="0" smtClean="0"/>
+                <a:rPr lang="en-US" altLang="ja-JP" dirty="0"/>
                 <a:t>5</a:t>
               </a:r>
               <a:r>
-                <a:rPr lang="ja-JP" altLang="en-US" dirty="0" smtClean="0"/>
+                <a:rPr lang="ja-JP" altLang="en-US" dirty="0"/>
                 <a:t>本を超えたらその手は死亡</a:t>
               </a:r>
               <a:endParaRPr kumimoji="1" lang="ja-JP" altLang="en-US" dirty="0"/>
@@ -2630,7 +4873,7 @@
             <a:lstStyle/>
             <a:p>
               <a:r>
-                <a:rPr kumimoji="1" lang="en-US" altLang="ja-JP" sz="13800" b="1" dirty="0" smtClean="0">
+                <a:rPr kumimoji="1" lang="en-US" altLang="ja-JP" sz="13800" b="1" dirty="0">
                   <a:solidFill>
                     <a:srgbClr val="FF0000"/>
                   </a:solidFill>
@@ -2659,7 +4902,7 @@
 </p:sld>
 </file>
 
-<file path=ppt/slides/slide4.xml><?xml version="1.0" encoding="utf-8"?>
+<file path=ppt/slides/slide6.xml><?xml version="1.0" encoding="utf-8"?>
 <p:sld xmlns:a="http://schemas.openxmlformats.org/drawingml/2006/main" xmlns:r="http://schemas.openxmlformats.org/officeDocument/2006/relationships" xmlns:p="http://schemas.openxmlformats.org/presentationml/2006/main">
   <p:cSld>
     <p:spTree>
@@ -2754,7 +4997,7 @@
             <a:lstStyle/>
             <a:p>
               <a:r>
-                <a:rPr lang="ja-JP" altLang="en-US" dirty="0" smtClean="0"/>
+                <a:rPr lang="ja-JP" altLang="en-US" dirty="0"/>
                 <a:t>両手が死んだら負け</a:t>
               </a:r>
               <a:endParaRPr kumimoji="1" lang="ja-JP" altLang="en-US" dirty="0"/>
@@ -2873,7 +5116,7 @@
             <a:lstStyle/>
             <a:p>
               <a:r>
-                <a:rPr kumimoji="1" lang="en-US" altLang="ja-JP" sz="13800" b="1" dirty="0" smtClean="0">
+                <a:rPr kumimoji="1" lang="en-US" altLang="ja-JP" sz="13800" b="1" dirty="0">
                   <a:solidFill>
                     <a:srgbClr val="FF0000"/>
                   </a:solidFill>
@@ -2911,7 +5154,7 @@
             <a:lstStyle/>
             <a:p>
               <a:r>
-                <a:rPr kumimoji="1" lang="en-US" altLang="ja-JP" sz="13800" b="1" dirty="0" smtClean="0">
+                <a:rPr kumimoji="1" lang="en-US" altLang="ja-JP" sz="13800" b="1" dirty="0">
                   <a:solidFill>
                     <a:srgbClr val="FF0000"/>
                   </a:solidFill>
@@ -2949,7 +5192,7 @@
             <a:lstStyle/>
             <a:p>
               <a:r>
-                <a:rPr kumimoji="1" lang="en-US" altLang="ja-JP" sz="13800" b="1" dirty="0" smtClean="0">
+                <a:rPr kumimoji="1" lang="en-US" altLang="ja-JP" sz="13800" b="1" dirty="0">
                   <a:solidFill>
                     <a:srgbClr val="FF0000"/>
                   </a:solidFill>
@@ -2987,7 +5230,7 @@
             <a:lstStyle/>
             <a:p>
               <a:r>
-                <a:rPr kumimoji="1" lang="en-US" altLang="ja-JP" sz="13800" b="1" dirty="0" smtClean="0">
+                <a:rPr kumimoji="1" lang="en-US" altLang="ja-JP" sz="13800" b="1" dirty="0">
                   <a:solidFill>
                     <a:srgbClr val="FF0000"/>
                   </a:solidFill>
@@ -3066,7 +5309,7 @@
             <a:lstStyle/>
             <a:p>
               <a:r>
-                <a:rPr kumimoji="1" lang="en-US" altLang="ja-JP" sz="13800" b="1" dirty="0" smtClean="0">
+                <a:rPr kumimoji="1" lang="en-US" altLang="ja-JP" sz="13800" b="1" dirty="0">
                   <a:solidFill>
                     <a:srgbClr val="FF0000"/>
                   </a:solidFill>
@@ -3134,7 +5377,7 @@
 </p:sld>
 </file>
 
-<file path=ppt/slides/slide5.xml><?xml version="1.0" encoding="utf-8"?>
+<file path=ppt/slides/slide7.xml><?xml version="1.0" encoding="utf-8"?>
 <p:sld xmlns:a="http://schemas.openxmlformats.org/drawingml/2006/main" xmlns:r="http://schemas.openxmlformats.org/officeDocument/2006/relationships" xmlns:p="http://schemas.openxmlformats.org/presentationml/2006/main">
   <p:cSld>
     <p:spTree>
@@ -3321,12 +5564,8 @@
           <a:lstStyle/>
           <a:p>
             <a:r>
-              <a:rPr lang="ja-JP" altLang="en-US" dirty="0" smtClean="0"/>
-              <a:t>先手</a:t>
-            </a:r>
-            <a:r>
               <a:rPr lang="ja-JP" altLang="en-US" dirty="0"/>
-              <a:t>番</a:t>
+              <a:t>先手番</a:t>
             </a:r>
             <a:endParaRPr kumimoji="1" lang="ja-JP" altLang="en-US" dirty="0"/>
           </a:p>
@@ -3433,7 +5672,7 @@
           <a:lstStyle/>
           <a:p>
             <a:r>
-              <a:rPr lang="ja-JP" altLang="en-US" dirty="0" smtClean="0"/>
+              <a:rPr lang="ja-JP" altLang="en-US" dirty="0"/>
               <a:t>後手番</a:t>
             </a:r>
             <a:endParaRPr kumimoji="1" lang="ja-JP" altLang="en-US" dirty="0"/>
@@ -3464,11 +5703,7 @@
           <a:p>
             <a:r>
               <a:rPr lang="ja-JP" altLang="en-US" dirty="0"/>
-              <a:t>後手</a:t>
-            </a:r>
-            <a:r>
-              <a:rPr lang="ja-JP" altLang="en-US" dirty="0" smtClean="0"/>
-              <a:t>番</a:t>
+              <a:t>後手番</a:t>
             </a:r>
             <a:endParaRPr kumimoji="1" lang="ja-JP" altLang="en-US" dirty="0"/>
           </a:p>
@@ -3672,7 +5907,7 @@
           <a:lstStyle/>
           <a:p>
             <a:r>
-              <a:rPr lang="ja-JP" altLang="en-US" dirty="0" smtClean="0"/>
+              <a:rPr lang="ja-JP" altLang="en-US" dirty="0"/>
               <a:t>後手の負け</a:t>
             </a:r>
             <a:endParaRPr kumimoji="1" lang="ja-JP" altLang="en-US" dirty="0"/>
@@ -3732,7 +5967,7 @@
           <a:lstStyle/>
           <a:p>
             <a:r>
-              <a:rPr lang="ja-JP" altLang="en-US" dirty="0" smtClean="0"/>
+              <a:rPr lang="ja-JP" altLang="en-US" dirty="0"/>
               <a:t>負けにつながる手は打たない</a:t>
             </a:r>
             <a:endParaRPr kumimoji="1" lang="ja-JP" altLang="en-US" dirty="0"/>
@@ -3906,12 +6141,8 @@
           <a:lstStyle/>
           <a:p>
             <a:r>
-              <a:rPr lang="ja-JP" altLang="en-US" dirty="0" smtClean="0"/>
-              <a:t>先手</a:t>
-            </a:r>
-            <a:r>
               <a:rPr lang="ja-JP" altLang="en-US" dirty="0"/>
-              <a:t>番</a:t>
+              <a:t>先手番</a:t>
             </a:r>
             <a:endParaRPr kumimoji="1" lang="ja-JP" altLang="en-US" dirty="0"/>
           </a:p>
@@ -4018,7 +6249,7 @@
           <a:lstStyle/>
           <a:p>
             <a:r>
-              <a:rPr lang="ja-JP" altLang="en-US" dirty="0" smtClean="0"/>
+              <a:rPr lang="ja-JP" altLang="en-US" dirty="0"/>
               <a:t>後手番</a:t>
             </a:r>
             <a:endParaRPr kumimoji="1" lang="ja-JP" altLang="en-US" dirty="0"/>
@@ -4049,11 +6280,7 @@
           <a:p>
             <a:r>
               <a:rPr lang="ja-JP" altLang="en-US" dirty="0"/>
-              <a:t>後手</a:t>
-            </a:r>
-            <a:r>
-              <a:rPr lang="ja-JP" altLang="en-US" dirty="0" smtClean="0"/>
-              <a:t>番</a:t>
+              <a:t>後手番</a:t>
             </a:r>
             <a:endParaRPr kumimoji="1" lang="ja-JP" altLang="en-US" dirty="0"/>
           </a:p>
@@ -4421,7 +6648,7 @@
           <a:lstStyle/>
           <a:p>
             <a:r>
-              <a:rPr lang="ja-JP" altLang="en-US" dirty="0" smtClean="0"/>
+              <a:rPr lang="ja-JP" altLang="en-US" dirty="0"/>
               <a:t>打てる手がなくなってしまう状態につながる手は打たない</a:t>
             </a:r>
             <a:endParaRPr kumimoji="1" lang="ja-JP" altLang="en-US" dirty="0"/>

--- a/recursion/fig/fig.pptx
+++ b/recursion/fig/fig.pptx
@@ -1272,7 +1272,7 @@
         </p:blipFill>
         <p:spPr>
           <a:xfrm>
-            <a:off x="3359696" y="836712"/>
+            <a:off x="4007768" y="764704"/>
             <a:ext cx="1152128" cy="962027"/>
           </a:xfrm>
           <a:prstGeom prst="rect">
@@ -1302,7 +1302,7 @@
         </p:blipFill>
         <p:spPr>
           <a:xfrm>
-            <a:off x="1487488" y="2492896"/>
+            <a:off x="2135560" y="2420888"/>
             <a:ext cx="1152128" cy="962027"/>
           </a:xfrm>
           <a:prstGeom prst="rect">
@@ -1332,7 +1332,7 @@
         </p:blipFill>
         <p:spPr>
           <a:xfrm>
-            <a:off x="3359696" y="2539475"/>
+            <a:off x="4007768" y="2467467"/>
             <a:ext cx="1152128" cy="962027"/>
           </a:xfrm>
           <a:prstGeom prst="rect">
@@ -1362,7 +1362,7 @@
         </p:blipFill>
         <p:spPr>
           <a:xfrm>
-            <a:off x="695400" y="3933056"/>
+            <a:off x="1343472" y="3861048"/>
             <a:ext cx="864096" cy="1009982"/>
           </a:xfrm>
           <a:prstGeom prst="rect">
@@ -1388,7 +1388,7 @@
         </p:nvCxnSpPr>
         <p:spPr>
           <a:xfrm flipH="1">
-            <a:off x="2063552" y="1798739"/>
+            <a:off x="2711624" y="1726731"/>
             <a:ext cx="1872208" cy="694157"/>
           </a:xfrm>
           <a:prstGeom prst="straightConnector1">
@@ -1434,7 +1434,7 @@
         </p:nvCxnSpPr>
         <p:spPr>
           <a:xfrm>
-            <a:off x="3935760" y="1798739"/>
+            <a:off x="4583832" y="1726731"/>
             <a:ext cx="0" cy="740736"/>
           </a:xfrm>
           <a:prstGeom prst="straightConnector1">
@@ -1480,7 +1480,7 @@
         </p:nvCxnSpPr>
         <p:spPr>
           <a:xfrm flipH="1">
-            <a:off x="1127448" y="3454923"/>
+            <a:off x="1775520" y="3382915"/>
             <a:ext cx="936104" cy="478133"/>
           </a:xfrm>
           <a:prstGeom prst="straightConnector1">
@@ -1530,7 +1530,7 @@
         </p:blipFill>
         <p:spPr>
           <a:xfrm>
-            <a:off x="847800" y="4085456"/>
+            <a:off x="1495872" y="4013448"/>
             <a:ext cx="864096" cy="1009982"/>
           </a:xfrm>
           <a:prstGeom prst="rect">
@@ -1560,7 +1560,7 @@
         </p:blipFill>
         <p:spPr>
           <a:xfrm>
-            <a:off x="1000200" y="4237856"/>
+            <a:off x="1648272" y="4165848"/>
             <a:ext cx="864096" cy="1009982"/>
           </a:xfrm>
           <a:prstGeom prst="rect">
@@ -1590,7 +1590,7 @@
         </p:blipFill>
         <p:spPr>
           <a:xfrm>
-            <a:off x="5303912" y="2564904"/>
+            <a:off x="5951984" y="2492896"/>
             <a:ext cx="864096" cy="1009982"/>
           </a:xfrm>
           <a:prstGeom prst="rect">
@@ -1615,7 +1615,7 @@
         </p:nvCxnSpPr>
         <p:spPr>
           <a:xfrm>
-            <a:off x="3935760" y="1798739"/>
+            <a:off x="4583832" y="1726731"/>
             <a:ext cx="1800200" cy="766165"/>
           </a:xfrm>
           <a:prstGeom prst="straightConnector1">
@@ -1665,7 +1665,7 @@
         </p:blipFill>
         <p:spPr>
           <a:xfrm>
-            <a:off x="2783632" y="3933056"/>
+            <a:off x="3431704" y="3861048"/>
             <a:ext cx="1152128" cy="962027"/>
           </a:xfrm>
           <a:prstGeom prst="rect">
@@ -1695,7 +1695,7 @@
         </p:blipFill>
         <p:spPr>
           <a:xfrm>
-            <a:off x="4367808" y="4005064"/>
+            <a:off x="5015880" y="3933056"/>
             <a:ext cx="864096" cy="1009982"/>
           </a:xfrm>
           <a:prstGeom prst="rect">
@@ -1725,7 +1725,7 @@
         </p:blipFill>
         <p:spPr>
           <a:xfrm>
-            <a:off x="4511824" y="4149080"/>
+            <a:off x="5159896" y="4077072"/>
             <a:ext cx="864096" cy="1009982"/>
           </a:xfrm>
           <a:prstGeom prst="rect">
@@ -1751,7 +1751,7 @@
         </p:nvCxnSpPr>
         <p:spPr>
           <a:xfrm>
-            <a:off x="3935760" y="3501502"/>
+            <a:off x="4583832" y="3429494"/>
             <a:ext cx="864096" cy="503562"/>
           </a:xfrm>
           <a:prstGeom prst="straightConnector1">
@@ -1796,7 +1796,7 @@
         </p:nvCxnSpPr>
         <p:spPr>
           <a:xfrm flipH="1">
-            <a:off x="3359696" y="3501502"/>
+            <a:off x="4007768" y="3429494"/>
             <a:ext cx="576064" cy="431554"/>
           </a:xfrm>
           <a:prstGeom prst="straightConnector1">
@@ -1846,7 +1846,7 @@
         </p:blipFill>
         <p:spPr>
           <a:xfrm>
-            <a:off x="2927648" y="5274186"/>
+            <a:off x="3575720" y="5202178"/>
             <a:ext cx="864096" cy="1009982"/>
           </a:xfrm>
           <a:prstGeom prst="rect">
@@ -1876,7 +1876,7 @@
         </p:blipFill>
         <p:spPr>
           <a:xfrm>
-            <a:off x="3080048" y="5426586"/>
+            <a:off x="3728120" y="5354578"/>
             <a:ext cx="864096" cy="1009982"/>
           </a:xfrm>
           <a:prstGeom prst="rect">
@@ -1906,7 +1906,7 @@
         </p:blipFill>
         <p:spPr>
           <a:xfrm>
-            <a:off x="3232448" y="5578986"/>
+            <a:off x="3880520" y="5506978"/>
             <a:ext cx="864096" cy="1009982"/>
           </a:xfrm>
           <a:prstGeom prst="rect">
@@ -1936,7 +1936,7 @@
         </p:blipFill>
         <p:spPr>
           <a:xfrm>
-            <a:off x="3384848" y="5731386"/>
+            <a:off x="4032920" y="5659378"/>
             <a:ext cx="864096" cy="1009982"/>
           </a:xfrm>
           <a:prstGeom prst="rect">
@@ -1961,7 +1961,7 @@
         </p:nvCxnSpPr>
         <p:spPr>
           <a:xfrm>
-            <a:off x="3359696" y="4895083"/>
+            <a:off x="4007768" y="4823075"/>
             <a:ext cx="0" cy="379103"/>
           </a:xfrm>
           <a:prstGeom prst="straightConnector1">
@@ -2005,7 +2005,7 @@
         </p:nvCxnSpPr>
         <p:spPr>
           <a:xfrm flipV="1">
-            <a:off x="1487488" y="3501008"/>
+            <a:off x="2135560" y="3429000"/>
             <a:ext cx="720080" cy="432048"/>
           </a:xfrm>
           <a:prstGeom prst="straightConnector1">
@@ -2047,7 +2047,7 @@
         </p:nvSpPr>
         <p:spPr>
           <a:xfrm>
-            <a:off x="1775520" y="3717032"/>
+            <a:off x="2423592" y="3645024"/>
             <a:ext cx="312906" cy="369332"/>
           </a:xfrm>
           <a:prstGeom prst="rect">
@@ -2093,7 +2093,7 @@
         </p:nvCxnSpPr>
         <p:spPr>
           <a:xfrm flipV="1">
-            <a:off x="2351584" y="2204864"/>
+            <a:off x="2999656" y="2132856"/>
             <a:ext cx="864096" cy="360040"/>
           </a:xfrm>
           <a:prstGeom prst="straightConnector1">
@@ -2135,7 +2135,7 @@
         </p:nvSpPr>
         <p:spPr>
           <a:xfrm>
-            <a:off x="2711624" y="2420888"/>
+            <a:off x="3359696" y="2348880"/>
             <a:ext cx="312906" cy="369332"/>
           </a:xfrm>
           <a:prstGeom prst="rect">
@@ -2181,7 +2181,7 @@
         </p:nvCxnSpPr>
         <p:spPr>
           <a:xfrm flipV="1">
-            <a:off x="4079776" y="2060848"/>
+            <a:off x="4727848" y="1988840"/>
             <a:ext cx="0" cy="504056"/>
           </a:xfrm>
           <a:prstGeom prst="straightConnector1">
@@ -2223,7 +2223,7 @@
         </p:nvSpPr>
         <p:spPr>
           <a:xfrm>
-            <a:off x="4223792" y="2204864"/>
+            <a:off x="4871864" y="2132856"/>
             <a:ext cx="312906" cy="369332"/>
           </a:xfrm>
           <a:prstGeom prst="rect">
@@ -2269,7 +2269,7 @@
         </p:nvCxnSpPr>
         <p:spPr>
           <a:xfrm flipH="1" flipV="1">
-            <a:off x="4655840" y="1916832"/>
+            <a:off x="5303912" y="1844824"/>
             <a:ext cx="1008112" cy="432048"/>
           </a:xfrm>
           <a:prstGeom prst="straightConnector1">
@@ -2311,7 +2311,7 @@
         </p:nvSpPr>
         <p:spPr>
           <a:xfrm>
-            <a:off x="5231904" y="1772816"/>
+            <a:off x="5879976" y="1700808"/>
             <a:ext cx="312906" cy="369332"/>
           </a:xfrm>
           <a:prstGeom prst="rect">
@@ -2357,7 +2357,7 @@
         </p:nvCxnSpPr>
         <p:spPr>
           <a:xfrm flipV="1">
-            <a:off x="3431704" y="3645024"/>
+            <a:off x="4079776" y="3573016"/>
             <a:ext cx="432048" cy="360040"/>
           </a:xfrm>
           <a:prstGeom prst="straightConnector1">
@@ -2399,7 +2399,7 @@
         </p:nvSpPr>
         <p:spPr>
           <a:xfrm>
-            <a:off x="3647728" y="3789040"/>
+            <a:off x="4295800" y="3717032"/>
             <a:ext cx="312906" cy="369332"/>
           </a:xfrm>
           <a:prstGeom prst="rect">
@@ -2445,7 +2445,7 @@
         </p:nvCxnSpPr>
         <p:spPr>
           <a:xfrm flipV="1">
-            <a:off x="3503712" y="4869160"/>
+            <a:off x="4151784" y="4797152"/>
             <a:ext cx="0" cy="360040"/>
           </a:xfrm>
           <a:prstGeom prst="straightConnector1">
@@ -2487,7 +2487,7 @@
         </p:nvSpPr>
         <p:spPr>
           <a:xfrm>
-            <a:off x="3575720" y="4869160"/>
+            <a:off x="4223792" y="4797152"/>
             <a:ext cx="312906" cy="369332"/>
           </a:xfrm>
           <a:prstGeom prst="rect">
@@ -2531,7 +2531,7 @@
         </p:nvSpPr>
         <p:spPr>
           <a:xfrm>
-            <a:off x="4655840" y="3573016"/>
+            <a:off x="5303912" y="3501008"/>
             <a:ext cx="312906" cy="369332"/>
           </a:xfrm>
           <a:prstGeom prst="rect">
@@ -2578,7 +2578,7 @@
         </p:nvCxnSpPr>
         <p:spPr>
           <a:xfrm flipH="1" flipV="1">
-            <a:off x="4223792" y="3501008"/>
+            <a:off x="4871864" y="3429000"/>
             <a:ext cx="432048" cy="256674"/>
           </a:xfrm>
           <a:prstGeom prst="straightConnector1">
@@ -2622,7 +2622,7 @@
         </p:nvCxnSpPr>
         <p:spPr>
           <a:xfrm flipV="1">
-            <a:off x="3935760" y="404664"/>
+            <a:off x="4583832" y="332656"/>
             <a:ext cx="0" cy="504056"/>
           </a:xfrm>
           <a:prstGeom prst="straightConnector1">
@@ -2664,7 +2664,7 @@
         </p:nvSpPr>
         <p:spPr>
           <a:xfrm>
-            <a:off x="4007768" y="548680"/>
+            <a:off x="4655840" y="476672"/>
             <a:ext cx="441146" cy="369332"/>
           </a:xfrm>
           <a:prstGeom prst="rect">
@@ -2691,6 +2691,135 @@
                 <a:srgbClr val="FF0000"/>
               </a:solidFill>
             </a:endParaRPr>
+          </a:p>
+        </p:txBody>
+      </p:sp>
+      <p:sp>
+        <p:nvSpPr>
+          <p:cNvPr id="3" name="テキスト ボックス 2">
+            <a:extLst>
+              <a:ext uri="{FF2B5EF4-FFF2-40B4-BE49-F238E27FC236}">
+                <a16:creationId xmlns:a16="http://schemas.microsoft.com/office/drawing/2014/main" id="{E1DC18EA-22FB-4F42-B53A-A05AA1C3972B}"/>
+              </a:ext>
+            </a:extLst>
+          </p:cNvPr>
+          <p:cNvSpPr txBox="1"/>
+          <p:nvPr/>
+        </p:nvSpPr>
+        <p:spPr>
+          <a:xfrm>
+            <a:off x="2063552" y="980728"/>
+            <a:ext cx="1925527" cy="461665"/>
+          </a:xfrm>
+          <a:prstGeom prst="rect">
+            <a:avLst/>
+          </a:prstGeom>
+          <a:noFill/>
+        </p:spPr>
+        <p:txBody>
+          <a:bodyPr wrap="none" rtlCol="0">
+            <a:spAutoFit/>
+          </a:bodyPr>
+          <a:lstStyle/>
+          <a:p>
+            <a:r>
+              <a:rPr kumimoji="1" lang="ja-JP" altLang="en-US" sz="1200"/>
+              <a:t>第一階層</a:t>
+            </a:r>
+            <a:endParaRPr kumimoji="1" lang="en-US" altLang="ja-JP" sz="1200"/>
+          </a:p>
+          <a:p>
+            <a:r>
+              <a:rPr lang="en-US" altLang="ja-JP" sz="1200"/>
+              <a:t>num_files([[3],[[4],2],1])</a:t>
+            </a:r>
+            <a:endParaRPr kumimoji="1" lang="ja-JP" altLang="en-US" sz="1200"/>
+          </a:p>
+        </p:txBody>
+      </p:sp>
+      <p:sp>
+        <p:nvSpPr>
+          <p:cNvPr id="40" name="テキスト ボックス 39">
+            <a:extLst>
+              <a:ext uri="{FF2B5EF4-FFF2-40B4-BE49-F238E27FC236}">
+                <a16:creationId xmlns:a16="http://schemas.microsoft.com/office/drawing/2014/main" id="{760FDFCD-5D36-D14E-8C84-F1CDC5463A65}"/>
+              </a:ext>
+            </a:extLst>
+          </p:cNvPr>
+          <p:cNvSpPr txBox="1"/>
+          <p:nvPr/>
+        </p:nvSpPr>
+        <p:spPr>
+          <a:xfrm>
+            <a:off x="839416" y="2636912"/>
+            <a:ext cx="1194558" cy="461665"/>
+          </a:xfrm>
+          <a:prstGeom prst="rect">
+            <a:avLst/>
+          </a:prstGeom>
+          <a:noFill/>
+        </p:spPr>
+        <p:txBody>
+          <a:bodyPr wrap="none" rtlCol="0">
+            <a:spAutoFit/>
+          </a:bodyPr>
+          <a:lstStyle/>
+          <a:p>
+            <a:r>
+              <a:rPr kumimoji="1" lang="ja-JP" altLang="en-US" sz="1200"/>
+              <a:t>第二階層</a:t>
+            </a:r>
+            <a:endParaRPr kumimoji="1" lang="en-US" altLang="ja-JP" sz="1200"/>
+          </a:p>
+          <a:p>
+            <a:r>
+              <a:rPr lang="en-US" altLang="ja-JP" sz="1200"/>
+              <a:t>num_files([3])</a:t>
+            </a:r>
+            <a:endParaRPr kumimoji="1" lang="ja-JP" altLang="en-US" sz="1200"/>
+          </a:p>
+        </p:txBody>
+      </p:sp>
+      <p:sp>
+        <p:nvSpPr>
+          <p:cNvPr id="43" name="テキスト ボックス 42">
+            <a:extLst>
+              <a:ext uri="{FF2B5EF4-FFF2-40B4-BE49-F238E27FC236}">
+                <a16:creationId xmlns:a16="http://schemas.microsoft.com/office/drawing/2014/main" id="{A9A6D28B-0050-0641-BC4F-1D90F1114DE5}"/>
+              </a:ext>
+            </a:extLst>
+          </p:cNvPr>
+          <p:cNvSpPr txBox="1"/>
+          <p:nvPr/>
+        </p:nvSpPr>
+        <p:spPr>
+          <a:xfrm>
+            <a:off x="191344" y="4149080"/>
+            <a:ext cx="1075936" cy="461665"/>
+          </a:xfrm>
+          <a:prstGeom prst="rect">
+            <a:avLst/>
+          </a:prstGeom>
+          <a:noFill/>
+        </p:spPr>
+        <p:txBody>
+          <a:bodyPr wrap="none" rtlCol="0">
+            <a:spAutoFit/>
+          </a:bodyPr>
+          <a:lstStyle/>
+          <a:p>
+            <a:r>
+              <a:rPr kumimoji="1" lang="ja-JP" altLang="en-US" sz="1200"/>
+              <a:t>第三階層</a:t>
+            </a:r>
+            <a:endParaRPr kumimoji="1" lang="en-US" altLang="ja-JP" sz="1200"/>
+          </a:p>
+          <a:p>
+            <a:r>
+              <a:rPr lang="en-US" altLang="ja-JP" sz="1200"/>
+              <a:t>num_files(3)</a:t>
+            </a:r>
+            <a:endParaRPr kumimoji="1" lang="ja-JP" altLang="en-US" sz="1200"/>
           </a:p>
         </p:txBody>
       </p:sp>

--- a/recursion/fig/fig.pptx
+++ b/recursion/fig/fig.pptx
@@ -12,6 +12,7 @@
     <p:sldId id="257" r:id="rId6"/>
     <p:sldId id="258" r:id="rId7"/>
     <p:sldId id="260" r:id="rId8"/>
+    <p:sldId id="264" r:id="rId9"/>
   </p:sldIdLst>
   <p:sldSz cx="12192000" cy="6858000"/>
   <p:notesSz cx="6858000" cy="9144000"/>
@@ -6797,6 +6798,1885 @@
 </p:sld>
 </file>
 
+<file path=ppt/slides/slide8.xml><?xml version="1.0" encoding="utf-8"?>
+<p:sld xmlns:a="http://schemas.openxmlformats.org/drawingml/2006/main" xmlns:r="http://schemas.openxmlformats.org/officeDocument/2006/relationships" xmlns:p="http://schemas.openxmlformats.org/presentationml/2006/main">
+  <p:cSld>
+    <p:spTree>
+      <p:nvGrpSpPr>
+        <p:cNvPr id="1" name=""/>
+        <p:cNvGrpSpPr/>
+        <p:nvPr/>
+      </p:nvGrpSpPr>
+      <p:grpSpPr>
+        <a:xfrm>
+          <a:off x="0" y="0"/>
+          <a:ext cx="0" cy="0"/>
+          <a:chOff x="0" y="0"/>
+          <a:chExt cx="0" cy="0"/>
+        </a:xfrm>
+      </p:grpSpPr>
+      <p:pic>
+        <p:nvPicPr>
+          <p:cNvPr id="2" name="図 1">
+            <a:extLst>
+              <a:ext uri="{FF2B5EF4-FFF2-40B4-BE49-F238E27FC236}">
+                <a16:creationId xmlns:a16="http://schemas.microsoft.com/office/drawing/2014/main" id="{F9DD603A-91D0-5D49-B957-01CA2785C3FD}"/>
+              </a:ext>
+            </a:extLst>
+          </p:cNvPr>
+          <p:cNvPicPr>
+            <a:picLocks noChangeAspect="1"/>
+          </p:cNvPicPr>
+          <p:nvPr/>
+        </p:nvPicPr>
+        <p:blipFill>
+          <a:blip r:embed="rId2"/>
+          <a:stretch>
+            <a:fillRect/>
+          </a:stretch>
+        </p:blipFill>
+        <p:spPr>
+          <a:xfrm flipH="1">
+            <a:off x="407368" y="2060848"/>
+            <a:ext cx="2313132" cy="2724894"/>
+          </a:xfrm>
+          <a:prstGeom prst="rect">
+            <a:avLst/>
+          </a:prstGeom>
+        </p:spPr>
+      </p:pic>
+      <p:grpSp>
+        <p:nvGrpSpPr>
+          <p:cNvPr id="21" name="グループ化 20">
+            <a:extLst>
+              <a:ext uri="{FF2B5EF4-FFF2-40B4-BE49-F238E27FC236}">
+                <a16:creationId xmlns:a16="http://schemas.microsoft.com/office/drawing/2014/main" id="{DD90641D-5AFB-574E-81D1-E804D3A9BC83}"/>
+              </a:ext>
+            </a:extLst>
+          </p:cNvPr>
+          <p:cNvGrpSpPr/>
+          <p:nvPr/>
+        </p:nvGrpSpPr>
+        <p:grpSpPr>
+          <a:xfrm>
+            <a:off x="3287688" y="2996952"/>
+            <a:ext cx="2304256" cy="1728192"/>
+            <a:chOff x="3287688" y="2996952"/>
+            <a:chExt cx="2304256" cy="1728192"/>
+          </a:xfrm>
+        </p:grpSpPr>
+        <p:cxnSp>
+          <p:nvCxnSpPr>
+            <p:cNvPr id="8" name="直線コネクタ 7">
+              <a:extLst>
+                <a:ext uri="{FF2B5EF4-FFF2-40B4-BE49-F238E27FC236}">
+                  <a16:creationId xmlns:a16="http://schemas.microsoft.com/office/drawing/2014/main" id="{FDECCF62-9740-9C4A-9321-2813441BD7EC}"/>
+                </a:ext>
+              </a:extLst>
+            </p:cNvPr>
+            <p:cNvCxnSpPr/>
+            <p:nvPr/>
+          </p:nvCxnSpPr>
+          <p:spPr>
+            <a:xfrm>
+              <a:off x="3863752" y="4149080"/>
+              <a:ext cx="0" cy="576064"/>
+            </a:xfrm>
+            <a:prstGeom prst="line">
+              <a:avLst/>
+            </a:prstGeom>
+            <a:ln>
+              <a:solidFill>
+                <a:schemeClr val="tx1"/>
+              </a:solidFill>
+              <a:headEnd type="none" w="med" len="med"/>
+              <a:tailEnd type="none" w="med" len="med"/>
+            </a:ln>
+          </p:spPr>
+          <p:style>
+            <a:lnRef idx="1">
+              <a:schemeClr val="accent1"/>
+            </a:lnRef>
+            <a:fillRef idx="0">
+              <a:schemeClr val="accent1"/>
+            </a:fillRef>
+            <a:effectRef idx="0">
+              <a:schemeClr val="accent1"/>
+            </a:effectRef>
+            <a:fontRef idx="minor">
+              <a:schemeClr val="tx1"/>
+            </a:fontRef>
+          </p:style>
+        </p:cxnSp>
+        <p:cxnSp>
+          <p:nvCxnSpPr>
+            <p:cNvPr id="9" name="直線コネクタ 8">
+              <a:extLst>
+                <a:ext uri="{FF2B5EF4-FFF2-40B4-BE49-F238E27FC236}">
+                  <a16:creationId xmlns:a16="http://schemas.microsoft.com/office/drawing/2014/main" id="{2F2D1D2E-FB8D-0741-AE2C-0806F9D3D5F0}"/>
+                </a:ext>
+              </a:extLst>
+            </p:cNvPr>
+            <p:cNvCxnSpPr>
+              <a:cxnSpLocks/>
+            </p:cNvCxnSpPr>
+            <p:nvPr/>
+          </p:nvCxnSpPr>
+          <p:spPr>
+            <a:xfrm flipH="1">
+              <a:off x="3863752" y="4149080"/>
+              <a:ext cx="576064" cy="0"/>
+            </a:xfrm>
+            <a:prstGeom prst="line">
+              <a:avLst/>
+            </a:prstGeom>
+            <a:ln>
+              <a:solidFill>
+                <a:schemeClr val="tx1"/>
+              </a:solidFill>
+              <a:headEnd type="none" w="med" len="med"/>
+              <a:tailEnd type="none" w="med" len="med"/>
+            </a:ln>
+          </p:spPr>
+          <p:style>
+            <a:lnRef idx="1">
+              <a:schemeClr val="accent1"/>
+            </a:lnRef>
+            <a:fillRef idx="0">
+              <a:schemeClr val="accent1"/>
+            </a:fillRef>
+            <a:effectRef idx="0">
+              <a:schemeClr val="accent1"/>
+            </a:effectRef>
+            <a:fontRef idx="minor">
+              <a:schemeClr val="tx1"/>
+            </a:fontRef>
+          </p:style>
+        </p:cxnSp>
+        <p:cxnSp>
+          <p:nvCxnSpPr>
+            <p:cNvPr id="12" name="直線コネクタ 11">
+              <a:extLst>
+                <a:ext uri="{FF2B5EF4-FFF2-40B4-BE49-F238E27FC236}">
+                  <a16:creationId xmlns:a16="http://schemas.microsoft.com/office/drawing/2014/main" id="{5E00B937-3CC4-A441-844C-25B1407AC66D}"/>
+                </a:ext>
+              </a:extLst>
+            </p:cNvPr>
+            <p:cNvCxnSpPr/>
+            <p:nvPr/>
+          </p:nvCxnSpPr>
+          <p:spPr>
+            <a:xfrm>
+              <a:off x="4439816" y="3573016"/>
+              <a:ext cx="0" cy="576064"/>
+            </a:xfrm>
+            <a:prstGeom prst="line">
+              <a:avLst/>
+            </a:prstGeom>
+            <a:ln>
+              <a:solidFill>
+                <a:schemeClr val="tx1"/>
+              </a:solidFill>
+              <a:headEnd type="none" w="med" len="med"/>
+              <a:tailEnd type="none" w="med" len="med"/>
+            </a:ln>
+          </p:spPr>
+          <p:style>
+            <a:lnRef idx="1">
+              <a:schemeClr val="accent1"/>
+            </a:lnRef>
+            <a:fillRef idx="0">
+              <a:schemeClr val="accent1"/>
+            </a:fillRef>
+            <a:effectRef idx="0">
+              <a:schemeClr val="accent1"/>
+            </a:effectRef>
+            <a:fontRef idx="minor">
+              <a:schemeClr val="tx1"/>
+            </a:fontRef>
+          </p:style>
+        </p:cxnSp>
+        <p:cxnSp>
+          <p:nvCxnSpPr>
+            <p:cNvPr id="13" name="直線コネクタ 12">
+              <a:extLst>
+                <a:ext uri="{FF2B5EF4-FFF2-40B4-BE49-F238E27FC236}">
+                  <a16:creationId xmlns:a16="http://schemas.microsoft.com/office/drawing/2014/main" id="{C5882F24-175E-3641-A56C-FFD4AAF917B2}"/>
+                </a:ext>
+              </a:extLst>
+            </p:cNvPr>
+            <p:cNvCxnSpPr>
+              <a:cxnSpLocks/>
+            </p:cNvCxnSpPr>
+            <p:nvPr/>
+          </p:nvCxnSpPr>
+          <p:spPr>
+            <a:xfrm flipH="1">
+              <a:off x="4439816" y="3573016"/>
+              <a:ext cx="576064" cy="0"/>
+            </a:xfrm>
+            <a:prstGeom prst="line">
+              <a:avLst/>
+            </a:prstGeom>
+            <a:ln>
+              <a:solidFill>
+                <a:schemeClr val="tx1"/>
+              </a:solidFill>
+              <a:headEnd type="none" w="med" len="med"/>
+              <a:tailEnd type="none" w="med" len="med"/>
+            </a:ln>
+          </p:spPr>
+          <p:style>
+            <a:lnRef idx="1">
+              <a:schemeClr val="accent1"/>
+            </a:lnRef>
+            <a:fillRef idx="0">
+              <a:schemeClr val="accent1"/>
+            </a:fillRef>
+            <a:effectRef idx="0">
+              <a:schemeClr val="accent1"/>
+            </a:effectRef>
+            <a:fontRef idx="minor">
+              <a:schemeClr val="tx1"/>
+            </a:fontRef>
+          </p:style>
+        </p:cxnSp>
+        <p:cxnSp>
+          <p:nvCxnSpPr>
+            <p:cNvPr id="14" name="直線コネクタ 13">
+              <a:extLst>
+                <a:ext uri="{FF2B5EF4-FFF2-40B4-BE49-F238E27FC236}">
+                  <a16:creationId xmlns:a16="http://schemas.microsoft.com/office/drawing/2014/main" id="{0BA9E5D8-401B-A74E-8613-448E50D94396}"/>
+                </a:ext>
+              </a:extLst>
+            </p:cNvPr>
+            <p:cNvCxnSpPr/>
+            <p:nvPr/>
+          </p:nvCxnSpPr>
+          <p:spPr>
+            <a:xfrm>
+              <a:off x="5015880" y="2996952"/>
+              <a:ext cx="0" cy="576064"/>
+            </a:xfrm>
+            <a:prstGeom prst="line">
+              <a:avLst/>
+            </a:prstGeom>
+            <a:ln>
+              <a:solidFill>
+                <a:schemeClr val="tx1"/>
+              </a:solidFill>
+              <a:headEnd type="none" w="med" len="med"/>
+              <a:tailEnd type="none" w="med" len="med"/>
+            </a:ln>
+          </p:spPr>
+          <p:style>
+            <a:lnRef idx="1">
+              <a:schemeClr val="accent1"/>
+            </a:lnRef>
+            <a:fillRef idx="0">
+              <a:schemeClr val="accent1"/>
+            </a:fillRef>
+            <a:effectRef idx="0">
+              <a:schemeClr val="accent1"/>
+            </a:effectRef>
+            <a:fontRef idx="minor">
+              <a:schemeClr val="tx1"/>
+            </a:fontRef>
+          </p:style>
+        </p:cxnSp>
+        <p:cxnSp>
+          <p:nvCxnSpPr>
+            <p:cNvPr id="15" name="直線コネクタ 14">
+              <a:extLst>
+                <a:ext uri="{FF2B5EF4-FFF2-40B4-BE49-F238E27FC236}">
+                  <a16:creationId xmlns:a16="http://schemas.microsoft.com/office/drawing/2014/main" id="{6984D4AB-71A7-7142-8545-434D4BEA4A90}"/>
+                </a:ext>
+              </a:extLst>
+            </p:cNvPr>
+            <p:cNvCxnSpPr>
+              <a:cxnSpLocks/>
+            </p:cNvCxnSpPr>
+            <p:nvPr/>
+          </p:nvCxnSpPr>
+          <p:spPr>
+            <a:xfrm flipH="1">
+              <a:off x="5015880" y="2996952"/>
+              <a:ext cx="576064" cy="0"/>
+            </a:xfrm>
+            <a:prstGeom prst="line">
+              <a:avLst/>
+            </a:prstGeom>
+            <a:ln>
+              <a:solidFill>
+                <a:schemeClr val="tx1"/>
+              </a:solidFill>
+              <a:headEnd type="none" w="med" len="med"/>
+              <a:tailEnd type="none" w="med" len="med"/>
+            </a:ln>
+          </p:spPr>
+          <p:style>
+            <a:lnRef idx="1">
+              <a:schemeClr val="accent1"/>
+            </a:lnRef>
+            <a:fillRef idx="0">
+              <a:schemeClr val="accent1"/>
+            </a:fillRef>
+            <a:effectRef idx="0">
+              <a:schemeClr val="accent1"/>
+            </a:effectRef>
+            <a:fontRef idx="minor">
+              <a:schemeClr val="tx1"/>
+            </a:fontRef>
+          </p:style>
+        </p:cxnSp>
+        <p:cxnSp>
+          <p:nvCxnSpPr>
+            <p:cNvPr id="20" name="直線コネクタ 19">
+              <a:extLst>
+                <a:ext uri="{FF2B5EF4-FFF2-40B4-BE49-F238E27FC236}">
+                  <a16:creationId xmlns:a16="http://schemas.microsoft.com/office/drawing/2014/main" id="{37990AD8-B740-2C48-965B-9FDE341935B0}"/>
+                </a:ext>
+              </a:extLst>
+            </p:cNvPr>
+            <p:cNvCxnSpPr>
+              <a:cxnSpLocks/>
+            </p:cNvCxnSpPr>
+            <p:nvPr/>
+          </p:nvCxnSpPr>
+          <p:spPr>
+            <a:xfrm flipH="1">
+              <a:off x="3287688" y="4725144"/>
+              <a:ext cx="576064" cy="0"/>
+            </a:xfrm>
+            <a:prstGeom prst="line">
+              <a:avLst/>
+            </a:prstGeom>
+            <a:ln>
+              <a:solidFill>
+                <a:schemeClr val="tx1"/>
+              </a:solidFill>
+              <a:headEnd type="none" w="med" len="med"/>
+              <a:tailEnd type="none" w="med" len="med"/>
+            </a:ln>
+          </p:spPr>
+          <p:style>
+            <a:lnRef idx="1">
+              <a:schemeClr val="accent1"/>
+            </a:lnRef>
+            <a:fillRef idx="0">
+              <a:schemeClr val="accent1"/>
+            </a:fillRef>
+            <a:effectRef idx="0">
+              <a:schemeClr val="accent1"/>
+            </a:effectRef>
+            <a:fontRef idx="minor">
+              <a:schemeClr val="tx1"/>
+            </a:fontRef>
+          </p:style>
+        </p:cxnSp>
+      </p:grpSp>
+      <p:sp>
+        <p:nvSpPr>
+          <p:cNvPr id="22" name="フリーフォーム 21">
+            <a:extLst>
+              <a:ext uri="{FF2B5EF4-FFF2-40B4-BE49-F238E27FC236}">
+                <a16:creationId xmlns:a16="http://schemas.microsoft.com/office/drawing/2014/main" id="{BD6B4F36-A06B-4248-949D-1DA963547745}"/>
+              </a:ext>
+            </a:extLst>
+          </p:cNvPr>
+          <p:cNvSpPr/>
+          <p:nvPr/>
+        </p:nvSpPr>
+        <p:spPr>
+          <a:xfrm>
+            <a:off x="3348842" y="3958526"/>
+            <a:ext cx="795646" cy="755978"/>
+          </a:xfrm>
+          <a:custGeom>
+            <a:avLst/>
+            <a:gdLst>
+              <a:gd name="connsiteX0" fmla="*/ 0 w 795646"/>
+              <a:gd name="connsiteY0" fmla="*/ 755978 h 755978"/>
+              <a:gd name="connsiteX1" fmla="*/ 570015 w 795646"/>
+              <a:gd name="connsiteY1" fmla="*/ 31583 h 755978"/>
+              <a:gd name="connsiteX2" fmla="*/ 795646 w 795646"/>
+              <a:gd name="connsiteY2" fmla="*/ 197838 h 755978"/>
+            </a:gdLst>
+            <a:ahLst/>
+            <a:cxnLst>
+              <a:cxn ang="0">
+                <a:pos x="connsiteX0" y="connsiteY0"/>
+              </a:cxn>
+              <a:cxn ang="0">
+                <a:pos x="connsiteX1" y="connsiteY1"/>
+              </a:cxn>
+              <a:cxn ang="0">
+                <a:pos x="connsiteX2" y="connsiteY2"/>
+              </a:cxn>
+            </a:cxnLst>
+            <a:rect l="l" t="t" r="r" b="b"/>
+            <a:pathLst>
+              <a:path w="795646" h="755978">
+                <a:moveTo>
+                  <a:pt x="0" y="755978"/>
+                </a:moveTo>
+                <a:cubicBezTo>
+                  <a:pt x="218703" y="440292"/>
+                  <a:pt x="437407" y="124606"/>
+                  <a:pt x="570015" y="31583"/>
+                </a:cubicBezTo>
+                <a:cubicBezTo>
+                  <a:pt x="702623" y="-61440"/>
+                  <a:pt x="749134" y="68199"/>
+                  <a:pt x="795646" y="197838"/>
+                </a:cubicBezTo>
+              </a:path>
+            </a:pathLst>
+          </a:custGeom>
+          <a:noFill/>
+          <a:ln w="19050">
+            <a:solidFill>
+              <a:srgbClr val="FF0000"/>
+            </a:solidFill>
+          </a:ln>
+        </p:spPr>
+        <p:style>
+          <a:lnRef idx="2">
+            <a:schemeClr val="accent1">
+              <a:shade val="50000"/>
+            </a:schemeClr>
+          </a:lnRef>
+          <a:fillRef idx="1">
+            <a:schemeClr val="accent1"/>
+          </a:fillRef>
+          <a:effectRef idx="0">
+            <a:schemeClr val="accent1"/>
+          </a:effectRef>
+          <a:fontRef idx="minor">
+            <a:schemeClr val="lt1"/>
+          </a:fontRef>
+        </p:style>
+        <p:txBody>
+          <a:bodyPr rtlCol="0" anchor="ctr"/>
+          <a:lstStyle/>
+          <a:p>
+            <a:pPr algn="ctr"/>
+            <a:endParaRPr kumimoji="1" lang="ja-JP" altLang="en-US"/>
+          </a:p>
+        </p:txBody>
+      </p:sp>
+      <p:sp>
+        <p:nvSpPr>
+          <p:cNvPr id="23" name="フリーフォーム 22">
+            <a:extLst>
+              <a:ext uri="{FF2B5EF4-FFF2-40B4-BE49-F238E27FC236}">
+                <a16:creationId xmlns:a16="http://schemas.microsoft.com/office/drawing/2014/main" id="{0424BE26-B91D-4B43-9D23-010368B84A5F}"/>
+              </a:ext>
+            </a:extLst>
+          </p:cNvPr>
+          <p:cNvSpPr/>
+          <p:nvPr/>
+        </p:nvSpPr>
+        <p:spPr>
+          <a:xfrm>
+            <a:off x="4007768" y="3393102"/>
+            <a:ext cx="795646" cy="755978"/>
+          </a:xfrm>
+          <a:custGeom>
+            <a:avLst/>
+            <a:gdLst>
+              <a:gd name="connsiteX0" fmla="*/ 0 w 795646"/>
+              <a:gd name="connsiteY0" fmla="*/ 755978 h 755978"/>
+              <a:gd name="connsiteX1" fmla="*/ 570015 w 795646"/>
+              <a:gd name="connsiteY1" fmla="*/ 31583 h 755978"/>
+              <a:gd name="connsiteX2" fmla="*/ 795646 w 795646"/>
+              <a:gd name="connsiteY2" fmla="*/ 197838 h 755978"/>
+            </a:gdLst>
+            <a:ahLst/>
+            <a:cxnLst>
+              <a:cxn ang="0">
+                <a:pos x="connsiteX0" y="connsiteY0"/>
+              </a:cxn>
+              <a:cxn ang="0">
+                <a:pos x="connsiteX1" y="connsiteY1"/>
+              </a:cxn>
+              <a:cxn ang="0">
+                <a:pos x="connsiteX2" y="connsiteY2"/>
+              </a:cxn>
+            </a:cxnLst>
+            <a:rect l="l" t="t" r="r" b="b"/>
+            <a:pathLst>
+              <a:path w="795646" h="755978">
+                <a:moveTo>
+                  <a:pt x="0" y="755978"/>
+                </a:moveTo>
+                <a:cubicBezTo>
+                  <a:pt x="218703" y="440292"/>
+                  <a:pt x="437407" y="124606"/>
+                  <a:pt x="570015" y="31583"/>
+                </a:cubicBezTo>
+                <a:cubicBezTo>
+                  <a:pt x="702623" y="-61440"/>
+                  <a:pt x="749134" y="68199"/>
+                  <a:pt x="795646" y="197838"/>
+                </a:cubicBezTo>
+              </a:path>
+            </a:pathLst>
+          </a:custGeom>
+          <a:noFill/>
+          <a:ln w="19050">
+            <a:solidFill>
+              <a:srgbClr val="FF0000"/>
+            </a:solidFill>
+          </a:ln>
+        </p:spPr>
+        <p:style>
+          <a:lnRef idx="2">
+            <a:schemeClr val="accent1">
+              <a:shade val="50000"/>
+            </a:schemeClr>
+          </a:lnRef>
+          <a:fillRef idx="1">
+            <a:schemeClr val="accent1"/>
+          </a:fillRef>
+          <a:effectRef idx="0">
+            <a:schemeClr val="accent1"/>
+          </a:effectRef>
+          <a:fontRef idx="minor">
+            <a:schemeClr val="lt1"/>
+          </a:fontRef>
+        </p:style>
+        <p:txBody>
+          <a:bodyPr rtlCol="0" anchor="ctr"/>
+          <a:lstStyle/>
+          <a:p>
+            <a:pPr algn="ctr"/>
+            <a:endParaRPr kumimoji="1" lang="ja-JP" altLang="en-US"/>
+          </a:p>
+        </p:txBody>
+      </p:sp>
+      <p:sp>
+        <p:nvSpPr>
+          <p:cNvPr id="24" name="フリーフォーム 23">
+            <a:extLst>
+              <a:ext uri="{FF2B5EF4-FFF2-40B4-BE49-F238E27FC236}">
+                <a16:creationId xmlns:a16="http://schemas.microsoft.com/office/drawing/2014/main" id="{BA1D0481-F866-CC49-8F93-735185AB3D45}"/>
+              </a:ext>
+            </a:extLst>
+          </p:cNvPr>
+          <p:cNvSpPr/>
+          <p:nvPr/>
+        </p:nvSpPr>
+        <p:spPr>
+          <a:xfrm>
+            <a:off x="4652282" y="2817038"/>
+            <a:ext cx="795646" cy="755978"/>
+          </a:xfrm>
+          <a:custGeom>
+            <a:avLst/>
+            <a:gdLst>
+              <a:gd name="connsiteX0" fmla="*/ 0 w 795646"/>
+              <a:gd name="connsiteY0" fmla="*/ 755978 h 755978"/>
+              <a:gd name="connsiteX1" fmla="*/ 570015 w 795646"/>
+              <a:gd name="connsiteY1" fmla="*/ 31583 h 755978"/>
+              <a:gd name="connsiteX2" fmla="*/ 795646 w 795646"/>
+              <a:gd name="connsiteY2" fmla="*/ 197838 h 755978"/>
+            </a:gdLst>
+            <a:ahLst/>
+            <a:cxnLst>
+              <a:cxn ang="0">
+                <a:pos x="connsiteX0" y="connsiteY0"/>
+              </a:cxn>
+              <a:cxn ang="0">
+                <a:pos x="connsiteX1" y="connsiteY1"/>
+              </a:cxn>
+              <a:cxn ang="0">
+                <a:pos x="connsiteX2" y="connsiteY2"/>
+              </a:cxn>
+            </a:cxnLst>
+            <a:rect l="l" t="t" r="r" b="b"/>
+            <a:pathLst>
+              <a:path w="795646" h="755978">
+                <a:moveTo>
+                  <a:pt x="0" y="755978"/>
+                </a:moveTo>
+                <a:cubicBezTo>
+                  <a:pt x="218703" y="440292"/>
+                  <a:pt x="437407" y="124606"/>
+                  <a:pt x="570015" y="31583"/>
+                </a:cubicBezTo>
+                <a:cubicBezTo>
+                  <a:pt x="702623" y="-61440"/>
+                  <a:pt x="749134" y="68199"/>
+                  <a:pt x="795646" y="197838"/>
+                </a:cubicBezTo>
+              </a:path>
+            </a:pathLst>
+          </a:custGeom>
+          <a:noFill/>
+          <a:ln w="19050">
+            <a:solidFill>
+              <a:srgbClr val="FF0000"/>
+            </a:solidFill>
+          </a:ln>
+        </p:spPr>
+        <p:style>
+          <a:lnRef idx="2">
+            <a:schemeClr val="accent1">
+              <a:shade val="50000"/>
+            </a:schemeClr>
+          </a:lnRef>
+          <a:fillRef idx="1">
+            <a:schemeClr val="accent1"/>
+          </a:fillRef>
+          <a:effectRef idx="0">
+            <a:schemeClr val="accent1"/>
+          </a:effectRef>
+          <a:fontRef idx="minor">
+            <a:schemeClr val="lt1"/>
+          </a:fontRef>
+        </p:style>
+        <p:txBody>
+          <a:bodyPr rtlCol="0" anchor="ctr"/>
+          <a:lstStyle/>
+          <a:p>
+            <a:pPr algn="ctr"/>
+            <a:endParaRPr kumimoji="1" lang="ja-JP" altLang="en-US"/>
+          </a:p>
+        </p:txBody>
+      </p:sp>
+      <p:grpSp>
+        <p:nvGrpSpPr>
+          <p:cNvPr id="25" name="グループ化 24">
+            <a:extLst>
+              <a:ext uri="{FF2B5EF4-FFF2-40B4-BE49-F238E27FC236}">
+                <a16:creationId xmlns:a16="http://schemas.microsoft.com/office/drawing/2014/main" id="{A05419B7-F37C-CD4C-93A3-26E97DCA921B}"/>
+              </a:ext>
+            </a:extLst>
+          </p:cNvPr>
+          <p:cNvGrpSpPr/>
+          <p:nvPr/>
+        </p:nvGrpSpPr>
+        <p:grpSpPr>
+          <a:xfrm>
+            <a:off x="5663952" y="2996952"/>
+            <a:ext cx="2304256" cy="1728192"/>
+            <a:chOff x="3287688" y="2996952"/>
+            <a:chExt cx="2304256" cy="1728192"/>
+          </a:xfrm>
+        </p:grpSpPr>
+        <p:cxnSp>
+          <p:nvCxnSpPr>
+            <p:cNvPr id="26" name="直線コネクタ 25">
+              <a:extLst>
+                <a:ext uri="{FF2B5EF4-FFF2-40B4-BE49-F238E27FC236}">
+                  <a16:creationId xmlns:a16="http://schemas.microsoft.com/office/drawing/2014/main" id="{40475674-BB8E-1144-916F-659D9585E173}"/>
+                </a:ext>
+              </a:extLst>
+            </p:cNvPr>
+            <p:cNvCxnSpPr/>
+            <p:nvPr/>
+          </p:nvCxnSpPr>
+          <p:spPr>
+            <a:xfrm>
+              <a:off x="3863752" y="4149080"/>
+              <a:ext cx="0" cy="576064"/>
+            </a:xfrm>
+            <a:prstGeom prst="line">
+              <a:avLst/>
+            </a:prstGeom>
+            <a:ln>
+              <a:solidFill>
+                <a:schemeClr val="tx1"/>
+              </a:solidFill>
+              <a:headEnd type="none" w="med" len="med"/>
+              <a:tailEnd type="none" w="med" len="med"/>
+            </a:ln>
+          </p:spPr>
+          <p:style>
+            <a:lnRef idx="1">
+              <a:schemeClr val="accent1"/>
+            </a:lnRef>
+            <a:fillRef idx="0">
+              <a:schemeClr val="accent1"/>
+            </a:fillRef>
+            <a:effectRef idx="0">
+              <a:schemeClr val="accent1"/>
+            </a:effectRef>
+            <a:fontRef idx="minor">
+              <a:schemeClr val="tx1"/>
+            </a:fontRef>
+          </p:style>
+        </p:cxnSp>
+        <p:cxnSp>
+          <p:nvCxnSpPr>
+            <p:cNvPr id="27" name="直線コネクタ 26">
+              <a:extLst>
+                <a:ext uri="{FF2B5EF4-FFF2-40B4-BE49-F238E27FC236}">
+                  <a16:creationId xmlns:a16="http://schemas.microsoft.com/office/drawing/2014/main" id="{F59D1756-163C-C047-A8A5-B440688CB189}"/>
+                </a:ext>
+              </a:extLst>
+            </p:cNvPr>
+            <p:cNvCxnSpPr>
+              <a:cxnSpLocks/>
+            </p:cNvCxnSpPr>
+            <p:nvPr/>
+          </p:nvCxnSpPr>
+          <p:spPr>
+            <a:xfrm flipH="1">
+              <a:off x="3863752" y="4149080"/>
+              <a:ext cx="576064" cy="0"/>
+            </a:xfrm>
+            <a:prstGeom prst="line">
+              <a:avLst/>
+            </a:prstGeom>
+            <a:ln>
+              <a:solidFill>
+                <a:schemeClr val="tx1"/>
+              </a:solidFill>
+              <a:headEnd type="none" w="med" len="med"/>
+              <a:tailEnd type="none" w="med" len="med"/>
+            </a:ln>
+          </p:spPr>
+          <p:style>
+            <a:lnRef idx="1">
+              <a:schemeClr val="accent1"/>
+            </a:lnRef>
+            <a:fillRef idx="0">
+              <a:schemeClr val="accent1"/>
+            </a:fillRef>
+            <a:effectRef idx="0">
+              <a:schemeClr val="accent1"/>
+            </a:effectRef>
+            <a:fontRef idx="minor">
+              <a:schemeClr val="tx1"/>
+            </a:fontRef>
+          </p:style>
+        </p:cxnSp>
+        <p:cxnSp>
+          <p:nvCxnSpPr>
+            <p:cNvPr id="28" name="直線コネクタ 27">
+              <a:extLst>
+                <a:ext uri="{FF2B5EF4-FFF2-40B4-BE49-F238E27FC236}">
+                  <a16:creationId xmlns:a16="http://schemas.microsoft.com/office/drawing/2014/main" id="{DCEF2C61-D835-0B44-81B1-97EA45FC9C91}"/>
+                </a:ext>
+              </a:extLst>
+            </p:cNvPr>
+            <p:cNvCxnSpPr/>
+            <p:nvPr/>
+          </p:nvCxnSpPr>
+          <p:spPr>
+            <a:xfrm>
+              <a:off x="4439816" y="3573016"/>
+              <a:ext cx="0" cy="576064"/>
+            </a:xfrm>
+            <a:prstGeom prst="line">
+              <a:avLst/>
+            </a:prstGeom>
+            <a:ln>
+              <a:solidFill>
+                <a:schemeClr val="tx1"/>
+              </a:solidFill>
+              <a:headEnd type="none" w="med" len="med"/>
+              <a:tailEnd type="none" w="med" len="med"/>
+            </a:ln>
+          </p:spPr>
+          <p:style>
+            <a:lnRef idx="1">
+              <a:schemeClr val="accent1"/>
+            </a:lnRef>
+            <a:fillRef idx="0">
+              <a:schemeClr val="accent1"/>
+            </a:fillRef>
+            <a:effectRef idx="0">
+              <a:schemeClr val="accent1"/>
+            </a:effectRef>
+            <a:fontRef idx="minor">
+              <a:schemeClr val="tx1"/>
+            </a:fontRef>
+          </p:style>
+        </p:cxnSp>
+        <p:cxnSp>
+          <p:nvCxnSpPr>
+            <p:cNvPr id="29" name="直線コネクタ 28">
+              <a:extLst>
+                <a:ext uri="{FF2B5EF4-FFF2-40B4-BE49-F238E27FC236}">
+                  <a16:creationId xmlns:a16="http://schemas.microsoft.com/office/drawing/2014/main" id="{0B635E0A-07F1-F740-9D2A-E4346E952FEA}"/>
+                </a:ext>
+              </a:extLst>
+            </p:cNvPr>
+            <p:cNvCxnSpPr>
+              <a:cxnSpLocks/>
+            </p:cNvCxnSpPr>
+            <p:nvPr/>
+          </p:nvCxnSpPr>
+          <p:spPr>
+            <a:xfrm flipH="1">
+              <a:off x="4439816" y="3573016"/>
+              <a:ext cx="576064" cy="0"/>
+            </a:xfrm>
+            <a:prstGeom prst="line">
+              <a:avLst/>
+            </a:prstGeom>
+            <a:ln>
+              <a:solidFill>
+                <a:schemeClr val="tx1"/>
+              </a:solidFill>
+              <a:headEnd type="none" w="med" len="med"/>
+              <a:tailEnd type="none" w="med" len="med"/>
+            </a:ln>
+          </p:spPr>
+          <p:style>
+            <a:lnRef idx="1">
+              <a:schemeClr val="accent1"/>
+            </a:lnRef>
+            <a:fillRef idx="0">
+              <a:schemeClr val="accent1"/>
+            </a:fillRef>
+            <a:effectRef idx="0">
+              <a:schemeClr val="accent1"/>
+            </a:effectRef>
+            <a:fontRef idx="minor">
+              <a:schemeClr val="tx1"/>
+            </a:fontRef>
+          </p:style>
+        </p:cxnSp>
+        <p:cxnSp>
+          <p:nvCxnSpPr>
+            <p:cNvPr id="30" name="直線コネクタ 29">
+              <a:extLst>
+                <a:ext uri="{FF2B5EF4-FFF2-40B4-BE49-F238E27FC236}">
+                  <a16:creationId xmlns:a16="http://schemas.microsoft.com/office/drawing/2014/main" id="{31A639BB-A285-4E41-A909-C66BAFE34312}"/>
+                </a:ext>
+              </a:extLst>
+            </p:cNvPr>
+            <p:cNvCxnSpPr/>
+            <p:nvPr/>
+          </p:nvCxnSpPr>
+          <p:spPr>
+            <a:xfrm>
+              <a:off x="5015880" y="2996952"/>
+              <a:ext cx="0" cy="576064"/>
+            </a:xfrm>
+            <a:prstGeom prst="line">
+              <a:avLst/>
+            </a:prstGeom>
+            <a:ln>
+              <a:solidFill>
+                <a:schemeClr val="tx1"/>
+              </a:solidFill>
+              <a:headEnd type="none" w="med" len="med"/>
+              <a:tailEnd type="none" w="med" len="med"/>
+            </a:ln>
+          </p:spPr>
+          <p:style>
+            <a:lnRef idx="1">
+              <a:schemeClr val="accent1"/>
+            </a:lnRef>
+            <a:fillRef idx="0">
+              <a:schemeClr val="accent1"/>
+            </a:fillRef>
+            <a:effectRef idx="0">
+              <a:schemeClr val="accent1"/>
+            </a:effectRef>
+            <a:fontRef idx="minor">
+              <a:schemeClr val="tx1"/>
+            </a:fontRef>
+          </p:style>
+        </p:cxnSp>
+        <p:cxnSp>
+          <p:nvCxnSpPr>
+            <p:cNvPr id="31" name="直線コネクタ 30">
+              <a:extLst>
+                <a:ext uri="{FF2B5EF4-FFF2-40B4-BE49-F238E27FC236}">
+                  <a16:creationId xmlns:a16="http://schemas.microsoft.com/office/drawing/2014/main" id="{AB417E34-A6E7-3C4E-BE2A-6609BA3100A8}"/>
+                </a:ext>
+              </a:extLst>
+            </p:cNvPr>
+            <p:cNvCxnSpPr>
+              <a:cxnSpLocks/>
+            </p:cNvCxnSpPr>
+            <p:nvPr/>
+          </p:nvCxnSpPr>
+          <p:spPr>
+            <a:xfrm flipH="1">
+              <a:off x="5015880" y="2996952"/>
+              <a:ext cx="576064" cy="0"/>
+            </a:xfrm>
+            <a:prstGeom prst="line">
+              <a:avLst/>
+            </a:prstGeom>
+            <a:ln>
+              <a:solidFill>
+                <a:schemeClr val="tx1"/>
+              </a:solidFill>
+              <a:headEnd type="none" w="med" len="med"/>
+              <a:tailEnd type="none" w="med" len="med"/>
+            </a:ln>
+          </p:spPr>
+          <p:style>
+            <a:lnRef idx="1">
+              <a:schemeClr val="accent1"/>
+            </a:lnRef>
+            <a:fillRef idx="0">
+              <a:schemeClr val="accent1"/>
+            </a:fillRef>
+            <a:effectRef idx="0">
+              <a:schemeClr val="accent1"/>
+            </a:effectRef>
+            <a:fontRef idx="minor">
+              <a:schemeClr val="tx1"/>
+            </a:fontRef>
+          </p:style>
+        </p:cxnSp>
+        <p:cxnSp>
+          <p:nvCxnSpPr>
+            <p:cNvPr id="32" name="直線コネクタ 31">
+              <a:extLst>
+                <a:ext uri="{FF2B5EF4-FFF2-40B4-BE49-F238E27FC236}">
+                  <a16:creationId xmlns:a16="http://schemas.microsoft.com/office/drawing/2014/main" id="{D34789CA-F8AB-7942-A4B5-5F03A1001257}"/>
+                </a:ext>
+              </a:extLst>
+            </p:cNvPr>
+            <p:cNvCxnSpPr>
+              <a:cxnSpLocks/>
+            </p:cNvCxnSpPr>
+            <p:nvPr/>
+          </p:nvCxnSpPr>
+          <p:spPr>
+            <a:xfrm flipH="1">
+              <a:off x="3287688" y="4725144"/>
+              <a:ext cx="576064" cy="0"/>
+            </a:xfrm>
+            <a:prstGeom prst="line">
+              <a:avLst/>
+            </a:prstGeom>
+            <a:ln>
+              <a:solidFill>
+                <a:schemeClr val="tx1"/>
+              </a:solidFill>
+              <a:headEnd type="none" w="med" len="med"/>
+              <a:tailEnd type="none" w="med" len="med"/>
+            </a:ln>
+          </p:spPr>
+          <p:style>
+            <a:lnRef idx="1">
+              <a:schemeClr val="accent1"/>
+            </a:lnRef>
+            <a:fillRef idx="0">
+              <a:schemeClr val="accent1"/>
+            </a:fillRef>
+            <a:effectRef idx="0">
+              <a:schemeClr val="accent1"/>
+            </a:effectRef>
+            <a:fontRef idx="minor">
+              <a:schemeClr val="tx1"/>
+            </a:fontRef>
+          </p:style>
+        </p:cxnSp>
+      </p:grpSp>
+      <p:grpSp>
+        <p:nvGrpSpPr>
+          <p:cNvPr id="33" name="グループ化 32">
+            <a:extLst>
+              <a:ext uri="{FF2B5EF4-FFF2-40B4-BE49-F238E27FC236}">
+                <a16:creationId xmlns:a16="http://schemas.microsoft.com/office/drawing/2014/main" id="{AFDC0B3B-6926-AF40-B8BF-EB6168559BE0}"/>
+              </a:ext>
+            </a:extLst>
+          </p:cNvPr>
+          <p:cNvGrpSpPr/>
+          <p:nvPr/>
+        </p:nvGrpSpPr>
+        <p:grpSpPr>
+          <a:xfrm>
+            <a:off x="8040216" y="2996952"/>
+            <a:ext cx="2304256" cy="1728192"/>
+            <a:chOff x="3287688" y="2996952"/>
+            <a:chExt cx="2304256" cy="1728192"/>
+          </a:xfrm>
+        </p:grpSpPr>
+        <p:cxnSp>
+          <p:nvCxnSpPr>
+            <p:cNvPr id="34" name="直線コネクタ 33">
+              <a:extLst>
+                <a:ext uri="{FF2B5EF4-FFF2-40B4-BE49-F238E27FC236}">
+                  <a16:creationId xmlns:a16="http://schemas.microsoft.com/office/drawing/2014/main" id="{6863E6D9-0135-C344-8E13-7302EB6E3A27}"/>
+                </a:ext>
+              </a:extLst>
+            </p:cNvPr>
+            <p:cNvCxnSpPr/>
+            <p:nvPr/>
+          </p:nvCxnSpPr>
+          <p:spPr>
+            <a:xfrm>
+              <a:off x="3863752" y="4149080"/>
+              <a:ext cx="0" cy="576064"/>
+            </a:xfrm>
+            <a:prstGeom prst="line">
+              <a:avLst/>
+            </a:prstGeom>
+            <a:ln>
+              <a:solidFill>
+                <a:schemeClr val="tx1"/>
+              </a:solidFill>
+              <a:headEnd type="none" w="med" len="med"/>
+              <a:tailEnd type="none" w="med" len="med"/>
+            </a:ln>
+          </p:spPr>
+          <p:style>
+            <a:lnRef idx="1">
+              <a:schemeClr val="accent1"/>
+            </a:lnRef>
+            <a:fillRef idx="0">
+              <a:schemeClr val="accent1"/>
+            </a:fillRef>
+            <a:effectRef idx="0">
+              <a:schemeClr val="accent1"/>
+            </a:effectRef>
+            <a:fontRef idx="minor">
+              <a:schemeClr val="tx1"/>
+            </a:fontRef>
+          </p:style>
+        </p:cxnSp>
+        <p:cxnSp>
+          <p:nvCxnSpPr>
+            <p:cNvPr id="35" name="直線コネクタ 34">
+              <a:extLst>
+                <a:ext uri="{FF2B5EF4-FFF2-40B4-BE49-F238E27FC236}">
+                  <a16:creationId xmlns:a16="http://schemas.microsoft.com/office/drawing/2014/main" id="{553BCC12-8DAE-E947-834F-2AFBCBA4D027}"/>
+                </a:ext>
+              </a:extLst>
+            </p:cNvPr>
+            <p:cNvCxnSpPr>
+              <a:cxnSpLocks/>
+            </p:cNvCxnSpPr>
+            <p:nvPr/>
+          </p:nvCxnSpPr>
+          <p:spPr>
+            <a:xfrm flipH="1">
+              <a:off x="3863752" y="4149080"/>
+              <a:ext cx="576064" cy="0"/>
+            </a:xfrm>
+            <a:prstGeom prst="line">
+              <a:avLst/>
+            </a:prstGeom>
+            <a:ln>
+              <a:solidFill>
+                <a:schemeClr val="tx1"/>
+              </a:solidFill>
+              <a:headEnd type="none" w="med" len="med"/>
+              <a:tailEnd type="none" w="med" len="med"/>
+            </a:ln>
+          </p:spPr>
+          <p:style>
+            <a:lnRef idx="1">
+              <a:schemeClr val="accent1"/>
+            </a:lnRef>
+            <a:fillRef idx="0">
+              <a:schemeClr val="accent1"/>
+            </a:fillRef>
+            <a:effectRef idx="0">
+              <a:schemeClr val="accent1"/>
+            </a:effectRef>
+            <a:fontRef idx="minor">
+              <a:schemeClr val="tx1"/>
+            </a:fontRef>
+          </p:style>
+        </p:cxnSp>
+        <p:cxnSp>
+          <p:nvCxnSpPr>
+            <p:cNvPr id="36" name="直線コネクタ 35">
+              <a:extLst>
+                <a:ext uri="{FF2B5EF4-FFF2-40B4-BE49-F238E27FC236}">
+                  <a16:creationId xmlns:a16="http://schemas.microsoft.com/office/drawing/2014/main" id="{5E68FE01-0457-5841-905A-13D28854764B}"/>
+                </a:ext>
+              </a:extLst>
+            </p:cNvPr>
+            <p:cNvCxnSpPr/>
+            <p:nvPr/>
+          </p:nvCxnSpPr>
+          <p:spPr>
+            <a:xfrm>
+              <a:off x="4439816" y="3573016"/>
+              <a:ext cx="0" cy="576064"/>
+            </a:xfrm>
+            <a:prstGeom prst="line">
+              <a:avLst/>
+            </a:prstGeom>
+            <a:ln>
+              <a:solidFill>
+                <a:schemeClr val="tx1"/>
+              </a:solidFill>
+              <a:headEnd type="none" w="med" len="med"/>
+              <a:tailEnd type="none" w="med" len="med"/>
+            </a:ln>
+          </p:spPr>
+          <p:style>
+            <a:lnRef idx="1">
+              <a:schemeClr val="accent1"/>
+            </a:lnRef>
+            <a:fillRef idx="0">
+              <a:schemeClr val="accent1"/>
+            </a:fillRef>
+            <a:effectRef idx="0">
+              <a:schemeClr val="accent1"/>
+            </a:effectRef>
+            <a:fontRef idx="minor">
+              <a:schemeClr val="tx1"/>
+            </a:fontRef>
+          </p:style>
+        </p:cxnSp>
+        <p:cxnSp>
+          <p:nvCxnSpPr>
+            <p:cNvPr id="37" name="直線コネクタ 36">
+              <a:extLst>
+                <a:ext uri="{FF2B5EF4-FFF2-40B4-BE49-F238E27FC236}">
+                  <a16:creationId xmlns:a16="http://schemas.microsoft.com/office/drawing/2014/main" id="{3D8194AA-0A53-BD49-8F72-1645AE2C7C50}"/>
+                </a:ext>
+              </a:extLst>
+            </p:cNvPr>
+            <p:cNvCxnSpPr>
+              <a:cxnSpLocks/>
+            </p:cNvCxnSpPr>
+            <p:nvPr/>
+          </p:nvCxnSpPr>
+          <p:spPr>
+            <a:xfrm flipH="1">
+              <a:off x="4439816" y="3573016"/>
+              <a:ext cx="576064" cy="0"/>
+            </a:xfrm>
+            <a:prstGeom prst="line">
+              <a:avLst/>
+            </a:prstGeom>
+            <a:ln>
+              <a:solidFill>
+                <a:schemeClr val="tx1"/>
+              </a:solidFill>
+              <a:headEnd type="none" w="med" len="med"/>
+              <a:tailEnd type="none" w="med" len="med"/>
+            </a:ln>
+          </p:spPr>
+          <p:style>
+            <a:lnRef idx="1">
+              <a:schemeClr val="accent1"/>
+            </a:lnRef>
+            <a:fillRef idx="0">
+              <a:schemeClr val="accent1"/>
+            </a:fillRef>
+            <a:effectRef idx="0">
+              <a:schemeClr val="accent1"/>
+            </a:effectRef>
+            <a:fontRef idx="minor">
+              <a:schemeClr val="tx1"/>
+            </a:fontRef>
+          </p:style>
+        </p:cxnSp>
+        <p:cxnSp>
+          <p:nvCxnSpPr>
+            <p:cNvPr id="38" name="直線コネクタ 37">
+              <a:extLst>
+                <a:ext uri="{FF2B5EF4-FFF2-40B4-BE49-F238E27FC236}">
+                  <a16:creationId xmlns:a16="http://schemas.microsoft.com/office/drawing/2014/main" id="{D2605F50-E4AE-DB41-8713-83B91BC9DFE5}"/>
+                </a:ext>
+              </a:extLst>
+            </p:cNvPr>
+            <p:cNvCxnSpPr/>
+            <p:nvPr/>
+          </p:nvCxnSpPr>
+          <p:spPr>
+            <a:xfrm>
+              <a:off x="5015880" y="2996952"/>
+              <a:ext cx="0" cy="576064"/>
+            </a:xfrm>
+            <a:prstGeom prst="line">
+              <a:avLst/>
+            </a:prstGeom>
+            <a:ln>
+              <a:solidFill>
+                <a:schemeClr val="tx1"/>
+              </a:solidFill>
+              <a:headEnd type="none" w="med" len="med"/>
+              <a:tailEnd type="none" w="med" len="med"/>
+            </a:ln>
+          </p:spPr>
+          <p:style>
+            <a:lnRef idx="1">
+              <a:schemeClr val="accent1"/>
+            </a:lnRef>
+            <a:fillRef idx="0">
+              <a:schemeClr val="accent1"/>
+            </a:fillRef>
+            <a:effectRef idx="0">
+              <a:schemeClr val="accent1"/>
+            </a:effectRef>
+            <a:fontRef idx="minor">
+              <a:schemeClr val="tx1"/>
+            </a:fontRef>
+          </p:style>
+        </p:cxnSp>
+        <p:cxnSp>
+          <p:nvCxnSpPr>
+            <p:cNvPr id="39" name="直線コネクタ 38">
+              <a:extLst>
+                <a:ext uri="{FF2B5EF4-FFF2-40B4-BE49-F238E27FC236}">
+                  <a16:creationId xmlns:a16="http://schemas.microsoft.com/office/drawing/2014/main" id="{090B5EFC-A30C-C646-9558-A6A042B6B29F}"/>
+                </a:ext>
+              </a:extLst>
+            </p:cNvPr>
+            <p:cNvCxnSpPr>
+              <a:cxnSpLocks/>
+            </p:cNvCxnSpPr>
+            <p:nvPr/>
+          </p:nvCxnSpPr>
+          <p:spPr>
+            <a:xfrm flipH="1">
+              <a:off x="5015880" y="2996952"/>
+              <a:ext cx="576064" cy="0"/>
+            </a:xfrm>
+            <a:prstGeom prst="line">
+              <a:avLst/>
+            </a:prstGeom>
+            <a:ln>
+              <a:solidFill>
+                <a:schemeClr val="tx1"/>
+              </a:solidFill>
+              <a:headEnd type="none" w="med" len="med"/>
+              <a:tailEnd type="none" w="med" len="med"/>
+            </a:ln>
+          </p:spPr>
+          <p:style>
+            <a:lnRef idx="1">
+              <a:schemeClr val="accent1"/>
+            </a:lnRef>
+            <a:fillRef idx="0">
+              <a:schemeClr val="accent1"/>
+            </a:fillRef>
+            <a:effectRef idx="0">
+              <a:schemeClr val="accent1"/>
+            </a:effectRef>
+            <a:fontRef idx="minor">
+              <a:schemeClr val="tx1"/>
+            </a:fontRef>
+          </p:style>
+        </p:cxnSp>
+        <p:cxnSp>
+          <p:nvCxnSpPr>
+            <p:cNvPr id="40" name="直線コネクタ 39">
+              <a:extLst>
+                <a:ext uri="{FF2B5EF4-FFF2-40B4-BE49-F238E27FC236}">
+                  <a16:creationId xmlns:a16="http://schemas.microsoft.com/office/drawing/2014/main" id="{A60F49A1-B755-4A48-91A4-31F6753261AD}"/>
+                </a:ext>
+              </a:extLst>
+            </p:cNvPr>
+            <p:cNvCxnSpPr>
+              <a:cxnSpLocks/>
+            </p:cNvCxnSpPr>
+            <p:nvPr/>
+          </p:nvCxnSpPr>
+          <p:spPr>
+            <a:xfrm flipH="1">
+              <a:off x="3287688" y="4725144"/>
+              <a:ext cx="576064" cy="0"/>
+            </a:xfrm>
+            <a:prstGeom prst="line">
+              <a:avLst/>
+            </a:prstGeom>
+            <a:ln>
+              <a:solidFill>
+                <a:schemeClr val="tx1"/>
+              </a:solidFill>
+              <a:headEnd type="none" w="med" len="med"/>
+              <a:tailEnd type="none" w="med" len="med"/>
+            </a:ln>
+          </p:spPr>
+          <p:style>
+            <a:lnRef idx="1">
+              <a:schemeClr val="accent1"/>
+            </a:lnRef>
+            <a:fillRef idx="0">
+              <a:schemeClr val="accent1"/>
+            </a:fillRef>
+            <a:effectRef idx="0">
+              <a:schemeClr val="accent1"/>
+            </a:effectRef>
+            <a:fontRef idx="minor">
+              <a:schemeClr val="tx1"/>
+            </a:fontRef>
+          </p:style>
+        </p:cxnSp>
+      </p:grpSp>
+      <p:sp>
+        <p:nvSpPr>
+          <p:cNvPr id="41" name="フリーフォーム 40">
+            <a:extLst>
+              <a:ext uri="{FF2B5EF4-FFF2-40B4-BE49-F238E27FC236}">
+                <a16:creationId xmlns:a16="http://schemas.microsoft.com/office/drawing/2014/main" id="{B629B312-4DB8-3B4A-AD77-E79D7454BD41}"/>
+              </a:ext>
+            </a:extLst>
+          </p:cNvPr>
+          <p:cNvSpPr/>
+          <p:nvPr/>
+        </p:nvSpPr>
+        <p:spPr>
+          <a:xfrm>
+            <a:off x="5735960" y="3933056"/>
+            <a:ext cx="795646" cy="755978"/>
+          </a:xfrm>
+          <a:custGeom>
+            <a:avLst/>
+            <a:gdLst>
+              <a:gd name="connsiteX0" fmla="*/ 0 w 795646"/>
+              <a:gd name="connsiteY0" fmla="*/ 755978 h 755978"/>
+              <a:gd name="connsiteX1" fmla="*/ 570015 w 795646"/>
+              <a:gd name="connsiteY1" fmla="*/ 31583 h 755978"/>
+              <a:gd name="connsiteX2" fmla="*/ 795646 w 795646"/>
+              <a:gd name="connsiteY2" fmla="*/ 197838 h 755978"/>
+            </a:gdLst>
+            <a:ahLst/>
+            <a:cxnLst>
+              <a:cxn ang="0">
+                <a:pos x="connsiteX0" y="connsiteY0"/>
+              </a:cxn>
+              <a:cxn ang="0">
+                <a:pos x="connsiteX1" y="connsiteY1"/>
+              </a:cxn>
+              <a:cxn ang="0">
+                <a:pos x="connsiteX2" y="connsiteY2"/>
+              </a:cxn>
+            </a:cxnLst>
+            <a:rect l="l" t="t" r="r" b="b"/>
+            <a:pathLst>
+              <a:path w="795646" h="755978">
+                <a:moveTo>
+                  <a:pt x="0" y="755978"/>
+                </a:moveTo>
+                <a:cubicBezTo>
+                  <a:pt x="218703" y="440292"/>
+                  <a:pt x="437407" y="124606"/>
+                  <a:pt x="570015" y="31583"/>
+                </a:cubicBezTo>
+                <a:cubicBezTo>
+                  <a:pt x="702623" y="-61440"/>
+                  <a:pt x="749134" y="68199"/>
+                  <a:pt x="795646" y="197838"/>
+                </a:cubicBezTo>
+              </a:path>
+            </a:pathLst>
+          </a:custGeom>
+          <a:noFill/>
+          <a:ln w="19050">
+            <a:solidFill>
+              <a:srgbClr val="FF0000"/>
+            </a:solidFill>
+          </a:ln>
+        </p:spPr>
+        <p:style>
+          <a:lnRef idx="2">
+            <a:schemeClr val="accent1">
+              <a:shade val="50000"/>
+            </a:schemeClr>
+          </a:lnRef>
+          <a:fillRef idx="1">
+            <a:schemeClr val="accent1"/>
+          </a:fillRef>
+          <a:effectRef idx="0">
+            <a:schemeClr val="accent1"/>
+          </a:effectRef>
+          <a:fontRef idx="minor">
+            <a:schemeClr val="lt1"/>
+          </a:fontRef>
+        </p:style>
+        <p:txBody>
+          <a:bodyPr rtlCol="0" anchor="ctr"/>
+          <a:lstStyle/>
+          <a:p>
+            <a:pPr algn="ctr"/>
+            <a:endParaRPr kumimoji="1" lang="ja-JP" altLang="en-US"/>
+          </a:p>
+        </p:txBody>
+      </p:sp>
+      <p:sp>
+        <p:nvSpPr>
+          <p:cNvPr id="42" name="フリーフォーム 41">
+            <a:extLst>
+              <a:ext uri="{FF2B5EF4-FFF2-40B4-BE49-F238E27FC236}">
+                <a16:creationId xmlns:a16="http://schemas.microsoft.com/office/drawing/2014/main" id="{F11489C3-2110-B547-A301-4F57CE6ABA3B}"/>
+              </a:ext>
+            </a:extLst>
+          </p:cNvPr>
+          <p:cNvSpPr/>
+          <p:nvPr/>
+        </p:nvSpPr>
+        <p:spPr>
+          <a:xfrm>
+            <a:off x="9336360" y="2780928"/>
+            <a:ext cx="795646" cy="755978"/>
+          </a:xfrm>
+          <a:custGeom>
+            <a:avLst/>
+            <a:gdLst>
+              <a:gd name="connsiteX0" fmla="*/ 0 w 795646"/>
+              <a:gd name="connsiteY0" fmla="*/ 755978 h 755978"/>
+              <a:gd name="connsiteX1" fmla="*/ 570015 w 795646"/>
+              <a:gd name="connsiteY1" fmla="*/ 31583 h 755978"/>
+              <a:gd name="connsiteX2" fmla="*/ 795646 w 795646"/>
+              <a:gd name="connsiteY2" fmla="*/ 197838 h 755978"/>
+            </a:gdLst>
+            <a:ahLst/>
+            <a:cxnLst>
+              <a:cxn ang="0">
+                <a:pos x="connsiteX0" y="connsiteY0"/>
+              </a:cxn>
+              <a:cxn ang="0">
+                <a:pos x="connsiteX1" y="connsiteY1"/>
+              </a:cxn>
+              <a:cxn ang="0">
+                <a:pos x="connsiteX2" y="connsiteY2"/>
+              </a:cxn>
+            </a:cxnLst>
+            <a:rect l="l" t="t" r="r" b="b"/>
+            <a:pathLst>
+              <a:path w="795646" h="755978">
+                <a:moveTo>
+                  <a:pt x="0" y="755978"/>
+                </a:moveTo>
+                <a:cubicBezTo>
+                  <a:pt x="218703" y="440292"/>
+                  <a:pt x="437407" y="124606"/>
+                  <a:pt x="570015" y="31583"/>
+                </a:cubicBezTo>
+                <a:cubicBezTo>
+                  <a:pt x="702623" y="-61440"/>
+                  <a:pt x="749134" y="68199"/>
+                  <a:pt x="795646" y="197838"/>
+                </a:cubicBezTo>
+              </a:path>
+            </a:pathLst>
+          </a:custGeom>
+          <a:noFill/>
+          <a:ln w="19050">
+            <a:solidFill>
+              <a:srgbClr val="FF0000"/>
+            </a:solidFill>
+          </a:ln>
+        </p:spPr>
+        <p:style>
+          <a:lnRef idx="2">
+            <a:schemeClr val="accent1">
+              <a:shade val="50000"/>
+            </a:schemeClr>
+          </a:lnRef>
+          <a:fillRef idx="1">
+            <a:schemeClr val="accent1"/>
+          </a:fillRef>
+          <a:effectRef idx="0">
+            <a:schemeClr val="accent1"/>
+          </a:effectRef>
+          <a:fontRef idx="minor">
+            <a:schemeClr val="lt1"/>
+          </a:fontRef>
+        </p:style>
+        <p:txBody>
+          <a:bodyPr rtlCol="0" anchor="ctr"/>
+          <a:lstStyle/>
+          <a:p>
+            <a:pPr algn="ctr"/>
+            <a:endParaRPr kumimoji="1" lang="ja-JP" altLang="en-US"/>
+          </a:p>
+        </p:txBody>
+      </p:sp>
+      <p:sp>
+        <p:nvSpPr>
+          <p:cNvPr id="43" name="フリーフォーム 42">
+            <a:extLst>
+              <a:ext uri="{FF2B5EF4-FFF2-40B4-BE49-F238E27FC236}">
+                <a16:creationId xmlns:a16="http://schemas.microsoft.com/office/drawing/2014/main" id="{D202F4DB-460E-5C49-8A9C-3A547FF4A57B}"/>
+              </a:ext>
+            </a:extLst>
+          </p:cNvPr>
+          <p:cNvSpPr/>
+          <p:nvPr/>
+        </p:nvSpPr>
+        <p:spPr>
+          <a:xfrm>
+            <a:off x="6456040" y="2564904"/>
+            <a:ext cx="1224136" cy="1548066"/>
+          </a:xfrm>
+          <a:custGeom>
+            <a:avLst/>
+            <a:gdLst>
+              <a:gd name="connsiteX0" fmla="*/ 0 w 795646"/>
+              <a:gd name="connsiteY0" fmla="*/ 755978 h 755978"/>
+              <a:gd name="connsiteX1" fmla="*/ 570015 w 795646"/>
+              <a:gd name="connsiteY1" fmla="*/ 31583 h 755978"/>
+              <a:gd name="connsiteX2" fmla="*/ 795646 w 795646"/>
+              <a:gd name="connsiteY2" fmla="*/ 197838 h 755978"/>
+            </a:gdLst>
+            <a:ahLst/>
+            <a:cxnLst>
+              <a:cxn ang="0">
+                <a:pos x="connsiteX0" y="connsiteY0"/>
+              </a:cxn>
+              <a:cxn ang="0">
+                <a:pos x="connsiteX1" y="connsiteY1"/>
+              </a:cxn>
+              <a:cxn ang="0">
+                <a:pos x="connsiteX2" y="connsiteY2"/>
+              </a:cxn>
+            </a:cxnLst>
+            <a:rect l="l" t="t" r="r" b="b"/>
+            <a:pathLst>
+              <a:path w="795646" h="755978">
+                <a:moveTo>
+                  <a:pt x="0" y="755978"/>
+                </a:moveTo>
+                <a:cubicBezTo>
+                  <a:pt x="218703" y="440292"/>
+                  <a:pt x="437407" y="124606"/>
+                  <a:pt x="570015" y="31583"/>
+                </a:cubicBezTo>
+                <a:cubicBezTo>
+                  <a:pt x="702623" y="-61440"/>
+                  <a:pt x="749134" y="68199"/>
+                  <a:pt x="795646" y="197838"/>
+                </a:cubicBezTo>
+              </a:path>
+            </a:pathLst>
+          </a:custGeom>
+          <a:noFill/>
+          <a:ln w="19050">
+            <a:solidFill>
+              <a:srgbClr val="FF0000"/>
+            </a:solidFill>
+          </a:ln>
+        </p:spPr>
+        <p:style>
+          <a:lnRef idx="2">
+            <a:schemeClr val="accent1">
+              <a:shade val="50000"/>
+            </a:schemeClr>
+          </a:lnRef>
+          <a:fillRef idx="1">
+            <a:schemeClr val="accent1"/>
+          </a:fillRef>
+          <a:effectRef idx="0">
+            <a:schemeClr val="accent1"/>
+          </a:effectRef>
+          <a:fontRef idx="minor">
+            <a:schemeClr val="lt1"/>
+          </a:fontRef>
+        </p:style>
+        <p:txBody>
+          <a:bodyPr rtlCol="0" anchor="ctr"/>
+          <a:lstStyle/>
+          <a:p>
+            <a:pPr algn="ctr"/>
+            <a:endParaRPr kumimoji="1" lang="ja-JP" altLang="en-US"/>
+          </a:p>
+        </p:txBody>
+      </p:sp>
+      <p:sp>
+        <p:nvSpPr>
+          <p:cNvPr id="44" name="フリーフォーム 43">
+            <a:extLst>
+              <a:ext uri="{FF2B5EF4-FFF2-40B4-BE49-F238E27FC236}">
+                <a16:creationId xmlns:a16="http://schemas.microsoft.com/office/drawing/2014/main" id="{895D2ADC-4392-9146-B931-DA653EE54B50}"/>
+              </a:ext>
+            </a:extLst>
+          </p:cNvPr>
+          <p:cNvSpPr/>
+          <p:nvPr/>
+        </p:nvSpPr>
+        <p:spPr>
+          <a:xfrm>
+            <a:off x="8256240" y="3140968"/>
+            <a:ext cx="1224136" cy="1548066"/>
+          </a:xfrm>
+          <a:custGeom>
+            <a:avLst/>
+            <a:gdLst>
+              <a:gd name="connsiteX0" fmla="*/ 0 w 795646"/>
+              <a:gd name="connsiteY0" fmla="*/ 755978 h 755978"/>
+              <a:gd name="connsiteX1" fmla="*/ 570015 w 795646"/>
+              <a:gd name="connsiteY1" fmla="*/ 31583 h 755978"/>
+              <a:gd name="connsiteX2" fmla="*/ 795646 w 795646"/>
+              <a:gd name="connsiteY2" fmla="*/ 197838 h 755978"/>
+            </a:gdLst>
+            <a:ahLst/>
+            <a:cxnLst>
+              <a:cxn ang="0">
+                <a:pos x="connsiteX0" y="connsiteY0"/>
+              </a:cxn>
+              <a:cxn ang="0">
+                <a:pos x="connsiteX1" y="connsiteY1"/>
+              </a:cxn>
+              <a:cxn ang="0">
+                <a:pos x="connsiteX2" y="connsiteY2"/>
+              </a:cxn>
+            </a:cxnLst>
+            <a:rect l="l" t="t" r="r" b="b"/>
+            <a:pathLst>
+              <a:path w="795646" h="755978">
+                <a:moveTo>
+                  <a:pt x="0" y="755978"/>
+                </a:moveTo>
+                <a:cubicBezTo>
+                  <a:pt x="218703" y="440292"/>
+                  <a:pt x="437407" y="124606"/>
+                  <a:pt x="570015" y="31583"/>
+                </a:cubicBezTo>
+                <a:cubicBezTo>
+                  <a:pt x="702623" y="-61440"/>
+                  <a:pt x="749134" y="68199"/>
+                  <a:pt x="795646" y="197838"/>
+                </a:cubicBezTo>
+              </a:path>
+            </a:pathLst>
+          </a:custGeom>
+          <a:noFill/>
+          <a:ln w="19050">
+            <a:solidFill>
+              <a:srgbClr val="FF0000"/>
+            </a:solidFill>
+          </a:ln>
+        </p:spPr>
+        <p:style>
+          <a:lnRef idx="2">
+            <a:schemeClr val="accent1">
+              <a:shade val="50000"/>
+            </a:schemeClr>
+          </a:lnRef>
+          <a:fillRef idx="1">
+            <a:schemeClr val="accent1"/>
+          </a:fillRef>
+          <a:effectRef idx="0">
+            <a:schemeClr val="accent1"/>
+          </a:effectRef>
+          <a:fontRef idx="minor">
+            <a:schemeClr val="lt1"/>
+          </a:fontRef>
+        </p:style>
+        <p:txBody>
+          <a:bodyPr rtlCol="0" anchor="ctr"/>
+          <a:lstStyle/>
+          <a:p>
+            <a:pPr algn="ctr"/>
+            <a:endParaRPr kumimoji="1" lang="ja-JP" altLang="en-US"/>
+          </a:p>
+        </p:txBody>
+      </p:sp>
+      <p:sp>
+        <p:nvSpPr>
+          <p:cNvPr id="45" name="テキスト ボックス 44">
+            <a:extLst>
+              <a:ext uri="{FF2B5EF4-FFF2-40B4-BE49-F238E27FC236}">
+                <a16:creationId xmlns:a16="http://schemas.microsoft.com/office/drawing/2014/main" id="{5D16599F-B7B2-5D4C-83D1-60F17AEB1DC3}"/>
+              </a:ext>
+            </a:extLst>
+          </p:cNvPr>
+          <p:cNvSpPr txBox="1"/>
+          <p:nvPr/>
+        </p:nvSpPr>
+        <p:spPr>
+          <a:xfrm>
+            <a:off x="3431704" y="1988840"/>
+            <a:ext cx="1592103" cy="369332"/>
+          </a:xfrm>
+          <a:prstGeom prst="rect">
+            <a:avLst/>
+          </a:prstGeom>
+          <a:noFill/>
+        </p:spPr>
+        <p:txBody>
+          <a:bodyPr wrap="none" rtlCol="0">
+            <a:spAutoFit/>
+          </a:bodyPr>
+          <a:lstStyle/>
+          <a:p>
+            <a:r>
+              <a:rPr lang="en-US" altLang="ja-JP"/>
+              <a:t>3 = 1 + 1 + 1</a:t>
+            </a:r>
+            <a:endParaRPr kumimoji="1" lang="ja-JP" altLang="en-US"/>
+          </a:p>
+        </p:txBody>
+      </p:sp>
+      <p:sp>
+        <p:nvSpPr>
+          <p:cNvPr id="46" name="テキスト ボックス 45">
+            <a:extLst>
+              <a:ext uri="{FF2B5EF4-FFF2-40B4-BE49-F238E27FC236}">
+                <a16:creationId xmlns:a16="http://schemas.microsoft.com/office/drawing/2014/main" id="{AB3ADC46-F22E-A948-947D-D6CD439CCBDC}"/>
+              </a:ext>
+            </a:extLst>
+          </p:cNvPr>
+          <p:cNvSpPr txBox="1"/>
+          <p:nvPr/>
+        </p:nvSpPr>
+        <p:spPr>
+          <a:xfrm>
+            <a:off x="6384032" y="1988840"/>
+            <a:ext cx="1165704" cy="369332"/>
+          </a:xfrm>
+          <a:prstGeom prst="rect">
+            <a:avLst/>
+          </a:prstGeom>
+          <a:noFill/>
+        </p:spPr>
+        <p:txBody>
+          <a:bodyPr wrap="none" rtlCol="0">
+            <a:spAutoFit/>
+          </a:bodyPr>
+          <a:lstStyle/>
+          <a:p>
+            <a:r>
+              <a:rPr lang="en-US" altLang="ja-JP"/>
+              <a:t>3 = 1 + 2</a:t>
+            </a:r>
+            <a:endParaRPr kumimoji="1" lang="ja-JP" altLang="en-US"/>
+          </a:p>
+        </p:txBody>
+      </p:sp>
+      <p:sp>
+        <p:nvSpPr>
+          <p:cNvPr id="47" name="テキスト ボックス 46">
+            <a:extLst>
+              <a:ext uri="{FF2B5EF4-FFF2-40B4-BE49-F238E27FC236}">
+                <a16:creationId xmlns:a16="http://schemas.microsoft.com/office/drawing/2014/main" id="{0937B6B7-906E-954F-B1A0-B08A21678673}"/>
+              </a:ext>
+            </a:extLst>
+          </p:cNvPr>
+          <p:cNvSpPr txBox="1"/>
+          <p:nvPr/>
+        </p:nvSpPr>
+        <p:spPr>
+          <a:xfrm>
+            <a:off x="8904312" y="1988840"/>
+            <a:ext cx="1165704" cy="369332"/>
+          </a:xfrm>
+          <a:prstGeom prst="rect">
+            <a:avLst/>
+          </a:prstGeom>
+          <a:noFill/>
+        </p:spPr>
+        <p:txBody>
+          <a:bodyPr wrap="none" rtlCol="0">
+            <a:spAutoFit/>
+          </a:bodyPr>
+          <a:lstStyle/>
+          <a:p>
+            <a:r>
+              <a:rPr lang="en-US" altLang="ja-JP"/>
+              <a:t>3 = 2 + 1</a:t>
+            </a:r>
+            <a:endParaRPr kumimoji="1" lang="ja-JP" altLang="en-US"/>
+          </a:p>
+        </p:txBody>
+      </p:sp>
+      <p:sp>
+        <p:nvSpPr>
+          <p:cNvPr id="48" name="テキスト ボックス 47">
+            <a:extLst>
+              <a:ext uri="{FF2B5EF4-FFF2-40B4-BE49-F238E27FC236}">
+                <a16:creationId xmlns:a16="http://schemas.microsoft.com/office/drawing/2014/main" id="{5A3C6BE0-0226-D94C-8726-EDE0E6665DCB}"/>
+              </a:ext>
+            </a:extLst>
+          </p:cNvPr>
+          <p:cNvSpPr txBox="1"/>
+          <p:nvPr/>
+        </p:nvSpPr>
+        <p:spPr>
+          <a:xfrm>
+            <a:off x="1775520" y="1196752"/>
+            <a:ext cx="7770076" cy="369332"/>
+          </a:xfrm>
+          <a:prstGeom prst="rect">
+            <a:avLst/>
+          </a:prstGeom>
+          <a:noFill/>
+        </p:spPr>
+        <p:txBody>
+          <a:bodyPr wrap="none" rtlCol="0">
+            <a:spAutoFit/>
+          </a:bodyPr>
+          <a:lstStyle/>
+          <a:p>
+            <a:r>
+              <a:rPr lang="en-US" altLang="ja-JP"/>
+              <a:t>n</a:t>
+            </a:r>
+            <a:r>
+              <a:rPr lang="ja-JP" altLang="en-US"/>
+              <a:t>段の階段を</a:t>
+            </a:r>
+            <a:r>
+              <a:rPr lang="en-US" altLang="ja-JP"/>
+              <a:t>1</a:t>
+            </a:r>
+            <a:r>
+              <a:rPr lang="ja-JP" altLang="en-US"/>
+              <a:t>段もしくは</a:t>
+            </a:r>
+            <a:r>
+              <a:rPr lang="en-US" altLang="ja-JP"/>
+              <a:t>2</a:t>
+            </a:r>
+            <a:r>
+              <a:rPr lang="ja-JP" altLang="en-US"/>
+              <a:t>段を混ぜて登る時、何通りの登り方があるか？</a:t>
+            </a:r>
+            <a:endParaRPr kumimoji="1" lang="en-US" altLang="ja-JP"/>
+          </a:p>
+        </p:txBody>
+      </p:sp>
+      <p:sp>
+        <p:nvSpPr>
+          <p:cNvPr id="49" name="正方形/長方形 48">
+            <a:extLst>
+              <a:ext uri="{FF2B5EF4-FFF2-40B4-BE49-F238E27FC236}">
+                <a16:creationId xmlns:a16="http://schemas.microsoft.com/office/drawing/2014/main" id="{77CC3E7D-5841-6C4D-8294-1EFE7CF20514}"/>
+              </a:ext>
+            </a:extLst>
+          </p:cNvPr>
+          <p:cNvSpPr/>
+          <p:nvPr/>
+        </p:nvSpPr>
+        <p:spPr>
+          <a:xfrm>
+            <a:off x="4799856" y="620688"/>
+            <a:ext cx="2236510" cy="400110"/>
+          </a:xfrm>
+          <a:prstGeom prst="rect">
+            <a:avLst/>
+          </a:prstGeom>
+        </p:spPr>
+        <p:txBody>
+          <a:bodyPr wrap="none">
+            <a:spAutoFit/>
+          </a:bodyPr>
+          <a:lstStyle/>
+          <a:p>
+            <a:r>
+              <a:rPr lang="ja-JP" altLang="en-US" sz="2000"/>
+              <a:t>階段の登り方問題</a:t>
+            </a:r>
+            <a:endParaRPr lang="en-US" altLang="ja-JP" sz="2000"/>
+          </a:p>
+        </p:txBody>
+      </p:sp>
+    </p:spTree>
+    <p:extLst>
+      <p:ext uri="{BB962C8B-B14F-4D97-AF65-F5344CB8AC3E}">
+        <p14:creationId xmlns:p14="http://schemas.microsoft.com/office/powerpoint/2010/main" val="4138726510"/>
+      </p:ext>
+    </p:extLst>
+  </p:cSld>
+  <p:clrMapOvr>
+    <a:masterClrMapping/>
+  </p:clrMapOvr>
+</p:sld>
+</file>
+
 <file path=ppt/theme/theme1.xml><?xml version="1.0" encoding="utf-8"?>
 <a:theme xmlns:a="http://schemas.openxmlformats.org/drawingml/2006/main" name="Office テーマ">
   <a:themeElements>
@@ -7055,7 +8935,8 @@
           <a:solidFill>
             <a:schemeClr val="tx1"/>
           </a:solidFill>
-          <a:tailEnd type="triangle"/>
+          <a:headEnd type="none" w="med" len="med"/>
+          <a:tailEnd type="none" w="med" len="med"/>
         </a:ln>
       </a:spPr>
       <a:bodyPr/>

--- a/recursion/fig/fig.pptx
+++ b/recursion/fig/fig.pptx
@@ -5,14 +5,15 @@
     <p:sldMasterId id="2147483648" r:id="rId1"/>
   </p:sldMasterIdLst>
   <p:sldIdLst>
-    <p:sldId id="262" r:id="rId2"/>
-    <p:sldId id="263" r:id="rId3"/>
-    <p:sldId id="256" r:id="rId4"/>
-    <p:sldId id="259" r:id="rId5"/>
-    <p:sldId id="257" r:id="rId6"/>
-    <p:sldId id="258" r:id="rId7"/>
-    <p:sldId id="260" r:id="rId8"/>
-    <p:sldId id="264" r:id="rId9"/>
+    <p:sldId id="265" r:id="rId2"/>
+    <p:sldId id="262" r:id="rId3"/>
+    <p:sldId id="263" r:id="rId4"/>
+    <p:sldId id="256" r:id="rId5"/>
+    <p:sldId id="259" r:id="rId6"/>
+    <p:sldId id="257" r:id="rId7"/>
+    <p:sldId id="258" r:id="rId8"/>
+    <p:sldId id="260" r:id="rId9"/>
+    <p:sldId id="264" r:id="rId10"/>
   </p:sldIdLst>
   <p:sldSz cx="12192000" cy="6858000"/>
   <p:notesSz cx="6858000" cy="9144000"/>
@@ -482,6 +483,1102 @@
           <a:chExt cx="0" cy="0"/>
         </a:xfrm>
       </p:grpSpPr>
+      <p:sp>
+        <p:nvSpPr>
+          <p:cNvPr id="2" name="テキスト ボックス 1">
+            <a:extLst>
+              <a:ext uri="{FF2B5EF4-FFF2-40B4-BE49-F238E27FC236}">
+                <a16:creationId xmlns:a16="http://schemas.microsoft.com/office/drawing/2014/main" id="{36CF3257-7925-5C44-A1E5-EC4CE7419073}"/>
+              </a:ext>
+            </a:extLst>
+          </p:cNvPr>
+          <p:cNvSpPr txBox="1"/>
+          <p:nvPr/>
+        </p:nvSpPr>
+        <p:spPr>
+          <a:xfrm>
+            <a:off x="911424" y="188640"/>
+            <a:ext cx="7571303" cy="461665"/>
+          </a:xfrm>
+          <a:prstGeom prst="rect">
+            <a:avLst/>
+          </a:prstGeom>
+          <a:noFill/>
+        </p:spPr>
+        <p:txBody>
+          <a:bodyPr wrap="none" rtlCol="0">
+            <a:spAutoFit/>
+          </a:bodyPr>
+          <a:lstStyle/>
+          <a:p>
+            <a:r>
+              <a:rPr kumimoji="1" lang="ja-JP" altLang="en-US" sz="2400"/>
+              <a:t>再帰的定義：定義の記述に自分自身があらわれること</a:t>
+            </a:r>
+          </a:p>
+        </p:txBody>
+      </p:sp>
+      <p:sp>
+        <p:nvSpPr>
+          <p:cNvPr id="3" name="テキスト ボックス 2">
+            <a:extLst>
+              <a:ext uri="{FF2B5EF4-FFF2-40B4-BE49-F238E27FC236}">
+                <a16:creationId xmlns:a16="http://schemas.microsoft.com/office/drawing/2014/main" id="{E1EC225C-5FDC-C24B-B8E6-62239BFDA3E5}"/>
+              </a:ext>
+            </a:extLst>
+          </p:cNvPr>
+          <p:cNvSpPr txBox="1"/>
+          <p:nvPr/>
+        </p:nvSpPr>
+        <p:spPr>
+          <a:xfrm>
+            <a:off x="551384" y="1700808"/>
+            <a:ext cx="7263527" cy="461665"/>
+          </a:xfrm>
+          <a:prstGeom prst="rect">
+            <a:avLst/>
+          </a:prstGeom>
+          <a:noFill/>
+        </p:spPr>
+        <p:txBody>
+          <a:bodyPr wrap="none" rtlCol="0">
+            <a:spAutoFit/>
+          </a:bodyPr>
+          <a:lstStyle/>
+          <a:p>
+            <a:r>
+              <a:rPr kumimoji="1" lang="ja-JP" altLang="en-US" sz="2400">
+                <a:solidFill>
+                  <a:srgbClr val="FF0000"/>
+                </a:solidFill>
+              </a:rPr>
+              <a:t>フォルダ</a:t>
+            </a:r>
+            <a:r>
+              <a:rPr kumimoji="1" lang="ja-JP" altLang="en-US" sz="2400"/>
+              <a:t>：その中に</a:t>
+            </a:r>
+            <a:r>
+              <a:rPr kumimoji="1" lang="ja-JP" altLang="en-US" sz="2400">
+                <a:solidFill>
+                  <a:srgbClr val="FF0000"/>
+                </a:solidFill>
+              </a:rPr>
+              <a:t>フォルダ</a:t>
+            </a:r>
+            <a:r>
+              <a:rPr kumimoji="1" lang="ja-JP" altLang="en-US" sz="2400"/>
+              <a:t>とファイルを含むもの</a:t>
+            </a:r>
+          </a:p>
+        </p:txBody>
+      </p:sp>
+      <p:pic>
+        <p:nvPicPr>
+          <p:cNvPr id="5" name="図 4">
+            <a:extLst>
+              <a:ext uri="{FF2B5EF4-FFF2-40B4-BE49-F238E27FC236}">
+                <a16:creationId xmlns:a16="http://schemas.microsoft.com/office/drawing/2014/main" id="{20C0D7ED-406B-884E-91C0-4EE12ECC6639}"/>
+              </a:ext>
+            </a:extLst>
+          </p:cNvPr>
+          <p:cNvPicPr>
+            <a:picLocks noChangeAspect="1"/>
+          </p:cNvPicPr>
+          <p:nvPr/>
+        </p:nvPicPr>
+        <p:blipFill>
+          <a:blip r:embed="rId2"/>
+          <a:stretch>
+            <a:fillRect/>
+          </a:stretch>
+        </p:blipFill>
+        <p:spPr>
+          <a:xfrm>
+            <a:off x="2207568" y="2708920"/>
+            <a:ext cx="648072" cy="541140"/>
+          </a:xfrm>
+          <a:prstGeom prst="rect">
+            <a:avLst/>
+          </a:prstGeom>
+        </p:spPr>
+      </p:pic>
+      <p:pic>
+        <p:nvPicPr>
+          <p:cNvPr id="6" name="図 5">
+            <a:extLst>
+              <a:ext uri="{FF2B5EF4-FFF2-40B4-BE49-F238E27FC236}">
+                <a16:creationId xmlns:a16="http://schemas.microsoft.com/office/drawing/2014/main" id="{A584A2B0-C2A1-8241-8C55-26B4CFC26B4D}"/>
+              </a:ext>
+            </a:extLst>
+          </p:cNvPr>
+          <p:cNvPicPr>
+            <a:picLocks noChangeAspect="1"/>
+          </p:cNvPicPr>
+          <p:nvPr/>
+        </p:nvPicPr>
+        <p:blipFill>
+          <a:blip r:embed="rId2"/>
+          <a:stretch>
+            <a:fillRect/>
+          </a:stretch>
+        </p:blipFill>
+        <p:spPr>
+          <a:xfrm>
+            <a:off x="2207568" y="3429000"/>
+            <a:ext cx="648072" cy="541140"/>
+          </a:xfrm>
+          <a:prstGeom prst="rect">
+            <a:avLst/>
+          </a:prstGeom>
+        </p:spPr>
+      </p:pic>
+      <p:pic>
+        <p:nvPicPr>
+          <p:cNvPr id="7" name="図 6">
+            <a:extLst>
+              <a:ext uri="{FF2B5EF4-FFF2-40B4-BE49-F238E27FC236}">
+                <a16:creationId xmlns:a16="http://schemas.microsoft.com/office/drawing/2014/main" id="{903D7AD0-306D-2645-A8AC-4D04BCB923D9}"/>
+              </a:ext>
+            </a:extLst>
+          </p:cNvPr>
+          <p:cNvPicPr>
+            <a:picLocks noChangeAspect="1"/>
+          </p:cNvPicPr>
+          <p:nvPr/>
+        </p:nvPicPr>
+        <p:blipFill>
+          <a:blip r:embed="rId3"/>
+          <a:stretch>
+            <a:fillRect/>
+          </a:stretch>
+        </p:blipFill>
+        <p:spPr>
+          <a:xfrm>
+            <a:off x="2207568" y="4293096"/>
+            <a:ext cx="492855" cy="576064"/>
+          </a:xfrm>
+          <a:prstGeom prst="rect">
+            <a:avLst/>
+          </a:prstGeom>
+        </p:spPr>
+      </p:pic>
+      <p:pic>
+        <p:nvPicPr>
+          <p:cNvPr id="9" name="図 8">
+            <a:extLst>
+              <a:ext uri="{FF2B5EF4-FFF2-40B4-BE49-F238E27FC236}">
+                <a16:creationId xmlns:a16="http://schemas.microsoft.com/office/drawing/2014/main" id="{E4B0986B-3299-214F-9F64-FA83792393DA}"/>
+              </a:ext>
+            </a:extLst>
+          </p:cNvPr>
+          <p:cNvPicPr>
+            <a:picLocks noChangeAspect="1"/>
+          </p:cNvPicPr>
+          <p:nvPr/>
+        </p:nvPicPr>
+        <p:blipFill>
+          <a:blip r:embed="rId3"/>
+          <a:stretch>
+            <a:fillRect/>
+          </a:stretch>
+        </p:blipFill>
+        <p:spPr>
+          <a:xfrm>
+            <a:off x="2207568" y="5157192"/>
+            <a:ext cx="492855" cy="576064"/>
+          </a:xfrm>
+          <a:prstGeom prst="rect">
+            <a:avLst/>
+          </a:prstGeom>
+        </p:spPr>
+      </p:pic>
+      <p:pic>
+        <p:nvPicPr>
+          <p:cNvPr id="12" name="図 11">
+            <a:extLst>
+              <a:ext uri="{FF2B5EF4-FFF2-40B4-BE49-F238E27FC236}">
+                <a16:creationId xmlns:a16="http://schemas.microsoft.com/office/drawing/2014/main" id="{947749EA-4171-AE43-BAB5-ED5CE03F484D}"/>
+              </a:ext>
+            </a:extLst>
+          </p:cNvPr>
+          <p:cNvPicPr>
+            <a:picLocks noChangeAspect="1"/>
+          </p:cNvPicPr>
+          <p:nvPr/>
+        </p:nvPicPr>
+        <p:blipFill>
+          <a:blip r:embed="rId2"/>
+          <a:stretch>
+            <a:fillRect/>
+          </a:stretch>
+        </p:blipFill>
+        <p:spPr>
+          <a:xfrm>
+            <a:off x="695400" y="2708920"/>
+            <a:ext cx="648072" cy="541140"/>
+          </a:xfrm>
+          <a:prstGeom prst="rect">
+            <a:avLst/>
+          </a:prstGeom>
+        </p:spPr>
+      </p:pic>
+      <p:cxnSp>
+        <p:nvCxnSpPr>
+          <p:cNvPr id="14" name="直線コネクタ 13">
+            <a:extLst>
+              <a:ext uri="{FF2B5EF4-FFF2-40B4-BE49-F238E27FC236}">
+                <a16:creationId xmlns:a16="http://schemas.microsoft.com/office/drawing/2014/main" id="{816B8803-C3FB-CD48-8237-E368F50F7F3F}"/>
+              </a:ext>
+            </a:extLst>
+          </p:cNvPr>
+          <p:cNvCxnSpPr>
+            <a:stCxn id="12" idx="3"/>
+            <a:endCxn id="5" idx="1"/>
+          </p:cNvCxnSpPr>
+          <p:nvPr/>
+        </p:nvCxnSpPr>
+        <p:spPr>
+          <a:xfrm>
+            <a:off x="1343472" y="2979490"/>
+            <a:ext cx="864096" cy="0"/>
+          </a:xfrm>
+          <a:prstGeom prst="line">
+            <a:avLst/>
+          </a:prstGeom>
+          <a:ln>
+            <a:solidFill>
+              <a:schemeClr val="tx1"/>
+            </a:solidFill>
+            <a:headEnd type="none" w="med" len="med"/>
+            <a:tailEnd type="none" w="med" len="med"/>
+          </a:ln>
+        </p:spPr>
+        <p:style>
+          <a:lnRef idx="1">
+            <a:schemeClr val="accent1"/>
+          </a:lnRef>
+          <a:fillRef idx="0">
+            <a:schemeClr val="accent1"/>
+          </a:fillRef>
+          <a:effectRef idx="0">
+            <a:schemeClr val="accent1"/>
+          </a:effectRef>
+          <a:fontRef idx="minor">
+            <a:schemeClr val="tx1"/>
+          </a:fontRef>
+        </p:style>
+      </p:cxnSp>
+      <p:cxnSp>
+        <p:nvCxnSpPr>
+          <p:cNvPr id="16" name="カギ線コネクタ 15">
+            <a:extLst>
+              <a:ext uri="{FF2B5EF4-FFF2-40B4-BE49-F238E27FC236}">
+                <a16:creationId xmlns:a16="http://schemas.microsoft.com/office/drawing/2014/main" id="{75E86C2D-50BA-D543-9A52-E21257D54800}"/>
+              </a:ext>
+            </a:extLst>
+          </p:cNvPr>
+          <p:cNvCxnSpPr>
+            <a:stCxn id="12" idx="3"/>
+            <a:endCxn id="6" idx="1"/>
+          </p:cNvCxnSpPr>
+          <p:nvPr/>
+        </p:nvCxnSpPr>
+        <p:spPr>
+          <a:xfrm>
+            <a:off x="1343472" y="2979490"/>
+            <a:ext cx="864096" cy="720080"/>
+          </a:xfrm>
+          <a:prstGeom prst="bentConnector3">
+            <a:avLst/>
+          </a:prstGeom>
+          <a:ln>
+            <a:solidFill>
+              <a:schemeClr val="tx1"/>
+            </a:solidFill>
+            <a:headEnd type="none" w="med" len="med"/>
+            <a:tailEnd type="none" w="med" len="med"/>
+          </a:ln>
+        </p:spPr>
+        <p:style>
+          <a:lnRef idx="1">
+            <a:schemeClr val="accent1"/>
+          </a:lnRef>
+          <a:fillRef idx="0">
+            <a:schemeClr val="accent1"/>
+          </a:fillRef>
+          <a:effectRef idx="0">
+            <a:schemeClr val="accent1"/>
+          </a:effectRef>
+          <a:fontRef idx="minor">
+            <a:schemeClr val="tx1"/>
+          </a:fontRef>
+        </p:style>
+      </p:cxnSp>
+      <p:cxnSp>
+        <p:nvCxnSpPr>
+          <p:cNvPr id="18" name="カギ線コネクタ 17">
+            <a:extLst>
+              <a:ext uri="{FF2B5EF4-FFF2-40B4-BE49-F238E27FC236}">
+                <a16:creationId xmlns:a16="http://schemas.microsoft.com/office/drawing/2014/main" id="{1A225F3B-F737-324E-997F-554FA2A53BB6}"/>
+              </a:ext>
+            </a:extLst>
+          </p:cNvPr>
+          <p:cNvCxnSpPr>
+            <a:cxnSpLocks/>
+            <a:stCxn id="12" idx="3"/>
+            <a:endCxn id="7" idx="1"/>
+          </p:cNvCxnSpPr>
+          <p:nvPr/>
+        </p:nvCxnSpPr>
+        <p:spPr>
+          <a:xfrm>
+            <a:off x="1343472" y="2979490"/>
+            <a:ext cx="864096" cy="1601638"/>
+          </a:xfrm>
+          <a:prstGeom prst="bentConnector3">
+            <a:avLst>
+              <a:gd name="adj1" fmla="val 50000"/>
+            </a:avLst>
+          </a:prstGeom>
+          <a:ln>
+            <a:solidFill>
+              <a:schemeClr val="tx1"/>
+            </a:solidFill>
+            <a:headEnd type="none" w="med" len="med"/>
+            <a:tailEnd type="none" w="med" len="med"/>
+          </a:ln>
+        </p:spPr>
+        <p:style>
+          <a:lnRef idx="1">
+            <a:schemeClr val="accent1"/>
+          </a:lnRef>
+          <a:fillRef idx="0">
+            <a:schemeClr val="accent1"/>
+          </a:fillRef>
+          <a:effectRef idx="0">
+            <a:schemeClr val="accent1"/>
+          </a:effectRef>
+          <a:fontRef idx="minor">
+            <a:schemeClr val="tx1"/>
+          </a:fontRef>
+        </p:style>
+      </p:cxnSp>
+      <p:cxnSp>
+        <p:nvCxnSpPr>
+          <p:cNvPr id="21" name="カギ線コネクタ 20">
+            <a:extLst>
+              <a:ext uri="{FF2B5EF4-FFF2-40B4-BE49-F238E27FC236}">
+                <a16:creationId xmlns:a16="http://schemas.microsoft.com/office/drawing/2014/main" id="{D39F0682-AB35-FF41-961E-E7F53803EA10}"/>
+              </a:ext>
+            </a:extLst>
+          </p:cNvPr>
+          <p:cNvCxnSpPr>
+            <a:stCxn id="12" idx="3"/>
+            <a:endCxn id="9" idx="1"/>
+          </p:cNvCxnSpPr>
+          <p:nvPr/>
+        </p:nvCxnSpPr>
+        <p:spPr>
+          <a:xfrm>
+            <a:off x="1343472" y="2979490"/>
+            <a:ext cx="864096" cy="2465734"/>
+          </a:xfrm>
+          <a:prstGeom prst="bentConnector3">
+            <a:avLst/>
+          </a:prstGeom>
+          <a:ln>
+            <a:solidFill>
+              <a:schemeClr val="tx1"/>
+            </a:solidFill>
+            <a:headEnd type="none" w="med" len="med"/>
+            <a:tailEnd type="none" w="med" len="med"/>
+          </a:ln>
+        </p:spPr>
+        <p:style>
+          <a:lnRef idx="1">
+            <a:schemeClr val="accent1"/>
+          </a:lnRef>
+          <a:fillRef idx="0">
+            <a:schemeClr val="accent1"/>
+          </a:fillRef>
+          <a:effectRef idx="0">
+            <a:schemeClr val="accent1"/>
+          </a:effectRef>
+          <a:fontRef idx="minor">
+            <a:schemeClr val="tx1"/>
+          </a:fontRef>
+        </p:style>
+      </p:cxnSp>
+      <p:pic>
+        <p:nvPicPr>
+          <p:cNvPr id="22" name="図 21">
+            <a:extLst>
+              <a:ext uri="{FF2B5EF4-FFF2-40B4-BE49-F238E27FC236}">
+                <a16:creationId xmlns:a16="http://schemas.microsoft.com/office/drawing/2014/main" id="{7F11F75D-F0C8-924E-83FD-7E79B087B08C}"/>
+              </a:ext>
+            </a:extLst>
+          </p:cNvPr>
+          <p:cNvPicPr>
+            <a:picLocks noChangeAspect="1"/>
+          </p:cNvPicPr>
+          <p:nvPr/>
+        </p:nvPicPr>
+        <p:blipFill>
+          <a:blip r:embed="rId2"/>
+          <a:stretch>
+            <a:fillRect/>
+          </a:stretch>
+        </p:blipFill>
+        <p:spPr>
+          <a:xfrm>
+            <a:off x="4007768" y="3429000"/>
+            <a:ext cx="648072" cy="541140"/>
+          </a:xfrm>
+          <a:prstGeom prst="rect">
+            <a:avLst/>
+          </a:prstGeom>
+        </p:spPr>
+      </p:pic>
+      <p:sp>
+        <p:nvSpPr>
+          <p:cNvPr id="24" name="テキスト ボックス 23">
+            <a:extLst>
+              <a:ext uri="{FF2B5EF4-FFF2-40B4-BE49-F238E27FC236}">
+                <a16:creationId xmlns:a16="http://schemas.microsoft.com/office/drawing/2014/main" id="{461BBBE7-0D20-CD4C-BFE6-E0DDD3861DA6}"/>
+              </a:ext>
+            </a:extLst>
+          </p:cNvPr>
+          <p:cNvSpPr txBox="1"/>
+          <p:nvPr/>
+        </p:nvSpPr>
+        <p:spPr>
+          <a:xfrm>
+            <a:off x="2351584" y="2852936"/>
+            <a:ext cx="333746" cy="369332"/>
+          </a:xfrm>
+          <a:prstGeom prst="rect">
+            <a:avLst/>
+          </a:prstGeom>
+          <a:noFill/>
+        </p:spPr>
+        <p:txBody>
+          <a:bodyPr wrap="none" rtlCol="0">
+            <a:spAutoFit/>
+          </a:bodyPr>
+          <a:lstStyle/>
+          <a:p>
+            <a:r>
+              <a:rPr kumimoji="1" lang="en-US" altLang="ja-JP"/>
+              <a:t>A</a:t>
+            </a:r>
+            <a:endParaRPr kumimoji="1" lang="ja-JP" altLang="en-US"/>
+          </a:p>
+        </p:txBody>
+      </p:sp>
+      <p:sp>
+        <p:nvSpPr>
+          <p:cNvPr id="25" name="テキスト ボックス 24">
+            <a:extLst>
+              <a:ext uri="{FF2B5EF4-FFF2-40B4-BE49-F238E27FC236}">
+                <a16:creationId xmlns:a16="http://schemas.microsoft.com/office/drawing/2014/main" id="{4258D5A1-1581-8F47-BCF7-65540BD8503F}"/>
+              </a:ext>
+            </a:extLst>
+          </p:cNvPr>
+          <p:cNvSpPr txBox="1"/>
+          <p:nvPr/>
+        </p:nvSpPr>
+        <p:spPr>
+          <a:xfrm>
+            <a:off x="2351584" y="3573016"/>
+            <a:ext cx="341760" cy="369332"/>
+          </a:xfrm>
+          <a:prstGeom prst="rect">
+            <a:avLst/>
+          </a:prstGeom>
+          <a:noFill/>
+        </p:spPr>
+        <p:txBody>
+          <a:bodyPr wrap="none" rtlCol="0">
+            <a:spAutoFit/>
+          </a:bodyPr>
+          <a:lstStyle/>
+          <a:p>
+            <a:r>
+              <a:rPr kumimoji="1" lang="en-US" altLang="ja-JP"/>
+              <a:t>B</a:t>
+            </a:r>
+            <a:endParaRPr kumimoji="1" lang="ja-JP" altLang="en-US"/>
+          </a:p>
+        </p:txBody>
+      </p:sp>
+      <p:sp>
+        <p:nvSpPr>
+          <p:cNvPr id="26" name="テキスト ボックス 25">
+            <a:extLst>
+              <a:ext uri="{FF2B5EF4-FFF2-40B4-BE49-F238E27FC236}">
+                <a16:creationId xmlns:a16="http://schemas.microsoft.com/office/drawing/2014/main" id="{93017816-1546-CA47-876A-C07D41828BA8}"/>
+              </a:ext>
+            </a:extLst>
+          </p:cNvPr>
+          <p:cNvSpPr txBox="1"/>
+          <p:nvPr/>
+        </p:nvSpPr>
+        <p:spPr>
+          <a:xfrm>
+            <a:off x="4151784" y="3573016"/>
+            <a:ext cx="341760" cy="369332"/>
+          </a:xfrm>
+          <a:prstGeom prst="rect">
+            <a:avLst/>
+          </a:prstGeom>
+          <a:noFill/>
+        </p:spPr>
+        <p:txBody>
+          <a:bodyPr wrap="none" rtlCol="0">
+            <a:spAutoFit/>
+          </a:bodyPr>
+          <a:lstStyle/>
+          <a:p>
+            <a:r>
+              <a:rPr kumimoji="1" lang="en-US" altLang="ja-JP"/>
+              <a:t>B</a:t>
+            </a:r>
+            <a:endParaRPr kumimoji="1" lang="ja-JP" altLang="en-US"/>
+          </a:p>
+        </p:txBody>
+      </p:sp>
+      <p:pic>
+        <p:nvPicPr>
+          <p:cNvPr id="27" name="図 26">
+            <a:extLst>
+              <a:ext uri="{FF2B5EF4-FFF2-40B4-BE49-F238E27FC236}">
+                <a16:creationId xmlns:a16="http://schemas.microsoft.com/office/drawing/2014/main" id="{19D5E6E5-5522-0E4F-9228-4AEEA3E2360A}"/>
+              </a:ext>
+            </a:extLst>
+          </p:cNvPr>
+          <p:cNvPicPr>
+            <a:picLocks noChangeAspect="1"/>
+          </p:cNvPicPr>
+          <p:nvPr/>
+        </p:nvPicPr>
+        <p:blipFill>
+          <a:blip r:embed="rId2"/>
+          <a:stretch>
+            <a:fillRect/>
+          </a:stretch>
+        </p:blipFill>
+        <p:spPr>
+          <a:xfrm>
+            <a:off x="5447928" y="3429000"/>
+            <a:ext cx="648072" cy="541140"/>
+          </a:xfrm>
+          <a:prstGeom prst="rect">
+            <a:avLst/>
+          </a:prstGeom>
+        </p:spPr>
+      </p:pic>
+      <p:sp>
+        <p:nvSpPr>
+          <p:cNvPr id="28" name="テキスト ボックス 27">
+            <a:extLst>
+              <a:ext uri="{FF2B5EF4-FFF2-40B4-BE49-F238E27FC236}">
+                <a16:creationId xmlns:a16="http://schemas.microsoft.com/office/drawing/2014/main" id="{8489589E-483C-B54C-AAE1-6CF5B43FEE1E}"/>
+              </a:ext>
+            </a:extLst>
+          </p:cNvPr>
+          <p:cNvSpPr txBox="1"/>
+          <p:nvPr/>
+        </p:nvSpPr>
+        <p:spPr>
+          <a:xfrm>
+            <a:off x="5591944" y="3573016"/>
+            <a:ext cx="341760" cy="369332"/>
+          </a:xfrm>
+          <a:prstGeom prst="rect">
+            <a:avLst/>
+          </a:prstGeom>
+          <a:noFill/>
+        </p:spPr>
+        <p:txBody>
+          <a:bodyPr wrap="square" rtlCol="0">
+            <a:spAutoFit/>
+          </a:bodyPr>
+          <a:lstStyle/>
+          <a:p>
+            <a:r>
+              <a:rPr kumimoji="1" lang="en-US" altLang="ja-JP"/>
+              <a:t>X</a:t>
+            </a:r>
+            <a:endParaRPr kumimoji="1" lang="ja-JP" altLang="en-US"/>
+          </a:p>
+        </p:txBody>
+      </p:sp>
+      <p:pic>
+        <p:nvPicPr>
+          <p:cNvPr id="29" name="図 28">
+            <a:extLst>
+              <a:ext uri="{FF2B5EF4-FFF2-40B4-BE49-F238E27FC236}">
+                <a16:creationId xmlns:a16="http://schemas.microsoft.com/office/drawing/2014/main" id="{48F81CA1-CF5A-2040-8AF4-9A4002C48452}"/>
+              </a:ext>
+            </a:extLst>
+          </p:cNvPr>
+          <p:cNvPicPr>
+            <a:picLocks noChangeAspect="1"/>
+          </p:cNvPicPr>
+          <p:nvPr/>
+        </p:nvPicPr>
+        <p:blipFill>
+          <a:blip r:embed="rId2"/>
+          <a:stretch>
+            <a:fillRect/>
+          </a:stretch>
+        </p:blipFill>
+        <p:spPr>
+          <a:xfrm>
+            <a:off x="5447928" y="4149080"/>
+            <a:ext cx="648072" cy="541140"/>
+          </a:xfrm>
+          <a:prstGeom prst="rect">
+            <a:avLst/>
+          </a:prstGeom>
+        </p:spPr>
+      </p:pic>
+      <p:sp>
+        <p:nvSpPr>
+          <p:cNvPr id="30" name="テキスト ボックス 29">
+            <a:extLst>
+              <a:ext uri="{FF2B5EF4-FFF2-40B4-BE49-F238E27FC236}">
+                <a16:creationId xmlns:a16="http://schemas.microsoft.com/office/drawing/2014/main" id="{7E84D98E-C618-204C-899C-E8140F022641}"/>
+              </a:ext>
+            </a:extLst>
+          </p:cNvPr>
+          <p:cNvSpPr txBox="1"/>
+          <p:nvPr/>
+        </p:nvSpPr>
+        <p:spPr>
+          <a:xfrm>
+            <a:off x="5591944" y="4293096"/>
+            <a:ext cx="341760" cy="369332"/>
+          </a:xfrm>
+          <a:prstGeom prst="rect">
+            <a:avLst/>
+          </a:prstGeom>
+          <a:noFill/>
+        </p:spPr>
+        <p:txBody>
+          <a:bodyPr wrap="square" rtlCol="0">
+            <a:spAutoFit/>
+          </a:bodyPr>
+          <a:lstStyle/>
+          <a:p>
+            <a:r>
+              <a:rPr kumimoji="1" lang="en-US" altLang="ja-JP"/>
+              <a:t>Y</a:t>
+            </a:r>
+            <a:endParaRPr kumimoji="1" lang="ja-JP" altLang="en-US"/>
+          </a:p>
+        </p:txBody>
+      </p:sp>
+      <p:pic>
+        <p:nvPicPr>
+          <p:cNvPr id="31" name="図 30">
+            <a:extLst>
+              <a:ext uri="{FF2B5EF4-FFF2-40B4-BE49-F238E27FC236}">
+                <a16:creationId xmlns:a16="http://schemas.microsoft.com/office/drawing/2014/main" id="{288F346E-8702-5743-AD13-395EADCFDC88}"/>
+              </a:ext>
+            </a:extLst>
+          </p:cNvPr>
+          <p:cNvPicPr>
+            <a:picLocks noChangeAspect="1"/>
+          </p:cNvPicPr>
+          <p:nvPr/>
+        </p:nvPicPr>
+        <p:blipFill>
+          <a:blip r:embed="rId2"/>
+          <a:stretch>
+            <a:fillRect/>
+          </a:stretch>
+        </p:blipFill>
+        <p:spPr>
+          <a:xfrm>
+            <a:off x="5447928" y="4869160"/>
+            <a:ext cx="648072" cy="541140"/>
+          </a:xfrm>
+          <a:prstGeom prst="rect">
+            <a:avLst/>
+          </a:prstGeom>
+        </p:spPr>
+      </p:pic>
+      <p:sp>
+        <p:nvSpPr>
+          <p:cNvPr id="32" name="テキスト ボックス 31">
+            <a:extLst>
+              <a:ext uri="{FF2B5EF4-FFF2-40B4-BE49-F238E27FC236}">
+                <a16:creationId xmlns:a16="http://schemas.microsoft.com/office/drawing/2014/main" id="{DFF13F81-880C-CF49-B0C3-E0110A5F4AD8}"/>
+              </a:ext>
+            </a:extLst>
+          </p:cNvPr>
+          <p:cNvSpPr txBox="1"/>
+          <p:nvPr/>
+        </p:nvSpPr>
+        <p:spPr>
+          <a:xfrm>
+            <a:off x="5591944" y="5013176"/>
+            <a:ext cx="341760" cy="369332"/>
+          </a:xfrm>
+          <a:prstGeom prst="rect">
+            <a:avLst/>
+          </a:prstGeom>
+          <a:noFill/>
+        </p:spPr>
+        <p:txBody>
+          <a:bodyPr wrap="square" rtlCol="0">
+            <a:spAutoFit/>
+          </a:bodyPr>
+          <a:lstStyle/>
+          <a:p>
+            <a:r>
+              <a:rPr kumimoji="1" lang="en-US" altLang="ja-JP"/>
+              <a:t>Z</a:t>
+            </a:r>
+            <a:endParaRPr kumimoji="1" lang="ja-JP" altLang="en-US"/>
+          </a:p>
+        </p:txBody>
+      </p:sp>
+      <p:pic>
+        <p:nvPicPr>
+          <p:cNvPr id="35" name="図 34">
+            <a:extLst>
+              <a:ext uri="{FF2B5EF4-FFF2-40B4-BE49-F238E27FC236}">
+                <a16:creationId xmlns:a16="http://schemas.microsoft.com/office/drawing/2014/main" id="{43676B4A-B211-C94E-8C01-663D13E02199}"/>
+              </a:ext>
+            </a:extLst>
+          </p:cNvPr>
+          <p:cNvPicPr>
+            <a:picLocks noChangeAspect="1"/>
+          </p:cNvPicPr>
+          <p:nvPr/>
+        </p:nvPicPr>
+        <p:blipFill>
+          <a:blip r:embed="rId3"/>
+          <a:stretch>
+            <a:fillRect/>
+          </a:stretch>
+        </p:blipFill>
+        <p:spPr>
+          <a:xfrm>
+            <a:off x="5447928" y="5661248"/>
+            <a:ext cx="492855" cy="576064"/>
+          </a:xfrm>
+          <a:prstGeom prst="rect">
+            <a:avLst/>
+          </a:prstGeom>
+        </p:spPr>
+      </p:pic>
+      <p:cxnSp>
+        <p:nvCxnSpPr>
+          <p:cNvPr id="41" name="直線コネクタ 40">
+            <a:extLst>
+              <a:ext uri="{FF2B5EF4-FFF2-40B4-BE49-F238E27FC236}">
+                <a16:creationId xmlns:a16="http://schemas.microsoft.com/office/drawing/2014/main" id="{4ABA769B-519A-4D42-AD59-793ED36787F8}"/>
+              </a:ext>
+            </a:extLst>
+          </p:cNvPr>
+          <p:cNvCxnSpPr>
+            <a:stCxn id="22" idx="3"/>
+            <a:endCxn id="27" idx="1"/>
+          </p:cNvCxnSpPr>
+          <p:nvPr/>
+        </p:nvCxnSpPr>
+        <p:spPr>
+          <a:xfrm>
+            <a:off x="4655840" y="3699570"/>
+            <a:ext cx="792088" cy="0"/>
+          </a:xfrm>
+          <a:prstGeom prst="line">
+            <a:avLst/>
+          </a:prstGeom>
+          <a:ln>
+            <a:solidFill>
+              <a:schemeClr val="tx1"/>
+            </a:solidFill>
+            <a:headEnd type="none" w="med" len="med"/>
+            <a:tailEnd type="none" w="med" len="med"/>
+          </a:ln>
+        </p:spPr>
+        <p:style>
+          <a:lnRef idx="1">
+            <a:schemeClr val="accent1"/>
+          </a:lnRef>
+          <a:fillRef idx="0">
+            <a:schemeClr val="accent1"/>
+          </a:fillRef>
+          <a:effectRef idx="0">
+            <a:schemeClr val="accent1"/>
+          </a:effectRef>
+          <a:fontRef idx="minor">
+            <a:schemeClr val="tx1"/>
+          </a:fontRef>
+        </p:style>
+      </p:cxnSp>
+      <p:cxnSp>
+        <p:nvCxnSpPr>
+          <p:cNvPr id="43" name="カギ線コネクタ 42">
+            <a:extLst>
+              <a:ext uri="{FF2B5EF4-FFF2-40B4-BE49-F238E27FC236}">
+                <a16:creationId xmlns:a16="http://schemas.microsoft.com/office/drawing/2014/main" id="{748017C7-0AE5-5447-989A-97BACACB2036}"/>
+              </a:ext>
+            </a:extLst>
+          </p:cNvPr>
+          <p:cNvCxnSpPr>
+            <a:stCxn id="22" idx="3"/>
+            <a:endCxn id="29" idx="1"/>
+          </p:cNvCxnSpPr>
+          <p:nvPr/>
+        </p:nvCxnSpPr>
+        <p:spPr>
+          <a:xfrm>
+            <a:off x="4655840" y="3699570"/>
+            <a:ext cx="792088" cy="720080"/>
+          </a:xfrm>
+          <a:prstGeom prst="bentConnector3">
+            <a:avLst/>
+          </a:prstGeom>
+          <a:ln>
+            <a:solidFill>
+              <a:schemeClr val="tx1"/>
+            </a:solidFill>
+            <a:headEnd type="none" w="med" len="med"/>
+            <a:tailEnd type="none" w="med" len="med"/>
+          </a:ln>
+        </p:spPr>
+        <p:style>
+          <a:lnRef idx="1">
+            <a:schemeClr val="accent1"/>
+          </a:lnRef>
+          <a:fillRef idx="0">
+            <a:schemeClr val="accent1"/>
+          </a:fillRef>
+          <a:effectRef idx="0">
+            <a:schemeClr val="accent1"/>
+          </a:effectRef>
+          <a:fontRef idx="minor">
+            <a:schemeClr val="tx1"/>
+          </a:fontRef>
+        </p:style>
+      </p:cxnSp>
+      <p:cxnSp>
+        <p:nvCxnSpPr>
+          <p:cNvPr id="45" name="カギ線コネクタ 44">
+            <a:extLst>
+              <a:ext uri="{FF2B5EF4-FFF2-40B4-BE49-F238E27FC236}">
+                <a16:creationId xmlns:a16="http://schemas.microsoft.com/office/drawing/2014/main" id="{A42D39C6-DA48-F54E-B91D-2F4E2B37C7AD}"/>
+              </a:ext>
+            </a:extLst>
+          </p:cNvPr>
+          <p:cNvCxnSpPr>
+            <a:stCxn id="22" idx="3"/>
+            <a:endCxn id="31" idx="1"/>
+          </p:cNvCxnSpPr>
+          <p:nvPr/>
+        </p:nvCxnSpPr>
+        <p:spPr>
+          <a:xfrm>
+            <a:off x="4655840" y="3699570"/>
+            <a:ext cx="792088" cy="1440160"/>
+          </a:xfrm>
+          <a:prstGeom prst="bentConnector3">
+            <a:avLst/>
+          </a:prstGeom>
+          <a:ln>
+            <a:solidFill>
+              <a:schemeClr val="tx1"/>
+            </a:solidFill>
+            <a:headEnd type="none" w="med" len="med"/>
+            <a:tailEnd type="none" w="med" len="med"/>
+          </a:ln>
+        </p:spPr>
+        <p:style>
+          <a:lnRef idx="1">
+            <a:schemeClr val="accent1"/>
+          </a:lnRef>
+          <a:fillRef idx="0">
+            <a:schemeClr val="accent1"/>
+          </a:fillRef>
+          <a:effectRef idx="0">
+            <a:schemeClr val="accent1"/>
+          </a:effectRef>
+          <a:fontRef idx="minor">
+            <a:schemeClr val="tx1"/>
+          </a:fontRef>
+        </p:style>
+      </p:cxnSp>
+      <p:cxnSp>
+        <p:nvCxnSpPr>
+          <p:cNvPr id="47" name="カギ線コネクタ 46">
+            <a:extLst>
+              <a:ext uri="{FF2B5EF4-FFF2-40B4-BE49-F238E27FC236}">
+                <a16:creationId xmlns:a16="http://schemas.microsoft.com/office/drawing/2014/main" id="{8358CE3E-7DB3-3847-B92D-608FE5EF83B3}"/>
+              </a:ext>
+            </a:extLst>
+          </p:cNvPr>
+          <p:cNvCxnSpPr>
+            <a:stCxn id="22" idx="3"/>
+            <a:endCxn id="35" idx="1"/>
+          </p:cNvCxnSpPr>
+          <p:nvPr/>
+        </p:nvCxnSpPr>
+        <p:spPr>
+          <a:xfrm>
+            <a:off x="4655840" y="3699570"/>
+            <a:ext cx="792088" cy="2249710"/>
+          </a:xfrm>
+          <a:prstGeom prst="bentConnector3">
+            <a:avLst/>
+          </a:prstGeom>
+          <a:ln>
+            <a:solidFill>
+              <a:schemeClr val="tx1"/>
+            </a:solidFill>
+            <a:headEnd type="none" w="med" len="med"/>
+            <a:tailEnd type="none" w="med" len="med"/>
+          </a:ln>
+        </p:spPr>
+        <p:style>
+          <a:lnRef idx="1">
+            <a:schemeClr val="accent1"/>
+          </a:lnRef>
+          <a:fillRef idx="0">
+            <a:schemeClr val="accent1"/>
+          </a:fillRef>
+          <a:effectRef idx="0">
+            <a:schemeClr val="accent1"/>
+          </a:effectRef>
+          <a:fontRef idx="minor">
+            <a:schemeClr val="tx1"/>
+          </a:fontRef>
+        </p:style>
+      </p:cxnSp>
+      <p:sp>
+        <p:nvSpPr>
+          <p:cNvPr id="48" name="テキスト ボックス 47">
+            <a:extLst>
+              <a:ext uri="{FF2B5EF4-FFF2-40B4-BE49-F238E27FC236}">
+                <a16:creationId xmlns:a16="http://schemas.microsoft.com/office/drawing/2014/main" id="{E31D0DF9-E9E2-0D42-AF42-D9571B0E070D}"/>
+              </a:ext>
+            </a:extLst>
+          </p:cNvPr>
+          <p:cNvSpPr txBox="1"/>
+          <p:nvPr/>
+        </p:nvSpPr>
+        <p:spPr>
+          <a:xfrm>
+            <a:off x="335360" y="1052736"/>
+            <a:ext cx="800219" cy="461665"/>
+          </a:xfrm>
+          <a:prstGeom prst="rect">
+            <a:avLst/>
+          </a:prstGeom>
+          <a:noFill/>
+        </p:spPr>
+        <p:txBody>
+          <a:bodyPr wrap="none" rtlCol="0">
+            <a:spAutoFit/>
+          </a:bodyPr>
+          <a:lstStyle/>
+          <a:p>
+            <a:r>
+              <a:rPr kumimoji="1" lang="ja-JP" altLang="en-US" sz="2400"/>
+              <a:t>例：</a:t>
+            </a:r>
+          </a:p>
+        </p:txBody>
+      </p:sp>
+      <p:sp>
+        <p:nvSpPr>
+          <p:cNvPr id="49" name="右矢印 48">
+            <a:extLst>
+              <a:ext uri="{FF2B5EF4-FFF2-40B4-BE49-F238E27FC236}">
+                <a16:creationId xmlns:a16="http://schemas.microsoft.com/office/drawing/2014/main" id="{9FF59C40-5461-9946-BD1A-D211B14C3C6E}"/>
+              </a:ext>
+            </a:extLst>
+          </p:cNvPr>
+          <p:cNvSpPr/>
+          <p:nvPr/>
+        </p:nvSpPr>
+        <p:spPr>
+          <a:xfrm>
+            <a:off x="3215680" y="3501008"/>
+            <a:ext cx="477904" cy="424056"/>
+          </a:xfrm>
+          <a:prstGeom prst="rightArrow">
+            <a:avLst/>
+          </a:prstGeom>
+          <a:solidFill>
+            <a:srgbClr val="FF0000"/>
+          </a:solidFill>
+          <a:ln>
+            <a:solidFill>
+              <a:schemeClr val="tx1"/>
+            </a:solidFill>
+          </a:ln>
+        </p:spPr>
+        <p:style>
+          <a:lnRef idx="2">
+            <a:schemeClr val="accent1">
+              <a:shade val="50000"/>
+            </a:schemeClr>
+          </a:lnRef>
+          <a:fillRef idx="1">
+            <a:schemeClr val="accent1"/>
+          </a:fillRef>
+          <a:effectRef idx="0">
+            <a:schemeClr val="accent1"/>
+          </a:effectRef>
+          <a:fontRef idx="minor">
+            <a:schemeClr val="lt1"/>
+          </a:fontRef>
+        </p:style>
+        <p:txBody>
+          <a:bodyPr rtlCol="0" anchor="ctr"/>
+          <a:lstStyle/>
+          <a:p>
+            <a:pPr algn="ctr"/>
+            <a:endParaRPr kumimoji="1" lang="ja-JP" altLang="en-US"/>
+          </a:p>
+        </p:txBody>
+      </p:sp>
+    </p:spTree>
+    <p:extLst>
+      <p:ext uri="{BB962C8B-B14F-4D97-AF65-F5344CB8AC3E}">
+        <p14:creationId xmlns:p14="http://schemas.microsoft.com/office/powerpoint/2010/main" val="3725137420"/>
+      </p:ext>
+    </p:extLst>
+  </p:cSld>
+  <p:clrMapOvr>
+    <a:masterClrMapping/>
+  </p:clrMapOvr>
+</p:sld>
+</file>
+
+<file path=ppt/slides/slide2.xml><?xml version="1.0" encoding="utf-8"?>
+<p:sld xmlns:a="http://schemas.openxmlformats.org/drawingml/2006/main" xmlns:r="http://schemas.openxmlformats.org/officeDocument/2006/relationships" xmlns:p="http://schemas.openxmlformats.org/presentationml/2006/main">
+  <p:cSld>
+    <p:spTree>
+      <p:nvGrpSpPr>
+        <p:cNvPr id="1" name=""/>
+        <p:cNvGrpSpPr/>
+        <p:nvPr/>
+      </p:nvGrpSpPr>
+      <p:grpSpPr>
+        <a:xfrm>
+          <a:off x="0" y="0"/>
+          <a:ext cx="0" cy="0"/>
+          <a:chOff x="0" y="0"/>
+          <a:chExt cx="0" cy="0"/>
+        </a:xfrm>
+      </p:grpSpPr>
       <p:pic>
         <p:nvPicPr>
           <p:cNvPr id="2" name="図 1">
@@ -1234,7 +2331,7 @@
 </p:sld>
 </file>
 
-<file path=ppt/slides/slide2.xml><?xml version="1.0" encoding="utf-8"?>
+<file path=ppt/slides/slide3.xml><?xml version="1.0" encoding="utf-8"?>
 <p:sld xmlns:a="http://schemas.openxmlformats.org/drawingml/2006/main" xmlns:r="http://schemas.openxmlformats.org/officeDocument/2006/relationships" xmlns:p="http://schemas.openxmlformats.org/presentationml/2006/main">
   <p:cSld>
     <p:spTree>
@@ -2837,7 +3934,7 @@
 </p:sld>
 </file>
 
-<file path=ppt/slides/slide3.xml><?xml version="1.0" encoding="utf-8"?>
+<file path=ppt/slides/slide4.xml><?xml version="1.0" encoding="utf-8"?>
 <p:sld xmlns:a="http://schemas.openxmlformats.org/drawingml/2006/main" xmlns:r="http://schemas.openxmlformats.org/officeDocument/2006/relationships" xmlns:p="http://schemas.openxmlformats.org/presentationml/2006/main">
   <p:cSld>
     <p:spTree>
@@ -3627,7 +4724,7 @@
 </p:sld>
 </file>
 
-<file path=ppt/slides/slide4.xml><?xml version="1.0" encoding="utf-8"?>
+<file path=ppt/slides/slide5.xml><?xml version="1.0" encoding="utf-8"?>
 <p:sld xmlns:a="http://schemas.openxmlformats.org/drawingml/2006/main" xmlns:r="http://schemas.openxmlformats.org/officeDocument/2006/relationships" xmlns:p="http://schemas.openxmlformats.org/presentationml/2006/main">
   <p:cSld>
     <p:spTree>
@@ -4537,7 +5634,7 @@
 </p:sld>
 </file>
 
-<file path=ppt/slides/slide5.xml><?xml version="1.0" encoding="utf-8"?>
+<file path=ppt/slides/slide6.xml><?xml version="1.0" encoding="utf-8"?>
 <p:sld xmlns:a="http://schemas.openxmlformats.org/drawingml/2006/main" xmlns:r="http://schemas.openxmlformats.org/officeDocument/2006/relationships" xmlns:p="http://schemas.openxmlformats.org/presentationml/2006/main">
   <p:cSld>
     <p:spTree>
@@ -5032,7 +6129,7 @@
 </p:sld>
 </file>
 
-<file path=ppt/slides/slide6.xml><?xml version="1.0" encoding="utf-8"?>
+<file path=ppt/slides/slide7.xml><?xml version="1.0" encoding="utf-8"?>
 <p:sld xmlns:a="http://schemas.openxmlformats.org/drawingml/2006/main" xmlns:r="http://schemas.openxmlformats.org/officeDocument/2006/relationships" xmlns:p="http://schemas.openxmlformats.org/presentationml/2006/main">
   <p:cSld>
     <p:spTree>
@@ -5507,7 +6604,7 @@
 </p:sld>
 </file>
 
-<file path=ppt/slides/slide7.xml><?xml version="1.0" encoding="utf-8"?>
+<file path=ppt/slides/slide8.xml><?xml version="1.0" encoding="utf-8"?>
 <p:sld xmlns:a="http://schemas.openxmlformats.org/drawingml/2006/main" xmlns:r="http://schemas.openxmlformats.org/officeDocument/2006/relationships" xmlns:p="http://schemas.openxmlformats.org/presentationml/2006/main">
   <p:cSld>
     <p:spTree>
@@ -6798,7 +7895,7 @@
 </p:sld>
 </file>
 
-<file path=ppt/slides/slide8.xml><?xml version="1.0" encoding="utf-8"?>
+<file path=ppt/slides/slide9.xml><?xml version="1.0" encoding="utf-8"?>
 <p:sld xmlns:a="http://schemas.openxmlformats.org/drawingml/2006/main" xmlns:r="http://schemas.openxmlformats.org/officeDocument/2006/relationships" xmlns:p="http://schemas.openxmlformats.org/presentationml/2006/main">
   <p:cSld>
     <p:spTree>

--- a/recursion/fig/fig.pptx
+++ b/recursion/fig/fig.pptx
@@ -7,7 +7,8 @@
   <p:sldIdLst>
     <p:sldId id="256" r:id="rId2"/>
     <p:sldId id="258" r:id="rId3"/>
-    <p:sldId id="257" r:id="rId4"/>
+    <p:sldId id="259" r:id="rId4"/>
+    <p:sldId id="257" r:id="rId5"/>
   </p:sldIdLst>
   <p:sldSz cx="9144000" cy="6858000" type="screen4x3"/>
   <p:notesSz cx="6858000" cy="9144000"/>
@@ -1728,7 +1729,7 @@
                 <a:effectLst/>
                 <a:latin typeface="-apple-system"/>
               </a:rPr>
-              <a:t>関数の最初に「終了条件」を記述する</a:t>
+              <a:t>関数の最初に「終端条件」を記述する</a:t>
             </a:r>
           </a:p>
           <a:p>
@@ -2221,7 +2222,19 @@
             </a:r>
             <a:r>
               <a:rPr kumimoji="1" lang="ja-JP" altLang="en-US"/>
-              <a:t>関数定義中に自分を呼び出している</a:t>
+              <a:t>定義中に</a:t>
+            </a:r>
+            <a:r>
+              <a:rPr kumimoji="1" lang="ja-JP" altLang="en-US">
+                <a:solidFill>
+                  <a:srgbClr val="0070C0"/>
+                </a:solidFill>
+              </a:rPr>
+              <a:t>自分自身</a:t>
+            </a:r>
+            <a:r>
+              <a:rPr kumimoji="1" lang="ja-JP" altLang="en-US"/>
+              <a:t>を呼び出している</a:t>
             </a:r>
           </a:p>
         </p:txBody>
@@ -2260,7 +2273,28 @@
             </a:r>
             <a:r>
               <a:rPr kumimoji="1" lang="ja-JP" altLang="en-US"/>
-              <a:t>関数の最初に終了条件がある</a:t>
+              <a:t>関数の最初に</a:t>
+            </a:r>
+            <a:r>
+              <a:rPr lang="ja-JP" altLang="en-US">
+                <a:solidFill>
+                  <a:srgbClr val="0070C0"/>
+                </a:solidFill>
+                <a:latin typeface="-apple-system"/>
+              </a:rPr>
+              <a:t>終端</a:t>
+            </a:r>
+            <a:r>
+              <a:rPr kumimoji="1" lang="ja-JP" altLang="en-US">
+                <a:solidFill>
+                  <a:srgbClr val="0070C0"/>
+                </a:solidFill>
+              </a:rPr>
+              <a:t>条件</a:t>
+            </a:r>
+            <a:r>
+              <a:rPr kumimoji="1" lang="ja-JP" altLang="en-US"/>
+              <a:t>がある</a:t>
             </a:r>
           </a:p>
         </p:txBody>
@@ -2330,8 +2364,8 @@
         </p:nvCxnSpPr>
         <p:spPr>
           <a:xfrm flipH="1" flipV="1">
-            <a:off x="3982720" y="4399280"/>
-            <a:ext cx="1277089" cy="11946"/>
+            <a:off x="3982721" y="4399281"/>
+            <a:ext cx="1277088" cy="11945"/>
           </a:xfrm>
           <a:prstGeom prst="straightConnector1">
             <a:avLst/>
@@ -2392,7 +2426,19 @@
             </a:r>
             <a:r>
               <a:rPr kumimoji="1" lang="ja-JP" altLang="en-US"/>
-              <a:t>「より小さな問題」として自分を呼び</a:t>
+              <a:t>「</a:t>
+            </a:r>
+            <a:r>
+              <a:rPr kumimoji="1" lang="ja-JP" altLang="en-US">
+                <a:solidFill>
+                  <a:srgbClr val="0070C0"/>
+                </a:solidFill>
+              </a:rPr>
+              <a:t>より小さな問題</a:t>
+            </a:r>
+            <a:r>
+              <a:rPr kumimoji="1" lang="ja-JP" altLang="en-US"/>
+              <a:t>」として自分を呼び</a:t>
             </a:r>
             <a:r>
               <a:rPr lang="ja-JP" altLang="en-US"/>
@@ -2458,6 +2504,1000 @@
 </file>
 
 <file path=ppt/slides/slide3.xml><?xml version="1.0" encoding="utf-8"?>
+<p:sld xmlns:a="http://schemas.openxmlformats.org/drawingml/2006/main" xmlns:r="http://schemas.openxmlformats.org/officeDocument/2006/relationships" xmlns:p="http://schemas.openxmlformats.org/presentationml/2006/main">
+  <p:cSld>
+    <p:spTree>
+      <p:nvGrpSpPr>
+        <p:cNvPr id="1" name=""/>
+        <p:cNvGrpSpPr/>
+        <p:nvPr/>
+      </p:nvGrpSpPr>
+      <p:grpSpPr>
+        <a:xfrm>
+          <a:off x="0" y="0"/>
+          <a:ext cx="0" cy="0"/>
+          <a:chOff x="0" y="0"/>
+          <a:chExt cx="0" cy="0"/>
+        </a:xfrm>
+      </p:grpSpPr>
+      <p:sp>
+        <p:nvSpPr>
+          <p:cNvPr id="2" name="テキスト ボックス 1">
+            <a:extLst>
+              <a:ext uri="{FF2B5EF4-FFF2-40B4-BE49-F238E27FC236}">
+                <a16:creationId xmlns:a16="http://schemas.microsoft.com/office/drawing/2014/main" id="{A3D38DA9-6392-B64E-AF05-F5B30130F30F}"/>
+              </a:ext>
+            </a:extLst>
+          </p:cNvPr>
+          <p:cNvSpPr txBox="1"/>
+          <p:nvPr/>
+        </p:nvSpPr>
+        <p:spPr>
+          <a:xfrm>
+            <a:off x="1717040" y="3068320"/>
+            <a:ext cx="794128" cy="369332"/>
+          </a:xfrm>
+          <a:prstGeom prst="rect">
+            <a:avLst/>
+          </a:prstGeom>
+          <a:noFill/>
+          <a:ln>
+            <a:solidFill>
+              <a:schemeClr val="tx1"/>
+            </a:solidFill>
+          </a:ln>
+        </p:spPr>
+        <p:txBody>
+          <a:bodyPr wrap="none" rtlCol="0">
+            <a:spAutoFit/>
+          </a:bodyPr>
+          <a:lstStyle/>
+          <a:p>
+            <a:r>
+              <a:rPr kumimoji="1" lang="en-US" altLang="ja-JP"/>
+              <a:t>fact(3)</a:t>
+            </a:r>
+            <a:endParaRPr kumimoji="1" lang="ja-JP" altLang="en-US"/>
+          </a:p>
+        </p:txBody>
+      </p:sp>
+      <p:sp>
+        <p:nvSpPr>
+          <p:cNvPr id="3" name="テキスト ボックス 2">
+            <a:extLst>
+              <a:ext uri="{FF2B5EF4-FFF2-40B4-BE49-F238E27FC236}">
+                <a16:creationId xmlns:a16="http://schemas.microsoft.com/office/drawing/2014/main" id="{ACC59F84-52DB-CA4A-8423-0A6092996B28}"/>
+              </a:ext>
+            </a:extLst>
+          </p:cNvPr>
+          <p:cNvSpPr txBox="1"/>
+          <p:nvPr/>
+        </p:nvSpPr>
+        <p:spPr>
+          <a:xfrm>
+            <a:off x="1696720" y="4160520"/>
+            <a:ext cx="794128" cy="369332"/>
+          </a:xfrm>
+          <a:prstGeom prst="rect">
+            <a:avLst/>
+          </a:prstGeom>
+          <a:noFill/>
+          <a:ln>
+            <a:solidFill>
+              <a:schemeClr val="tx1"/>
+            </a:solidFill>
+          </a:ln>
+        </p:spPr>
+        <p:txBody>
+          <a:bodyPr wrap="none" rtlCol="0">
+            <a:spAutoFit/>
+          </a:bodyPr>
+          <a:lstStyle/>
+          <a:p>
+            <a:r>
+              <a:rPr kumimoji="1" lang="en-US" altLang="ja-JP"/>
+              <a:t>fact(2)</a:t>
+            </a:r>
+            <a:endParaRPr kumimoji="1" lang="ja-JP" altLang="en-US"/>
+          </a:p>
+        </p:txBody>
+      </p:sp>
+      <p:sp>
+        <p:nvSpPr>
+          <p:cNvPr id="4" name="テキスト ボックス 3">
+            <a:extLst>
+              <a:ext uri="{FF2B5EF4-FFF2-40B4-BE49-F238E27FC236}">
+                <a16:creationId xmlns:a16="http://schemas.microsoft.com/office/drawing/2014/main" id="{E914804B-DC77-8447-8792-D427FB2F3B14}"/>
+              </a:ext>
+            </a:extLst>
+          </p:cNvPr>
+          <p:cNvSpPr txBox="1"/>
+          <p:nvPr/>
+        </p:nvSpPr>
+        <p:spPr>
+          <a:xfrm>
+            <a:off x="1717040" y="5252720"/>
+            <a:ext cx="794128" cy="369332"/>
+          </a:xfrm>
+          <a:prstGeom prst="rect">
+            <a:avLst/>
+          </a:prstGeom>
+          <a:noFill/>
+          <a:ln>
+            <a:solidFill>
+              <a:schemeClr val="tx1"/>
+            </a:solidFill>
+          </a:ln>
+        </p:spPr>
+        <p:txBody>
+          <a:bodyPr wrap="none" rtlCol="0">
+            <a:spAutoFit/>
+          </a:bodyPr>
+          <a:lstStyle/>
+          <a:p>
+            <a:r>
+              <a:rPr kumimoji="1" lang="en-US" altLang="ja-JP"/>
+              <a:t>fact(1)</a:t>
+            </a:r>
+            <a:endParaRPr kumimoji="1" lang="ja-JP" altLang="en-US"/>
+          </a:p>
+        </p:txBody>
+      </p:sp>
+      <p:sp>
+        <p:nvSpPr>
+          <p:cNvPr id="5" name="正方形/長方形 4">
+            <a:extLst>
+              <a:ext uri="{FF2B5EF4-FFF2-40B4-BE49-F238E27FC236}">
+                <a16:creationId xmlns:a16="http://schemas.microsoft.com/office/drawing/2014/main" id="{14AABFB2-5D29-6143-9EC2-0F3ECF3BEF38}"/>
+              </a:ext>
+            </a:extLst>
+          </p:cNvPr>
+          <p:cNvSpPr/>
+          <p:nvPr/>
+        </p:nvSpPr>
+        <p:spPr>
+          <a:xfrm>
+            <a:off x="5090160" y="3310096"/>
+            <a:ext cx="3738880" cy="1477328"/>
+          </a:xfrm>
+          <a:prstGeom prst="rect">
+            <a:avLst/>
+          </a:prstGeom>
+          <a:noFill/>
+          <a:ln>
+            <a:solidFill>
+              <a:schemeClr val="tx1"/>
+            </a:solidFill>
+          </a:ln>
+        </p:spPr>
+        <p:txBody>
+          <a:bodyPr wrap="square">
+            <a:spAutoFit/>
+          </a:bodyPr>
+          <a:lstStyle/>
+          <a:p>
+            <a:r>
+              <a:rPr lang="en" altLang="ja-JP" b="0">
+                <a:solidFill>
+                  <a:srgbClr val="0070C0"/>
+                </a:solidFill>
+                <a:effectLst/>
+                <a:latin typeface="Menlo" panose="020B0609030804020204" pitchFamily="49" charset="0"/>
+              </a:rPr>
+              <a:t>def</a:t>
+            </a:r>
+            <a:r>
+              <a:rPr lang="en" altLang="ja-JP" b="0">
+                <a:effectLst/>
+                <a:latin typeface="Menlo" panose="020B0609030804020204" pitchFamily="49" charset="0"/>
+              </a:rPr>
+              <a:t> </a:t>
+            </a:r>
+            <a:r>
+              <a:rPr lang="en" altLang="ja-JP" b="0">
+                <a:solidFill>
+                  <a:srgbClr val="FF0000"/>
+                </a:solidFill>
+                <a:effectLst/>
+                <a:latin typeface="Menlo" panose="020B0609030804020204" pitchFamily="49" charset="0"/>
+              </a:rPr>
+              <a:t>fact</a:t>
+            </a:r>
+            <a:r>
+              <a:rPr lang="en" altLang="ja-JP" b="0">
+                <a:effectLst/>
+                <a:latin typeface="Menlo" panose="020B0609030804020204" pitchFamily="49" charset="0"/>
+              </a:rPr>
+              <a:t>(n):</a:t>
+            </a:r>
+          </a:p>
+          <a:p>
+            <a:r>
+              <a:rPr lang="en" altLang="ja-JP">
+                <a:latin typeface="Menlo" panose="020B0609030804020204" pitchFamily="49" charset="0"/>
+              </a:rPr>
+              <a:t>    </a:t>
+            </a:r>
+            <a:r>
+              <a:rPr lang="en" altLang="ja-JP" b="0">
+                <a:solidFill>
+                  <a:srgbClr val="0070C0"/>
+                </a:solidFill>
+                <a:effectLst/>
+                <a:latin typeface="Menlo" panose="020B0609030804020204" pitchFamily="49" charset="0"/>
+              </a:rPr>
+              <a:t>if</a:t>
+            </a:r>
+            <a:r>
+              <a:rPr lang="en" altLang="ja-JP" b="0">
+                <a:effectLst/>
+                <a:latin typeface="Menlo" panose="020B0609030804020204" pitchFamily="49" charset="0"/>
+              </a:rPr>
+              <a:t> n == 1:</a:t>
+            </a:r>
+          </a:p>
+          <a:p>
+            <a:r>
+              <a:rPr lang="en" altLang="ja-JP" b="0">
+                <a:effectLst/>
+                <a:latin typeface="Menlo" panose="020B0609030804020204" pitchFamily="49" charset="0"/>
+              </a:rPr>
+              <a:t>        </a:t>
+            </a:r>
+            <a:r>
+              <a:rPr lang="en" altLang="ja-JP" b="0">
+                <a:solidFill>
+                  <a:srgbClr val="0070C0"/>
+                </a:solidFill>
+                <a:effectLst/>
+                <a:latin typeface="Menlo" panose="020B0609030804020204" pitchFamily="49" charset="0"/>
+              </a:rPr>
+              <a:t>return</a:t>
+            </a:r>
+            <a:r>
+              <a:rPr lang="en" altLang="ja-JP" b="0">
+                <a:effectLst/>
+                <a:latin typeface="Menlo" panose="020B0609030804020204" pitchFamily="49" charset="0"/>
+              </a:rPr>
+              <a:t> 1</a:t>
+            </a:r>
+          </a:p>
+          <a:p>
+            <a:endParaRPr lang="en" altLang="ja-JP">
+              <a:latin typeface="Menlo" panose="020B0609030804020204" pitchFamily="49" charset="0"/>
+            </a:endParaRPr>
+          </a:p>
+          <a:p>
+            <a:r>
+              <a:rPr lang="en" altLang="ja-JP" b="0">
+                <a:effectLst/>
+                <a:latin typeface="Menlo" panose="020B0609030804020204" pitchFamily="49" charset="0"/>
+              </a:rPr>
+              <a:t>    </a:t>
+            </a:r>
+            <a:r>
+              <a:rPr lang="en" altLang="ja-JP" b="0">
+                <a:solidFill>
+                  <a:srgbClr val="0070C0"/>
+                </a:solidFill>
+                <a:effectLst/>
+                <a:latin typeface="Menlo" panose="020B0609030804020204" pitchFamily="49" charset="0"/>
+              </a:rPr>
+              <a:t>return</a:t>
+            </a:r>
+            <a:r>
+              <a:rPr lang="en" altLang="ja-JP" b="0">
+                <a:effectLst/>
+                <a:latin typeface="Menlo" panose="020B0609030804020204" pitchFamily="49" charset="0"/>
+              </a:rPr>
+              <a:t> n * </a:t>
+            </a:r>
+            <a:r>
+              <a:rPr lang="en" altLang="ja-JP" b="0">
+                <a:solidFill>
+                  <a:srgbClr val="FF0000"/>
+                </a:solidFill>
+                <a:effectLst/>
+                <a:latin typeface="Menlo" panose="020B0609030804020204" pitchFamily="49" charset="0"/>
+              </a:rPr>
+              <a:t>fact</a:t>
+            </a:r>
+            <a:r>
+              <a:rPr lang="en" altLang="ja-JP" b="0">
+                <a:effectLst/>
+                <a:latin typeface="Menlo" panose="020B0609030804020204" pitchFamily="49" charset="0"/>
+              </a:rPr>
+              <a:t>(</a:t>
+            </a:r>
+            <a:r>
+              <a:rPr lang="en" altLang="ja-JP" b="0">
+                <a:solidFill>
+                  <a:srgbClr val="00B050"/>
+                </a:solidFill>
+                <a:effectLst/>
+                <a:latin typeface="Menlo" panose="020B0609030804020204" pitchFamily="49" charset="0"/>
+              </a:rPr>
+              <a:t>n-1</a:t>
+            </a:r>
+            <a:r>
+              <a:rPr lang="en" altLang="ja-JP" b="0">
+                <a:effectLst/>
+                <a:latin typeface="Menlo" panose="020B0609030804020204" pitchFamily="49" charset="0"/>
+              </a:rPr>
+              <a:t>)</a:t>
+            </a:r>
+          </a:p>
+        </p:txBody>
+      </p:sp>
+      <p:cxnSp>
+        <p:nvCxnSpPr>
+          <p:cNvPr id="7" name="カギ線コネクタ 6">
+            <a:extLst>
+              <a:ext uri="{FF2B5EF4-FFF2-40B4-BE49-F238E27FC236}">
+                <a16:creationId xmlns:a16="http://schemas.microsoft.com/office/drawing/2014/main" id="{6C44A894-3795-8544-91FA-B7A78474CF23}"/>
+              </a:ext>
+            </a:extLst>
+          </p:cNvPr>
+          <p:cNvCxnSpPr>
+            <a:cxnSpLocks/>
+          </p:cNvCxnSpPr>
+          <p:nvPr/>
+        </p:nvCxnSpPr>
+        <p:spPr>
+          <a:xfrm rot="5400000">
+            <a:off x="1145540" y="3753366"/>
+            <a:ext cx="1051560" cy="10160"/>
+          </a:xfrm>
+          <a:prstGeom prst="bentConnector4">
+            <a:avLst>
+              <a:gd name="adj1" fmla="val 639"/>
+              <a:gd name="adj2" fmla="val 2350000"/>
+            </a:avLst>
+          </a:prstGeom>
+          <a:ln w="28575">
+            <a:solidFill>
+              <a:srgbClr val="FF0000"/>
+            </a:solidFill>
+            <a:tailEnd type="triangle"/>
+          </a:ln>
+        </p:spPr>
+        <p:style>
+          <a:lnRef idx="1">
+            <a:schemeClr val="accent1"/>
+          </a:lnRef>
+          <a:fillRef idx="0">
+            <a:schemeClr val="accent1"/>
+          </a:fillRef>
+          <a:effectRef idx="0">
+            <a:schemeClr val="accent1"/>
+          </a:effectRef>
+          <a:fontRef idx="minor">
+            <a:schemeClr val="tx1"/>
+          </a:fontRef>
+        </p:style>
+      </p:cxnSp>
+      <p:cxnSp>
+        <p:nvCxnSpPr>
+          <p:cNvPr id="10" name="カギ線コネクタ 9">
+            <a:extLst>
+              <a:ext uri="{FF2B5EF4-FFF2-40B4-BE49-F238E27FC236}">
+                <a16:creationId xmlns:a16="http://schemas.microsoft.com/office/drawing/2014/main" id="{C2F9C971-BE1C-A348-8C12-165722A096EB}"/>
+              </a:ext>
+            </a:extLst>
+          </p:cNvPr>
+          <p:cNvCxnSpPr>
+            <a:cxnSpLocks/>
+          </p:cNvCxnSpPr>
+          <p:nvPr/>
+        </p:nvCxnSpPr>
+        <p:spPr>
+          <a:xfrm rot="5400000">
+            <a:off x="1135380" y="4911606"/>
+            <a:ext cx="1051560" cy="10160"/>
+          </a:xfrm>
+          <a:prstGeom prst="bentConnector4">
+            <a:avLst>
+              <a:gd name="adj1" fmla="val 639"/>
+              <a:gd name="adj2" fmla="val 2350000"/>
+            </a:avLst>
+          </a:prstGeom>
+          <a:ln w="28575">
+            <a:solidFill>
+              <a:srgbClr val="FF0000"/>
+            </a:solidFill>
+            <a:tailEnd type="triangle"/>
+          </a:ln>
+        </p:spPr>
+        <p:style>
+          <a:lnRef idx="1">
+            <a:schemeClr val="accent1"/>
+          </a:lnRef>
+          <a:fillRef idx="0">
+            <a:schemeClr val="accent1"/>
+          </a:fillRef>
+          <a:effectRef idx="0">
+            <a:schemeClr val="accent1"/>
+          </a:effectRef>
+          <a:fontRef idx="minor">
+            <a:schemeClr val="tx1"/>
+          </a:fontRef>
+        </p:style>
+      </p:cxnSp>
+      <p:cxnSp>
+        <p:nvCxnSpPr>
+          <p:cNvPr id="11" name="カギ線コネクタ 10">
+            <a:extLst>
+              <a:ext uri="{FF2B5EF4-FFF2-40B4-BE49-F238E27FC236}">
+                <a16:creationId xmlns:a16="http://schemas.microsoft.com/office/drawing/2014/main" id="{BFAEE57E-5DB2-BE4A-95D5-F71C0B073D9C}"/>
+              </a:ext>
+            </a:extLst>
+          </p:cNvPr>
+          <p:cNvCxnSpPr>
+            <a:cxnSpLocks/>
+          </p:cNvCxnSpPr>
+          <p:nvPr/>
+        </p:nvCxnSpPr>
+        <p:spPr>
+          <a:xfrm flipH="1" flipV="1">
+            <a:off x="2511168" y="4446786"/>
+            <a:ext cx="30480" cy="1000760"/>
+          </a:xfrm>
+          <a:prstGeom prst="bentConnector4">
+            <a:avLst>
+              <a:gd name="adj1" fmla="val -750000"/>
+              <a:gd name="adj2" fmla="val 99835"/>
+            </a:avLst>
+          </a:prstGeom>
+          <a:ln w="28575">
+            <a:solidFill>
+              <a:srgbClr val="0070C0"/>
+            </a:solidFill>
+            <a:tailEnd type="triangle"/>
+          </a:ln>
+        </p:spPr>
+        <p:style>
+          <a:lnRef idx="1">
+            <a:schemeClr val="accent1"/>
+          </a:lnRef>
+          <a:fillRef idx="0">
+            <a:schemeClr val="accent1"/>
+          </a:fillRef>
+          <a:effectRef idx="0">
+            <a:schemeClr val="accent1"/>
+          </a:effectRef>
+          <a:fontRef idx="minor">
+            <a:schemeClr val="tx1"/>
+          </a:fontRef>
+        </p:style>
+      </p:cxnSp>
+      <p:cxnSp>
+        <p:nvCxnSpPr>
+          <p:cNvPr id="18" name="カギ線コネクタ 17">
+            <a:extLst>
+              <a:ext uri="{FF2B5EF4-FFF2-40B4-BE49-F238E27FC236}">
+                <a16:creationId xmlns:a16="http://schemas.microsoft.com/office/drawing/2014/main" id="{8A4BD9D7-5E8F-0A47-AD88-AD1611C69235}"/>
+              </a:ext>
+            </a:extLst>
+          </p:cNvPr>
+          <p:cNvCxnSpPr>
+            <a:cxnSpLocks/>
+          </p:cNvCxnSpPr>
+          <p:nvPr/>
+        </p:nvCxnSpPr>
+        <p:spPr>
+          <a:xfrm flipH="1" flipV="1">
+            <a:off x="2551808" y="3258066"/>
+            <a:ext cx="30480" cy="1000760"/>
+          </a:xfrm>
+          <a:prstGeom prst="bentConnector4">
+            <a:avLst>
+              <a:gd name="adj1" fmla="val -750000"/>
+              <a:gd name="adj2" fmla="val 99835"/>
+            </a:avLst>
+          </a:prstGeom>
+          <a:ln w="28575">
+            <a:solidFill>
+              <a:srgbClr val="0070C0"/>
+            </a:solidFill>
+            <a:tailEnd type="triangle"/>
+          </a:ln>
+        </p:spPr>
+        <p:style>
+          <a:lnRef idx="1">
+            <a:schemeClr val="accent1"/>
+          </a:lnRef>
+          <a:fillRef idx="0">
+            <a:schemeClr val="accent1"/>
+          </a:fillRef>
+          <a:effectRef idx="0">
+            <a:schemeClr val="accent1"/>
+          </a:effectRef>
+          <a:fontRef idx="minor">
+            <a:schemeClr val="tx1"/>
+          </a:fontRef>
+        </p:style>
+      </p:cxnSp>
+      <p:sp>
+        <p:nvSpPr>
+          <p:cNvPr id="19" name="テキスト ボックス 18">
+            <a:extLst>
+              <a:ext uri="{FF2B5EF4-FFF2-40B4-BE49-F238E27FC236}">
+                <a16:creationId xmlns:a16="http://schemas.microsoft.com/office/drawing/2014/main" id="{875D6939-2F70-4D44-878C-6168BA09F8BA}"/>
+              </a:ext>
+            </a:extLst>
+          </p:cNvPr>
+          <p:cNvSpPr txBox="1"/>
+          <p:nvPr/>
+        </p:nvSpPr>
+        <p:spPr>
+          <a:xfrm>
+            <a:off x="335280" y="3606800"/>
+            <a:ext cx="1107996" cy="369332"/>
+          </a:xfrm>
+          <a:prstGeom prst="rect">
+            <a:avLst/>
+          </a:prstGeom>
+          <a:noFill/>
+        </p:spPr>
+        <p:txBody>
+          <a:bodyPr wrap="none" rtlCol="0">
+            <a:spAutoFit/>
+          </a:bodyPr>
+          <a:lstStyle/>
+          <a:p>
+            <a:r>
+              <a:rPr kumimoji="1" lang="ja-JP" altLang="en-US"/>
+              <a:t>呼び出し</a:t>
+            </a:r>
+          </a:p>
+        </p:txBody>
+      </p:sp>
+      <p:sp>
+        <p:nvSpPr>
+          <p:cNvPr id="20" name="テキスト ボックス 19">
+            <a:extLst>
+              <a:ext uri="{FF2B5EF4-FFF2-40B4-BE49-F238E27FC236}">
+                <a16:creationId xmlns:a16="http://schemas.microsoft.com/office/drawing/2014/main" id="{CAF775C1-DAD0-AC42-BC0D-3590F3E32980}"/>
+              </a:ext>
+            </a:extLst>
+          </p:cNvPr>
+          <p:cNvSpPr txBox="1"/>
+          <p:nvPr/>
+        </p:nvSpPr>
+        <p:spPr>
+          <a:xfrm>
+            <a:off x="294640" y="4795520"/>
+            <a:ext cx="1107996" cy="369332"/>
+          </a:xfrm>
+          <a:prstGeom prst="rect">
+            <a:avLst/>
+          </a:prstGeom>
+          <a:noFill/>
+        </p:spPr>
+        <p:txBody>
+          <a:bodyPr wrap="none" rtlCol="0">
+            <a:spAutoFit/>
+          </a:bodyPr>
+          <a:lstStyle/>
+          <a:p>
+            <a:r>
+              <a:rPr kumimoji="1" lang="ja-JP" altLang="en-US"/>
+              <a:t>呼び出し</a:t>
+            </a:r>
+          </a:p>
+        </p:txBody>
+      </p:sp>
+      <p:sp>
+        <p:nvSpPr>
+          <p:cNvPr id="21" name="テキスト ボックス 20">
+            <a:extLst>
+              <a:ext uri="{FF2B5EF4-FFF2-40B4-BE49-F238E27FC236}">
+                <a16:creationId xmlns:a16="http://schemas.microsoft.com/office/drawing/2014/main" id="{2A21119D-99A6-8042-B6FD-910E6251A253}"/>
+              </a:ext>
+            </a:extLst>
+          </p:cNvPr>
+          <p:cNvSpPr txBox="1"/>
+          <p:nvPr/>
+        </p:nvSpPr>
+        <p:spPr>
+          <a:xfrm>
+            <a:off x="822960" y="5842000"/>
+            <a:ext cx="2723823" cy="369332"/>
+          </a:xfrm>
+          <a:prstGeom prst="rect">
+            <a:avLst/>
+          </a:prstGeom>
+          <a:noFill/>
+        </p:spPr>
+        <p:txBody>
+          <a:bodyPr wrap="none" rtlCol="0">
+            <a:spAutoFit/>
+          </a:bodyPr>
+          <a:lstStyle/>
+          <a:p>
+            <a:r>
+              <a:rPr kumimoji="1" lang="ja-JP" altLang="en-US"/>
+              <a:t>ここで終端条件にマッチ</a:t>
+            </a:r>
+          </a:p>
+        </p:txBody>
+      </p:sp>
+      <p:sp>
+        <p:nvSpPr>
+          <p:cNvPr id="22" name="テキスト ボックス 21">
+            <a:extLst>
+              <a:ext uri="{FF2B5EF4-FFF2-40B4-BE49-F238E27FC236}">
+                <a16:creationId xmlns:a16="http://schemas.microsoft.com/office/drawing/2014/main" id="{421D0387-F41C-A141-969C-3AAF22DA76F9}"/>
+              </a:ext>
+            </a:extLst>
+          </p:cNvPr>
+          <p:cNvSpPr txBox="1"/>
+          <p:nvPr/>
+        </p:nvSpPr>
+        <p:spPr>
+          <a:xfrm>
+            <a:off x="2926080" y="4856480"/>
+            <a:ext cx="1132361" cy="369332"/>
+          </a:xfrm>
+          <a:prstGeom prst="rect">
+            <a:avLst/>
+          </a:prstGeom>
+          <a:noFill/>
+        </p:spPr>
+        <p:txBody>
+          <a:bodyPr wrap="none" rtlCol="0">
+            <a:spAutoFit/>
+          </a:bodyPr>
+          <a:lstStyle/>
+          <a:p>
+            <a:r>
+              <a:rPr lang="en-US" altLang="ja-JP"/>
+              <a:t>fact(1) = 1</a:t>
+            </a:r>
+            <a:endParaRPr kumimoji="1" lang="ja-JP" altLang="en-US"/>
+          </a:p>
+        </p:txBody>
+      </p:sp>
+      <p:sp>
+        <p:nvSpPr>
+          <p:cNvPr id="23" name="テキスト ボックス 22">
+            <a:extLst>
+              <a:ext uri="{FF2B5EF4-FFF2-40B4-BE49-F238E27FC236}">
+                <a16:creationId xmlns:a16="http://schemas.microsoft.com/office/drawing/2014/main" id="{A91A411D-C786-294F-B023-5A2D34BA070F}"/>
+              </a:ext>
+            </a:extLst>
+          </p:cNvPr>
+          <p:cNvSpPr txBox="1"/>
+          <p:nvPr/>
+        </p:nvSpPr>
+        <p:spPr>
+          <a:xfrm>
+            <a:off x="2946400" y="3627120"/>
+            <a:ext cx="1963038" cy="369332"/>
+          </a:xfrm>
+          <a:prstGeom prst="rect">
+            <a:avLst/>
+          </a:prstGeom>
+          <a:noFill/>
+        </p:spPr>
+        <p:txBody>
+          <a:bodyPr wrap="none" rtlCol="0">
+            <a:spAutoFit/>
+          </a:bodyPr>
+          <a:lstStyle/>
+          <a:p>
+            <a:r>
+              <a:rPr lang="en-US" altLang="ja-JP"/>
+              <a:t>fact(2) = 2 * fact(1)</a:t>
+            </a:r>
+            <a:endParaRPr kumimoji="1" lang="ja-JP" altLang="en-US"/>
+          </a:p>
+        </p:txBody>
+      </p:sp>
+      <p:pic>
+        <p:nvPicPr>
+          <p:cNvPr id="24" name="図 23">
+            <a:extLst>
+              <a:ext uri="{FF2B5EF4-FFF2-40B4-BE49-F238E27FC236}">
+                <a16:creationId xmlns:a16="http://schemas.microsoft.com/office/drawing/2014/main" id="{695CA75A-650B-9A4B-9A92-688641A2EF5D}"/>
+              </a:ext>
+            </a:extLst>
+          </p:cNvPr>
+          <p:cNvPicPr>
+            <a:picLocks noChangeAspect="1"/>
+          </p:cNvPicPr>
+          <p:nvPr/>
+        </p:nvPicPr>
+        <p:blipFill>
+          <a:blip r:embed="rId2"/>
+          <a:stretch>
+            <a:fillRect/>
+          </a:stretch>
+        </p:blipFill>
+        <p:spPr>
+          <a:xfrm>
+            <a:off x="1708150" y="1460668"/>
+            <a:ext cx="709930" cy="1041231"/>
+          </a:xfrm>
+          <a:prstGeom prst="rect">
+            <a:avLst/>
+          </a:prstGeom>
+        </p:spPr>
+      </p:pic>
+      <p:sp>
+        <p:nvSpPr>
+          <p:cNvPr id="25" name="角丸四角形吹き出し 24">
+            <a:extLst>
+              <a:ext uri="{FF2B5EF4-FFF2-40B4-BE49-F238E27FC236}">
+                <a16:creationId xmlns:a16="http://schemas.microsoft.com/office/drawing/2014/main" id="{239BCD40-ECC1-9848-9FDD-95B004E90068}"/>
+              </a:ext>
+            </a:extLst>
+          </p:cNvPr>
+          <p:cNvSpPr/>
+          <p:nvPr/>
+        </p:nvSpPr>
+        <p:spPr>
+          <a:xfrm>
+            <a:off x="2499360" y="1056640"/>
+            <a:ext cx="1849120" cy="629920"/>
+          </a:xfrm>
+          <a:prstGeom prst="wedgeRoundRectCallout">
+            <a:avLst>
+              <a:gd name="adj1" fmla="val -52691"/>
+              <a:gd name="adj2" fmla="val 75000"/>
+              <a:gd name="adj3" fmla="val 16667"/>
+            </a:avLst>
+          </a:prstGeom>
+          <a:noFill/>
+          <a:ln>
+            <a:solidFill>
+              <a:schemeClr val="tx1"/>
+            </a:solidFill>
+          </a:ln>
+        </p:spPr>
+        <p:style>
+          <a:lnRef idx="2">
+            <a:schemeClr val="accent1">
+              <a:shade val="50000"/>
+            </a:schemeClr>
+          </a:lnRef>
+          <a:fillRef idx="1">
+            <a:schemeClr val="accent1"/>
+          </a:fillRef>
+          <a:effectRef idx="0">
+            <a:schemeClr val="accent1"/>
+          </a:effectRef>
+          <a:fontRef idx="minor">
+            <a:schemeClr val="lt1"/>
+          </a:fontRef>
+        </p:style>
+        <p:txBody>
+          <a:bodyPr rtlCol="0" anchor="ctr"/>
+          <a:lstStyle/>
+          <a:p>
+            <a:pPr algn="ctr"/>
+            <a:endParaRPr kumimoji="1" lang="ja-JP" altLang="en-US"/>
+          </a:p>
+        </p:txBody>
+      </p:sp>
+      <p:sp>
+        <p:nvSpPr>
+          <p:cNvPr id="26" name="テキスト ボックス 25">
+            <a:extLst>
+              <a:ext uri="{FF2B5EF4-FFF2-40B4-BE49-F238E27FC236}">
+                <a16:creationId xmlns:a16="http://schemas.microsoft.com/office/drawing/2014/main" id="{BF3A2D55-EB9C-C342-BA5F-256E41334053}"/>
+              </a:ext>
+            </a:extLst>
+          </p:cNvPr>
+          <p:cNvSpPr txBox="1"/>
+          <p:nvPr/>
+        </p:nvSpPr>
+        <p:spPr>
+          <a:xfrm>
+            <a:off x="2560320" y="1229360"/>
+            <a:ext cx="1717458" cy="369332"/>
+          </a:xfrm>
+          <a:prstGeom prst="rect">
+            <a:avLst/>
+          </a:prstGeom>
+          <a:noFill/>
+        </p:spPr>
+        <p:txBody>
+          <a:bodyPr wrap="none" rtlCol="0">
+            <a:spAutoFit/>
+          </a:bodyPr>
+          <a:lstStyle/>
+          <a:p>
+            <a:r>
+              <a:rPr kumimoji="1" lang="en-US" altLang="ja-JP"/>
+              <a:t>fact(3)</a:t>
+            </a:r>
+            <a:r>
+              <a:rPr kumimoji="1" lang="ja-JP" altLang="en-US"/>
+              <a:t>ください</a:t>
+            </a:r>
+          </a:p>
+        </p:txBody>
+      </p:sp>
+      <p:cxnSp>
+        <p:nvCxnSpPr>
+          <p:cNvPr id="27" name="カギ線コネクタ 26">
+            <a:extLst>
+              <a:ext uri="{FF2B5EF4-FFF2-40B4-BE49-F238E27FC236}">
+                <a16:creationId xmlns:a16="http://schemas.microsoft.com/office/drawing/2014/main" id="{EA99AB82-8A10-004E-8430-57E15FFE0FC4}"/>
+              </a:ext>
+            </a:extLst>
+          </p:cNvPr>
+          <p:cNvCxnSpPr>
+            <a:cxnSpLocks/>
+          </p:cNvCxnSpPr>
+          <p:nvPr/>
+        </p:nvCxnSpPr>
+        <p:spPr>
+          <a:xfrm rot="5400000">
+            <a:off x="1155700" y="2615446"/>
+            <a:ext cx="1051560" cy="10160"/>
+          </a:xfrm>
+          <a:prstGeom prst="bentConnector4">
+            <a:avLst>
+              <a:gd name="adj1" fmla="val 639"/>
+              <a:gd name="adj2" fmla="val 2350000"/>
+            </a:avLst>
+          </a:prstGeom>
+          <a:ln w="28575">
+            <a:solidFill>
+              <a:srgbClr val="FF0000"/>
+            </a:solidFill>
+            <a:tailEnd type="triangle"/>
+          </a:ln>
+        </p:spPr>
+        <p:style>
+          <a:lnRef idx="1">
+            <a:schemeClr val="accent1"/>
+          </a:lnRef>
+          <a:fillRef idx="0">
+            <a:schemeClr val="accent1"/>
+          </a:fillRef>
+          <a:effectRef idx="0">
+            <a:schemeClr val="accent1"/>
+          </a:effectRef>
+          <a:fontRef idx="minor">
+            <a:schemeClr val="tx1"/>
+          </a:fontRef>
+        </p:style>
+      </p:cxnSp>
+      <p:cxnSp>
+        <p:nvCxnSpPr>
+          <p:cNvPr id="29" name="カギ線コネクタ 28">
+            <a:extLst>
+              <a:ext uri="{FF2B5EF4-FFF2-40B4-BE49-F238E27FC236}">
+                <a16:creationId xmlns:a16="http://schemas.microsoft.com/office/drawing/2014/main" id="{0BCF1A0D-8A22-474E-A468-C500ED2078A7}"/>
+              </a:ext>
+            </a:extLst>
+          </p:cNvPr>
+          <p:cNvCxnSpPr>
+            <a:cxnSpLocks/>
+          </p:cNvCxnSpPr>
+          <p:nvPr/>
+        </p:nvCxnSpPr>
+        <p:spPr>
+          <a:xfrm flipH="1" flipV="1">
+            <a:off x="2572128" y="2099826"/>
+            <a:ext cx="30480" cy="1000760"/>
+          </a:xfrm>
+          <a:prstGeom prst="bentConnector4">
+            <a:avLst>
+              <a:gd name="adj1" fmla="val -750000"/>
+              <a:gd name="adj2" fmla="val 99835"/>
+            </a:avLst>
+          </a:prstGeom>
+          <a:ln w="28575">
+            <a:solidFill>
+              <a:srgbClr val="0070C0"/>
+            </a:solidFill>
+            <a:tailEnd type="triangle"/>
+          </a:ln>
+        </p:spPr>
+        <p:style>
+          <a:lnRef idx="1">
+            <a:schemeClr val="accent1"/>
+          </a:lnRef>
+          <a:fillRef idx="0">
+            <a:schemeClr val="accent1"/>
+          </a:fillRef>
+          <a:effectRef idx="0">
+            <a:schemeClr val="accent1"/>
+          </a:effectRef>
+          <a:fontRef idx="minor">
+            <a:schemeClr val="tx1"/>
+          </a:fontRef>
+        </p:style>
+      </p:cxnSp>
+      <p:sp>
+        <p:nvSpPr>
+          <p:cNvPr id="30" name="テキスト ボックス 29">
+            <a:extLst>
+              <a:ext uri="{FF2B5EF4-FFF2-40B4-BE49-F238E27FC236}">
+                <a16:creationId xmlns:a16="http://schemas.microsoft.com/office/drawing/2014/main" id="{DF5BAD1F-6AA2-5E4D-98D5-03C9E5734CAE}"/>
+              </a:ext>
+            </a:extLst>
+          </p:cNvPr>
+          <p:cNvSpPr txBox="1"/>
+          <p:nvPr/>
+        </p:nvSpPr>
+        <p:spPr>
+          <a:xfrm>
+            <a:off x="2905760" y="2407920"/>
+            <a:ext cx="2301271" cy="369332"/>
+          </a:xfrm>
+          <a:prstGeom prst="rect">
+            <a:avLst/>
+          </a:prstGeom>
+          <a:noFill/>
+        </p:spPr>
+        <p:txBody>
+          <a:bodyPr wrap="none" rtlCol="0">
+            <a:spAutoFit/>
+          </a:bodyPr>
+          <a:lstStyle/>
+          <a:p>
+            <a:r>
+              <a:rPr lang="en-US" altLang="ja-JP"/>
+              <a:t>fact(3) = 3 * fact(2) = 6</a:t>
+            </a:r>
+            <a:endParaRPr kumimoji="1" lang="ja-JP" altLang="en-US"/>
+          </a:p>
+        </p:txBody>
+      </p:sp>
+      <p:sp>
+        <p:nvSpPr>
+          <p:cNvPr id="31" name="テキスト ボックス 30">
+            <a:extLst>
+              <a:ext uri="{FF2B5EF4-FFF2-40B4-BE49-F238E27FC236}">
+                <a16:creationId xmlns:a16="http://schemas.microsoft.com/office/drawing/2014/main" id="{31243871-7AC2-B144-9981-034D854D7A16}"/>
+              </a:ext>
+            </a:extLst>
+          </p:cNvPr>
+          <p:cNvSpPr txBox="1"/>
+          <p:nvPr/>
+        </p:nvSpPr>
+        <p:spPr>
+          <a:xfrm>
+            <a:off x="2204720" y="274320"/>
+            <a:ext cx="4852610" cy="523220"/>
+          </a:xfrm>
+          <a:prstGeom prst="rect">
+            <a:avLst/>
+          </a:prstGeom>
+          <a:noFill/>
+        </p:spPr>
+        <p:txBody>
+          <a:bodyPr wrap="none" rtlCol="0">
+            <a:spAutoFit/>
+          </a:bodyPr>
+          <a:lstStyle/>
+          <a:p>
+            <a:r>
+              <a:rPr kumimoji="1" lang="ja-JP" altLang="en-US" sz="2800"/>
+              <a:t>再帰は「行って帰って」くる</a:t>
+            </a:r>
+          </a:p>
+        </p:txBody>
+      </p:sp>
+    </p:spTree>
+    <p:extLst>
+      <p:ext uri="{BB962C8B-B14F-4D97-AF65-F5344CB8AC3E}">
+        <p14:creationId xmlns:p14="http://schemas.microsoft.com/office/powerpoint/2010/main" val="2160156671"/>
+      </p:ext>
+    </p:extLst>
+  </p:cSld>
+  <p:clrMapOvr>
+    <a:masterClrMapping/>
+  </p:clrMapOvr>
+</p:sld>
+</file>
+
+<file path=ppt/slides/slide4.xml><?xml version="1.0" encoding="utf-8"?>
 <p:sld xmlns:a="http://schemas.openxmlformats.org/drawingml/2006/main" xmlns:r="http://schemas.openxmlformats.org/officeDocument/2006/relationships" xmlns:p="http://schemas.openxmlformats.org/presentationml/2006/main">
   <p:cSld>
     <p:spTree>

--- a/recursion/fig/fig.pptx
+++ b/recursion/fig/fig.pptx
@@ -9,6 +9,8 @@
     <p:sldId id="258" r:id="rId3"/>
     <p:sldId id="259" r:id="rId4"/>
     <p:sldId id="257" r:id="rId5"/>
+    <p:sldId id="261" r:id="rId6"/>
+    <p:sldId id="260" r:id="rId7"/>
   </p:sldIdLst>
   <p:sldSz cx="9144000" cy="6858000" type="screen4x3"/>
   <p:notesSz cx="6858000" cy="9144000"/>
@@ -5397,6 +5399,9545 @@
 </p:sld>
 </file>
 
+<file path=ppt/slides/slide5.xml><?xml version="1.0" encoding="utf-8"?>
+<p:sld xmlns:a="http://schemas.openxmlformats.org/drawingml/2006/main" xmlns:r="http://schemas.openxmlformats.org/officeDocument/2006/relationships" xmlns:p="http://schemas.openxmlformats.org/presentationml/2006/main">
+  <p:cSld>
+    <p:spTree>
+      <p:nvGrpSpPr>
+        <p:cNvPr id="1" name=""/>
+        <p:cNvGrpSpPr/>
+        <p:nvPr/>
+      </p:nvGrpSpPr>
+      <p:grpSpPr>
+        <a:xfrm>
+          <a:off x="0" y="0"/>
+          <a:ext cx="0" cy="0"/>
+          <a:chOff x="0" y="0"/>
+          <a:chExt cx="0" cy="0"/>
+        </a:xfrm>
+      </p:grpSpPr>
+      <p:pic>
+        <p:nvPicPr>
+          <p:cNvPr id="2" name="図 1">
+            <a:extLst>
+              <a:ext uri="{FF2B5EF4-FFF2-40B4-BE49-F238E27FC236}">
+                <a16:creationId xmlns:a16="http://schemas.microsoft.com/office/drawing/2014/main" id="{98EBE30A-B622-4E4C-8466-68D921273464}"/>
+              </a:ext>
+            </a:extLst>
+          </p:cNvPr>
+          <p:cNvPicPr>
+            <a:picLocks noChangeAspect="1"/>
+          </p:cNvPicPr>
+          <p:nvPr/>
+        </p:nvPicPr>
+        <p:blipFill>
+          <a:blip r:embed="rId2"/>
+          <a:stretch>
+            <a:fillRect/>
+          </a:stretch>
+        </p:blipFill>
+        <p:spPr>
+          <a:xfrm>
+            <a:off x="1761024" y="1119416"/>
+            <a:ext cx="1440160" cy="1440160"/>
+          </a:xfrm>
+          <a:prstGeom prst="rect">
+            <a:avLst/>
+          </a:prstGeom>
+        </p:spPr>
+      </p:pic>
+      <p:sp>
+        <p:nvSpPr>
+          <p:cNvPr id="7" name="円/楕円 6">
+            <a:extLst>
+              <a:ext uri="{FF2B5EF4-FFF2-40B4-BE49-F238E27FC236}">
+                <a16:creationId xmlns:a16="http://schemas.microsoft.com/office/drawing/2014/main" id="{0158C3E9-CD3E-F94B-885D-548345DA15B3}"/>
+              </a:ext>
+            </a:extLst>
+          </p:cNvPr>
+          <p:cNvSpPr/>
+          <p:nvPr/>
+        </p:nvSpPr>
+        <p:spPr>
+          <a:xfrm>
+            <a:off x="2277049" y="2731833"/>
+            <a:ext cx="504056" cy="504056"/>
+          </a:xfrm>
+          <a:prstGeom prst="ellipse">
+            <a:avLst/>
+          </a:prstGeom>
+          <a:noFill/>
+          <a:ln>
+            <a:solidFill>
+              <a:schemeClr val="tx1"/>
+            </a:solidFill>
+          </a:ln>
+        </p:spPr>
+        <p:style>
+          <a:lnRef idx="2">
+            <a:schemeClr val="accent1">
+              <a:shade val="50000"/>
+            </a:schemeClr>
+          </a:lnRef>
+          <a:fillRef idx="1">
+            <a:schemeClr val="accent1"/>
+          </a:fillRef>
+          <a:effectRef idx="0">
+            <a:schemeClr val="accent1"/>
+          </a:effectRef>
+          <a:fontRef idx="minor">
+            <a:schemeClr val="lt1"/>
+          </a:fontRef>
+        </p:style>
+        <p:txBody>
+          <a:bodyPr rtlCol="0" anchor="ctr"/>
+          <a:lstStyle/>
+          <a:p>
+            <a:pPr algn="ctr"/>
+            <a:endParaRPr kumimoji="1" lang="ja-JP" altLang="en-US"/>
+          </a:p>
+        </p:txBody>
+      </p:sp>
+      <p:sp>
+        <p:nvSpPr>
+          <p:cNvPr id="8" name="円/楕円 7">
+            <a:extLst>
+              <a:ext uri="{FF2B5EF4-FFF2-40B4-BE49-F238E27FC236}">
+                <a16:creationId xmlns:a16="http://schemas.microsoft.com/office/drawing/2014/main" id="{59C7D92B-9AB4-4948-BDCD-F1A21FA88705}"/>
+              </a:ext>
+            </a:extLst>
+          </p:cNvPr>
+          <p:cNvSpPr/>
+          <p:nvPr/>
+        </p:nvSpPr>
+        <p:spPr>
+          <a:xfrm>
+            <a:off x="1340945" y="3811953"/>
+            <a:ext cx="504056" cy="504056"/>
+          </a:xfrm>
+          <a:prstGeom prst="ellipse">
+            <a:avLst/>
+          </a:prstGeom>
+          <a:noFill/>
+          <a:ln>
+            <a:solidFill>
+              <a:schemeClr val="tx1"/>
+            </a:solidFill>
+          </a:ln>
+        </p:spPr>
+        <p:style>
+          <a:lnRef idx="2">
+            <a:schemeClr val="accent1">
+              <a:shade val="50000"/>
+            </a:schemeClr>
+          </a:lnRef>
+          <a:fillRef idx="1">
+            <a:schemeClr val="accent1"/>
+          </a:fillRef>
+          <a:effectRef idx="0">
+            <a:schemeClr val="accent1"/>
+          </a:effectRef>
+          <a:fontRef idx="minor">
+            <a:schemeClr val="lt1"/>
+          </a:fontRef>
+        </p:style>
+        <p:txBody>
+          <a:bodyPr rtlCol="0" anchor="ctr"/>
+          <a:lstStyle/>
+          <a:p>
+            <a:pPr algn="ctr"/>
+            <a:endParaRPr kumimoji="1" lang="ja-JP" altLang="en-US"/>
+          </a:p>
+        </p:txBody>
+      </p:sp>
+      <p:sp>
+        <p:nvSpPr>
+          <p:cNvPr id="9" name="円/楕円 8">
+            <a:extLst>
+              <a:ext uri="{FF2B5EF4-FFF2-40B4-BE49-F238E27FC236}">
+                <a16:creationId xmlns:a16="http://schemas.microsoft.com/office/drawing/2014/main" id="{B0906307-43DF-D34E-BEF7-BD15C280EB83}"/>
+              </a:ext>
+            </a:extLst>
+          </p:cNvPr>
+          <p:cNvSpPr/>
+          <p:nvPr/>
+        </p:nvSpPr>
+        <p:spPr>
+          <a:xfrm>
+            <a:off x="3285161" y="3811953"/>
+            <a:ext cx="504056" cy="504056"/>
+          </a:xfrm>
+          <a:prstGeom prst="ellipse">
+            <a:avLst/>
+          </a:prstGeom>
+          <a:noFill/>
+          <a:ln>
+            <a:solidFill>
+              <a:schemeClr val="tx1"/>
+            </a:solidFill>
+          </a:ln>
+        </p:spPr>
+        <p:style>
+          <a:lnRef idx="2">
+            <a:schemeClr val="accent1">
+              <a:shade val="50000"/>
+            </a:schemeClr>
+          </a:lnRef>
+          <a:fillRef idx="1">
+            <a:schemeClr val="accent1"/>
+          </a:fillRef>
+          <a:effectRef idx="0">
+            <a:schemeClr val="accent1"/>
+          </a:effectRef>
+          <a:fontRef idx="minor">
+            <a:schemeClr val="lt1"/>
+          </a:fontRef>
+        </p:style>
+        <p:txBody>
+          <a:bodyPr rtlCol="0" anchor="ctr"/>
+          <a:lstStyle/>
+          <a:p>
+            <a:pPr algn="ctr"/>
+            <a:endParaRPr kumimoji="1" lang="ja-JP" altLang="en-US"/>
+          </a:p>
+        </p:txBody>
+      </p:sp>
+      <p:pic>
+        <p:nvPicPr>
+          <p:cNvPr id="14" name="図 13">
+            <a:extLst>
+              <a:ext uri="{FF2B5EF4-FFF2-40B4-BE49-F238E27FC236}">
+                <a16:creationId xmlns:a16="http://schemas.microsoft.com/office/drawing/2014/main" id="{84E1C671-53D5-6A46-A3C4-0228C1400171}"/>
+              </a:ext>
+            </a:extLst>
+          </p:cNvPr>
+          <p:cNvPicPr>
+            <a:picLocks noChangeAspect="1"/>
+          </p:cNvPicPr>
+          <p:nvPr/>
+        </p:nvPicPr>
+        <p:blipFill>
+          <a:blip r:embed="rId3"/>
+          <a:stretch>
+            <a:fillRect/>
+          </a:stretch>
+        </p:blipFill>
+        <p:spPr>
+          <a:xfrm>
+            <a:off x="2565081" y="5108097"/>
+            <a:ext cx="734776" cy="360040"/>
+          </a:xfrm>
+          <a:prstGeom prst="rect">
+            <a:avLst/>
+          </a:prstGeom>
+        </p:spPr>
+      </p:pic>
+      <p:cxnSp>
+        <p:nvCxnSpPr>
+          <p:cNvPr id="16" name="直線コネクタ 15">
+            <a:extLst>
+              <a:ext uri="{FF2B5EF4-FFF2-40B4-BE49-F238E27FC236}">
+                <a16:creationId xmlns:a16="http://schemas.microsoft.com/office/drawing/2014/main" id="{1AC55653-4988-A544-AB66-969F98A16133}"/>
+              </a:ext>
+            </a:extLst>
+          </p:cNvPr>
+          <p:cNvCxnSpPr>
+            <a:stCxn id="7" idx="3"/>
+            <a:endCxn id="8" idx="7"/>
+          </p:cNvCxnSpPr>
+          <p:nvPr/>
+        </p:nvCxnSpPr>
+        <p:spPr>
+          <a:xfrm flipH="1">
+            <a:off x="1771184" y="3162072"/>
+            <a:ext cx="579682" cy="723698"/>
+          </a:xfrm>
+          <a:prstGeom prst="line">
+            <a:avLst/>
+          </a:prstGeom>
+          <a:ln w="12700">
+            <a:solidFill>
+              <a:schemeClr val="tx1"/>
+            </a:solidFill>
+          </a:ln>
+        </p:spPr>
+        <p:style>
+          <a:lnRef idx="1">
+            <a:schemeClr val="accent1"/>
+          </a:lnRef>
+          <a:fillRef idx="0">
+            <a:schemeClr val="accent1"/>
+          </a:fillRef>
+          <a:effectRef idx="0">
+            <a:schemeClr val="accent1"/>
+          </a:effectRef>
+          <a:fontRef idx="minor">
+            <a:schemeClr val="tx1"/>
+          </a:fontRef>
+        </p:style>
+      </p:cxnSp>
+      <p:cxnSp>
+        <p:nvCxnSpPr>
+          <p:cNvPr id="18" name="直線コネクタ 17">
+            <a:extLst>
+              <a:ext uri="{FF2B5EF4-FFF2-40B4-BE49-F238E27FC236}">
+                <a16:creationId xmlns:a16="http://schemas.microsoft.com/office/drawing/2014/main" id="{E3B7F75D-5ABF-4842-9AF4-3717002C96F1}"/>
+              </a:ext>
+            </a:extLst>
+          </p:cNvPr>
+          <p:cNvCxnSpPr>
+            <a:stCxn id="7" idx="5"/>
+            <a:endCxn id="9" idx="1"/>
+          </p:cNvCxnSpPr>
+          <p:nvPr/>
+        </p:nvCxnSpPr>
+        <p:spPr>
+          <a:xfrm>
+            <a:off x="2707288" y="3162072"/>
+            <a:ext cx="651690" cy="723698"/>
+          </a:xfrm>
+          <a:prstGeom prst="line">
+            <a:avLst/>
+          </a:prstGeom>
+          <a:ln w="12700">
+            <a:solidFill>
+              <a:schemeClr val="tx1"/>
+            </a:solidFill>
+          </a:ln>
+        </p:spPr>
+        <p:style>
+          <a:lnRef idx="1">
+            <a:schemeClr val="accent1"/>
+          </a:lnRef>
+          <a:fillRef idx="0">
+            <a:schemeClr val="accent1"/>
+          </a:fillRef>
+          <a:effectRef idx="0">
+            <a:schemeClr val="accent1"/>
+          </a:effectRef>
+          <a:fontRef idx="minor">
+            <a:schemeClr val="tx1"/>
+          </a:fontRef>
+        </p:style>
+      </p:cxnSp>
+      <p:cxnSp>
+        <p:nvCxnSpPr>
+          <p:cNvPr id="20" name="直線コネクタ 19">
+            <a:extLst>
+              <a:ext uri="{FF2B5EF4-FFF2-40B4-BE49-F238E27FC236}">
+                <a16:creationId xmlns:a16="http://schemas.microsoft.com/office/drawing/2014/main" id="{E0D2D3CC-FD68-0B48-A966-5E1E45BB84D2}"/>
+              </a:ext>
+            </a:extLst>
+          </p:cNvPr>
+          <p:cNvCxnSpPr>
+            <a:cxnSpLocks/>
+            <a:stCxn id="8" idx="3"/>
+          </p:cNvCxnSpPr>
+          <p:nvPr/>
+        </p:nvCxnSpPr>
+        <p:spPr>
+          <a:xfrm flipH="1">
+            <a:off x="656869" y="4242192"/>
+            <a:ext cx="757893" cy="793897"/>
+          </a:xfrm>
+          <a:prstGeom prst="line">
+            <a:avLst/>
+          </a:prstGeom>
+          <a:ln w="12700">
+            <a:solidFill>
+              <a:schemeClr val="tx1"/>
+            </a:solidFill>
+          </a:ln>
+        </p:spPr>
+        <p:style>
+          <a:lnRef idx="1">
+            <a:schemeClr val="accent1"/>
+          </a:lnRef>
+          <a:fillRef idx="0">
+            <a:schemeClr val="accent1"/>
+          </a:fillRef>
+          <a:effectRef idx="0">
+            <a:schemeClr val="accent1"/>
+          </a:effectRef>
+          <a:fontRef idx="minor">
+            <a:schemeClr val="tx1"/>
+          </a:fontRef>
+        </p:style>
+      </p:cxnSp>
+      <p:cxnSp>
+        <p:nvCxnSpPr>
+          <p:cNvPr id="22" name="直線コネクタ 21">
+            <a:extLst>
+              <a:ext uri="{FF2B5EF4-FFF2-40B4-BE49-F238E27FC236}">
+                <a16:creationId xmlns:a16="http://schemas.microsoft.com/office/drawing/2014/main" id="{F5F9FD50-C536-8540-A2AF-41C0E5A3595B}"/>
+              </a:ext>
+            </a:extLst>
+          </p:cNvPr>
+          <p:cNvCxnSpPr>
+            <a:cxnSpLocks/>
+            <a:stCxn id="8" idx="5"/>
+          </p:cNvCxnSpPr>
+          <p:nvPr/>
+        </p:nvCxnSpPr>
+        <p:spPr>
+          <a:xfrm>
+            <a:off x="1771184" y="4242192"/>
+            <a:ext cx="181829" cy="793897"/>
+          </a:xfrm>
+          <a:prstGeom prst="line">
+            <a:avLst/>
+          </a:prstGeom>
+          <a:ln w="12700">
+            <a:solidFill>
+              <a:schemeClr val="tx1"/>
+            </a:solidFill>
+          </a:ln>
+        </p:spPr>
+        <p:style>
+          <a:lnRef idx="1">
+            <a:schemeClr val="accent1"/>
+          </a:lnRef>
+          <a:fillRef idx="0">
+            <a:schemeClr val="accent1"/>
+          </a:fillRef>
+          <a:effectRef idx="0">
+            <a:schemeClr val="accent1"/>
+          </a:effectRef>
+          <a:fontRef idx="minor">
+            <a:schemeClr val="tx1"/>
+          </a:fontRef>
+        </p:style>
+      </p:cxnSp>
+      <p:cxnSp>
+        <p:nvCxnSpPr>
+          <p:cNvPr id="24" name="直線コネクタ 23">
+            <a:extLst>
+              <a:ext uri="{FF2B5EF4-FFF2-40B4-BE49-F238E27FC236}">
+                <a16:creationId xmlns:a16="http://schemas.microsoft.com/office/drawing/2014/main" id="{1A8A3F45-E79C-9249-ADD9-A4D00A928D8D}"/>
+              </a:ext>
+            </a:extLst>
+          </p:cNvPr>
+          <p:cNvCxnSpPr>
+            <a:stCxn id="9" idx="3"/>
+            <a:endCxn id="14" idx="0"/>
+          </p:cNvCxnSpPr>
+          <p:nvPr/>
+        </p:nvCxnSpPr>
+        <p:spPr>
+          <a:xfrm flipH="1">
+            <a:off x="2932469" y="4242192"/>
+            <a:ext cx="426509" cy="865905"/>
+          </a:xfrm>
+          <a:prstGeom prst="line">
+            <a:avLst/>
+          </a:prstGeom>
+          <a:ln w="12700">
+            <a:solidFill>
+              <a:schemeClr val="tx1"/>
+            </a:solidFill>
+          </a:ln>
+        </p:spPr>
+        <p:style>
+          <a:lnRef idx="1">
+            <a:schemeClr val="accent1"/>
+          </a:lnRef>
+          <a:fillRef idx="0">
+            <a:schemeClr val="accent1"/>
+          </a:fillRef>
+          <a:effectRef idx="0">
+            <a:schemeClr val="accent1"/>
+          </a:effectRef>
+          <a:fontRef idx="minor">
+            <a:schemeClr val="tx1"/>
+          </a:fontRef>
+        </p:style>
+      </p:cxnSp>
+      <p:cxnSp>
+        <p:nvCxnSpPr>
+          <p:cNvPr id="26" name="直線コネクタ 25">
+            <a:extLst>
+              <a:ext uri="{FF2B5EF4-FFF2-40B4-BE49-F238E27FC236}">
+                <a16:creationId xmlns:a16="http://schemas.microsoft.com/office/drawing/2014/main" id="{DC5BC631-A908-B544-B226-76B6DF180D88}"/>
+              </a:ext>
+            </a:extLst>
+          </p:cNvPr>
+          <p:cNvCxnSpPr>
+            <a:cxnSpLocks/>
+            <a:stCxn id="9" idx="5"/>
+          </p:cNvCxnSpPr>
+          <p:nvPr/>
+        </p:nvCxnSpPr>
+        <p:spPr>
+          <a:xfrm>
+            <a:off x="3715400" y="4242192"/>
+            <a:ext cx="541869" cy="793897"/>
+          </a:xfrm>
+          <a:prstGeom prst="line">
+            <a:avLst/>
+          </a:prstGeom>
+          <a:ln w="12700">
+            <a:solidFill>
+              <a:schemeClr val="tx1"/>
+            </a:solidFill>
+          </a:ln>
+        </p:spPr>
+        <p:style>
+          <a:lnRef idx="1">
+            <a:schemeClr val="accent1"/>
+          </a:lnRef>
+          <a:fillRef idx="0">
+            <a:schemeClr val="accent1"/>
+          </a:fillRef>
+          <a:effectRef idx="0">
+            <a:schemeClr val="accent1"/>
+          </a:effectRef>
+          <a:fontRef idx="minor">
+            <a:schemeClr val="tx1"/>
+          </a:fontRef>
+        </p:style>
+      </p:cxnSp>
+      <p:sp>
+        <p:nvSpPr>
+          <p:cNvPr id="29" name="テキスト ボックス 28">
+            <a:extLst>
+              <a:ext uri="{FF2B5EF4-FFF2-40B4-BE49-F238E27FC236}">
+                <a16:creationId xmlns:a16="http://schemas.microsoft.com/office/drawing/2014/main" id="{1F405E6E-6677-634C-885C-20B1664F7516}"/>
+              </a:ext>
+            </a:extLst>
+          </p:cNvPr>
+          <p:cNvSpPr txBox="1"/>
+          <p:nvPr/>
+        </p:nvSpPr>
+        <p:spPr>
+          <a:xfrm>
+            <a:off x="3456568" y="1986568"/>
+            <a:ext cx="4801314" cy="369332"/>
+          </a:xfrm>
+          <a:prstGeom prst="rect">
+            <a:avLst/>
+          </a:prstGeom>
+          <a:noFill/>
+        </p:spPr>
+        <p:txBody>
+          <a:bodyPr wrap="none" rtlCol="0">
+            <a:spAutoFit/>
+          </a:bodyPr>
+          <a:lstStyle/>
+          <a:p>
+            <a:r>
+              <a:rPr kumimoji="1" lang="ja-JP" altLang="en-US"/>
+              <a:t>とりあえず片方を試してみて、ダメなら戻る</a:t>
+            </a:r>
+            <a:endParaRPr kumimoji="1" lang="en-US" altLang="ja-JP"/>
+          </a:p>
+        </p:txBody>
+      </p:sp>
+      <p:pic>
+        <p:nvPicPr>
+          <p:cNvPr id="30" name="図 29">
+            <a:extLst>
+              <a:ext uri="{FF2B5EF4-FFF2-40B4-BE49-F238E27FC236}">
+                <a16:creationId xmlns:a16="http://schemas.microsoft.com/office/drawing/2014/main" id="{DCDFDE67-9B32-0347-B087-047877D0211C}"/>
+              </a:ext>
+            </a:extLst>
+          </p:cNvPr>
+          <p:cNvPicPr>
+            <a:picLocks noChangeAspect="1"/>
+          </p:cNvPicPr>
+          <p:nvPr/>
+        </p:nvPicPr>
+        <p:blipFill>
+          <a:blip r:embed="rId4"/>
+          <a:stretch>
+            <a:fillRect/>
+          </a:stretch>
+        </p:blipFill>
+        <p:spPr>
+          <a:xfrm>
+            <a:off x="453917" y="5085165"/>
+            <a:ext cx="405904" cy="405904"/>
+          </a:xfrm>
+          <a:prstGeom prst="rect">
+            <a:avLst/>
+          </a:prstGeom>
+        </p:spPr>
+      </p:pic>
+      <p:pic>
+        <p:nvPicPr>
+          <p:cNvPr id="31" name="図 30">
+            <a:extLst>
+              <a:ext uri="{FF2B5EF4-FFF2-40B4-BE49-F238E27FC236}">
+                <a16:creationId xmlns:a16="http://schemas.microsoft.com/office/drawing/2014/main" id="{BBEB7D17-E81E-3D43-B3C9-B08D783ADD57}"/>
+              </a:ext>
+            </a:extLst>
+          </p:cNvPr>
+          <p:cNvPicPr>
+            <a:picLocks noChangeAspect="1"/>
+          </p:cNvPicPr>
+          <p:nvPr/>
+        </p:nvPicPr>
+        <p:blipFill>
+          <a:blip r:embed="rId4"/>
+          <a:stretch>
+            <a:fillRect/>
+          </a:stretch>
+        </p:blipFill>
+        <p:spPr>
+          <a:xfrm>
+            <a:off x="1744237" y="5095325"/>
+            <a:ext cx="405904" cy="405904"/>
+          </a:xfrm>
+          <a:prstGeom prst="rect">
+            <a:avLst/>
+          </a:prstGeom>
+        </p:spPr>
+      </p:pic>
+      <p:pic>
+        <p:nvPicPr>
+          <p:cNvPr id="32" name="図 31">
+            <a:extLst>
+              <a:ext uri="{FF2B5EF4-FFF2-40B4-BE49-F238E27FC236}">
+                <a16:creationId xmlns:a16="http://schemas.microsoft.com/office/drawing/2014/main" id="{4069E247-5272-B34A-9D30-553A7FD1E33E}"/>
+              </a:ext>
+            </a:extLst>
+          </p:cNvPr>
+          <p:cNvPicPr>
+            <a:picLocks noChangeAspect="1"/>
+          </p:cNvPicPr>
+          <p:nvPr/>
+        </p:nvPicPr>
+        <p:blipFill>
+          <a:blip r:embed="rId4"/>
+          <a:stretch>
+            <a:fillRect/>
+          </a:stretch>
+        </p:blipFill>
+        <p:spPr>
+          <a:xfrm>
+            <a:off x="4060717" y="5105485"/>
+            <a:ext cx="405904" cy="405904"/>
+          </a:xfrm>
+          <a:prstGeom prst="rect">
+            <a:avLst/>
+          </a:prstGeom>
+        </p:spPr>
+      </p:pic>
+      <p:cxnSp>
+        <p:nvCxnSpPr>
+          <p:cNvPr id="35" name="直線矢印コネクタ 34">
+            <a:extLst>
+              <a:ext uri="{FF2B5EF4-FFF2-40B4-BE49-F238E27FC236}">
+                <a16:creationId xmlns:a16="http://schemas.microsoft.com/office/drawing/2014/main" id="{378B333F-1C5C-5D46-A768-B0819CBAB457}"/>
+              </a:ext>
+            </a:extLst>
+          </p:cNvPr>
+          <p:cNvCxnSpPr/>
+          <p:nvPr/>
+        </p:nvCxnSpPr>
+        <p:spPr>
+          <a:xfrm flipH="1">
+            <a:off x="1605280" y="3119120"/>
+            <a:ext cx="528320" cy="599440"/>
+          </a:xfrm>
+          <a:prstGeom prst="straightConnector1">
+            <a:avLst/>
+          </a:prstGeom>
+          <a:ln w="12700">
+            <a:solidFill>
+              <a:schemeClr val="tx1"/>
+            </a:solidFill>
+            <a:tailEnd type="triangle"/>
+          </a:ln>
+        </p:spPr>
+        <p:style>
+          <a:lnRef idx="1">
+            <a:schemeClr val="accent1"/>
+          </a:lnRef>
+          <a:fillRef idx="0">
+            <a:schemeClr val="accent1"/>
+          </a:fillRef>
+          <a:effectRef idx="0">
+            <a:schemeClr val="accent1"/>
+          </a:effectRef>
+          <a:fontRef idx="minor">
+            <a:schemeClr val="tx1"/>
+          </a:fontRef>
+        </p:style>
+      </p:cxnSp>
+      <p:cxnSp>
+        <p:nvCxnSpPr>
+          <p:cNvPr id="36" name="直線矢印コネクタ 35">
+            <a:extLst>
+              <a:ext uri="{FF2B5EF4-FFF2-40B4-BE49-F238E27FC236}">
+                <a16:creationId xmlns:a16="http://schemas.microsoft.com/office/drawing/2014/main" id="{20BF0554-98B3-AF48-9F06-8F54572F759D}"/>
+              </a:ext>
+            </a:extLst>
+          </p:cNvPr>
+          <p:cNvCxnSpPr/>
+          <p:nvPr/>
+        </p:nvCxnSpPr>
+        <p:spPr>
+          <a:xfrm flipH="1">
+            <a:off x="670560" y="4307840"/>
+            <a:ext cx="528320" cy="599440"/>
+          </a:xfrm>
+          <a:prstGeom prst="straightConnector1">
+            <a:avLst/>
+          </a:prstGeom>
+          <a:ln w="12700">
+            <a:solidFill>
+              <a:schemeClr val="tx1"/>
+            </a:solidFill>
+            <a:tailEnd type="triangle"/>
+          </a:ln>
+        </p:spPr>
+        <p:style>
+          <a:lnRef idx="1">
+            <a:schemeClr val="accent1"/>
+          </a:lnRef>
+          <a:fillRef idx="0">
+            <a:schemeClr val="accent1"/>
+          </a:fillRef>
+          <a:effectRef idx="0">
+            <a:schemeClr val="accent1"/>
+          </a:effectRef>
+          <a:fontRef idx="minor">
+            <a:schemeClr val="tx1"/>
+          </a:fontRef>
+        </p:style>
+      </p:cxnSp>
+      <p:cxnSp>
+        <p:nvCxnSpPr>
+          <p:cNvPr id="37" name="直線矢印コネクタ 36">
+            <a:extLst>
+              <a:ext uri="{FF2B5EF4-FFF2-40B4-BE49-F238E27FC236}">
+                <a16:creationId xmlns:a16="http://schemas.microsoft.com/office/drawing/2014/main" id="{8E1181CC-B92E-1C43-ADCE-30D901A7EDFB}"/>
+              </a:ext>
+            </a:extLst>
+          </p:cNvPr>
+          <p:cNvCxnSpPr>
+            <a:cxnSpLocks/>
+          </p:cNvCxnSpPr>
+          <p:nvPr/>
+        </p:nvCxnSpPr>
+        <p:spPr>
+          <a:xfrm flipV="1">
+            <a:off x="772160" y="4429760"/>
+            <a:ext cx="599440" cy="640080"/>
+          </a:xfrm>
+          <a:prstGeom prst="straightConnector1">
+            <a:avLst/>
+          </a:prstGeom>
+          <a:ln w="12700">
+            <a:solidFill>
+              <a:schemeClr val="tx1"/>
+            </a:solidFill>
+            <a:tailEnd type="triangle"/>
+          </a:ln>
+        </p:spPr>
+        <p:style>
+          <a:lnRef idx="1">
+            <a:schemeClr val="accent1"/>
+          </a:lnRef>
+          <a:fillRef idx="0">
+            <a:schemeClr val="accent1"/>
+          </a:fillRef>
+          <a:effectRef idx="0">
+            <a:schemeClr val="accent1"/>
+          </a:effectRef>
+          <a:fontRef idx="minor">
+            <a:schemeClr val="tx1"/>
+          </a:fontRef>
+        </p:style>
+      </p:cxnSp>
+      <p:cxnSp>
+        <p:nvCxnSpPr>
+          <p:cNvPr id="40" name="直線矢印コネクタ 39">
+            <a:extLst>
+              <a:ext uri="{FF2B5EF4-FFF2-40B4-BE49-F238E27FC236}">
+                <a16:creationId xmlns:a16="http://schemas.microsoft.com/office/drawing/2014/main" id="{DFEB2470-2378-2D4E-A271-B524361B3EA4}"/>
+              </a:ext>
+            </a:extLst>
+          </p:cNvPr>
+          <p:cNvCxnSpPr/>
+          <p:nvPr/>
+        </p:nvCxnSpPr>
+        <p:spPr>
+          <a:xfrm>
+            <a:off x="1666240" y="4409440"/>
+            <a:ext cx="152400" cy="640080"/>
+          </a:xfrm>
+          <a:prstGeom prst="straightConnector1">
+            <a:avLst/>
+          </a:prstGeom>
+          <a:ln w="12700">
+            <a:solidFill>
+              <a:schemeClr val="tx1"/>
+            </a:solidFill>
+            <a:tailEnd type="triangle"/>
+          </a:ln>
+        </p:spPr>
+        <p:style>
+          <a:lnRef idx="1">
+            <a:schemeClr val="accent1"/>
+          </a:lnRef>
+          <a:fillRef idx="0">
+            <a:schemeClr val="accent1"/>
+          </a:fillRef>
+          <a:effectRef idx="0">
+            <a:schemeClr val="accent1"/>
+          </a:effectRef>
+          <a:fontRef idx="minor">
+            <a:schemeClr val="tx1"/>
+          </a:fontRef>
+        </p:style>
+      </p:cxnSp>
+      <p:cxnSp>
+        <p:nvCxnSpPr>
+          <p:cNvPr id="42" name="直線矢印コネクタ 41">
+            <a:extLst>
+              <a:ext uri="{FF2B5EF4-FFF2-40B4-BE49-F238E27FC236}">
+                <a16:creationId xmlns:a16="http://schemas.microsoft.com/office/drawing/2014/main" id="{091B8DC5-3A62-094A-B29D-9EDB241F3D2F}"/>
+              </a:ext>
+            </a:extLst>
+          </p:cNvPr>
+          <p:cNvCxnSpPr/>
+          <p:nvPr/>
+        </p:nvCxnSpPr>
+        <p:spPr>
+          <a:xfrm flipH="1" flipV="1">
+            <a:off x="1869440" y="4287520"/>
+            <a:ext cx="172720" cy="660400"/>
+          </a:xfrm>
+          <a:prstGeom prst="straightConnector1">
+            <a:avLst/>
+          </a:prstGeom>
+          <a:ln w="12700">
+            <a:solidFill>
+              <a:schemeClr val="tx1"/>
+            </a:solidFill>
+            <a:tailEnd type="triangle"/>
+          </a:ln>
+        </p:spPr>
+        <p:style>
+          <a:lnRef idx="1">
+            <a:schemeClr val="accent1"/>
+          </a:lnRef>
+          <a:fillRef idx="0">
+            <a:schemeClr val="accent1"/>
+          </a:fillRef>
+          <a:effectRef idx="0">
+            <a:schemeClr val="accent1"/>
+          </a:effectRef>
+          <a:fontRef idx="minor">
+            <a:schemeClr val="tx1"/>
+          </a:fontRef>
+        </p:style>
+      </p:cxnSp>
+      <p:cxnSp>
+        <p:nvCxnSpPr>
+          <p:cNvPr id="43" name="直線矢印コネクタ 42">
+            <a:extLst>
+              <a:ext uri="{FF2B5EF4-FFF2-40B4-BE49-F238E27FC236}">
+                <a16:creationId xmlns:a16="http://schemas.microsoft.com/office/drawing/2014/main" id="{E2E991A0-08D9-3F47-A774-B82912940683}"/>
+              </a:ext>
+            </a:extLst>
+          </p:cNvPr>
+          <p:cNvCxnSpPr>
+            <a:cxnSpLocks/>
+          </p:cNvCxnSpPr>
+          <p:nvPr/>
+        </p:nvCxnSpPr>
+        <p:spPr>
+          <a:xfrm flipV="1">
+            <a:off x="1889760" y="3302000"/>
+            <a:ext cx="508000" cy="579120"/>
+          </a:xfrm>
+          <a:prstGeom prst="straightConnector1">
+            <a:avLst/>
+          </a:prstGeom>
+          <a:ln w="12700">
+            <a:solidFill>
+              <a:schemeClr val="tx1"/>
+            </a:solidFill>
+            <a:tailEnd type="triangle"/>
+          </a:ln>
+        </p:spPr>
+        <p:style>
+          <a:lnRef idx="1">
+            <a:schemeClr val="accent1"/>
+          </a:lnRef>
+          <a:fillRef idx="0">
+            <a:schemeClr val="accent1"/>
+          </a:fillRef>
+          <a:effectRef idx="0">
+            <a:schemeClr val="accent1"/>
+          </a:effectRef>
+          <a:fontRef idx="minor">
+            <a:schemeClr val="tx1"/>
+          </a:fontRef>
+        </p:style>
+      </p:cxnSp>
+      <p:cxnSp>
+        <p:nvCxnSpPr>
+          <p:cNvPr id="46" name="直線矢印コネクタ 45">
+            <a:extLst>
+              <a:ext uri="{FF2B5EF4-FFF2-40B4-BE49-F238E27FC236}">
+                <a16:creationId xmlns:a16="http://schemas.microsoft.com/office/drawing/2014/main" id="{EF73F228-C2C8-E047-B4BB-2CAE2194B243}"/>
+              </a:ext>
+            </a:extLst>
+          </p:cNvPr>
+          <p:cNvCxnSpPr/>
+          <p:nvPr/>
+        </p:nvCxnSpPr>
+        <p:spPr>
+          <a:xfrm>
+            <a:off x="2682240" y="3342640"/>
+            <a:ext cx="467360" cy="518160"/>
+          </a:xfrm>
+          <a:prstGeom prst="straightConnector1">
+            <a:avLst/>
+          </a:prstGeom>
+          <a:ln w="12700">
+            <a:solidFill>
+              <a:schemeClr val="tx1"/>
+            </a:solidFill>
+            <a:tailEnd type="triangle"/>
+          </a:ln>
+        </p:spPr>
+        <p:style>
+          <a:lnRef idx="1">
+            <a:schemeClr val="accent1"/>
+          </a:lnRef>
+          <a:fillRef idx="0">
+            <a:schemeClr val="accent1"/>
+          </a:fillRef>
+          <a:effectRef idx="0">
+            <a:schemeClr val="accent1"/>
+          </a:effectRef>
+          <a:fontRef idx="minor">
+            <a:schemeClr val="tx1"/>
+          </a:fontRef>
+        </p:style>
+      </p:cxnSp>
+      <p:cxnSp>
+        <p:nvCxnSpPr>
+          <p:cNvPr id="48" name="直線矢印コネクタ 47">
+            <a:extLst>
+              <a:ext uri="{FF2B5EF4-FFF2-40B4-BE49-F238E27FC236}">
+                <a16:creationId xmlns:a16="http://schemas.microsoft.com/office/drawing/2014/main" id="{9E04DDD2-315B-954A-9912-7349BEAB3FB0}"/>
+              </a:ext>
+            </a:extLst>
+          </p:cNvPr>
+          <p:cNvCxnSpPr/>
+          <p:nvPr/>
+        </p:nvCxnSpPr>
+        <p:spPr>
+          <a:xfrm flipH="1">
+            <a:off x="2804160" y="4348480"/>
+            <a:ext cx="365760" cy="670560"/>
+          </a:xfrm>
+          <a:prstGeom prst="straightConnector1">
+            <a:avLst/>
+          </a:prstGeom>
+          <a:ln w="12700">
+            <a:solidFill>
+              <a:schemeClr val="tx1"/>
+            </a:solidFill>
+            <a:tailEnd type="triangle"/>
+          </a:ln>
+        </p:spPr>
+        <p:style>
+          <a:lnRef idx="1">
+            <a:schemeClr val="accent1"/>
+          </a:lnRef>
+          <a:fillRef idx="0">
+            <a:schemeClr val="accent1"/>
+          </a:fillRef>
+          <a:effectRef idx="0">
+            <a:schemeClr val="accent1"/>
+          </a:effectRef>
+          <a:fontRef idx="minor">
+            <a:schemeClr val="tx1"/>
+          </a:fontRef>
+        </p:style>
+      </p:cxnSp>
+      <p:sp>
+        <p:nvSpPr>
+          <p:cNvPr id="49" name="テキスト ボックス 48">
+            <a:extLst>
+              <a:ext uri="{FF2B5EF4-FFF2-40B4-BE49-F238E27FC236}">
+                <a16:creationId xmlns:a16="http://schemas.microsoft.com/office/drawing/2014/main" id="{385A8A19-DC05-5E4F-AE8E-94D33D8392C4}"/>
+              </a:ext>
+            </a:extLst>
+          </p:cNvPr>
+          <p:cNvSpPr txBox="1"/>
+          <p:nvPr/>
+        </p:nvSpPr>
+        <p:spPr>
+          <a:xfrm>
+            <a:off x="1605280" y="3129280"/>
+            <a:ext cx="301686" cy="369332"/>
+          </a:xfrm>
+          <a:prstGeom prst="rect">
+            <a:avLst/>
+          </a:prstGeom>
+          <a:noFill/>
+        </p:spPr>
+        <p:txBody>
+          <a:bodyPr wrap="none" rtlCol="0">
+            <a:spAutoFit/>
+          </a:bodyPr>
+          <a:lstStyle/>
+          <a:p>
+            <a:r>
+              <a:rPr kumimoji="1" lang="en-US" altLang="ja-JP"/>
+              <a:t>1</a:t>
+            </a:r>
+            <a:endParaRPr kumimoji="1" lang="ja-JP" altLang="en-US"/>
+          </a:p>
+        </p:txBody>
+      </p:sp>
+      <p:sp>
+        <p:nvSpPr>
+          <p:cNvPr id="50" name="テキスト ボックス 49">
+            <a:extLst>
+              <a:ext uri="{FF2B5EF4-FFF2-40B4-BE49-F238E27FC236}">
+                <a16:creationId xmlns:a16="http://schemas.microsoft.com/office/drawing/2014/main" id="{64D3A30F-2E36-A443-9F57-1B797ACB3260}"/>
+              </a:ext>
+            </a:extLst>
+          </p:cNvPr>
+          <p:cNvSpPr txBox="1"/>
+          <p:nvPr/>
+        </p:nvSpPr>
+        <p:spPr>
+          <a:xfrm>
+            <a:off x="701040" y="4267200"/>
+            <a:ext cx="301686" cy="369332"/>
+          </a:xfrm>
+          <a:prstGeom prst="rect">
+            <a:avLst/>
+          </a:prstGeom>
+          <a:noFill/>
+        </p:spPr>
+        <p:txBody>
+          <a:bodyPr wrap="none" rtlCol="0">
+            <a:spAutoFit/>
+          </a:bodyPr>
+          <a:lstStyle/>
+          <a:p>
+            <a:r>
+              <a:rPr kumimoji="1" lang="en-US" altLang="ja-JP"/>
+              <a:t>2</a:t>
+            </a:r>
+            <a:endParaRPr kumimoji="1" lang="ja-JP" altLang="en-US"/>
+          </a:p>
+        </p:txBody>
+      </p:sp>
+      <p:sp>
+        <p:nvSpPr>
+          <p:cNvPr id="51" name="テキスト ボックス 50">
+            <a:extLst>
+              <a:ext uri="{FF2B5EF4-FFF2-40B4-BE49-F238E27FC236}">
+                <a16:creationId xmlns:a16="http://schemas.microsoft.com/office/drawing/2014/main" id="{F917014B-17A1-7542-A968-8F2A93F286E5}"/>
+              </a:ext>
+            </a:extLst>
+          </p:cNvPr>
+          <p:cNvSpPr txBox="1"/>
+          <p:nvPr/>
+        </p:nvSpPr>
+        <p:spPr>
+          <a:xfrm>
+            <a:off x="965200" y="4714240"/>
+            <a:ext cx="301686" cy="369332"/>
+          </a:xfrm>
+          <a:prstGeom prst="rect">
+            <a:avLst/>
+          </a:prstGeom>
+          <a:noFill/>
+        </p:spPr>
+        <p:txBody>
+          <a:bodyPr wrap="none" rtlCol="0">
+            <a:spAutoFit/>
+          </a:bodyPr>
+          <a:lstStyle/>
+          <a:p>
+            <a:r>
+              <a:rPr kumimoji="1" lang="en-US" altLang="ja-JP"/>
+              <a:t>3</a:t>
+            </a:r>
+            <a:endParaRPr kumimoji="1" lang="ja-JP" altLang="en-US"/>
+          </a:p>
+        </p:txBody>
+      </p:sp>
+      <p:sp>
+        <p:nvSpPr>
+          <p:cNvPr id="52" name="テキスト ボックス 51">
+            <a:extLst>
+              <a:ext uri="{FF2B5EF4-FFF2-40B4-BE49-F238E27FC236}">
+                <a16:creationId xmlns:a16="http://schemas.microsoft.com/office/drawing/2014/main" id="{605B4530-2D57-3342-A3A7-B528F654F99C}"/>
+              </a:ext>
+            </a:extLst>
+          </p:cNvPr>
+          <p:cNvSpPr txBox="1"/>
+          <p:nvPr/>
+        </p:nvSpPr>
+        <p:spPr>
+          <a:xfrm>
+            <a:off x="1483360" y="4653280"/>
+            <a:ext cx="301686" cy="369332"/>
+          </a:xfrm>
+          <a:prstGeom prst="rect">
+            <a:avLst/>
+          </a:prstGeom>
+          <a:noFill/>
+        </p:spPr>
+        <p:txBody>
+          <a:bodyPr wrap="none" rtlCol="0">
+            <a:spAutoFit/>
+          </a:bodyPr>
+          <a:lstStyle/>
+          <a:p>
+            <a:r>
+              <a:rPr kumimoji="1" lang="en-US" altLang="ja-JP"/>
+              <a:t>4</a:t>
+            </a:r>
+            <a:endParaRPr kumimoji="1" lang="ja-JP" altLang="en-US"/>
+          </a:p>
+        </p:txBody>
+      </p:sp>
+      <p:sp>
+        <p:nvSpPr>
+          <p:cNvPr id="53" name="テキスト ボックス 52">
+            <a:extLst>
+              <a:ext uri="{FF2B5EF4-FFF2-40B4-BE49-F238E27FC236}">
+                <a16:creationId xmlns:a16="http://schemas.microsoft.com/office/drawing/2014/main" id="{47B90126-7611-E944-8907-46AF7AFD2800}"/>
+              </a:ext>
+            </a:extLst>
+          </p:cNvPr>
+          <p:cNvSpPr txBox="1"/>
+          <p:nvPr/>
+        </p:nvSpPr>
+        <p:spPr>
+          <a:xfrm>
+            <a:off x="2072640" y="3535680"/>
+            <a:ext cx="301686" cy="369332"/>
+          </a:xfrm>
+          <a:prstGeom prst="rect">
+            <a:avLst/>
+          </a:prstGeom>
+          <a:noFill/>
+        </p:spPr>
+        <p:txBody>
+          <a:bodyPr wrap="none" rtlCol="0">
+            <a:spAutoFit/>
+          </a:bodyPr>
+          <a:lstStyle/>
+          <a:p>
+            <a:r>
+              <a:rPr kumimoji="1" lang="en-US" altLang="ja-JP"/>
+              <a:t>5</a:t>
+            </a:r>
+            <a:endParaRPr kumimoji="1" lang="ja-JP" altLang="en-US"/>
+          </a:p>
+        </p:txBody>
+      </p:sp>
+      <p:sp>
+        <p:nvSpPr>
+          <p:cNvPr id="54" name="テキスト ボックス 53">
+            <a:extLst>
+              <a:ext uri="{FF2B5EF4-FFF2-40B4-BE49-F238E27FC236}">
+                <a16:creationId xmlns:a16="http://schemas.microsoft.com/office/drawing/2014/main" id="{A654C8F0-B1AD-1646-B182-4749BE4486D7}"/>
+              </a:ext>
+            </a:extLst>
+          </p:cNvPr>
+          <p:cNvSpPr txBox="1"/>
+          <p:nvPr/>
+        </p:nvSpPr>
+        <p:spPr>
+          <a:xfrm>
+            <a:off x="1950720" y="274320"/>
+            <a:ext cx="4852610" cy="954107"/>
+          </a:xfrm>
+          <a:prstGeom prst="rect">
+            <a:avLst/>
+          </a:prstGeom>
+          <a:noFill/>
+        </p:spPr>
+        <p:txBody>
+          <a:bodyPr wrap="none" rtlCol="0">
+            <a:spAutoFit/>
+          </a:bodyPr>
+          <a:lstStyle/>
+          <a:p>
+            <a:pPr algn="ctr"/>
+            <a:r>
+              <a:rPr kumimoji="1" lang="ja-JP" altLang="en-US" sz="2800"/>
+              <a:t>バックトラックアルゴリズム</a:t>
+            </a:r>
+            <a:endParaRPr kumimoji="1" lang="en-US" altLang="ja-JP" sz="2800"/>
+          </a:p>
+          <a:p>
+            <a:pPr algn="ctr"/>
+            <a:r>
+              <a:rPr lang="en-US" altLang="ja-JP" sz="2800"/>
+              <a:t>(Backtracking)</a:t>
+            </a:r>
+            <a:endParaRPr kumimoji="1" lang="ja-JP" altLang="en-US" sz="2800"/>
+          </a:p>
+        </p:txBody>
+      </p:sp>
+      <p:sp>
+        <p:nvSpPr>
+          <p:cNvPr id="55" name="テキスト ボックス 54">
+            <a:extLst>
+              <a:ext uri="{FF2B5EF4-FFF2-40B4-BE49-F238E27FC236}">
+                <a16:creationId xmlns:a16="http://schemas.microsoft.com/office/drawing/2014/main" id="{A8E3AE91-9079-2249-8824-2CF6BE18DC53}"/>
+              </a:ext>
+            </a:extLst>
+          </p:cNvPr>
+          <p:cNvSpPr txBox="1"/>
+          <p:nvPr/>
+        </p:nvSpPr>
+        <p:spPr>
+          <a:xfrm>
+            <a:off x="2661920" y="3545840"/>
+            <a:ext cx="301686" cy="369332"/>
+          </a:xfrm>
+          <a:prstGeom prst="rect">
+            <a:avLst/>
+          </a:prstGeom>
+          <a:noFill/>
+        </p:spPr>
+        <p:txBody>
+          <a:bodyPr wrap="none" rtlCol="0">
+            <a:spAutoFit/>
+          </a:bodyPr>
+          <a:lstStyle/>
+          <a:p>
+            <a:r>
+              <a:rPr kumimoji="1" lang="en-US" altLang="ja-JP"/>
+              <a:t>6</a:t>
+            </a:r>
+            <a:endParaRPr kumimoji="1" lang="ja-JP" altLang="en-US"/>
+          </a:p>
+        </p:txBody>
+      </p:sp>
+      <p:sp>
+        <p:nvSpPr>
+          <p:cNvPr id="56" name="テキスト ボックス 55">
+            <a:extLst>
+              <a:ext uri="{FF2B5EF4-FFF2-40B4-BE49-F238E27FC236}">
+                <a16:creationId xmlns:a16="http://schemas.microsoft.com/office/drawing/2014/main" id="{A208EC6A-5B3B-794E-B15F-A32B042DA36A}"/>
+              </a:ext>
+            </a:extLst>
+          </p:cNvPr>
+          <p:cNvSpPr txBox="1"/>
+          <p:nvPr/>
+        </p:nvSpPr>
+        <p:spPr>
+          <a:xfrm>
+            <a:off x="2743200" y="4419600"/>
+            <a:ext cx="301686" cy="369332"/>
+          </a:xfrm>
+          <a:prstGeom prst="rect">
+            <a:avLst/>
+          </a:prstGeom>
+          <a:noFill/>
+        </p:spPr>
+        <p:txBody>
+          <a:bodyPr wrap="none" rtlCol="0">
+            <a:spAutoFit/>
+          </a:bodyPr>
+          <a:lstStyle/>
+          <a:p>
+            <a:r>
+              <a:rPr kumimoji="1" lang="en-US" altLang="ja-JP"/>
+              <a:t>7</a:t>
+            </a:r>
+            <a:endParaRPr kumimoji="1" lang="ja-JP" altLang="en-US"/>
+          </a:p>
+        </p:txBody>
+      </p:sp>
+      <p:pic>
+        <p:nvPicPr>
+          <p:cNvPr id="57" name="図 56">
+            <a:extLst>
+              <a:ext uri="{FF2B5EF4-FFF2-40B4-BE49-F238E27FC236}">
+                <a16:creationId xmlns:a16="http://schemas.microsoft.com/office/drawing/2014/main" id="{2BCD9951-3A07-E94E-984B-D3BFCF8AF01D}"/>
+              </a:ext>
+            </a:extLst>
+          </p:cNvPr>
+          <p:cNvPicPr>
+            <a:picLocks noChangeAspect="1"/>
+          </p:cNvPicPr>
+          <p:nvPr/>
+        </p:nvPicPr>
+        <p:blipFill>
+          <a:blip r:embed="rId5"/>
+          <a:stretch>
+            <a:fillRect/>
+          </a:stretch>
+        </p:blipFill>
+        <p:spPr>
+          <a:xfrm>
+            <a:off x="5490210" y="2794000"/>
+            <a:ext cx="2188873" cy="1974850"/>
+          </a:xfrm>
+          <a:prstGeom prst="rect">
+            <a:avLst/>
+          </a:prstGeom>
+        </p:spPr>
+      </p:pic>
+      <p:sp>
+        <p:nvSpPr>
+          <p:cNvPr id="58" name="テキスト ボックス 57">
+            <a:extLst>
+              <a:ext uri="{FF2B5EF4-FFF2-40B4-BE49-F238E27FC236}">
+                <a16:creationId xmlns:a16="http://schemas.microsoft.com/office/drawing/2014/main" id="{01A1995E-DF40-7944-A80C-20D31C3E8846}"/>
+              </a:ext>
+            </a:extLst>
+          </p:cNvPr>
+          <p:cNvSpPr txBox="1"/>
+          <p:nvPr/>
+        </p:nvSpPr>
+        <p:spPr>
+          <a:xfrm>
+            <a:off x="4826000" y="4673600"/>
+            <a:ext cx="4108817" cy="369332"/>
+          </a:xfrm>
+          <a:prstGeom prst="rect">
+            <a:avLst/>
+          </a:prstGeom>
+          <a:noFill/>
+        </p:spPr>
+        <p:txBody>
+          <a:bodyPr wrap="none" rtlCol="0">
+            <a:spAutoFit/>
+          </a:bodyPr>
+          <a:lstStyle/>
+          <a:p>
+            <a:r>
+              <a:rPr kumimoji="1" lang="ja-JP" altLang="en-US"/>
+              <a:t>将棋や囲碁の思考ルーチンに使われる</a:t>
+            </a:r>
+          </a:p>
+        </p:txBody>
+      </p:sp>
+    </p:spTree>
+    <p:extLst>
+      <p:ext uri="{BB962C8B-B14F-4D97-AF65-F5344CB8AC3E}">
+        <p14:creationId xmlns:p14="http://schemas.microsoft.com/office/powerpoint/2010/main" val="2998283788"/>
+      </p:ext>
+    </p:extLst>
+  </p:cSld>
+  <p:clrMapOvr>
+    <a:masterClrMapping/>
+  </p:clrMapOvr>
+</p:sld>
+</file>
+
+<file path=ppt/slides/slide6.xml><?xml version="1.0" encoding="utf-8"?>
+<p:sld xmlns:a="http://schemas.openxmlformats.org/drawingml/2006/main" xmlns:r="http://schemas.openxmlformats.org/officeDocument/2006/relationships" xmlns:p="http://schemas.openxmlformats.org/presentationml/2006/main">
+  <p:cSld>
+    <p:spTree>
+      <p:nvGrpSpPr>
+        <p:cNvPr id="1" name=""/>
+        <p:cNvGrpSpPr/>
+        <p:nvPr/>
+      </p:nvGrpSpPr>
+      <p:grpSpPr>
+        <a:xfrm>
+          <a:off x="0" y="0"/>
+          <a:ext cx="0" cy="0"/>
+          <a:chOff x="0" y="0"/>
+          <a:chExt cx="0" cy="0"/>
+        </a:xfrm>
+      </p:grpSpPr>
+      <p:sp>
+        <p:nvSpPr>
+          <p:cNvPr id="31" name="正方形/長方形 30">
+            <a:extLst>
+              <a:ext uri="{FF2B5EF4-FFF2-40B4-BE49-F238E27FC236}">
+                <a16:creationId xmlns:a16="http://schemas.microsoft.com/office/drawing/2014/main" id="{5F4DE653-1543-154C-BCE3-4123097C79F3}"/>
+              </a:ext>
+            </a:extLst>
+          </p:cNvPr>
+          <p:cNvSpPr/>
+          <p:nvPr/>
+        </p:nvSpPr>
+        <p:spPr>
+          <a:xfrm>
+            <a:off x="323528" y="519877"/>
+            <a:ext cx="547261" cy="547261"/>
+          </a:xfrm>
+          <a:prstGeom prst="rect">
+            <a:avLst/>
+          </a:prstGeom>
+          <a:solidFill>
+            <a:schemeClr val="bg1">
+              <a:lumMod val="50000"/>
+            </a:schemeClr>
+          </a:solidFill>
+          <a:ln w="38100">
+            <a:solidFill>
+              <a:schemeClr val="accent1">
+                <a:lumMod val="40000"/>
+                <a:lumOff val="60000"/>
+              </a:schemeClr>
+            </a:solidFill>
+          </a:ln>
+        </p:spPr>
+        <p:style>
+          <a:lnRef idx="2">
+            <a:schemeClr val="accent1">
+              <a:shade val="50000"/>
+            </a:schemeClr>
+          </a:lnRef>
+          <a:fillRef idx="1">
+            <a:schemeClr val="accent1"/>
+          </a:fillRef>
+          <a:effectRef idx="0">
+            <a:schemeClr val="accent1"/>
+          </a:effectRef>
+          <a:fontRef idx="minor">
+            <a:schemeClr val="lt1"/>
+          </a:fontRef>
+        </p:style>
+        <p:txBody>
+          <a:bodyPr rtlCol="0" anchor="ctr"/>
+          <a:lstStyle/>
+          <a:p>
+            <a:pPr algn="ctr"/>
+            <a:endParaRPr kumimoji="1" lang="ja-JP" altLang="en-US"/>
+          </a:p>
+        </p:txBody>
+      </p:sp>
+      <p:sp>
+        <p:nvSpPr>
+          <p:cNvPr id="32" name="正方形/長方形 31">
+            <a:extLst>
+              <a:ext uri="{FF2B5EF4-FFF2-40B4-BE49-F238E27FC236}">
+                <a16:creationId xmlns:a16="http://schemas.microsoft.com/office/drawing/2014/main" id="{0D06D3E1-3B81-9D44-9663-9761DEF8DEFA}"/>
+              </a:ext>
+            </a:extLst>
+          </p:cNvPr>
+          <p:cNvSpPr/>
+          <p:nvPr/>
+        </p:nvSpPr>
+        <p:spPr>
+          <a:xfrm>
+            <a:off x="323528" y="1067138"/>
+            <a:ext cx="547261" cy="547261"/>
+          </a:xfrm>
+          <a:prstGeom prst="rect">
+            <a:avLst/>
+          </a:prstGeom>
+          <a:solidFill>
+            <a:schemeClr val="bg1">
+              <a:lumMod val="50000"/>
+            </a:schemeClr>
+          </a:solidFill>
+          <a:ln w="38100">
+            <a:solidFill>
+              <a:schemeClr val="accent1">
+                <a:lumMod val="40000"/>
+                <a:lumOff val="60000"/>
+              </a:schemeClr>
+            </a:solidFill>
+          </a:ln>
+        </p:spPr>
+        <p:style>
+          <a:lnRef idx="2">
+            <a:schemeClr val="accent1">
+              <a:shade val="50000"/>
+            </a:schemeClr>
+          </a:lnRef>
+          <a:fillRef idx="1">
+            <a:schemeClr val="accent1"/>
+          </a:fillRef>
+          <a:effectRef idx="0">
+            <a:schemeClr val="accent1"/>
+          </a:effectRef>
+          <a:fontRef idx="minor">
+            <a:schemeClr val="lt1"/>
+          </a:fontRef>
+        </p:style>
+        <p:txBody>
+          <a:bodyPr rtlCol="0" anchor="ctr"/>
+          <a:lstStyle/>
+          <a:p>
+            <a:pPr algn="ctr"/>
+            <a:endParaRPr kumimoji="1" lang="ja-JP" altLang="en-US"/>
+          </a:p>
+        </p:txBody>
+      </p:sp>
+      <p:sp>
+        <p:nvSpPr>
+          <p:cNvPr id="33" name="正方形/長方形 32">
+            <a:extLst>
+              <a:ext uri="{FF2B5EF4-FFF2-40B4-BE49-F238E27FC236}">
+                <a16:creationId xmlns:a16="http://schemas.microsoft.com/office/drawing/2014/main" id="{F4C868C5-5358-DE48-B317-8B2BCCF3BBA5}"/>
+              </a:ext>
+            </a:extLst>
+          </p:cNvPr>
+          <p:cNvSpPr/>
+          <p:nvPr/>
+        </p:nvSpPr>
+        <p:spPr>
+          <a:xfrm>
+            <a:off x="323528" y="1614399"/>
+            <a:ext cx="547261" cy="547261"/>
+          </a:xfrm>
+          <a:prstGeom prst="rect">
+            <a:avLst/>
+          </a:prstGeom>
+          <a:solidFill>
+            <a:schemeClr val="bg1">
+              <a:lumMod val="50000"/>
+            </a:schemeClr>
+          </a:solidFill>
+          <a:ln w="38100">
+            <a:solidFill>
+              <a:schemeClr val="accent1">
+                <a:lumMod val="40000"/>
+                <a:lumOff val="60000"/>
+              </a:schemeClr>
+            </a:solidFill>
+          </a:ln>
+        </p:spPr>
+        <p:style>
+          <a:lnRef idx="2">
+            <a:schemeClr val="accent1">
+              <a:shade val="50000"/>
+            </a:schemeClr>
+          </a:lnRef>
+          <a:fillRef idx="1">
+            <a:schemeClr val="accent1"/>
+          </a:fillRef>
+          <a:effectRef idx="0">
+            <a:schemeClr val="accent1"/>
+          </a:effectRef>
+          <a:fontRef idx="minor">
+            <a:schemeClr val="lt1"/>
+          </a:fontRef>
+        </p:style>
+        <p:txBody>
+          <a:bodyPr rtlCol="0" anchor="ctr"/>
+          <a:lstStyle/>
+          <a:p>
+            <a:pPr algn="ctr"/>
+            <a:endParaRPr kumimoji="1" lang="ja-JP" altLang="en-US"/>
+          </a:p>
+        </p:txBody>
+      </p:sp>
+      <p:sp>
+        <p:nvSpPr>
+          <p:cNvPr id="34" name="正方形/長方形 33">
+            <a:extLst>
+              <a:ext uri="{FF2B5EF4-FFF2-40B4-BE49-F238E27FC236}">
+                <a16:creationId xmlns:a16="http://schemas.microsoft.com/office/drawing/2014/main" id="{8D417698-2E5C-B346-A6F2-13E7BA19A756}"/>
+              </a:ext>
+            </a:extLst>
+          </p:cNvPr>
+          <p:cNvSpPr/>
+          <p:nvPr/>
+        </p:nvSpPr>
+        <p:spPr>
+          <a:xfrm>
+            <a:off x="323528" y="2161659"/>
+            <a:ext cx="547261" cy="547261"/>
+          </a:xfrm>
+          <a:prstGeom prst="rect">
+            <a:avLst/>
+          </a:prstGeom>
+          <a:solidFill>
+            <a:schemeClr val="bg1">
+              <a:lumMod val="50000"/>
+            </a:schemeClr>
+          </a:solidFill>
+          <a:ln w="38100">
+            <a:solidFill>
+              <a:schemeClr val="accent1">
+                <a:lumMod val="40000"/>
+                <a:lumOff val="60000"/>
+              </a:schemeClr>
+            </a:solidFill>
+          </a:ln>
+        </p:spPr>
+        <p:style>
+          <a:lnRef idx="2">
+            <a:schemeClr val="accent1">
+              <a:shade val="50000"/>
+            </a:schemeClr>
+          </a:lnRef>
+          <a:fillRef idx="1">
+            <a:schemeClr val="accent1"/>
+          </a:fillRef>
+          <a:effectRef idx="0">
+            <a:schemeClr val="accent1"/>
+          </a:effectRef>
+          <a:fontRef idx="minor">
+            <a:schemeClr val="lt1"/>
+          </a:fontRef>
+        </p:style>
+        <p:txBody>
+          <a:bodyPr rtlCol="0" anchor="ctr"/>
+          <a:lstStyle/>
+          <a:p>
+            <a:pPr algn="ctr"/>
+            <a:endParaRPr kumimoji="1" lang="ja-JP" altLang="en-US"/>
+          </a:p>
+        </p:txBody>
+      </p:sp>
+      <p:sp>
+        <p:nvSpPr>
+          <p:cNvPr id="36" name="正方形/長方形 35">
+            <a:extLst>
+              <a:ext uri="{FF2B5EF4-FFF2-40B4-BE49-F238E27FC236}">
+                <a16:creationId xmlns:a16="http://schemas.microsoft.com/office/drawing/2014/main" id="{38F172AF-F59A-124D-8EDD-915D961145B8}"/>
+              </a:ext>
+            </a:extLst>
+          </p:cNvPr>
+          <p:cNvSpPr/>
+          <p:nvPr/>
+        </p:nvSpPr>
+        <p:spPr>
+          <a:xfrm>
+            <a:off x="870789" y="519877"/>
+            <a:ext cx="547261" cy="547261"/>
+          </a:xfrm>
+          <a:prstGeom prst="rect">
+            <a:avLst/>
+          </a:prstGeom>
+          <a:solidFill>
+            <a:schemeClr val="bg1"/>
+          </a:solidFill>
+          <a:ln w="38100">
+            <a:solidFill>
+              <a:schemeClr val="accent1">
+                <a:lumMod val="40000"/>
+                <a:lumOff val="60000"/>
+              </a:schemeClr>
+            </a:solidFill>
+          </a:ln>
+        </p:spPr>
+        <p:style>
+          <a:lnRef idx="2">
+            <a:schemeClr val="accent1">
+              <a:shade val="50000"/>
+            </a:schemeClr>
+          </a:lnRef>
+          <a:fillRef idx="1">
+            <a:schemeClr val="accent1"/>
+          </a:fillRef>
+          <a:effectRef idx="0">
+            <a:schemeClr val="accent1"/>
+          </a:effectRef>
+          <a:fontRef idx="minor">
+            <a:schemeClr val="lt1"/>
+          </a:fontRef>
+        </p:style>
+        <p:txBody>
+          <a:bodyPr rtlCol="0" anchor="ctr"/>
+          <a:lstStyle/>
+          <a:p>
+            <a:pPr algn="ctr"/>
+            <a:endParaRPr kumimoji="1" lang="ja-JP" altLang="en-US"/>
+          </a:p>
+        </p:txBody>
+      </p:sp>
+      <p:sp>
+        <p:nvSpPr>
+          <p:cNvPr id="37" name="正方形/長方形 36">
+            <a:extLst>
+              <a:ext uri="{FF2B5EF4-FFF2-40B4-BE49-F238E27FC236}">
+                <a16:creationId xmlns:a16="http://schemas.microsoft.com/office/drawing/2014/main" id="{6DF7D198-1E91-C14D-AF3C-A1B29D404FDF}"/>
+              </a:ext>
+            </a:extLst>
+          </p:cNvPr>
+          <p:cNvSpPr/>
+          <p:nvPr/>
+        </p:nvSpPr>
+        <p:spPr>
+          <a:xfrm>
+            <a:off x="870789" y="1067138"/>
+            <a:ext cx="547261" cy="547261"/>
+          </a:xfrm>
+          <a:prstGeom prst="rect">
+            <a:avLst/>
+          </a:prstGeom>
+          <a:solidFill>
+            <a:schemeClr val="bg1"/>
+          </a:solidFill>
+          <a:ln w="38100">
+            <a:solidFill>
+              <a:schemeClr val="accent1">
+                <a:lumMod val="40000"/>
+                <a:lumOff val="60000"/>
+              </a:schemeClr>
+            </a:solidFill>
+          </a:ln>
+        </p:spPr>
+        <p:style>
+          <a:lnRef idx="2">
+            <a:schemeClr val="accent1">
+              <a:shade val="50000"/>
+            </a:schemeClr>
+          </a:lnRef>
+          <a:fillRef idx="1">
+            <a:schemeClr val="accent1"/>
+          </a:fillRef>
+          <a:effectRef idx="0">
+            <a:schemeClr val="accent1"/>
+          </a:effectRef>
+          <a:fontRef idx="minor">
+            <a:schemeClr val="lt1"/>
+          </a:fontRef>
+        </p:style>
+        <p:txBody>
+          <a:bodyPr rtlCol="0" anchor="ctr"/>
+          <a:lstStyle/>
+          <a:p>
+            <a:pPr algn="ctr"/>
+            <a:endParaRPr kumimoji="1" lang="ja-JP" altLang="en-US"/>
+          </a:p>
+        </p:txBody>
+      </p:sp>
+      <p:sp>
+        <p:nvSpPr>
+          <p:cNvPr id="38" name="正方形/長方形 37">
+            <a:extLst>
+              <a:ext uri="{FF2B5EF4-FFF2-40B4-BE49-F238E27FC236}">
+                <a16:creationId xmlns:a16="http://schemas.microsoft.com/office/drawing/2014/main" id="{A9068916-46F2-624C-9DB4-920F73E664A2}"/>
+              </a:ext>
+            </a:extLst>
+          </p:cNvPr>
+          <p:cNvSpPr/>
+          <p:nvPr/>
+        </p:nvSpPr>
+        <p:spPr>
+          <a:xfrm>
+            <a:off x="870789" y="1614399"/>
+            <a:ext cx="547261" cy="547261"/>
+          </a:xfrm>
+          <a:prstGeom prst="rect">
+            <a:avLst/>
+          </a:prstGeom>
+          <a:solidFill>
+            <a:schemeClr val="bg1"/>
+          </a:solidFill>
+          <a:ln w="38100">
+            <a:solidFill>
+              <a:schemeClr val="accent1">
+                <a:lumMod val="40000"/>
+                <a:lumOff val="60000"/>
+              </a:schemeClr>
+            </a:solidFill>
+          </a:ln>
+        </p:spPr>
+        <p:style>
+          <a:lnRef idx="2">
+            <a:schemeClr val="accent1">
+              <a:shade val="50000"/>
+            </a:schemeClr>
+          </a:lnRef>
+          <a:fillRef idx="1">
+            <a:schemeClr val="accent1"/>
+          </a:fillRef>
+          <a:effectRef idx="0">
+            <a:schemeClr val="accent1"/>
+          </a:effectRef>
+          <a:fontRef idx="minor">
+            <a:schemeClr val="lt1"/>
+          </a:fontRef>
+        </p:style>
+        <p:txBody>
+          <a:bodyPr rtlCol="0" anchor="ctr"/>
+          <a:lstStyle/>
+          <a:p>
+            <a:pPr algn="ctr"/>
+            <a:endParaRPr kumimoji="1" lang="ja-JP" altLang="en-US"/>
+          </a:p>
+        </p:txBody>
+      </p:sp>
+      <p:sp>
+        <p:nvSpPr>
+          <p:cNvPr id="39" name="正方形/長方形 38">
+            <a:extLst>
+              <a:ext uri="{FF2B5EF4-FFF2-40B4-BE49-F238E27FC236}">
+                <a16:creationId xmlns:a16="http://schemas.microsoft.com/office/drawing/2014/main" id="{AE903DEE-F1BE-A847-9B57-CDABBA71E521}"/>
+              </a:ext>
+            </a:extLst>
+          </p:cNvPr>
+          <p:cNvSpPr/>
+          <p:nvPr/>
+        </p:nvSpPr>
+        <p:spPr>
+          <a:xfrm>
+            <a:off x="870789" y="2161659"/>
+            <a:ext cx="547261" cy="547261"/>
+          </a:xfrm>
+          <a:prstGeom prst="rect">
+            <a:avLst/>
+          </a:prstGeom>
+          <a:solidFill>
+            <a:schemeClr val="bg1"/>
+          </a:solidFill>
+          <a:ln w="38100">
+            <a:solidFill>
+              <a:schemeClr val="accent1">
+                <a:lumMod val="40000"/>
+                <a:lumOff val="60000"/>
+              </a:schemeClr>
+            </a:solidFill>
+          </a:ln>
+        </p:spPr>
+        <p:style>
+          <a:lnRef idx="2">
+            <a:schemeClr val="accent1">
+              <a:shade val="50000"/>
+            </a:schemeClr>
+          </a:lnRef>
+          <a:fillRef idx="1">
+            <a:schemeClr val="accent1"/>
+          </a:fillRef>
+          <a:effectRef idx="0">
+            <a:schemeClr val="accent1"/>
+          </a:effectRef>
+          <a:fontRef idx="minor">
+            <a:schemeClr val="lt1"/>
+          </a:fontRef>
+        </p:style>
+        <p:txBody>
+          <a:bodyPr rtlCol="0" anchor="ctr"/>
+          <a:lstStyle/>
+          <a:p>
+            <a:pPr algn="ctr"/>
+            <a:endParaRPr kumimoji="1" lang="ja-JP" altLang="en-US"/>
+          </a:p>
+        </p:txBody>
+      </p:sp>
+      <p:sp>
+        <p:nvSpPr>
+          <p:cNvPr id="40" name="正方形/長方形 39">
+            <a:extLst>
+              <a:ext uri="{FF2B5EF4-FFF2-40B4-BE49-F238E27FC236}">
+                <a16:creationId xmlns:a16="http://schemas.microsoft.com/office/drawing/2014/main" id="{832CA741-6D00-DD48-B260-D4E056D7332A}"/>
+              </a:ext>
+            </a:extLst>
+          </p:cNvPr>
+          <p:cNvSpPr/>
+          <p:nvPr/>
+        </p:nvSpPr>
+        <p:spPr>
+          <a:xfrm>
+            <a:off x="1418050" y="519877"/>
+            <a:ext cx="547261" cy="547261"/>
+          </a:xfrm>
+          <a:prstGeom prst="rect">
+            <a:avLst/>
+          </a:prstGeom>
+          <a:solidFill>
+            <a:schemeClr val="bg1">
+              <a:lumMod val="50000"/>
+            </a:schemeClr>
+          </a:solidFill>
+          <a:ln w="38100">
+            <a:solidFill>
+              <a:schemeClr val="accent1">
+                <a:lumMod val="40000"/>
+                <a:lumOff val="60000"/>
+              </a:schemeClr>
+            </a:solidFill>
+          </a:ln>
+        </p:spPr>
+        <p:style>
+          <a:lnRef idx="2">
+            <a:schemeClr val="accent1">
+              <a:shade val="50000"/>
+            </a:schemeClr>
+          </a:lnRef>
+          <a:fillRef idx="1">
+            <a:schemeClr val="accent1"/>
+          </a:fillRef>
+          <a:effectRef idx="0">
+            <a:schemeClr val="accent1"/>
+          </a:effectRef>
+          <a:fontRef idx="minor">
+            <a:schemeClr val="lt1"/>
+          </a:fontRef>
+        </p:style>
+        <p:txBody>
+          <a:bodyPr rtlCol="0" anchor="ctr"/>
+          <a:lstStyle/>
+          <a:p>
+            <a:pPr algn="ctr"/>
+            <a:endParaRPr kumimoji="1" lang="ja-JP" altLang="en-US"/>
+          </a:p>
+        </p:txBody>
+      </p:sp>
+      <p:sp>
+        <p:nvSpPr>
+          <p:cNvPr id="41" name="正方形/長方形 40">
+            <a:extLst>
+              <a:ext uri="{FF2B5EF4-FFF2-40B4-BE49-F238E27FC236}">
+                <a16:creationId xmlns:a16="http://schemas.microsoft.com/office/drawing/2014/main" id="{9F920CB0-5B91-0544-830F-0D792342B739}"/>
+              </a:ext>
+            </a:extLst>
+          </p:cNvPr>
+          <p:cNvSpPr/>
+          <p:nvPr/>
+        </p:nvSpPr>
+        <p:spPr>
+          <a:xfrm>
+            <a:off x="1418050" y="1067138"/>
+            <a:ext cx="547261" cy="547261"/>
+          </a:xfrm>
+          <a:prstGeom prst="rect">
+            <a:avLst/>
+          </a:prstGeom>
+          <a:solidFill>
+            <a:schemeClr val="bg1"/>
+          </a:solidFill>
+          <a:ln w="38100">
+            <a:solidFill>
+              <a:schemeClr val="accent1">
+                <a:lumMod val="40000"/>
+                <a:lumOff val="60000"/>
+              </a:schemeClr>
+            </a:solidFill>
+          </a:ln>
+        </p:spPr>
+        <p:style>
+          <a:lnRef idx="2">
+            <a:schemeClr val="accent1">
+              <a:shade val="50000"/>
+            </a:schemeClr>
+          </a:lnRef>
+          <a:fillRef idx="1">
+            <a:schemeClr val="accent1"/>
+          </a:fillRef>
+          <a:effectRef idx="0">
+            <a:schemeClr val="accent1"/>
+          </a:effectRef>
+          <a:fontRef idx="minor">
+            <a:schemeClr val="lt1"/>
+          </a:fontRef>
+        </p:style>
+        <p:txBody>
+          <a:bodyPr rtlCol="0" anchor="ctr"/>
+          <a:lstStyle/>
+          <a:p>
+            <a:pPr algn="ctr"/>
+            <a:endParaRPr kumimoji="1" lang="ja-JP" altLang="en-US"/>
+          </a:p>
+        </p:txBody>
+      </p:sp>
+      <p:sp>
+        <p:nvSpPr>
+          <p:cNvPr id="42" name="正方形/長方形 41">
+            <a:extLst>
+              <a:ext uri="{FF2B5EF4-FFF2-40B4-BE49-F238E27FC236}">
+                <a16:creationId xmlns:a16="http://schemas.microsoft.com/office/drawing/2014/main" id="{377BA0B5-E0ED-C247-AAB7-05DB5C7E431E}"/>
+              </a:ext>
+            </a:extLst>
+          </p:cNvPr>
+          <p:cNvSpPr/>
+          <p:nvPr/>
+        </p:nvSpPr>
+        <p:spPr>
+          <a:xfrm>
+            <a:off x="1418050" y="1614399"/>
+            <a:ext cx="547261" cy="547261"/>
+          </a:xfrm>
+          <a:prstGeom prst="rect">
+            <a:avLst/>
+          </a:prstGeom>
+          <a:solidFill>
+            <a:schemeClr val="bg1">
+              <a:lumMod val="50000"/>
+            </a:schemeClr>
+          </a:solidFill>
+          <a:ln w="38100">
+            <a:solidFill>
+              <a:schemeClr val="accent1">
+                <a:lumMod val="40000"/>
+                <a:lumOff val="60000"/>
+              </a:schemeClr>
+            </a:solidFill>
+          </a:ln>
+        </p:spPr>
+        <p:style>
+          <a:lnRef idx="2">
+            <a:schemeClr val="accent1">
+              <a:shade val="50000"/>
+            </a:schemeClr>
+          </a:lnRef>
+          <a:fillRef idx="1">
+            <a:schemeClr val="accent1"/>
+          </a:fillRef>
+          <a:effectRef idx="0">
+            <a:schemeClr val="accent1"/>
+          </a:effectRef>
+          <a:fontRef idx="minor">
+            <a:schemeClr val="lt1"/>
+          </a:fontRef>
+        </p:style>
+        <p:txBody>
+          <a:bodyPr rtlCol="0" anchor="ctr"/>
+          <a:lstStyle/>
+          <a:p>
+            <a:pPr algn="ctr"/>
+            <a:endParaRPr kumimoji="1" lang="ja-JP" altLang="en-US"/>
+          </a:p>
+        </p:txBody>
+      </p:sp>
+      <p:sp>
+        <p:nvSpPr>
+          <p:cNvPr id="43" name="正方形/長方形 42">
+            <a:extLst>
+              <a:ext uri="{FF2B5EF4-FFF2-40B4-BE49-F238E27FC236}">
+                <a16:creationId xmlns:a16="http://schemas.microsoft.com/office/drawing/2014/main" id="{9D5AFEB8-5D7C-F846-B027-A39CFAA37232}"/>
+              </a:ext>
+            </a:extLst>
+          </p:cNvPr>
+          <p:cNvSpPr/>
+          <p:nvPr/>
+        </p:nvSpPr>
+        <p:spPr>
+          <a:xfrm>
+            <a:off x="1418050" y="2161659"/>
+            <a:ext cx="547261" cy="547261"/>
+          </a:xfrm>
+          <a:prstGeom prst="rect">
+            <a:avLst/>
+          </a:prstGeom>
+          <a:solidFill>
+            <a:schemeClr val="bg1">
+              <a:lumMod val="50000"/>
+            </a:schemeClr>
+          </a:solidFill>
+          <a:ln w="38100">
+            <a:solidFill>
+              <a:schemeClr val="accent1">
+                <a:lumMod val="40000"/>
+                <a:lumOff val="60000"/>
+              </a:schemeClr>
+            </a:solidFill>
+          </a:ln>
+        </p:spPr>
+        <p:style>
+          <a:lnRef idx="2">
+            <a:schemeClr val="accent1">
+              <a:shade val="50000"/>
+            </a:schemeClr>
+          </a:lnRef>
+          <a:fillRef idx="1">
+            <a:schemeClr val="accent1"/>
+          </a:fillRef>
+          <a:effectRef idx="0">
+            <a:schemeClr val="accent1"/>
+          </a:effectRef>
+          <a:fontRef idx="minor">
+            <a:schemeClr val="lt1"/>
+          </a:fontRef>
+        </p:style>
+        <p:txBody>
+          <a:bodyPr rtlCol="0" anchor="ctr"/>
+          <a:lstStyle/>
+          <a:p>
+            <a:pPr algn="ctr"/>
+            <a:endParaRPr kumimoji="1" lang="ja-JP" altLang="en-US"/>
+          </a:p>
+        </p:txBody>
+      </p:sp>
+      <p:sp>
+        <p:nvSpPr>
+          <p:cNvPr id="44" name="正方形/長方形 43">
+            <a:extLst>
+              <a:ext uri="{FF2B5EF4-FFF2-40B4-BE49-F238E27FC236}">
+                <a16:creationId xmlns:a16="http://schemas.microsoft.com/office/drawing/2014/main" id="{803F8609-EA4D-3C4C-AAFD-27B7CA7B5EED}"/>
+              </a:ext>
+            </a:extLst>
+          </p:cNvPr>
+          <p:cNvSpPr/>
+          <p:nvPr/>
+        </p:nvSpPr>
+        <p:spPr>
+          <a:xfrm>
+            <a:off x="1965310" y="519877"/>
+            <a:ext cx="547261" cy="547261"/>
+          </a:xfrm>
+          <a:prstGeom prst="rect">
+            <a:avLst/>
+          </a:prstGeom>
+          <a:solidFill>
+            <a:schemeClr val="bg1">
+              <a:lumMod val="50000"/>
+            </a:schemeClr>
+          </a:solidFill>
+          <a:ln w="38100">
+            <a:solidFill>
+              <a:schemeClr val="accent1">
+                <a:lumMod val="40000"/>
+                <a:lumOff val="60000"/>
+              </a:schemeClr>
+            </a:solidFill>
+          </a:ln>
+        </p:spPr>
+        <p:style>
+          <a:lnRef idx="2">
+            <a:schemeClr val="accent1">
+              <a:shade val="50000"/>
+            </a:schemeClr>
+          </a:lnRef>
+          <a:fillRef idx="1">
+            <a:schemeClr val="accent1"/>
+          </a:fillRef>
+          <a:effectRef idx="0">
+            <a:schemeClr val="accent1"/>
+          </a:effectRef>
+          <a:fontRef idx="minor">
+            <a:schemeClr val="lt1"/>
+          </a:fontRef>
+        </p:style>
+        <p:txBody>
+          <a:bodyPr rtlCol="0" anchor="ctr"/>
+          <a:lstStyle/>
+          <a:p>
+            <a:pPr algn="ctr"/>
+            <a:endParaRPr kumimoji="1" lang="ja-JP" altLang="en-US"/>
+          </a:p>
+        </p:txBody>
+      </p:sp>
+      <p:sp>
+        <p:nvSpPr>
+          <p:cNvPr id="45" name="正方形/長方形 44">
+            <a:extLst>
+              <a:ext uri="{FF2B5EF4-FFF2-40B4-BE49-F238E27FC236}">
+                <a16:creationId xmlns:a16="http://schemas.microsoft.com/office/drawing/2014/main" id="{DD8A6C28-5052-4E42-BD6F-7CD0A416998E}"/>
+              </a:ext>
+            </a:extLst>
+          </p:cNvPr>
+          <p:cNvSpPr/>
+          <p:nvPr/>
+        </p:nvSpPr>
+        <p:spPr>
+          <a:xfrm>
+            <a:off x="1965310" y="1067138"/>
+            <a:ext cx="547261" cy="547261"/>
+          </a:xfrm>
+          <a:prstGeom prst="rect">
+            <a:avLst/>
+          </a:prstGeom>
+          <a:solidFill>
+            <a:schemeClr val="bg1"/>
+          </a:solidFill>
+          <a:ln w="38100">
+            <a:solidFill>
+              <a:schemeClr val="accent1">
+                <a:lumMod val="40000"/>
+                <a:lumOff val="60000"/>
+              </a:schemeClr>
+            </a:solidFill>
+          </a:ln>
+        </p:spPr>
+        <p:style>
+          <a:lnRef idx="2">
+            <a:schemeClr val="accent1">
+              <a:shade val="50000"/>
+            </a:schemeClr>
+          </a:lnRef>
+          <a:fillRef idx="1">
+            <a:schemeClr val="accent1"/>
+          </a:fillRef>
+          <a:effectRef idx="0">
+            <a:schemeClr val="accent1"/>
+          </a:effectRef>
+          <a:fontRef idx="minor">
+            <a:schemeClr val="lt1"/>
+          </a:fontRef>
+        </p:style>
+        <p:txBody>
+          <a:bodyPr rtlCol="0" anchor="ctr"/>
+          <a:lstStyle/>
+          <a:p>
+            <a:pPr algn="ctr"/>
+            <a:endParaRPr kumimoji="1" lang="ja-JP" altLang="en-US"/>
+          </a:p>
+        </p:txBody>
+      </p:sp>
+      <p:sp>
+        <p:nvSpPr>
+          <p:cNvPr id="46" name="正方形/長方形 45">
+            <a:extLst>
+              <a:ext uri="{FF2B5EF4-FFF2-40B4-BE49-F238E27FC236}">
+                <a16:creationId xmlns:a16="http://schemas.microsoft.com/office/drawing/2014/main" id="{19CF7429-FD0D-4D42-94A1-6E4DB539B3F3}"/>
+              </a:ext>
+            </a:extLst>
+          </p:cNvPr>
+          <p:cNvSpPr/>
+          <p:nvPr/>
+        </p:nvSpPr>
+        <p:spPr>
+          <a:xfrm>
+            <a:off x="1965310" y="1614399"/>
+            <a:ext cx="547261" cy="547261"/>
+          </a:xfrm>
+          <a:prstGeom prst="rect">
+            <a:avLst/>
+          </a:prstGeom>
+          <a:solidFill>
+            <a:schemeClr val="bg1">
+              <a:lumMod val="50000"/>
+            </a:schemeClr>
+          </a:solidFill>
+          <a:ln w="38100">
+            <a:solidFill>
+              <a:schemeClr val="accent1">
+                <a:lumMod val="40000"/>
+                <a:lumOff val="60000"/>
+              </a:schemeClr>
+            </a:solidFill>
+          </a:ln>
+        </p:spPr>
+        <p:style>
+          <a:lnRef idx="2">
+            <a:schemeClr val="accent1">
+              <a:shade val="50000"/>
+            </a:schemeClr>
+          </a:lnRef>
+          <a:fillRef idx="1">
+            <a:schemeClr val="accent1"/>
+          </a:fillRef>
+          <a:effectRef idx="0">
+            <a:schemeClr val="accent1"/>
+          </a:effectRef>
+          <a:fontRef idx="minor">
+            <a:schemeClr val="lt1"/>
+          </a:fontRef>
+        </p:style>
+        <p:txBody>
+          <a:bodyPr rtlCol="0" anchor="ctr"/>
+          <a:lstStyle/>
+          <a:p>
+            <a:pPr algn="ctr"/>
+            <a:endParaRPr kumimoji="1" lang="ja-JP" altLang="en-US"/>
+          </a:p>
+        </p:txBody>
+      </p:sp>
+      <p:sp>
+        <p:nvSpPr>
+          <p:cNvPr id="47" name="正方形/長方形 46">
+            <a:extLst>
+              <a:ext uri="{FF2B5EF4-FFF2-40B4-BE49-F238E27FC236}">
+                <a16:creationId xmlns:a16="http://schemas.microsoft.com/office/drawing/2014/main" id="{7FF33A49-BA6C-4540-8079-6AE08ECDC443}"/>
+              </a:ext>
+            </a:extLst>
+          </p:cNvPr>
+          <p:cNvSpPr/>
+          <p:nvPr/>
+        </p:nvSpPr>
+        <p:spPr>
+          <a:xfrm>
+            <a:off x="1965310" y="2161659"/>
+            <a:ext cx="547261" cy="547261"/>
+          </a:xfrm>
+          <a:prstGeom prst="rect">
+            <a:avLst/>
+          </a:prstGeom>
+          <a:solidFill>
+            <a:schemeClr val="bg1"/>
+          </a:solidFill>
+          <a:ln w="38100">
+            <a:solidFill>
+              <a:schemeClr val="accent1">
+                <a:lumMod val="40000"/>
+                <a:lumOff val="60000"/>
+              </a:schemeClr>
+            </a:solidFill>
+          </a:ln>
+        </p:spPr>
+        <p:style>
+          <a:lnRef idx="2">
+            <a:schemeClr val="accent1">
+              <a:shade val="50000"/>
+            </a:schemeClr>
+          </a:lnRef>
+          <a:fillRef idx="1">
+            <a:schemeClr val="accent1"/>
+          </a:fillRef>
+          <a:effectRef idx="0">
+            <a:schemeClr val="accent1"/>
+          </a:effectRef>
+          <a:fontRef idx="minor">
+            <a:schemeClr val="lt1"/>
+          </a:fontRef>
+        </p:style>
+        <p:txBody>
+          <a:bodyPr rtlCol="0" anchor="ctr"/>
+          <a:lstStyle/>
+          <a:p>
+            <a:pPr algn="ctr"/>
+            <a:endParaRPr kumimoji="1" lang="ja-JP" altLang="en-US"/>
+          </a:p>
+        </p:txBody>
+      </p:sp>
+      <p:sp>
+        <p:nvSpPr>
+          <p:cNvPr id="48" name="正方形/長方形 47">
+            <a:extLst>
+              <a:ext uri="{FF2B5EF4-FFF2-40B4-BE49-F238E27FC236}">
+                <a16:creationId xmlns:a16="http://schemas.microsoft.com/office/drawing/2014/main" id="{B4F1B54F-EEB5-6B43-BFC1-89D3900848C3}"/>
+              </a:ext>
+            </a:extLst>
+          </p:cNvPr>
+          <p:cNvSpPr/>
+          <p:nvPr/>
+        </p:nvSpPr>
+        <p:spPr>
+          <a:xfrm>
+            <a:off x="2512571" y="519877"/>
+            <a:ext cx="547261" cy="547261"/>
+          </a:xfrm>
+          <a:prstGeom prst="rect">
+            <a:avLst/>
+          </a:prstGeom>
+          <a:solidFill>
+            <a:schemeClr val="bg1">
+              <a:lumMod val="50000"/>
+            </a:schemeClr>
+          </a:solidFill>
+          <a:ln w="38100">
+            <a:solidFill>
+              <a:schemeClr val="accent1">
+                <a:lumMod val="40000"/>
+                <a:lumOff val="60000"/>
+              </a:schemeClr>
+            </a:solidFill>
+          </a:ln>
+        </p:spPr>
+        <p:style>
+          <a:lnRef idx="2">
+            <a:schemeClr val="accent1">
+              <a:shade val="50000"/>
+            </a:schemeClr>
+          </a:lnRef>
+          <a:fillRef idx="1">
+            <a:schemeClr val="accent1"/>
+          </a:fillRef>
+          <a:effectRef idx="0">
+            <a:schemeClr val="accent1"/>
+          </a:effectRef>
+          <a:fontRef idx="minor">
+            <a:schemeClr val="lt1"/>
+          </a:fontRef>
+        </p:style>
+        <p:txBody>
+          <a:bodyPr rtlCol="0" anchor="ctr"/>
+          <a:lstStyle/>
+          <a:p>
+            <a:pPr algn="ctr"/>
+            <a:endParaRPr kumimoji="1" lang="ja-JP" altLang="en-US"/>
+          </a:p>
+        </p:txBody>
+      </p:sp>
+      <p:sp>
+        <p:nvSpPr>
+          <p:cNvPr id="49" name="正方形/長方形 48">
+            <a:extLst>
+              <a:ext uri="{FF2B5EF4-FFF2-40B4-BE49-F238E27FC236}">
+                <a16:creationId xmlns:a16="http://schemas.microsoft.com/office/drawing/2014/main" id="{37A95370-4930-1147-9C77-70C2E5AE4A97}"/>
+              </a:ext>
+            </a:extLst>
+          </p:cNvPr>
+          <p:cNvSpPr/>
+          <p:nvPr/>
+        </p:nvSpPr>
+        <p:spPr>
+          <a:xfrm>
+            <a:off x="2512571" y="1067138"/>
+            <a:ext cx="547261" cy="547261"/>
+          </a:xfrm>
+          <a:prstGeom prst="rect">
+            <a:avLst/>
+          </a:prstGeom>
+          <a:solidFill>
+            <a:schemeClr val="bg1"/>
+          </a:solidFill>
+          <a:ln w="38100">
+            <a:solidFill>
+              <a:schemeClr val="accent1">
+                <a:lumMod val="40000"/>
+                <a:lumOff val="60000"/>
+              </a:schemeClr>
+            </a:solidFill>
+          </a:ln>
+        </p:spPr>
+        <p:style>
+          <a:lnRef idx="2">
+            <a:schemeClr val="accent1">
+              <a:shade val="50000"/>
+            </a:schemeClr>
+          </a:lnRef>
+          <a:fillRef idx="1">
+            <a:schemeClr val="accent1"/>
+          </a:fillRef>
+          <a:effectRef idx="0">
+            <a:schemeClr val="accent1"/>
+          </a:effectRef>
+          <a:fontRef idx="minor">
+            <a:schemeClr val="lt1"/>
+          </a:fontRef>
+        </p:style>
+        <p:txBody>
+          <a:bodyPr rtlCol="0" anchor="ctr"/>
+          <a:lstStyle/>
+          <a:p>
+            <a:pPr algn="ctr"/>
+            <a:endParaRPr kumimoji="1" lang="ja-JP" altLang="en-US"/>
+          </a:p>
+        </p:txBody>
+      </p:sp>
+      <p:sp>
+        <p:nvSpPr>
+          <p:cNvPr id="50" name="正方形/長方形 49">
+            <a:extLst>
+              <a:ext uri="{FF2B5EF4-FFF2-40B4-BE49-F238E27FC236}">
+                <a16:creationId xmlns:a16="http://schemas.microsoft.com/office/drawing/2014/main" id="{40D6E8C4-E4BC-4D45-9F63-5CA63A30E831}"/>
+              </a:ext>
+            </a:extLst>
+          </p:cNvPr>
+          <p:cNvSpPr/>
+          <p:nvPr/>
+        </p:nvSpPr>
+        <p:spPr>
+          <a:xfrm>
+            <a:off x="2512571" y="1614399"/>
+            <a:ext cx="547261" cy="547261"/>
+          </a:xfrm>
+          <a:prstGeom prst="rect">
+            <a:avLst/>
+          </a:prstGeom>
+          <a:solidFill>
+            <a:schemeClr val="bg1"/>
+          </a:solidFill>
+          <a:ln w="38100">
+            <a:solidFill>
+              <a:schemeClr val="accent1">
+                <a:lumMod val="40000"/>
+                <a:lumOff val="60000"/>
+              </a:schemeClr>
+            </a:solidFill>
+          </a:ln>
+        </p:spPr>
+        <p:style>
+          <a:lnRef idx="2">
+            <a:schemeClr val="accent1">
+              <a:shade val="50000"/>
+            </a:schemeClr>
+          </a:lnRef>
+          <a:fillRef idx="1">
+            <a:schemeClr val="accent1"/>
+          </a:fillRef>
+          <a:effectRef idx="0">
+            <a:schemeClr val="accent1"/>
+          </a:effectRef>
+          <a:fontRef idx="minor">
+            <a:schemeClr val="lt1"/>
+          </a:fontRef>
+        </p:style>
+        <p:txBody>
+          <a:bodyPr rtlCol="0" anchor="ctr"/>
+          <a:lstStyle/>
+          <a:p>
+            <a:pPr algn="ctr"/>
+            <a:endParaRPr kumimoji="1" lang="ja-JP" altLang="en-US"/>
+          </a:p>
+        </p:txBody>
+      </p:sp>
+      <p:sp>
+        <p:nvSpPr>
+          <p:cNvPr id="51" name="正方形/長方形 50">
+            <a:extLst>
+              <a:ext uri="{FF2B5EF4-FFF2-40B4-BE49-F238E27FC236}">
+                <a16:creationId xmlns:a16="http://schemas.microsoft.com/office/drawing/2014/main" id="{5480B106-7C87-3E41-ADF3-231FBAD5D809}"/>
+              </a:ext>
+            </a:extLst>
+          </p:cNvPr>
+          <p:cNvSpPr/>
+          <p:nvPr/>
+        </p:nvSpPr>
+        <p:spPr>
+          <a:xfrm>
+            <a:off x="2512571" y="2161659"/>
+            <a:ext cx="547261" cy="547261"/>
+          </a:xfrm>
+          <a:prstGeom prst="rect">
+            <a:avLst/>
+          </a:prstGeom>
+          <a:solidFill>
+            <a:schemeClr val="bg1"/>
+          </a:solidFill>
+          <a:ln w="38100">
+            <a:solidFill>
+              <a:schemeClr val="accent1">
+                <a:lumMod val="40000"/>
+                <a:lumOff val="60000"/>
+              </a:schemeClr>
+            </a:solidFill>
+          </a:ln>
+        </p:spPr>
+        <p:style>
+          <a:lnRef idx="2">
+            <a:schemeClr val="accent1">
+              <a:shade val="50000"/>
+            </a:schemeClr>
+          </a:lnRef>
+          <a:fillRef idx="1">
+            <a:schemeClr val="accent1"/>
+          </a:fillRef>
+          <a:effectRef idx="0">
+            <a:schemeClr val="accent1"/>
+          </a:effectRef>
+          <a:fontRef idx="minor">
+            <a:schemeClr val="lt1"/>
+          </a:fontRef>
+        </p:style>
+        <p:txBody>
+          <a:bodyPr rtlCol="0" anchor="ctr"/>
+          <a:lstStyle/>
+          <a:p>
+            <a:pPr algn="ctr"/>
+            <a:endParaRPr kumimoji="1" lang="ja-JP" altLang="en-US"/>
+          </a:p>
+        </p:txBody>
+      </p:sp>
+      <p:sp>
+        <p:nvSpPr>
+          <p:cNvPr id="52" name="正方形/長方形 51">
+            <a:extLst>
+              <a:ext uri="{FF2B5EF4-FFF2-40B4-BE49-F238E27FC236}">
+                <a16:creationId xmlns:a16="http://schemas.microsoft.com/office/drawing/2014/main" id="{FA1C5B7D-2AD3-614A-9067-8292D52AC316}"/>
+              </a:ext>
+            </a:extLst>
+          </p:cNvPr>
+          <p:cNvSpPr/>
+          <p:nvPr/>
+        </p:nvSpPr>
+        <p:spPr>
+          <a:xfrm>
+            <a:off x="3059832" y="519877"/>
+            <a:ext cx="547261" cy="547261"/>
+          </a:xfrm>
+          <a:prstGeom prst="rect">
+            <a:avLst/>
+          </a:prstGeom>
+          <a:solidFill>
+            <a:schemeClr val="bg1">
+              <a:lumMod val="50000"/>
+            </a:schemeClr>
+          </a:solidFill>
+          <a:ln w="38100">
+            <a:solidFill>
+              <a:schemeClr val="accent1">
+                <a:lumMod val="40000"/>
+                <a:lumOff val="60000"/>
+              </a:schemeClr>
+            </a:solidFill>
+          </a:ln>
+        </p:spPr>
+        <p:style>
+          <a:lnRef idx="2">
+            <a:schemeClr val="accent1">
+              <a:shade val="50000"/>
+            </a:schemeClr>
+          </a:lnRef>
+          <a:fillRef idx="1">
+            <a:schemeClr val="accent1"/>
+          </a:fillRef>
+          <a:effectRef idx="0">
+            <a:schemeClr val="accent1"/>
+          </a:effectRef>
+          <a:fontRef idx="minor">
+            <a:schemeClr val="lt1"/>
+          </a:fontRef>
+        </p:style>
+        <p:txBody>
+          <a:bodyPr rtlCol="0" anchor="ctr"/>
+          <a:lstStyle/>
+          <a:p>
+            <a:pPr algn="ctr"/>
+            <a:endParaRPr kumimoji="1" lang="ja-JP" altLang="en-US"/>
+          </a:p>
+        </p:txBody>
+      </p:sp>
+      <p:sp>
+        <p:nvSpPr>
+          <p:cNvPr id="53" name="正方形/長方形 52">
+            <a:extLst>
+              <a:ext uri="{FF2B5EF4-FFF2-40B4-BE49-F238E27FC236}">
+                <a16:creationId xmlns:a16="http://schemas.microsoft.com/office/drawing/2014/main" id="{8A4849D3-7331-5549-A124-846BD9B7A282}"/>
+              </a:ext>
+            </a:extLst>
+          </p:cNvPr>
+          <p:cNvSpPr/>
+          <p:nvPr/>
+        </p:nvSpPr>
+        <p:spPr>
+          <a:xfrm>
+            <a:off x="3059832" y="1067138"/>
+            <a:ext cx="547261" cy="547261"/>
+          </a:xfrm>
+          <a:prstGeom prst="rect">
+            <a:avLst/>
+          </a:prstGeom>
+          <a:solidFill>
+            <a:schemeClr val="bg1">
+              <a:lumMod val="50000"/>
+            </a:schemeClr>
+          </a:solidFill>
+          <a:ln w="38100">
+            <a:solidFill>
+              <a:schemeClr val="accent1">
+                <a:lumMod val="40000"/>
+                <a:lumOff val="60000"/>
+              </a:schemeClr>
+            </a:solidFill>
+          </a:ln>
+        </p:spPr>
+        <p:style>
+          <a:lnRef idx="2">
+            <a:schemeClr val="accent1">
+              <a:shade val="50000"/>
+            </a:schemeClr>
+          </a:lnRef>
+          <a:fillRef idx="1">
+            <a:schemeClr val="accent1"/>
+          </a:fillRef>
+          <a:effectRef idx="0">
+            <a:schemeClr val="accent1"/>
+          </a:effectRef>
+          <a:fontRef idx="minor">
+            <a:schemeClr val="lt1"/>
+          </a:fontRef>
+        </p:style>
+        <p:txBody>
+          <a:bodyPr rtlCol="0" anchor="ctr"/>
+          <a:lstStyle/>
+          <a:p>
+            <a:pPr algn="ctr"/>
+            <a:endParaRPr kumimoji="1" lang="ja-JP" altLang="en-US"/>
+          </a:p>
+        </p:txBody>
+      </p:sp>
+      <p:sp>
+        <p:nvSpPr>
+          <p:cNvPr id="54" name="正方形/長方形 53">
+            <a:extLst>
+              <a:ext uri="{FF2B5EF4-FFF2-40B4-BE49-F238E27FC236}">
+                <a16:creationId xmlns:a16="http://schemas.microsoft.com/office/drawing/2014/main" id="{5ABBD903-C055-124B-ACFE-3B7248BD6C87}"/>
+              </a:ext>
+            </a:extLst>
+          </p:cNvPr>
+          <p:cNvSpPr/>
+          <p:nvPr/>
+        </p:nvSpPr>
+        <p:spPr>
+          <a:xfrm>
+            <a:off x="3059832" y="1614399"/>
+            <a:ext cx="547261" cy="547261"/>
+          </a:xfrm>
+          <a:prstGeom prst="rect">
+            <a:avLst/>
+          </a:prstGeom>
+          <a:solidFill>
+            <a:schemeClr val="bg1">
+              <a:lumMod val="50000"/>
+            </a:schemeClr>
+          </a:solidFill>
+          <a:ln w="38100">
+            <a:solidFill>
+              <a:schemeClr val="accent1">
+                <a:lumMod val="40000"/>
+                <a:lumOff val="60000"/>
+              </a:schemeClr>
+            </a:solidFill>
+          </a:ln>
+        </p:spPr>
+        <p:style>
+          <a:lnRef idx="2">
+            <a:schemeClr val="accent1">
+              <a:shade val="50000"/>
+            </a:schemeClr>
+          </a:lnRef>
+          <a:fillRef idx="1">
+            <a:schemeClr val="accent1"/>
+          </a:fillRef>
+          <a:effectRef idx="0">
+            <a:schemeClr val="accent1"/>
+          </a:effectRef>
+          <a:fontRef idx="minor">
+            <a:schemeClr val="lt1"/>
+          </a:fontRef>
+        </p:style>
+        <p:txBody>
+          <a:bodyPr rtlCol="0" anchor="ctr"/>
+          <a:lstStyle/>
+          <a:p>
+            <a:pPr algn="ctr"/>
+            <a:endParaRPr kumimoji="1" lang="ja-JP" altLang="en-US"/>
+          </a:p>
+        </p:txBody>
+      </p:sp>
+      <p:sp>
+        <p:nvSpPr>
+          <p:cNvPr id="55" name="正方形/長方形 54">
+            <a:extLst>
+              <a:ext uri="{FF2B5EF4-FFF2-40B4-BE49-F238E27FC236}">
+                <a16:creationId xmlns:a16="http://schemas.microsoft.com/office/drawing/2014/main" id="{0F63D2DA-DD8E-F043-8306-C3E51209C448}"/>
+              </a:ext>
+            </a:extLst>
+          </p:cNvPr>
+          <p:cNvSpPr/>
+          <p:nvPr/>
+        </p:nvSpPr>
+        <p:spPr>
+          <a:xfrm>
+            <a:off x="3059832" y="2161659"/>
+            <a:ext cx="547261" cy="547261"/>
+          </a:xfrm>
+          <a:prstGeom prst="rect">
+            <a:avLst/>
+          </a:prstGeom>
+          <a:solidFill>
+            <a:schemeClr val="bg1">
+              <a:lumMod val="50000"/>
+            </a:schemeClr>
+          </a:solidFill>
+          <a:ln w="38100">
+            <a:solidFill>
+              <a:schemeClr val="accent1">
+                <a:lumMod val="40000"/>
+                <a:lumOff val="60000"/>
+              </a:schemeClr>
+            </a:solidFill>
+          </a:ln>
+        </p:spPr>
+        <p:style>
+          <a:lnRef idx="2">
+            <a:schemeClr val="accent1">
+              <a:shade val="50000"/>
+            </a:schemeClr>
+          </a:lnRef>
+          <a:fillRef idx="1">
+            <a:schemeClr val="accent1"/>
+          </a:fillRef>
+          <a:effectRef idx="0">
+            <a:schemeClr val="accent1"/>
+          </a:effectRef>
+          <a:fontRef idx="minor">
+            <a:schemeClr val="lt1"/>
+          </a:fontRef>
+        </p:style>
+        <p:txBody>
+          <a:bodyPr rtlCol="0" anchor="ctr"/>
+          <a:lstStyle/>
+          <a:p>
+            <a:pPr algn="ctr"/>
+            <a:endParaRPr kumimoji="1" lang="ja-JP" altLang="en-US"/>
+          </a:p>
+        </p:txBody>
+      </p:sp>
+      <p:pic>
+        <p:nvPicPr>
+          <p:cNvPr id="20" name="図 19">
+            <a:extLst>
+              <a:ext uri="{FF2B5EF4-FFF2-40B4-BE49-F238E27FC236}">
+                <a16:creationId xmlns:a16="http://schemas.microsoft.com/office/drawing/2014/main" id="{A5FA54FA-797C-7E4A-8F61-56175E83B236}"/>
+              </a:ext>
+            </a:extLst>
+          </p:cNvPr>
+          <p:cNvPicPr>
+            <a:picLocks noChangeAspect="1"/>
+          </p:cNvPicPr>
+          <p:nvPr/>
+        </p:nvPicPr>
+        <p:blipFill>
+          <a:blip r:embed="rId2"/>
+          <a:stretch>
+            <a:fillRect/>
+          </a:stretch>
+        </p:blipFill>
+        <p:spPr>
+          <a:xfrm>
+            <a:off x="899592" y="1095941"/>
+            <a:ext cx="397676" cy="458857"/>
+          </a:xfrm>
+          <a:prstGeom prst="rect">
+            <a:avLst/>
+          </a:prstGeom>
+        </p:spPr>
+      </p:pic>
+      <p:sp>
+        <p:nvSpPr>
+          <p:cNvPr id="68" name="正方形/長方形 67">
+            <a:extLst>
+              <a:ext uri="{FF2B5EF4-FFF2-40B4-BE49-F238E27FC236}">
+                <a16:creationId xmlns:a16="http://schemas.microsoft.com/office/drawing/2014/main" id="{B44D02AD-9AE8-4342-A421-E3C2932308D8}"/>
+              </a:ext>
+            </a:extLst>
+          </p:cNvPr>
+          <p:cNvSpPr/>
+          <p:nvPr/>
+        </p:nvSpPr>
+        <p:spPr>
+          <a:xfrm>
+            <a:off x="323528" y="2708920"/>
+            <a:ext cx="547261" cy="547261"/>
+          </a:xfrm>
+          <a:prstGeom prst="rect">
+            <a:avLst/>
+          </a:prstGeom>
+          <a:solidFill>
+            <a:schemeClr val="bg1">
+              <a:lumMod val="50000"/>
+            </a:schemeClr>
+          </a:solidFill>
+          <a:ln w="38100">
+            <a:solidFill>
+              <a:schemeClr val="accent1">
+                <a:lumMod val="40000"/>
+                <a:lumOff val="60000"/>
+              </a:schemeClr>
+            </a:solidFill>
+          </a:ln>
+        </p:spPr>
+        <p:style>
+          <a:lnRef idx="2">
+            <a:schemeClr val="accent1">
+              <a:shade val="50000"/>
+            </a:schemeClr>
+          </a:lnRef>
+          <a:fillRef idx="1">
+            <a:schemeClr val="accent1"/>
+          </a:fillRef>
+          <a:effectRef idx="0">
+            <a:schemeClr val="accent1"/>
+          </a:effectRef>
+          <a:fontRef idx="minor">
+            <a:schemeClr val="lt1"/>
+          </a:fontRef>
+        </p:style>
+        <p:txBody>
+          <a:bodyPr rtlCol="0" anchor="ctr"/>
+          <a:lstStyle/>
+          <a:p>
+            <a:pPr algn="ctr"/>
+            <a:endParaRPr kumimoji="1" lang="ja-JP" altLang="en-US"/>
+          </a:p>
+        </p:txBody>
+      </p:sp>
+      <p:sp>
+        <p:nvSpPr>
+          <p:cNvPr id="69" name="正方形/長方形 68">
+            <a:extLst>
+              <a:ext uri="{FF2B5EF4-FFF2-40B4-BE49-F238E27FC236}">
+                <a16:creationId xmlns:a16="http://schemas.microsoft.com/office/drawing/2014/main" id="{34E40BFE-F4FD-214F-9BCF-4F6283E599BF}"/>
+              </a:ext>
+            </a:extLst>
+          </p:cNvPr>
+          <p:cNvSpPr/>
+          <p:nvPr/>
+        </p:nvSpPr>
+        <p:spPr>
+          <a:xfrm>
+            <a:off x="870789" y="2708920"/>
+            <a:ext cx="547261" cy="547261"/>
+          </a:xfrm>
+          <a:prstGeom prst="rect">
+            <a:avLst/>
+          </a:prstGeom>
+          <a:solidFill>
+            <a:schemeClr val="bg1">
+              <a:lumMod val="50000"/>
+            </a:schemeClr>
+          </a:solidFill>
+          <a:ln w="38100">
+            <a:solidFill>
+              <a:schemeClr val="accent1">
+                <a:lumMod val="40000"/>
+                <a:lumOff val="60000"/>
+              </a:schemeClr>
+            </a:solidFill>
+          </a:ln>
+        </p:spPr>
+        <p:style>
+          <a:lnRef idx="2">
+            <a:schemeClr val="accent1">
+              <a:shade val="50000"/>
+            </a:schemeClr>
+          </a:lnRef>
+          <a:fillRef idx="1">
+            <a:schemeClr val="accent1"/>
+          </a:fillRef>
+          <a:effectRef idx="0">
+            <a:schemeClr val="accent1"/>
+          </a:effectRef>
+          <a:fontRef idx="minor">
+            <a:schemeClr val="lt1"/>
+          </a:fontRef>
+        </p:style>
+        <p:txBody>
+          <a:bodyPr rtlCol="0" anchor="ctr"/>
+          <a:lstStyle/>
+          <a:p>
+            <a:pPr algn="ctr"/>
+            <a:endParaRPr kumimoji="1" lang="ja-JP" altLang="en-US"/>
+          </a:p>
+        </p:txBody>
+      </p:sp>
+      <p:sp>
+        <p:nvSpPr>
+          <p:cNvPr id="70" name="正方形/長方形 69">
+            <a:extLst>
+              <a:ext uri="{FF2B5EF4-FFF2-40B4-BE49-F238E27FC236}">
+                <a16:creationId xmlns:a16="http://schemas.microsoft.com/office/drawing/2014/main" id="{EE20A433-13A4-C94D-A058-88E918A51067}"/>
+              </a:ext>
+            </a:extLst>
+          </p:cNvPr>
+          <p:cNvSpPr/>
+          <p:nvPr/>
+        </p:nvSpPr>
+        <p:spPr>
+          <a:xfrm>
+            <a:off x="1418050" y="2708920"/>
+            <a:ext cx="547261" cy="547261"/>
+          </a:xfrm>
+          <a:prstGeom prst="rect">
+            <a:avLst/>
+          </a:prstGeom>
+          <a:solidFill>
+            <a:schemeClr val="bg1">
+              <a:lumMod val="50000"/>
+            </a:schemeClr>
+          </a:solidFill>
+          <a:ln w="38100">
+            <a:solidFill>
+              <a:schemeClr val="accent1">
+                <a:lumMod val="40000"/>
+                <a:lumOff val="60000"/>
+              </a:schemeClr>
+            </a:solidFill>
+          </a:ln>
+        </p:spPr>
+        <p:style>
+          <a:lnRef idx="2">
+            <a:schemeClr val="accent1">
+              <a:shade val="50000"/>
+            </a:schemeClr>
+          </a:lnRef>
+          <a:fillRef idx="1">
+            <a:schemeClr val="accent1"/>
+          </a:fillRef>
+          <a:effectRef idx="0">
+            <a:schemeClr val="accent1"/>
+          </a:effectRef>
+          <a:fontRef idx="minor">
+            <a:schemeClr val="lt1"/>
+          </a:fontRef>
+        </p:style>
+        <p:txBody>
+          <a:bodyPr rtlCol="0" anchor="ctr"/>
+          <a:lstStyle/>
+          <a:p>
+            <a:pPr algn="ctr"/>
+            <a:endParaRPr kumimoji="1" lang="ja-JP" altLang="en-US"/>
+          </a:p>
+        </p:txBody>
+      </p:sp>
+      <p:sp>
+        <p:nvSpPr>
+          <p:cNvPr id="71" name="正方形/長方形 70">
+            <a:extLst>
+              <a:ext uri="{FF2B5EF4-FFF2-40B4-BE49-F238E27FC236}">
+                <a16:creationId xmlns:a16="http://schemas.microsoft.com/office/drawing/2014/main" id="{14F7F8F1-78D6-D842-9CBA-E3C649820743}"/>
+              </a:ext>
+            </a:extLst>
+          </p:cNvPr>
+          <p:cNvSpPr/>
+          <p:nvPr/>
+        </p:nvSpPr>
+        <p:spPr>
+          <a:xfrm>
+            <a:off x="1965310" y="2708920"/>
+            <a:ext cx="547261" cy="547261"/>
+          </a:xfrm>
+          <a:prstGeom prst="rect">
+            <a:avLst/>
+          </a:prstGeom>
+          <a:solidFill>
+            <a:schemeClr val="bg1"/>
+          </a:solidFill>
+          <a:ln w="38100">
+            <a:solidFill>
+              <a:schemeClr val="accent1">
+                <a:lumMod val="40000"/>
+                <a:lumOff val="60000"/>
+              </a:schemeClr>
+            </a:solidFill>
+          </a:ln>
+        </p:spPr>
+        <p:style>
+          <a:lnRef idx="2">
+            <a:schemeClr val="accent1">
+              <a:shade val="50000"/>
+            </a:schemeClr>
+          </a:lnRef>
+          <a:fillRef idx="1">
+            <a:schemeClr val="accent1"/>
+          </a:fillRef>
+          <a:effectRef idx="0">
+            <a:schemeClr val="accent1"/>
+          </a:effectRef>
+          <a:fontRef idx="minor">
+            <a:schemeClr val="lt1"/>
+          </a:fontRef>
+        </p:style>
+        <p:txBody>
+          <a:bodyPr rtlCol="0" anchor="ctr"/>
+          <a:lstStyle/>
+          <a:p>
+            <a:pPr algn="ctr"/>
+            <a:endParaRPr kumimoji="1" lang="ja-JP" altLang="en-US"/>
+          </a:p>
+        </p:txBody>
+      </p:sp>
+      <p:sp>
+        <p:nvSpPr>
+          <p:cNvPr id="72" name="正方形/長方形 71">
+            <a:extLst>
+              <a:ext uri="{FF2B5EF4-FFF2-40B4-BE49-F238E27FC236}">
+                <a16:creationId xmlns:a16="http://schemas.microsoft.com/office/drawing/2014/main" id="{66FEA306-CEC0-E34E-93E5-851888EFD1E1}"/>
+              </a:ext>
+            </a:extLst>
+          </p:cNvPr>
+          <p:cNvSpPr/>
+          <p:nvPr/>
+        </p:nvSpPr>
+        <p:spPr>
+          <a:xfrm>
+            <a:off x="2512571" y="2708920"/>
+            <a:ext cx="547261" cy="547261"/>
+          </a:xfrm>
+          <a:prstGeom prst="rect">
+            <a:avLst/>
+          </a:prstGeom>
+          <a:solidFill>
+            <a:schemeClr val="bg1">
+              <a:lumMod val="50000"/>
+            </a:schemeClr>
+          </a:solidFill>
+          <a:ln w="38100">
+            <a:solidFill>
+              <a:schemeClr val="accent1">
+                <a:lumMod val="40000"/>
+                <a:lumOff val="60000"/>
+              </a:schemeClr>
+            </a:solidFill>
+          </a:ln>
+        </p:spPr>
+        <p:style>
+          <a:lnRef idx="2">
+            <a:schemeClr val="accent1">
+              <a:shade val="50000"/>
+            </a:schemeClr>
+          </a:lnRef>
+          <a:fillRef idx="1">
+            <a:schemeClr val="accent1"/>
+          </a:fillRef>
+          <a:effectRef idx="0">
+            <a:schemeClr val="accent1"/>
+          </a:effectRef>
+          <a:fontRef idx="minor">
+            <a:schemeClr val="lt1"/>
+          </a:fontRef>
+        </p:style>
+        <p:txBody>
+          <a:bodyPr rtlCol="0" anchor="ctr"/>
+          <a:lstStyle/>
+          <a:p>
+            <a:pPr algn="ctr"/>
+            <a:endParaRPr kumimoji="1" lang="ja-JP" altLang="en-US"/>
+          </a:p>
+        </p:txBody>
+      </p:sp>
+      <p:sp>
+        <p:nvSpPr>
+          <p:cNvPr id="73" name="正方形/長方形 72">
+            <a:extLst>
+              <a:ext uri="{FF2B5EF4-FFF2-40B4-BE49-F238E27FC236}">
+                <a16:creationId xmlns:a16="http://schemas.microsoft.com/office/drawing/2014/main" id="{B3E890AB-271C-D249-A953-EB1E3AAA4C5B}"/>
+              </a:ext>
+            </a:extLst>
+          </p:cNvPr>
+          <p:cNvSpPr/>
+          <p:nvPr/>
+        </p:nvSpPr>
+        <p:spPr>
+          <a:xfrm>
+            <a:off x="3059832" y="2708920"/>
+            <a:ext cx="547261" cy="547261"/>
+          </a:xfrm>
+          <a:prstGeom prst="rect">
+            <a:avLst/>
+          </a:prstGeom>
+          <a:solidFill>
+            <a:schemeClr val="bg1">
+              <a:lumMod val="50000"/>
+            </a:schemeClr>
+          </a:solidFill>
+          <a:ln w="38100">
+            <a:solidFill>
+              <a:schemeClr val="accent1">
+                <a:lumMod val="40000"/>
+                <a:lumOff val="60000"/>
+              </a:schemeClr>
+            </a:solidFill>
+          </a:ln>
+        </p:spPr>
+        <p:style>
+          <a:lnRef idx="2">
+            <a:schemeClr val="accent1">
+              <a:shade val="50000"/>
+            </a:schemeClr>
+          </a:lnRef>
+          <a:fillRef idx="1">
+            <a:schemeClr val="accent1"/>
+          </a:fillRef>
+          <a:effectRef idx="0">
+            <a:schemeClr val="accent1"/>
+          </a:effectRef>
+          <a:fontRef idx="minor">
+            <a:schemeClr val="lt1"/>
+          </a:fontRef>
+        </p:style>
+        <p:txBody>
+          <a:bodyPr rtlCol="0" anchor="ctr"/>
+          <a:lstStyle/>
+          <a:p>
+            <a:pPr algn="ctr"/>
+            <a:endParaRPr kumimoji="1" lang="ja-JP" altLang="en-US"/>
+          </a:p>
+        </p:txBody>
+      </p:sp>
+      <p:sp>
+        <p:nvSpPr>
+          <p:cNvPr id="75" name="右矢印 74">
+            <a:extLst>
+              <a:ext uri="{FF2B5EF4-FFF2-40B4-BE49-F238E27FC236}">
+                <a16:creationId xmlns:a16="http://schemas.microsoft.com/office/drawing/2014/main" id="{DBD8B184-AE0B-0745-8FCE-0B0F038219C8}"/>
+              </a:ext>
+            </a:extLst>
+          </p:cNvPr>
+          <p:cNvSpPr/>
+          <p:nvPr/>
+        </p:nvSpPr>
+        <p:spPr>
+          <a:xfrm rot="5400000">
+            <a:off x="961675" y="652961"/>
+            <a:ext cx="325320" cy="270593"/>
+          </a:xfrm>
+          <a:prstGeom prst="rightArrow">
+            <a:avLst/>
+          </a:prstGeom>
+          <a:solidFill>
+            <a:schemeClr val="accent1">
+              <a:lumMod val="60000"/>
+              <a:lumOff val="40000"/>
+            </a:schemeClr>
+          </a:solidFill>
+          <a:ln>
+            <a:solidFill>
+              <a:schemeClr val="tx1"/>
+            </a:solidFill>
+          </a:ln>
+        </p:spPr>
+        <p:style>
+          <a:lnRef idx="2">
+            <a:schemeClr val="accent1">
+              <a:shade val="50000"/>
+            </a:schemeClr>
+          </a:lnRef>
+          <a:fillRef idx="1">
+            <a:schemeClr val="accent1"/>
+          </a:fillRef>
+          <a:effectRef idx="0">
+            <a:schemeClr val="accent1"/>
+          </a:effectRef>
+          <a:fontRef idx="minor">
+            <a:schemeClr val="lt1"/>
+          </a:fontRef>
+        </p:style>
+        <p:txBody>
+          <a:bodyPr rtlCol="0" anchor="ctr"/>
+          <a:lstStyle/>
+          <a:p>
+            <a:pPr algn="ctr"/>
+            <a:endParaRPr kumimoji="1" lang="ja-JP" altLang="en-US"/>
+          </a:p>
+        </p:txBody>
+      </p:sp>
+      <p:sp>
+        <p:nvSpPr>
+          <p:cNvPr id="76" name="正方形/長方形 75">
+            <a:extLst>
+              <a:ext uri="{FF2B5EF4-FFF2-40B4-BE49-F238E27FC236}">
+                <a16:creationId xmlns:a16="http://schemas.microsoft.com/office/drawing/2014/main" id="{58F7472E-8D99-F046-B3BE-203389B18197}"/>
+              </a:ext>
+            </a:extLst>
+          </p:cNvPr>
+          <p:cNvSpPr/>
+          <p:nvPr/>
+        </p:nvSpPr>
+        <p:spPr>
+          <a:xfrm>
+            <a:off x="4932040" y="519877"/>
+            <a:ext cx="547261" cy="547261"/>
+          </a:xfrm>
+          <a:prstGeom prst="rect">
+            <a:avLst/>
+          </a:prstGeom>
+          <a:solidFill>
+            <a:schemeClr val="bg1">
+              <a:lumMod val="50000"/>
+            </a:schemeClr>
+          </a:solidFill>
+          <a:ln w="38100">
+            <a:solidFill>
+              <a:schemeClr val="accent1">
+                <a:lumMod val="40000"/>
+                <a:lumOff val="60000"/>
+              </a:schemeClr>
+            </a:solidFill>
+          </a:ln>
+        </p:spPr>
+        <p:style>
+          <a:lnRef idx="2">
+            <a:schemeClr val="accent1">
+              <a:shade val="50000"/>
+            </a:schemeClr>
+          </a:lnRef>
+          <a:fillRef idx="1">
+            <a:schemeClr val="accent1"/>
+          </a:fillRef>
+          <a:effectRef idx="0">
+            <a:schemeClr val="accent1"/>
+          </a:effectRef>
+          <a:fontRef idx="minor">
+            <a:schemeClr val="lt1"/>
+          </a:fontRef>
+        </p:style>
+        <p:txBody>
+          <a:bodyPr rtlCol="0" anchor="ctr"/>
+          <a:lstStyle/>
+          <a:p>
+            <a:pPr algn="ctr"/>
+            <a:endParaRPr kumimoji="1" lang="ja-JP" altLang="en-US"/>
+          </a:p>
+        </p:txBody>
+      </p:sp>
+      <p:sp>
+        <p:nvSpPr>
+          <p:cNvPr id="77" name="正方形/長方形 76">
+            <a:extLst>
+              <a:ext uri="{FF2B5EF4-FFF2-40B4-BE49-F238E27FC236}">
+                <a16:creationId xmlns:a16="http://schemas.microsoft.com/office/drawing/2014/main" id="{68F6598A-5063-9D44-9A21-3DAD120D63A1}"/>
+              </a:ext>
+            </a:extLst>
+          </p:cNvPr>
+          <p:cNvSpPr/>
+          <p:nvPr/>
+        </p:nvSpPr>
+        <p:spPr>
+          <a:xfrm>
+            <a:off x="4932040" y="1067138"/>
+            <a:ext cx="547261" cy="547261"/>
+          </a:xfrm>
+          <a:prstGeom prst="rect">
+            <a:avLst/>
+          </a:prstGeom>
+          <a:solidFill>
+            <a:schemeClr val="bg1">
+              <a:lumMod val="50000"/>
+            </a:schemeClr>
+          </a:solidFill>
+          <a:ln w="38100">
+            <a:solidFill>
+              <a:schemeClr val="accent1">
+                <a:lumMod val="40000"/>
+                <a:lumOff val="60000"/>
+              </a:schemeClr>
+            </a:solidFill>
+          </a:ln>
+        </p:spPr>
+        <p:style>
+          <a:lnRef idx="2">
+            <a:schemeClr val="accent1">
+              <a:shade val="50000"/>
+            </a:schemeClr>
+          </a:lnRef>
+          <a:fillRef idx="1">
+            <a:schemeClr val="accent1"/>
+          </a:fillRef>
+          <a:effectRef idx="0">
+            <a:schemeClr val="accent1"/>
+          </a:effectRef>
+          <a:fontRef idx="minor">
+            <a:schemeClr val="lt1"/>
+          </a:fontRef>
+        </p:style>
+        <p:txBody>
+          <a:bodyPr rtlCol="0" anchor="ctr"/>
+          <a:lstStyle/>
+          <a:p>
+            <a:pPr algn="ctr"/>
+            <a:endParaRPr kumimoji="1" lang="ja-JP" altLang="en-US"/>
+          </a:p>
+        </p:txBody>
+      </p:sp>
+      <p:sp>
+        <p:nvSpPr>
+          <p:cNvPr id="78" name="正方形/長方形 77">
+            <a:extLst>
+              <a:ext uri="{FF2B5EF4-FFF2-40B4-BE49-F238E27FC236}">
+                <a16:creationId xmlns:a16="http://schemas.microsoft.com/office/drawing/2014/main" id="{DFECEE64-8E31-184E-965E-C1235CCDBF5C}"/>
+              </a:ext>
+            </a:extLst>
+          </p:cNvPr>
+          <p:cNvSpPr/>
+          <p:nvPr/>
+        </p:nvSpPr>
+        <p:spPr>
+          <a:xfrm>
+            <a:off x="4932040" y="1614399"/>
+            <a:ext cx="547261" cy="547261"/>
+          </a:xfrm>
+          <a:prstGeom prst="rect">
+            <a:avLst/>
+          </a:prstGeom>
+          <a:solidFill>
+            <a:schemeClr val="bg1">
+              <a:lumMod val="50000"/>
+            </a:schemeClr>
+          </a:solidFill>
+          <a:ln w="38100">
+            <a:solidFill>
+              <a:schemeClr val="accent1">
+                <a:lumMod val="40000"/>
+                <a:lumOff val="60000"/>
+              </a:schemeClr>
+            </a:solidFill>
+          </a:ln>
+        </p:spPr>
+        <p:style>
+          <a:lnRef idx="2">
+            <a:schemeClr val="accent1">
+              <a:shade val="50000"/>
+            </a:schemeClr>
+          </a:lnRef>
+          <a:fillRef idx="1">
+            <a:schemeClr val="accent1"/>
+          </a:fillRef>
+          <a:effectRef idx="0">
+            <a:schemeClr val="accent1"/>
+          </a:effectRef>
+          <a:fontRef idx="minor">
+            <a:schemeClr val="lt1"/>
+          </a:fontRef>
+        </p:style>
+        <p:txBody>
+          <a:bodyPr rtlCol="0" anchor="ctr"/>
+          <a:lstStyle/>
+          <a:p>
+            <a:pPr algn="ctr"/>
+            <a:endParaRPr kumimoji="1" lang="ja-JP" altLang="en-US"/>
+          </a:p>
+        </p:txBody>
+      </p:sp>
+      <p:sp>
+        <p:nvSpPr>
+          <p:cNvPr id="79" name="正方形/長方形 78">
+            <a:extLst>
+              <a:ext uri="{FF2B5EF4-FFF2-40B4-BE49-F238E27FC236}">
+                <a16:creationId xmlns:a16="http://schemas.microsoft.com/office/drawing/2014/main" id="{F46146D4-088F-634B-9D3B-5E9B6DFCEAE8}"/>
+              </a:ext>
+            </a:extLst>
+          </p:cNvPr>
+          <p:cNvSpPr/>
+          <p:nvPr/>
+        </p:nvSpPr>
+        <p:spPr>
+          <a:xfrm>
+            <a:off x="4932040" y="2161659"/>
+            <a:ext cx="547261" cy="547261"/>
+          </a:xfrm>
+          <a:prstGeom prst="rect">
+            <a:avLst/>
+          </a:prstGeom>
+          <a:solidFill>
+            <a:schemeClr val="bg1">
+              <a:lumMod val="50000"/>
+            </a:schemeClr>
+          </a:solidFill>
+          <a:ln w="38100">
+            <a:solidFill>
+              <a:schemeClr val="accent1">
+                <a:lumMod val="40000"/>
+                <a:lumOff val="60000"/>
+              </a:schemeClr>
+            </a:solidFill>
+          </a:ln>
+        </p:spPr>
+        <p:style>
+          <a:lnRef idx="2">
+            <a:schemeClr val="accent1">
+              <a:shade val="50000"/>
+            </a:schemeClr>
+          </a:lnRef>
+          <a:fillRef idx="1">
+            <a:schemeClr val="accent1"/>
+          </a:fillRef>
+          <a:effectRef idx="0">
+            <a:schemeClr val="accent1"/>
+          </a:effectRef>
+          <a:fontRef idx="minor">
+            <a:schemeClr val="lt1"/>
+          </a:fontRef>
+        </p:style>
+        <p:txBody>
+          <a:bodyPr rtlCol="0" anchor="ctr"/>
+          <a:lstStyle/>
+          <a:p>
+            <a:pPr algn="ctr"/>
+            <a:endParaRPr kumimoji="1" lang="ja-JP" altLang="en-US"/>
+          </a:p>
+        </p:txBody>
+      </p:sp>
+      <p:sp>
+        <p:nvSpPr>
+          <p:cNvPr id="80" name="正方形/長方形 79">
+            <a:extLst>
+              <a:ext uri="{FF2B5EF4-FFF2-40B4-BE49-F238E27FC236}">
+                <a16:creationId xmlns:a16="http://schemas.microsoft.com/office/drawing/2014/main" id="{40A082D3-BBC8-A140-B222-824B2D44D9C7}"/>
+              </a:ext>
+            </a:extLst>
+          </p:cNvPr>
+          <p:cNvSpPr/>
+          <p:nvPr/>
+        </p:nvSpPr>
+        <p:spPr>
+          <a:xfrm>
+            <a:off x="5479301" y="519877"/>
+            <a:ext cx="547261" cy="547261"/>
+          </a:xfrm>
+          <a:prstGeom prst="rect">
+            <a:avLst/>
+          </a:prstGeom>
+          <a:solidFill>
+            <a:schemeClr val="bg1"/>
+          </a:solidFill>
+          <a:ln w="38100">
+            <a:solidFill>
+              <a:schemeClr val="accent1">
+                <a:lumMod val="40000"/>
+                <a:lumOff val="60000"/>
+              </a:schemeClr>
+            </a:solidFill>
+          </a:ln>
+        </p:spPr>
+        <p:style>
+          <a:lnRef idx="2">
+            <a:schemeClr val="accent1">
+              <a:shade val="50000"/>
+            </a:schemeClr>
+          </a:lnRef>
+          <a:fillRef idx="1">
+            <a:schemeClr val="accent1"/>
+          </a:fillRef>
+          <a:effectRef idx="0">
+            <a:schemeClr val="accent1"/>
+          </a:effectRef>
+          <a:fontRef idx="minor">
+            <a:schemeClr val="lt1"/>
+          </a:fontRef>
+        </p:style>
+        <p:txBody>
+          <a:bodyPr rtlCol="0" anchor="ctr"/>
+          <a:lstStyle/>
+          <a:p>
+            <a:pPr algn="ctr"/>
+            <a:endParaRPr kumimoji="1" lang="ja-JP" altLang="en-US"/>
+          </a:p>
+        </p:txBody>
+      </p:sp>
+      <p:sp>
+        <p:nvSpPr>
+          <p:cNvPr id="81" name="正方形/長方形 80">
+            <a:extLst>
+              <a:ext uri="{FF2B5EF4-FFF2-40B4-BE49-F238E27FC236}">
+                <a16:creationId xmlns:a16="http://schemas.microsoft.com/office/drawing/2014/main" id="{315740F9-9F34-844D-8A8F-5ADEA4F81477}"/>
+              </a:ext>
+            </a:extLst>
+          </p:cNvPr>
+          <p:cNvSpPr/>
+          <p:nvPr/>
+        </p:nvSpPr>
+        <p:spPr>
+          <a:xfrm>
+            <a:off x="5479301" y="1067138"/>
+            <a:ext cx="547261" cy="547261"/>
+          </a:xfrm>
+          <a:prstGeom prst="rect">
+            <a:avLst/>
+          </a:prstGeom>
+          <a:solidFill>
+            <a:schemeClr val="bg1"/>
+          </a:solidFill>
+          <a:ln w="38100">
+            <a:solidFill>
+              <a:schemeClr val="accent1">
+                <a:lumMod val="40000"/>
+                <a:lumOff val="60000"/>
+              </a:schemeClr>
+            </a:solidFill>
+          </a:ln>
+        </p:spPr>
+        <p:style>
+          <a:lnRef idx="2">
+            <a:schemeClr val="accent1">
+              <a:shade val="50000"/>
+            </a:schemeClr>
+          </a:lnRef>
+          <a:fillRef idx="1">
+            <a:schemeClr val="accent1"/>
+          </a:fillRef>
+          <a:effectRef idx="0">
+            <a:schemeClr val="accent1"/>
+          </a:effectRef>
+          <a:fontRef idx="minor">
+            <a:schemeClr val="lt1"/>
+          </a:fontRef>
+        </p:style>
+        <p:txBody>
+          <a:bodyPr rtlCol="0" anchor="ctr"/>
+          <a:lstStyle/>
+          <a:p>
+            <a:pPr algn="ctr"/>
+            <a:endParaRPr kumimoji="1" lang="ja-JP" altLang="en-US"/>
+          </a:p>
+        </p:txBody>
+      </p:sp>
+      <p:sp>
+        <p:nvSpPr>
+          <p:cNvPr id="82" name="正方形/長方形 81">
+            <a:extLst>
+              <a:ext uri="{FF2B5EF4-FFF2-40B4-BE49-F238E27FC236}">
+                <a16:creationId xmlns:a16="http://schemas.microsoft.com/office/drawing/2014/main" id="{2FC4E6D3-289A-C746-BAA4-511B433DA8F1}"/>
+              </a:ext>
+            </a:extLst>
+          </p:cNvPr>
+          <p:cNvSpPr/>
+          <p:nvPr/>
+        </p:nvSpPr>
+        <p:spPr>
+          <a:xfrm>
+            <a:off x="5479301" y="1614399"/>
+            <a:ext cx="547261" cy="547261"/>
+          </a:xfrm>
+          <a:prstGeom prst="rect">
+            <a:avLst/>
+          </a:prstGeom>
+          <a:solidFill>
+            <a:schemeClr val="bg1"/>
+          </a:solidFill>
+          <a:ln w="38100">
+            <a:solidFill>
+              <a:schemeClr val="accent1">
+                <a:lumMod val="40000"/>
+                <a:lumOff val="60000"/>
+              </a:schemeClr>
+            </a:solidFill>
+          </a:ln>
+        </p:spPr>
+        <p:style>
+          <a:lnRef idx="2">
+            <a:schemeClr val="accent1">
+              <a:shade val="50000"/>
+            </a:schemeClr>
+          </a:lnRef>
+          <a:fillRef idx="1">
+            <a:schemeClr val="accent1"/>
+          </a:fillRef>
+          <a:effectRef idx="0">
+            <a:schemeClr val="accent1"/>
+          </a:effectRef>
+          <a:fontRef idx="minor">
+            <a:schemeClr val="lt1"/>
+          </a:fontRef>
+        </p:style>
+        <p:txBody>
+          <a:bodyPr rtlCol="0" anchor="ctr"/>
+          <a:lstStyle/>
+          <a:p>
+            <a:pPr algn="ctr"/>
+            <a:endParaRPr kumimoji="1" lang="ja-JP" altLang="en-US"/>
+          </a:p>
+        </p:txBody>
+      </p:sp>
+      <p:sp>
+        <p:nvSpPr>
+          <p:cNvPr id="83" name="正方形/長方形 82">
+            <a:extLst>
+              <a:ext uri="{FF2B5EF4-FFF2-40B4-BE49-F238E27FC236}">
+                <a16:creationId xmlns:a16="http://schemas.microsoft.com/office/drawing/2014/main" id="{4E56767C-184C-BE44-955A-71EDE3EF8189}"/>
+              </a:ext>
+            </a:extLst>
+          </p:cNvPr>
+          <p:cNvSpPr/>
+          <p:nvPr/>
+        </p:nvSpPr>
+        <p:spPr>
+          <a:xfrm>
+            <a:off x="5479301" y="2161659"/>
+            <a:ext cx="547261" cy="547261"/>
+          </a:xfrm>
+          <a:prstGeom prst="rect">
+            <a:avLst/>
+          </a:prstGeom>
+          <a:solidFill>
+            <a:schemeClr val="bg1"/>
+          </a:solidFill>
+          <a:ln w="38100">
+            <a:solidFill>
+              <a:schemeClr val="accent1">
+                <a:lumMod val="40000"/>
+                <a:lumOff val="60000"/>
+              </a:schemeClr>
+            </a:solidFill>
+          </a:ln>
+        </p:spPr>
+        <p:style>
+          <a:lnRef idx="2">
+            <a:schemeClr val="accent1">
+              <a:shade val="50000"/>
+            </a:schemeClr>
+          </a:lnRef>
+          <a:fillRef idx="1">
+            <a:schemeClr val="accent1"/>
+          </a:fillRef>
+          <a:effectRef idx="0">
+            <a:schemeClr val="accent1"/>
+          </a:effectRef>
+          <a:fontRef idx="minor">
+            <a:schemeClr val="lt1"/>
+          </a:fontRef>
+        </p:style>
+        <p:txBody>
+          <a:bodyPr rtlCol="0" anchor="ctr"/>
+          <a:lstStyle/>
+          <a:p>
+            <a:pPr algn="ctr"/>
+            <a:endParaRPr kumimoji="1" lang="ja-JP" altLang="en-US"/>
+          </a:p>
+        </p:txBody>
+      </p:sp>
+      <p:sp>
+        <p:nvSpPr>
+          <p:cNvPr id="84" name="正方形/長方形 83">
+            <a:extLst>
+              <a:ext uri="{FF2B5EF4-FFF2-40B4-BE49-F238E27FC236}">
+                <a16:creationId xmlns:a16="http://schemas.microsoft.com/office/drawing/2014/main" id="{E2A2AEBB-68E4-694D-9114-1D568F6C41FE}"/>
+              </a:ext>
+            </a:extLst>
+          </p:cNvPr>
+          <p:cNvSpPr/>
+          <p:nvPr/>
+        </p:nvSpPr>
+        <p:spPr>
+          <a:xfrm>
+            <a:off x="6026562" y="519877"/>
+            <a:ext cx="547261" cy="547261"/>
+          </a:xfrm>
+          <a:prstGeom prst="rect">
+            <a:avLst/>
+          </a:prstGeom>
+          <a:solidFill>
+            <a:schemeClr val="bg1">
+              <a:lumMod val="50000"/>
+            </a:schemeClr>
+          </a:solidFill>
+          <a:ln w="38100">
+            <a:solidFill>
+              <a:schemeClr val="accent1">
+                <a:lumMod val="40000"/>
+                <a:lumOff val="60000"/>
+              </a:schemeClr>
+            </a:solidFill>
+          </a:ln>
+        </p:spPr>
+        <p:style>
+          <a:lnRef idx="2">
+            <a:schemeClr val="accent1">
+              <a:shade val="50000"/>
+            </a:schemeClr>
+          </a:lnRef>
+          <a:fillRef idx="1">
+            <a:schemeClr val="accent1"/>
+          </a:fillRef>
+          <a:effectRef idx="0">
+            <a:schemeClr val="accent1"/>
+          </a:effectRef>
+          <a:fontRef idx="minor">
+            <a:schemeClr val="lt1"/>
+          </a:fontRef>
+        </p:style>
+        <p:txBody>
+          <a:bodyPr rtlCol="0" anchor="ctr"/>
+          <a:lstStyle/>
+          <a:p>
+            <a:pPr algn="ctr"/>
+            <a:endParaRPr kumimoji="1" lang="ja-JP" altLang="en-US"/>
+          </a:p>
+        </p:txBody>
+      </p:sp>
+      <p:sp>
+        <p:nvSpPr>
+          <p:cNvPr id="85" name="正方形/長方形 84">
+            <a:extLst>
+              <a:ext uri="{FF2B5EF4-FFF2-40B4-BE49-F238E27FC236}">
+                <a16:creationId xmlns:a16="http://schemas.microsoft.com/office/drawing/2014/main" id="{71F71825-9E1A-C64C-B792-98EEC4EAF49E}"/>
+              </a:ext>
+            </a:extLst>
+          </p:cNvPr>
+          <p:cNvSpPr/>
+          <p:nvPr/>
+        </p:nvSpPr>
+        <p:spPr>
+          <a:xfrm>
+            <a:off x="6026562" y="1067138"/>
+            <a:ext cx="547261" cy="547261"/>
+          </a:xfrm>
+          <a:prstGeom prst="rect">
+            <a:avLst/>
+          </a:prstGeom>
+          <a:solidFill>
+            <a:schemeClr val="bg1"/>
+          </a:solidFill>
+          <a:ln w="38100">
+            <a:solidFill>
+              <a:schemeClr val="accent1">
+                <a:lumMod val="40000"/>
+                <a:lumOff val="60000"/>
+              </a:schemeClr>
+            </a:solidFill>
+          </a:ln>
+        </p:spPr>
+        <p:style>
+          <a:lnRef idx="2">
+            <a:schemeClr val="accent1">
+              <a:shade val="50000"/>
+            </a:schemeClr>
+          </a:lnRef>
+          <a:fillRef idx="1">
+            <a:schemeClr val="accent1"/>
+          </a:fillRef>
+          <a:effectRef idx="0">
+            <a:schemeClr val="accent1"/>
+          </a:effectRef>
+          <a:fontRef idx="minor">
+            <a:schemeClr val="lt1"/>
+          </a:fontRef>
+        </p:style>
+        <p:txBody>
+          <a:bodyPr rtlCol="0" anchor="ctr"/>
+          <a:lstStyle/>
+          <a:p>
+            <a:pPr algn="ctr"/>
+            <a:endParaRPr kumimoji="1" lang="ja-JP" altLang="en-US"/>
+          </a:p>
+        </p:txBody>
+      </p:sp>
+      <p:sp>
+        <p:nvSpPr>
+          <p:cNvPr id="86" name="正方形/長方形 85">
+            <a:extLst>
+              <a:ext uri="{FF2B5EF4-FFF2-40B4-BE49-F238E27FC236}">
+                <a16:creationId xmlns:a16="http://schemas.microsoft.com/office/drawing/2014/main" id="{8184D137-06BA-6642-9F85-307D2D33DE1F}"/>
+              </a:ext>
+            </a:extLst>
+          </p:cNvPr>
+          <p:cNvSpPr/>
+          <p:nvPr/>
+        </p:nvSpPr>
+        <p:spPr>
+          <a:xfrm>
+            <a:off x="6026562" y="1614399"/>
+            <a:ext cx="547261" cy="547261"/>
+          </a:xfrm>
+          <a:prstGeom prst="rect">
+            <a:avLst/>
+          </a:prstGeom>
+          <a:solidFill>
+            <a:schemeClr val="bg1">
+              <a:lumMod val="50000"/>
+            </a:schemeClr>
+          </a:solidFill>
+          <a:ln w="38100">
+            <a:solidFill>
+              <a:schemeClr val="accent1">
+                <a:lumMod val="40000"/>
+                <a:lumOff val="60000"/>
+              </a:schemeClr>
+            </a:solidFill>
+          </a:ln>
+        </p:spPr>
+        <p:style>
+          <a:lnRef idx="2">
+            <a:schemeClr val="accent1">
+              <a:shade val="50000"/>
+            </a:schemeClr>
+          </a:lnRef>
+          <a:fillRef idx="1">
+            <a:schemeClr val="accent1"/>
+          </a:fillRef>
+          <a:effectRef idx="0">
+            <a:schemeClr val="accent1"/>
+          </a:effectRef>
+          <a:fontRef idx="minor">
+            <a:schemeClr val="lt1"/>
+          </a:fontRef>
+        </p:style>
+        <p:txBody>
+          <a:bodyPr rtlCol="0" anchor="ctr"/>
+          <a:lstStyle/>
+          <a:p>
+            <a:pPr algn="ctr"/>
+            <a:endParaRPr kumimoji="1" lang="ja-JP" altLang="en-US"/>
+          </a:p>
+        </p:txBody>
+      </p:sp>
+      <p:sp>
+        <p:nvSpPr>
+          <p:cNvPr id="87" name="正方形/長方形 86">
+            <a:extLst>
+              <a:ext uri="{FF2B5EF4-FFF2-40B4-BE49-F238E27FC236}">
+                <a16:creationId xmlns:a16="http://schemas.microsoft.com/office/drawing/2014/main" id="{B5624806-6698-AA4A-8C0F-02F9E7929651}"/>
+              </a:ext>
+            </a:extLst>
+          </p:cNvPr>
+          <p:cNvSpPr/>
+          <p:nvPr/>
+        </p:nvSpPr>
+        <p:spPr>
+          <a:xfrm>
+            <a:off x="6026562" y="2161659"/>
+            <a:ext cx="547261" cy="547261"/>
+          </a:xfrm>
+          <a:prstGeom prst="rect">
+            <a:avLst/>
+          </a:prstGeom>
+          <a:solidFill>
+            <a:schemeClr val="bg1">
+              <a:lumMod val="50000"/>
+            </a:schemeClr>
+          </a:solidFill>
+          <a:ln w="38100">
+            <a:solidFill>
+              <a:schemeClr val="accent1">
+                <a:lumMod val="40000"/>
+                <a:lumOff val="60000"/>
+              </a:schemeClr>
+            </a:solidFill>
+          </a:ln>
+        </p:spPr>
+        <p:style>
+          <a:lnRef idx="2">
+            <a:schemeClr val="accent1">
+              <a:shade val="50000"/>
+            </a:schemeClr>
+          </a:lnRef>
+          <a:fillRef idx="1">
+            <a:schemeClr val="accent1"/>
+          </a:fillRef>
+          <a:effectRef idx="0">
+            <a:schemeClr val="accent1"/>
+          </a:effectRef>
+          <a:fontRef idx="minor">
+            <a:schemeClr val="lt1"/>
+          </a:fontRef>
+        </p:style>
+        <p:txBody>
+          <a:bodyPr rtlCol="0" anchor="ctr"/>
+          <a:lstStyle/>
+          <a:p>
+            <a:pPr algn="ctr"/>
+            <a:endParaRPr kumimoji="1" lang="ja-JP" altLang="en-US"/>
+          </a:p>
+        </p:txBody>
+      </p:sp>
+      <p:sp>
+        <p:nvSpPr>
+          <p:cNvPr id="88" name="正方形/長方形 87">
+            <a:extLst>
+              <a:ext uri="{FF2B5EF4-FFF2-40B4-BE49-F238E27FC236}">
+                <a16:creationId xmlns:a16="http://schemas.microsoft.com/office/drawing/2014/main" id="{29A1469D-B8F8-2A4F-AE40-3F3C7BBD8AC2}"/>
+              </a:ext>
+            </a:extLst>
+          </p:cNvPr>
+          <p:cNvSpPr/>
+          <p:nvPr/>
+        </p:nvSpPr>
+        <p:spPr>
+          <a:xfrm>
+            <a:off x="6573822" y="519877"/>
+            <a:ext cx="547261" cy="547261"/>
+          </a:xfrm>
+          <a:prstGeom prst="rect">
+            <a:avLst/>
+          </a:prstGeom>
+          <a:solidFill>
+            <a:schemeClr val="bg1">
+              <a:lumMod val="50000"/>
+            </a:schemeClr>
+          </a:solidFill>
+          <a:ln w="38100">
+            <a:solidFill>
+              <a:schemeClr val="accent1">
+                <a:lumMod val="40000"/>
+                <a:lumOff val="60000"/>
+              </a:schemeClr>
+            </a:solidFill>
+          </a:ln>
+        </p:spPr>
+        <p:style>
+          <a:lnRef idx="2">
+            <a:schemeClr val="accent1">
+              <a:shade val="50000"/>
+            </a:schemeClr>
+          </a:lnRef>
+          <a:fillRef idx="1">
+            <a:schemeClr val="accent1"/>
+          </a:fillRef>
+          <a:effectRef idx="0">
+            <a:schemeClr val="accent1"/>
+          </a:effectRef>
+          <a:fontRef idx="minor">
+            <a:schemeClr val="lt1"/>
+          </a:fontRef>
+        </p:style>
+        <p:txBody>
+          <a:bodyPr rtlCol="0" anchor="ctr"/>
+          <a:lstStyle/>
+          <a:p>
+            <a:pPr algn="ctr"/>
+            <a:endParaRPr kumimoji="1" lang="ja-JP" altLang="en-US"/>
+          </a:p>
+        </p:txBody>
+      </p:sp>
+      <p:sp>
+        <p:nvSpPr>
+          <p:cNvPr id="89" name="正方形/長方形 88">
+            <a:extLst>
+              <a:ext uri="{FF2B5EF4-FFF2-40B4-BE49-F238E27FC236}">
+                <a16:creationId xmlns:a16="http://schemas.microsoft.com/office/drawing/2014/main" id="{3E3B06E7-6D5D-DA41-BAE8-667FF36B96FE}"/>
+              </a:ext>
+            </a:extLst>
+          </p:cNvPr>
+          <p:cNvSpPr/>
+          <p:nvPr/>
+        </p:nvSpPr>
+        <p:spPr>
+          <a:xfrm>
+            <a:off x="6573822" y="1067138"/>
+            <a:ext cx="547261" cy="547261"/>
+          </a:xfrm>
+          <a:prstGeom prst="rect">
+            <a:avLst/>
+          </a:prstGeom>
+          <a:solidFill>
+            <a:schemeClr val="bg1"/>
+          </a:solidFill>
+          <a:ln w="38100">
+            <a:solidFill>
+              <a:schemeClr val="accent1">
+                <a:lumMod val="40000"/>
+                <a:lumOff val="60000"/>
+              </a:schemeClr>
+            </a:solidFill>
+          </a:ln>
+        </p:spPr>
+        <p:style>
+          <a:lnRef idx="2">
+            <a:schemeClr val="accent1">
+              <a:shade val="50000"/>
+            </a:schemeClr>
+          </a:lnRef>
+          <a:fillRef idx="1">
+            <a:schemeClr val="accent1"/>
+          </a:fillRef>
+          <a:effectRef idx="0">
+            <a:schemeClr val="accent1"/>
+          </a:effectRef>
+          <a:fontRef idx="minor">
+            <a:schemeClr val="lt1"/>
+          </a:fontRef>
+        </p:style>
+        <p:txBody>
+          <a:bodyPr rtlCol="0" anchor="ctr"/>
+          <a:lstStyle/>
+          <a:p>
+            <a:pPr algn="ctr"/>
+            <a:endParaRPr kumimoji="1" lang="ja-JP" altLang="en-US"/>
+          </a:p>
+        </p:txBody>
+      </p:sp>
+      <p:sp>
+        <p:nvSpPr>
+          <p:cNvPr id="90" name="正方形/長方形 89">
+            <a:extLst>
+              <a:ext uri="{FF2B5EF4-FFF2-40B4-BE49-F238E27FC236}">
+                <a16:creationId xmlns:a16="http://schemas.microsoft.com/office/drawing/2014/main" id="{82FE18D3-1C71-6141-8F25-4FA7060BD37D}"/>
+              </a:ext>
+            </a:extLst>
+          </p:cNvPr>
+          <p:cNvSpPr/>
+          <p:nvPr/>
+        </p:nvSpPr>
+        <p:spPr>
+          <a:xfrm>
+            <a:off x="6573822" y="1614399"/>
+            <a:ext cx="547261" cy="547261"/>
+          </a:xfrm>
+          <a:prstGeom prst="rect">
+            <a:avLst/>
+          </a:prstGeom>
+          <a:solidFill>
+            <a:schemeClr val="bg1">
+              <a:lumMod val="50000"/>
+            </a:schemeClr>
+          </a:solidFill>
+          <a:ln w="38100">
+            <a:solidFill>
+              <a:schemeClr val="accent1">
+                <a:lumMod val="40000"/>
+                <a:lumOff val="60000"/>
+              </a:schemeClr>
+            </a:solidFill>
+          </a:ln>
+        </p:spPr>
+        <p:style>
+          <a:lnRef idx="2">
+            <a:schemeClr val="accent1">
+              <a:shade val="50000"/>
+            </a:schemeClr>
+          </a:lnRef>
+          <a:fillRef idx="1">
+            <a:schemeClr val="accent1"/>
+          </a:fillRef>
+          <a:effectRef idx="0">
+            <a:schemeClr val="accent1"/>
+          </a:effectRef>
+          <a:fontRef idx="minor">
+            <a:schemeClr val="lt1"/>
+          </a:fontRef>
+        </p:style>
+        <p:txBody>
+          <a:bodyPr rtlCol="0" anchor="ctr"/>
+          <a:lstStyle/>
+          <a:p>
+            <a:pPr algn="ctr"/>
+            <a:endParaRPr kumimoji="1" lang="ja-JP" altLang="en-US"/>
+          </a:p>
+        </p:txBody>
+      </p:sp>
+      <p:sp>
+        <p:nvSpPr>
+          <p:cNvPr id="91" name="正方形/長方形 90">
+            <a:extLst>
+              <a:ext uri="{FF2B5EF4-FFF2-40B4-BE49-F238E27FC236}">
+                <a16:creationId xmlns:a16="http://schemas.microsoft.com/office/drawing/2014/main" id="{C81C2F5F-F5F9-C646-8200-0268996BFE7B}"/>
+              </a:ext>
+            </a:extLst>
+          </p:cNvPr>
+          <p:cNvSpPr/>
+          <p:nvPr/>
+        </p:nvSpPr>
+        <p:spPr>
+          <a:xfrm>
+            <a:off x="6573822" y="2161659"/>
+            <a:ext cx="547261" cy="547261"/>
+          </a:xfrm>
+          <a:prstGeom prst="rect">
+            <a:avLst/>
+          </a:prstGeom>
+          <a:solidFill>
+            <a:schemeClr val="bg1"/>
+          </a:solidFill>
+          <a:ln w="38100">
+            <a:solidFill>
+              <a:schemeClr val="accent1">
+                <a:lumMod val="40000"/>
+                <a:lumOff val="60000"/>
+              </a:schemeClr>
+            </a:solidFill>
+          </a:ln>
+        </p:spPr>
+        <p:style>
+          <a:lnRef idx="2">
+            <a:schemeClr val="accent1">
+              <a:shade val="50000"/>
+            </a:schemeClr>
+          </a:lnRef>
+          <a:fillRef idx="1">
+            <a:schemeClr val="accent1"/>
+          </a:fillRef>
+          <a:effectRef idx="0">
+            <a:schemeClr val="accent1"/>
+          </a:effectRef>
+          <a:fontRef idx="minor">
+            <a:schemeClr val="lt1"/>
+          </a:fontRef>
+        </p:style>
+        <p:txBody>
+          <a:bodyPr rtlCol="0" anchor="ctr"/>
+          <a:lstStyle/>
+          <a:p>
+            <a:pPr algn="ctr"/>
+            <a:endParaRPr kumimoji="1" lang="ja-JP" altLang="en-US"/>
+          </a:p>
+        </p:txBody>
+      </p:sp>
+      <p:sp>
+        <p:nvSpPr>
+          <p:cNvPr id="92" name="正方形/長方形 91">
+            <a:extLst>
+              <a:ext uri="{FF2B5EF4-FFF2-40B4-BE49-F238E27FC236}">
+                <a16:creationId xmlns:a16="http://schemas.microsoft.com/office/drawing/2014/main" id="{6BE41937-C27B-EB4E-BD4A-7261EAAC5CC8}"/>
+              </a:ext>
+            </a:extLst>
+          </p:cNvPr>
+          <p:cNvSpPr/>
+          <p:nvPr/>
+        </p:nvSpPr>
+        <p:spPr>
+          <a:xfrm>
+            <a:off x="7121083" y="519877"/>
+            <a:ext cx="547261" cy="547261"/>
+          </a:xfrm>
+          <a:prstGeom prst="rect">
+            <a:avLst/>
+          </a:prstGeom>
+          <a:solidFill>
+            <a:schemeClr val="bg1">
+              <a:lumMod val="50000"/>
+            </a:schemeClr>
+          </a:solidFill>
+          <a:ln w="38100">
+            <a:solidFill>
+              <a:schemeClr val="accent1">
+                <a:lumMod val="40000"/>
+                <a:lumOff val="60000"/>
+              </a:schemeClr>
+            </a:solidFill>
+          </a:ln>
+        </p:spPr>
+        <p:style>
+          <a:lnRef idx="2">
+            <a:schemeClr val="accent1">
+              <a:shade val="50000"/>
+            </a:schemeClr>
+          </a:lnRef>
+          <a:fillRef idx="1">
+            <a:schemeClr val="accent1"/>
+          </a:fillRef>
+          <a:effectRef idx="0">
+            <a:schemeClr val="accent1"/>
+          </a:effectRef>
+          <a:fontRef idx="minor">
+            <a:schemeClr val="lt1"/>
+          </a:fontRef>
+        </p:style>
+        <p:txBody>
+          <a:bodyPr rtlCol="0" anchor="ctr"/>
+          <a:lstStyle/>
+          <a:p>
+            <a:pPr algn="ctr"/>
+            <a:endParaRPr kumimoji="1" lang="ja-JP" altLang="en-US"/>
+          </a:p>
+        </p:txBody>
+      </p:sp>
+      <p:sp>
+        <p:nvSpPr>
+          <p:cNvPr id="93" name="正方形/長方形 92">
+            <a:extLst>
+              <a:ext uri="{FF2B5EF4-FFF2-40B4-BE49-F238E27FC236}">
+                <a16:creationId xmlns:a16="http://schemas.microsoft.com/office/drawing/2014/main" id="{D6FD3448-0E8D-FE48-96E4-AF7DB2CED73A}"/>
+              </a:ext>
+            </a:extLst>
+          </p:cNvPr>
+          <p:cNvSpPr/>
+          <p:nvPr/>
+        </p:nvSpPr>
+        <p:spPr>
+          <a:xfrm>
+            <a:off x="7121083" y="1067138"/>
+            <a:ext cx="547261" cy="547261"/>
+          </a:xfrm>
+          <a:prstGeom prst="rect">
+            <a:avLst/>
+          </a:prstGeom>
+          <a:solidFill>
+            <a:schemeClr val="bg1"/>
+          </a:solidFill>
+          <a:ln w="38100">
+            <a:solidFill>
+              <a:schemeClr val="accent1">
+                <a:lumMod val="40000"/>
+                <a:lumOff val="60000"/>
+              </a:schemeClr>
+            </a:solidFill>
+          </a:ln>
+        </p:spPr>
+        <p:style>
+          <a:lnRef idx="2">
+            <a:schemeClr val="accent1">
+              <a:shade val="50000"/>
+            </a:schemeClr>
+          </a:lnRef>
+          <a:fillRef idx="1">
+            <a:schemeClr val="accent1"/>
+          </a:fillRef>
+          <a:effectRef idx="0">
+            <a:schemeClr val="accent1"/>
+          </a:effectRef>
+          <a:fontRef idx="minor">
+            <a:schemeClr val="lt1"/>
+          </a:fontRef>
+        </p:style>
+        <p:txBody>
+          <a:bodyPr rtlCol="0" anchor="ctr"/>
+          <a:lstStyle/>
+          <a:p>
+            <a:pPr algn="ctr"/>
+            <a:endParaRPr kumimoji="1" lang="ja-JP" altLang="en-US"/>
+          </a:p>
+        </p:txBody>
+      </p:sp>
+      <p:sp>
+        <p:nvSpPr>
+          <p:cNvPr id="94" name="正方形/長方形 93">
+            <a:extLst>
+              <a:ext uri="{FF2B5EF4-FFF2-40B4-BE49-F238E27FC236}">
+                <a16:creationId xmlns:a16="http://schemas.microsoft.com/office/drawing/2014/main" id="{3D39AF53-937C-304F-BC6C-BBDCD3797367}"/>
+              </a:ext>
+            </a:extLst>
+          </p:cNvPr>
+          <p:cNvSpPr/>
+          <p:nvPr/>
+        </p:nvSpPr>
+        <p:spPr>
+          <a:xfrm>
+            <a:off x="7121083" y="1614399"/>
+            <a:ext cx="547261" cy="547261"/>
+          </a:xfrm>
+          <a:prstGeom prst="rect">
+            <a:avLst/>
+          </a:prstGeom>
+          <a:solidFill>
+            <a:schemeClr val="bg1"/>
+          </a:solidFill>
+          <a:ln w="38100">
+            <a:solidFill>
+              <a:schemeClr val="accent1">
+                <a:lumMod val="40000"/>
+                <a:lumOff val="60000"/>
+              </a:schemeClr>
+            </a:solidFill>
+          </a:ln>
+        </p:spPr>
+        <p:style>
+          <a:lnRef idx="2">
+            <a:schemeClr val="accent1">
+              <a:shade val="50000"/>
+            </a:schemeClr>
+          </a:lnRef>
+          <a:fillRef idx="1">
+            <a:schemeClr val="accent1"/>
+          </a:fillRef>
+          <a:effectRef idx="0">
+            <a:schemeClr val="accent1"/>
+          </a:effectRef>
+          <a:fontRef idx="minor">
+            <a:schemeClr val="lt1"/>
+          </a:fontRef>
+        </p:style>
+        <p:txBody>
+          <a:bodyPr rtlCol="0" anchor="ctr"/>
+          <a:lstStyle/>
+          <a:p>
+            <a:pPr algn="ctr"/>
+            <a:endParaRPr kumimoji="1" lang="ja-JP" altLang="en-US"/>
+          </a:p>
+        </p:txBody>
+      </p:sp>
+      <p:sp>
+        <p:nvSpPr>
+          <p:cNvPr id="95" name="正方形/長方形 94">
+            <a:extLst>
+              <a:ext uri="{FF2B5EF4-FFF2-40B4-BE49-F238E27FC236}">
+                <a16:creationId xmlns:a16="http://schemas.microsoft.com/office/drawing/2014/main" id="{4DBFDA5B-1386-2941-87E1-AB1A9D2897D5}"/>
+              </a:ext>
+            </a:extLst>
+          </p:cNvPr>
+          <p:cNvSpPr/>
+          <p:nvPr/>
+        </p:nvSpPr>
+        <p:spPr>
+          <a:xfrm>
+            <a:off x="7121083" y="2161659"/>
+            <a:ext cx="547261" cy="547261"/>
+          </a:xfrm>
+          <a:prstGeom prst="rect">
+            <a:avLst/>
+          </a:prstGeom>
+          <a:solidFill>
+            <a:schemeClr val="bg1"/>
+          </a:solidFill>
+          <a:ln w="38100">
+            <a:solidFill>
+              <a:schemeClr val="accent1">
+                <a:lumMod val="40000"/>
+                <a:lumOff val="60000"/>
+              </a:schemeClr>
+            </a:solidFill>
+          </a:ln>
+        </p:spPr>
+        <p:style>
+          <a:lnRef idx="2">
+            <a:schemeClr val="accent1">
+              <a:shade val="50000"/>
+            </a:schemeClr>
+          </a:lnRef>
+          <a:fillRef idx="1">
+            <a:schemeClr val="accent1"/>
+          </a:fillRef>
+          <a:effectRef idx="0">
+            <a:schemeClr val="accent1"/>
+          </a:effectRef>
+          <a:fontRef idx="minor">
+            <a:schemeClr val="lt1"/>
+          </a:fontRef>
+        </p:style>
+        <p:txBody>
+          <a:bodyPr rtlCol="0" anchor="ctr"/>
+          <a:lstStyle/>
+          <a:p>
+            <a:pPr algn="ctr"/>
+            <a:endParaRPr kumimoji="1" lang="ja-JP" altLang="en-US"/>
+          </a:p>
+        </p:txBody>
+      </p:sp>
+      <p:sp>
+        <p:nvSpPr>
+          <p:cNvPr id="96" name="正方形/長方形 95">
+            <a:extLst>
+              <a:ext uri="{FF2B5EF4-FFF2-40B4-BE49-F238E27FC236}">
+                <a16:creationId xmlns:a16="http://schemas.microsoft.com/office/drawing/2014/main" id="{0DDCD38B-5075-8A4B-B99E-FCD2BCA2A600}"/>
+              </a:ext>
+            </a:extLst>
+          </p:cNvPr>
+          <p:cNvSpPr/>
+          <p:nvPr/>
+        </p:nvSpPr>
+        <p:spPr>
+          <a:xfrm>
+            <a:off x="7668344" y="519877"/>
+            <a:ext cx="547261" cy="547261"/>
+          </a:xfrm>
+          <a:prstGeom prst="rect">
+            <a:avLst/>
+          </a:prstGeom>
+          <a:solidFill>
+            <a:schemeClr val="bg1">
+              <a:lumMod val="50000"/>
+            </a:schemeClr>
+          </a:solidFill>
+          <a:ln w="38100">
+            <a:solidFill>
+              <a:schemeClr val="accent1">
+                <a:lumMod val="40000"/>
+                <a:lumOff val="60000"/>
+              </a:schemeClr>
+            </a:solidFill>
+          </a:ln>
+        </p:spPr>
+        <p:style>
+          <a:lnRef idx="2">
+            <a:schemeClr val="accent1">
+              <a:shade val="50000"/>
+            </a:schemeClr>
+          </a:lnRef>
+          <a:fillRef idx="1">
+            <a:schemeClr val="accent1"/>
+          </a:fillRef>
+          <a:effectRef idx="0">
+            <a:schemeClr val="accent1"/>
+          </a:effectRef>
+          <a:fontRef idx="minor">
+            <a:schemeClr val="lt1"/>
+          </a:fontRef>
+        </p:style>
+        <p:txBody>
+          <a:bodyPr rtlCol="0" anchor="ctr"/>
+          <a:lstStyle/>
+          <a:p>
+            <a:pPr algn="ctr"/>
+            <a:endParaRPr kumimoji="1" lang="ja-JP" altLang="en-US"/>
+          </a:p>
+        </p:txBody>
+      </p:sp>
+      <p:sp>
+        <p:nvSpPr>
+          <p:cNvPr id="97" name="正方形/長方形 96">
+            <a:extLst>
+              <a:ext uri="{FF2B5EF4-FFF2-40B4-BE49-F238E27FC236}">
+                <a16:creationId xmlns:a16="http://schemas.microsoft.com/office/drawing/2014/main" id="{2A5D5678-F685-5847-98F1-B07899AC107E}"/>
+              </a:ext>
+            </a:extLst>
+          </p:cNvPr>
+          <p:cNvSpPr/>
+          <p:nvPr/>
+        </p:nvSpPr>
+        <p:spPr>
+          <a:xfrm>
+            <a:off x="7668344" y="1067138"/>
+            <a:ext cx="547261" cy="547261"/>
+          </a:xfrm>
+          <a:prstGeom prst="rect">
+            <a:avLst/>
+          </a:prstGeom>
+          <a:solidFill>
+            <a:schemeClr val="bg1">
+              <a:lumMod val="50000"/>
+            </a:schemeClr>
+          </a:solidFill>
+          <a:ln w="38100">
+            <a:solidFill>
+              <a:schemeClr val="accent1">
+                <a:lumMod val="40000"/>
+                <a:lumOff val="60000"/>
+              </a:schemeClr>
+            </a:solidFill>
+          </a:ln>
+        </p:spPr>
+        <p:style>
+          <a:lnRef idx="2">
+            <a:schemeClr val="accent1">
+              <a:shade val="50000"/>
+            </a:schemeClr>
+          </a:lnRef>
+          <a:fillRef idx="1">
+            <a:schemeClr val="accent1"/>
+          </a:fillRef>
+          <a:effectRef idx="0">
+            <a:schemeClr val="accent1"/>
+          </a:effectRef>
+          <a:fontRef idx="minor">
+            <a:schemeClr val="lt1"/>
+          </a:fontRef>
+        </p:style>
+        <p:txBody>
+          <a:bodyPr rtlCol="0" anchor="ctr"/>
+          <a:lstStyle/>
+          <a:p>
+            <a:pPr algn="ctr"/>
+            <a:endParaRPr kumimoji="1" lang="ja-JP" altLang="en-US"/>
+          </a:p>
+        </p:txBody>
+      </p:sp>
+      <p:sp>
+        <p:nvSpPr>
+          <p:cNvPr id="98" name="正方形/長方形 97">
+            <a:extLst>
+              <a:ext uri="{FF2B5EF4-FFF2-40B4-BE49-F238E27FC236}">
+                <a16:creationId xmlns:a16="http://schemas.microsoft.com/office/drawing/2014/main" id="{C5AB3E73-381E-0342-B7A4-0160768F54C1}"/>
+              </a:ext>
+            </a:extLst>
+          </p:cNvPr>
+          <p:cNvSpPr/>
+          <p:nvPr/>
+        </p:nvSpPr>
+        <p:spPr>
+          <a:xfrm>
+            <a:off x="7668344" y="1614399"/>
+            <a:ext cx="547261" cy="547261"/>
+          </a:xfrm>
+          <a:prstGeom prst="rect">
+            <a:avLst/>
+          </a:prstGeom>
+          <a:solidFill>
+            <a:schemeClr val="bg1">
+              <a:lumMod val="50000"/>
+            </a:schemeClr>
+          </a:solidFill>
+          <a:ln w="38100">
+            <a:solidFill>
+              <a:schemeClr val="accent1">
+                <a:lumMod val="40000"/>
+                <a:lumOff val="60000"/>
+              </a:schemeClr>
+            </a:solidFill>
+          </a:ln>
+        </p:spPr>
+        <p:style>
+          <a:lnRef idx="2">
+            <a:schemeClr val="accent1">
+              <a:shade val="50000"/>
+            </a:schemeClr>
+          </a:lnRef>
+          <a:fillRef idx="1">
+            <a:schemeClr val="accent1"/>
+          </a:fillRef>
+          <a:effectRef idx="0">
+            <a:schemeClr val="accent1"/>
+          </a:effectRef>
+          <a:fontRef idx="minor">
+            <a:schemeClr val="lt1"/>
+          </a:fontRef>
+        </p:style>
+        <p:txBody>
+          <a:bodyPr rtlCol="0" anchor="ctr"/>
+          <a:lstStyle/>
+          <a:p>
+            <a:pPr algn="ctr"/>
+            <a:endParaRPr kumimoji="1" lang="ja-JP" altLang="en-US"/>
+          </a:p>
+        </p:txBody>
+      </p:sp>
+      <p:sp>
+        <p:nvSpPr>
+          <p:cNvPr id="99" name="正方形/長方形 98">
+            <a:extLst>
+              <a:ext uri="{FF2B5EF4-FFF2-40B4-BE49-F238E27FC236}">
+                <a16:creationId xmlns:a16="http://schemas.microsoft.com/office/drawing/2014/main" id="{466CE2C9-6F65-3B41-8BB8-38E5816C8FE9}"/>
+              </a:ext>
+            </a:extLst>
+          </p:cNvPr>
+          <p:cNvSpPr/>
+          <p:nvPr/>
+        </p:nvSpPr>
+        <p:spPr>
+          <a:xfrm>
+            <a:off x="7668344" y="2161659"/>
+            <a:ext cx="547261" cy="547261"/>
+          </a:xfrm>
+          <a:prstGeom prst="rect">
+            <a:avLst/>
+          </a:prstGeom>
+          <a:solidFill>
+            <a:schemeClr val="bg1">
+              <a:lumMod val="50000"/>
+            </a:schemeClr>
+          </a:solidFill>
+          <a:ln w="38100">
+            <a:solidFill>
+              <a:schemeClr val="accent1">
+                <a:lumMod val="40000"/>
+                <a:lumOff val="60000"/>
+              </a:schemeClr>
+            </a:solidFill>
+          </a:ln>
+        </p:spPr>
+        <p:style>
+          <a:lnRef idx="2">
+            <a:schemeClr val="accent1">
+              <a:shade val="50000"/>
+            </a:schemeClr>
+          </a:lnRef>
+          <a:fillRef idx="1">
+            <a:schemeClr val="accent1"/>
+          </a:fillRef>
+          <a:effectRef idx="0">
+            <a:schemeClr val="accent1"/>
+          </a:effectRef>
+          <a:fontRef idx="minor">
+            <a:schemeClr val="lt1"/>
+          </a:fontRef>
+        </p:style>
+        <p:txBody>
+          <a:bodyPr rtlCol="0" anchor="ctr"/>
+          <a:lstStyle/>
+          <a:p>
+            <a:pPr algn="ctr"/>
+            <a:endParaRPr kumimoji="1" lang="ja-JP" altLang="en-US"/>
+          </a:p>
+        </p:txBody>
+      </p:sp>
+      <p:pic>
+        <p:nvPicPr>
+          <p:cNvPr id="100" name="図 99">
+            <a:extLst>
+              <a:ext uri="{FF2B5EF4-FFF2-40B4-BE49-F238E27FC236}">
+                <a16:creationId xmlns:a16="http://schemas.microsoft.com/office/drawing/2014/main" id="{714913B4-7AFA-684E-9CCA-73CDB539448F}"/>
+              </a:ext>
+            </a:extLst>
+          </p:cNvPr>
+          <p:cNvPicPr>
+            <a:picLocks noChangeAspect="1"/>
+          </p:cNvPicPr>
+          <p:nvPr/>
+        </p:nvPicPr>
+        <p:blipFill>
+          <a:blip r:embed="rId2"/>
+          <a:stretch>
+            <a:fillRect/>
+          </a:stretch>
+        </p:blipFill>
+        <p:spPr>
+          <a:xfrm>
+            <a:off x="5508104" y="2176061"/>
+            <a:ext cx="397676" cy="458857"/>
+          </a:xfrm>
+          <a:prstGeom prst="rect">
+            <a:avLst/>
+          </a:prstGeom>
+        </p:spPr>
+      </p:pic>
+      <p:sp>
+        <p:nvSpPr>
+          <p:cNvPr id="101" name="正方形/長方形 100">
+            <a:extLst>
+              <a:ext uri="{FF2B5EF4-FFF2-40B4-BE49-F238E27FC236}">
+                <a16:creationId xmlns:a16="http://schemas.microsoft.com/office/drawing/2014/main" id="{CCF8439E-BA17-924D-A6C0-30BEEDDF5831}"/>
+              </a:ext>
+            </a:extLst>
+          </p:cNvPr>
+          <p:cNvSpPr/>
+          <p:nvPr/>
+        </p:nvSpPr>
+        <p:spPr>
+          <a:xfrm>
+            <a:off x="4932040" y="2708920"/>
+            <a:ext cx="547261" cy="547261"/>
+          </a:xfrm>
+          <a:prstGeom prst="rect">
+            <a:avLst/>
+          </a:prstGeom>
+          <a:solidFill>
+            <a:schemeClr val="bg1">
+              <a:lumMod val="50000"/>
+            </a:schemeClr>
+          </a:solidFill>
+          <a:ln w="38100">
+            <a:solidFill>
+              <a:schemeClr val="accent1">
+                <a:lumMod val="40000"/>
+                <a:lumOff val="60000"/>
+              </a:schemeClr>
+            </a:solidFill>
+          </a:ln>
+        </p:spPr>
+        <p:style>
+          <a:lnRef idx="2">
+            <a:schemeClr val="accent1">
+              <a:shade val="50000"/>
+            </a:schemeClr>
+          </a:lnRef>
+          <a:fillRef idx="1">
+            <a:schemeClr val="accent1"/>
+          </a:fillRef>
+          <a:effectRef idx="0">
+            <a:schemeClr val="accent1"/>
+          </a:effectRef>
+          <a:fontRef idx="minor">
+            <a:schemeClr val="lt1"/>
+          </a:fontRef>
+        </p:style>
+        <p:txBody>
+          <a:bodyPr rtlCol="0" anchor="ctr"/>
+          <a:lstStyle/>
+          <a:p>
+            <a:pPr algn="ctr"/>
+            <a:endParaRPr kumimoji="1" lang="ja-JP" altLang="en-US"/>
+          </a:p>
+        </p:txBody>
+      </p:sp>
+      <p:sp>
+        <p:nvSpPr>
+          <p:cNvPr id="102" name="正方形/長方形 101">
+            <a:extLst>
+              <a:ext uri="{FF2B5EF4-FFF2-40B4-BE49-F238E27FC236}">
+                <a16:creationId xmlns:a16="http://schemas.microsoft.com/office/drawing/2014/main" id="{FE643856-5663-0D46-844B-755FF2D25B53}"/>
+              </a:ext>
+            </a:extLst>
+          </p:cNvPr>
+          <p:cNvSpPr/>
+          <p:nvPr/>
+        </p:nvSpPr>
+        <p:spPr>
+          <a:xfrm>
+            <a:off x="5479301" y="2708920"/>
+            <a:ext cx="547261" cy="547261"/>
+          </a:xfrm>
+          <a:prstGeom prst="rect">
+            <a:avLst/>
+          </a:prstGeom>
+          <a:solidFill>
+            <a:schemeClr val="bg1">
+              <a:lumMod val="50000"/>
+            </a:schemeClr>
+          </a:solidFill>
+          <a:ln w="38100">
+            <a:solidFill>
+              <a:schemeClr val="accent1">
+                <a:lumMod val="40000"/>
+                <a:lumOff val="60000"/>
+              </a:schemeClr>
+            </a:solidFill>
+          </a:ln>
+        </p:spPr>
+        <p:style>
+          <a:lnRef idx="2">
+            <a:schemeClr val="accent1">
+              <a:shade val="50000"/>
+            </a:schemeClr>
+          </a:lnRef>
+          <a:fillRef idx="1">
+            <a:schemeClr val="accent1"/>
+          </a:fillRef>
+          <a:effectRef idx="0">
+            <a:schemeClr val="accent1"/>
+          </a:effectRef>
+          <a:fontRef idx="minor">
+            <a:schemeClr val="lt1"/>
+          </a:fontRef>
+        </p:style>
+        <p:txBody>
+          <a:bodyPr rtlCol="0" anchor="ctr"/>
+          <a:lstStyle/>
+          <a:p>
+            <a:pPr algn="ctr"/>
+            <a:endParaRPr kumimoji="1" lang="ja-JP" altLang="en-US"/>
+          </a:p>
+        </p:txBody>
+      </p:sp>
+      <p:sp>
+        <p:nvSpPr>
+          <p:cNvPr id="103" name="正方形/長方形 102">
+            <a:extLst>
+              <a:ext uri="{FF2B5EF4-FFF2-40B4-BE49-F238E27FC236}">
+                <a16:creationId xmlns:a16="http://schemas.microsoft.com/office/drawing/2014/main" id="{EE3A5AB6-DE6E-F249-8B08-BE9C0E9D075E}"/>
+              </a:ext>
+            </a:extLst>
+          </p:cNvPr>
+          <p:cNvSpPr/>
+          <p:nvPr/>
+        </p:nvSpPr>
+        <p:spPr>
+          <a:xfrm>
+            <a:off x="6026562" y="2708920"/>
+            <a:ext cx="547261" cy="547261"/>
+          </a:xfrm>
+          <a:prstGeom prst="rect">
+            <a:avLst/>
+          </a:prstGeom>
+          <a:solidFill>
+            <a:schemeClr val="bg1">
+              <a:lumMod val="50000"/>
+            </a:schemeClr>
+          </a:solidFill>
+          <a:ln w="38100">
+            <a:solidFill>
+              <a:schemeClr val="accent1">
+                <a:lumMod val="40000"/>
+                <a:lumOff val="60000"/>
+              </a:schemeClr>
+            </a:solidFill>
+          </a:ln>
+        </p:spPr>
+        <p:style>
+          <a:lnRef idx="2">
+            <a:schemeClr val="accent1">
+              <a:shade val="50000"/>
+            </a:schemeClr>
+          </a:lnRef>
+          <a:fillRef idx="1">
+            <a:schemeClr val="accent1"/>
+          </a:fillRef>
+          <a:effectRef idx="0">
+            <a:schemeClr val="accent1"/>
+          </a:effectRef>
+          <a:fontRef idx="minor">
+            <a:schemeClr val="lt1"/>
+          </a:fontRef>
+        </p:style>
+        <p:txBody>
+          <a:bodyPr rtlCol="0" anchor="ctr"/>
+          <a:lstStyle/>
+          <a:p>
+            <a:pPr algn="ctr"/>
+            <a:endParaRPr kumimoji="1" lang="ja-JP" altLang="en-US"/>
+          </a:p>
+        </p:txBody>
+      </p:sp>
+      <p:sp>
+        <p:nvSpPr>
+          <p:cNvPr id="104" name="正方形/長方形 103">
+            <a:extLst>
+              <a:ext uri="{FF2B5EF4-FFF2-40B4-BE49-F238E27FC236}">
+                <a16:creationId xmlns:a16="http://schemas.microsoft.com/office/drawing/2014/main" id="{AEA69FB8-679B-1B4D-8D67-9C4F633AF87C}"/>
+              </a:ext>
+            </a:extLst>
+          </p:cNvPr>
+          <p:cNvSpPr/>
+          <p:nvPr/>
+        </p:nvSpPr>
+        <p:spPr>
+          <a:xfrm>
+            <a:off x="6573822" y="2708920"/>
+            <a:ext cx="547261" cy="547261"/>
+          </a:xfrm>
+          <a:prstGeom prst="rect">
+            <a:avLst/>
+          </a:prstGeom>
+          <a:solidFill>
+            <a:schemeClr val="bg1"/>
+          </a:solidFill>
+          <a:ln w="38100">
+            <a:solidFill>
+              <a:schemeClr val="accent1">
+                <a:lumMod val="40000"/>
+                <a:lumOff val="60000"/>
+              </a:schemeClr>
+            </a:solidFill>
+          </a:ln>
+        </p:spPr>
+        <p:style>
+          <a:lnRef idx="2">
+            <a:schemeClr val="accent1">
+              <a:shade val="50000"/>
+            </a:schemeClr>
+          </a:lnRef>
+          <a:fillRef idx="1">
+            <a:schemeClr val="accent1"/>
+          </a:fillRef>
+          <a:effectRef idx="0">
+            <a:schemeClr val="accent1"/>
+          </a:effectRef>
+          <a:fontRef idx="minor">
+            <a:schemeClr val="lt1"/>
+          </a:fontRef>
+        </p:style>
+        <p:txBody>
+          <a:bodyPr rtlCol="0" anchor="ctr"/>
+          <a:lstStyle/>
+          <a:p>
+            <a:pPr algn="ctr"/>
+            <a:endParaRPr kumimoji="1" lang="ja-JP" altLang="en-US"/>
+          </a:p>
+        </p:txBody>
+      </p:sp>
+      <p:sp>
+        <p:nvSpPr>
+          <p:cNvPr id="105" name="正方形/長方形 104">
+            <a:extLst>
+              <a:ext uri="{FF2B5EF4-FFF2-40B4-BE49-F238E27FC236}">
+                <a16:creationId xmlns:a16="http://schemas.microsoft.com/office/drawing/2014/main" id="{F8F41905-D6FB-7D4D-B101-48D281085174}"/>
+              </a:ext>
+            </a:extLst>
+          </p:cNvPr>
+          <p:cNvSpPr/>
+          <p:nvPr/>
+        </p:nvSpPr>
+        <p:spPr>
+          <a:xfrm>
+            <a:off x="7121083" y="2708920"/>
+            <a:ext cx="547261" cy="547261"/>
+          </a:xfrm>
+          <a:prstGeom prst="rect">
+            <a:avLst/>
+          </a:prstGeom>
+          <a:solidFill>
+            <a:schemeClr val="bg1">
+              <a:lumMod val="50000"/>
+            </a:schemeClr>
+          </a:solidFill>
+          <a:ln w="38100">
+            <a:solidFill>
+              <a:schemeClr val="accent1">
+                <a:lumMod val="40000"/>
+                <a:lumOff val="60000"/>
+              </a:schemeClr>
+            </a:solidFill>
+          </a:ln>
+        </p:spPr>
+        <p:style>
+          <a:lnRef idx="2">
+            <a:schemeClr val="accent1">
+              <a:shade val="50000"/>
+            </a:schemeClr>
+          </a:lnRef>
+          <a:fillRef idx="1">
+            <a:schemeClr val="accent1"/>
+          </a:fillRef>
+          <a:effectRef idx="0">
+            <a:schemeClr val="accent1"/>
+          </a:effectRef>
+          <a:fontRef idx="minor">
+            <a:schemeClr val="lt1"/>
+          </a:fontRef>
+        </p:style>
+        <p:txBody>
+          <a:bodyPr rtlCol="0" anchor="ctr"/>
+          <a:lstStyle/>
+          <a:p>
+            <a:pPr algn="ctr"/>
+            <a:endParaRPr kumimoji="1" lang="ja-JP" altLang="en-US"/>
+          </a:p>
+        </p:txBody>
+      </p:sp>
+      <p:sp>
+        <p:nvSpPr>
+          <p:cNvPr id="106" name="正方形/長方形 105">
+            <a:extLst>
+              <a:ext uri="{FF2B5EF4-FFF2-40B4-BE49-F238E27FC236}">
+                <a16:creationId xmlns:a16="http://schemas.microsoft.com/office/drawing/2014/main" id="{35DF92F6-3247-3744-8198-B795BAAB9AA0}"/>
+              </a:ext>
+            </a:extLst>
+          </p:cNvPr>
+          <p:cNvSpPr/>
+          <p:nvPr/>
+        </p:nvSpPr>
+        <p:spPr>
+          <a:xfrm>
+            <a:off x="7668344" y="2708920"/>
+            <a:ext cx="547261" cy="547261"/>
+          </a:xfrm>
+          <a:prstGeom prst="rect">
+            <a:avLst/>
+          </a:prstGeom>
+          <a:solidFill>
+            <a:schemeClr val="bg1">
+              <a:lumMod val="50000"/>
+            </a:schemeClr>
+          </a:solidFill>
+          <a:ln w="38100">
+            <a:solidFill>
+              <a:schemeClr val="accent1">
+                <a:lumMod val="40000"/>
+                <a:lumOff val="60000"/>
+              </a:schemeClr>
+            </a:solidFill>
+          </a:ln>
+        </p:spPr>
+        <p:style>
+          <a:lnRef idx="2">
+            <a:schemeClr val="accent1">
+              <a:shade val="50000"/>
+            </a:schemeClr>
+          </a:lnRef>
+          <a:fillRef idx="1">
+            <a:schemeClr val="accent1"/>
+          </a:fillRef>
+          <a:effectRef idx="0">
+            <a:schemeClr val="accent1"/>
+          </a:effectRef>
+          <a:fontRef idx="minor">
+            <a:schemeClr val="lt1"/>
+          </a:fontRef>
+        </p:style>
+        <p:txBody>
+          <a:bodyPr rtlCol="0" anchor="ctr"/>
+          <a:lstStyle/>
+          <a:p>
+            <a:pPr algn="ctr"/>
+            <a:endParaRPr kumimoji="1" lang="ja-JP" altLang="en-US"/>
+          </a:p>
+        </p:txBody>
+      </p:sp>
+      <p:sp>
+        <p:nvSpPr>
+          <p:cNvPr id="107" name="右矢印 106">
+            <a:extLst>
+              <a:ext uri="{FF2B5EF4-FFF2-40B4-BE49-F238E27FC236}">
+                <a16:creationId xmlns:a16="http://schemas.microsoft.com/office/drawing/2014/main" id="{546A7113-83DA-AC47-9EF4-3035E7CC3640}"/>
+              </a:ext>
+            </a:extLst>
+          </p:cNvPr>
+          <p:cNvSpPr/>
+          <p:nvPr/>
+        </p:nvSpPr>
+        <p:spPr>
+          <a:xfrm rot="5400000">
+            <a:off x="5552749" y="652961"/>
+            <a:ext cx="325320" cy="270593"/>
+          </a:xfrm>
+          <a:prstGeom prst="rightArrow">
+            <a:avLst/>
+          </a:prstGeom>
+          <a:solidFill>
+            <a:schemeClr val="accent1">
+              <a:lumMod val="60000"/>
+              <a:lumOff val="40000"/>
+            </a:schemeClr>
+          </a:solidFill>
+          <a:ln>
+            <a:solidFill>
+              <a:schemeClr val="tx1"/>
+            </a:solidFill>
+          </a:ln>
+        </p:spPr>
+        <p:style>
+          <a:lnRef idx="2">
+            <a:schemeClr val="accent1">
+              <a:shade val="50000"/>
+            </a:schemeClr>
+          </a:lnRef>
+          <a:fillRef idx="1">
+            <a:schemeClr val="accent1"/>
+          </a:fillRef>
+          <a:effectRef idx="0">
+            <a:schemeClr val="accent1"/>
+          </a:effectRef>
+          <a:fontRef idx="minor">
+            <a:schemeClr val="lt1"/>
+          </a:fontRef>
+        </p:style>
+        <p:txBody>
+          <a:bodyPr rtlCol="0" anchor="ctr"/>
+          <a:lstStyle/>
+          <a:p>
+            <a:pPr algn="ctr"/>
+            <a:endParaRPr kumimoji="1" lang="ja-JP" altLang="en-US"/>
+          </a:p>
+        </p:txBody>
+      </p:sp>
+      <p:sp>
+        <p:nvSpPr>
+          <p:cNvPr id="108" name="右矢印 107">
+            <a:extLst>
+              <a:ext uri="{FF2B5EF4-FFF2-40B4-BE49-F238E27FC236}">
+                <a16:creationId xmlns:a16="http://schemas.microsoft.com/office/drawing/2014/main" id="{8B0FBFB8-9FF9-D74B-AF58-3BF284317BCA}"/>
+              </a:ext>
+            </a:extLst>
+          </p:cNvPr>
+          <p:cNvSpPr/>
+          <p:nvPr/>
+        </p:nvSpPr>
+        <p:spPr>
+          <a:xfrm rot="5400000">
+            <a:off x="5552749" y="1195313"/>
+            <a:ext cx="325320" cy="270593"/>
+          </a:xfrm>
+          <a:prstGeom prst="rightArrow">
+            <a:avLst/>
+          </a:prstGeom>
+          <a:solidFill>
+            <a:schemeClr val="accent1">
+              <a:lumMod val="60000"/>
+              <a:lumOff val="40000"/>
+            </a:schemeClr>
+          </a:solidFill>
+          <a:ln>
+            <a:solidFill>
+              <a:schemeClr val="tx1"/>
+            </a:solidFill>
+          </a:ln>
+        </p:spPr>
+        <p:style>
+          <a:lnRef idx="2">
+            <a:schemeClr val="accent1">
+              <a:shade val="50000"/>
+            </a:schemeClr>
+          </a:lnRef>
+          <a:fillRef idx="1">
+            <a:schemeClr val="accent1"/>
+          </a:fillRef>
+          <a:effectRef idx="0">
+            <a:schemeClr val="accent1"/>
+          </a:effectRef>
+          <a:fontRef idx="minor">
+            <a:schemeClr val="lt1"/>
+          </a:fontRef>
+        </p:style>
+        <p:txBody>
+          <a:bodyPr rtlCol="0" anchor="ctr"/>
+          <a:lstStyle/>
+          <a:p>
+            <a:pPr algn="ctr"/>
+            <a:endParaRPr kumimoji="1" lang="ja-JP" altLang="en-US"/>
+          </a:p>
+        </p:txBody>
+      </p:sp>
+      <p:sp>
+        <p:nvSpPr>
+          <p:cNvPr id="109" name="右矢印 108">
+            <a:extLst>
+              <a:ext uri="{FF2B5EF4-FFF2-40B4-BE49-F238E27FC236}">
+                <a16:creationId xmlns:a16="http://schemas.microsoft.com/office/drawing/2014/main" id="{5DD679C4-78E6-3D42-B553-5BA67E21860E}"/>
+              </a:ext>
+            </a:extLst>
+          </p:cNvPr>
+          <p:cNvSpPr/>
+          <p:nvPr/>
+        </p:nvSpPr>
+        <p:spPr>
+          <a:xfrm rot="5400000">
+            <a:off x="5552748" y="1771377"/>
+            <a:ext cx="325320" cy="270593"/>
+          </a:xfrm>
+          <a:prstGeom prst="rightArrow">
+            <a:avLst/>
+          </a:prstGeom>
+          <a:solidFill>
+            <a:schemeClr val="accent1">
+              <a:lumMod val="60000"/>
+              <a:lumOff val="40000"/>
+            </a:schemeClr>
+          </a:solidFill>
+          <a:ln>
+            <a:solidFill>
+              <a:schemeClr val="tx1"/>
+            </a:solidFill>
+          </a:ln>
+        </p:spPr>
+        <p:style>
+          <a:lnRef idx="2">
+            <a:schemeClr val="accent1">
+              <a:shade val="50000"/>
+            </a:schemeClr>
+          </a:lnRef>
+          <a:fillRef idx="1">
+            <a:schemeClr val="accent1"/>
+          </a:fillRef>
+          <a:effectRef idx="0">
+            <a:schemeClr val="accent1"/>
+          </a:effectRef>
+          <a:fontRef idx="minor">
+            <a:schemeClr val="lt1"/>
+          </a:fontRef>
+        </p:style>
+        <p:txBody>
+          <a:bodyPr rtlCol="0" anchor="ctr"/>
+          <a:lstStyle/>
+          <a:p>
+            <a:pPr algn="ctr"/>
+            <a:endParaRPr kumimoji="1" lang="ja-JP" altLang="en-US"/>
+          </a:p>
+        </p:txBody>
+      </p:sp>
+      <p:sp>
+        <p:nvSpPr>
+          <p:cNvPr id="110" name="正方形/長方形 109">
+            <a:extLst>
+              <a:ext uri="{FF2B5EF4-FFF2-40B4-BE49-F238E27FC236}">
+                <a16:creationId xmlns:a16="http://schemas.microsoft.com/office/drawing/2014/main" id="{AEF13D91-3636-904D-A66F-5DE9C1903781}"/>
+              </a:ext>
+            </a:extLst>
+          </p:cNvPr>
+          <p:cNvSpPr/>
+          <p:nvPr/>
+        </p:nvSpPr>
+        <p:spPr>
+          <a:xfrm>
+            <a:off x="323528" y="4019466"/>
+            <a:ext cx="547261" cy="547261"/>
+          </a:xfrm>
+          <a:prstGeom prst="rect">
+            <a:avLst/>
+          </a:prstGeom>
+          <a:solidFill>
+            <a:schemeClr val="bg1">
+              <a:lumMod val="50000"/>
+            </a:schemeClr>
+          </a:solidFill>
+          <a:ln w="38100">
+            <a:solidFill>
+              <a:schemeClr val="accent1">
+                <a:lumMod val="40000"/>
+                <a:lumOff val="60000"/>
+              </a:schemeClr>
+            </a:solidFill>
+          </a:ln>
+        </p:spPr>
+        <p:style>
+          <a:lnRef idx="2">
+            <a:schemeClr val="accent1">
+              <a:shade val="50000"/>
+            </a:schemeClr>
+          </a:lnRef>
+          <a:fillRef idx="1">
+            <a:schemeClr val="accent1"/>
+          </a:fillRef>
+          <a:effectRef idx="0">
+            <a:schemeClr val="accent1"/>
+          </a:effectRef>
+          <a:fontRef idx="minor">
+            <a:schemeClr val="lt1"/>
+          </a:fontRef>
+        </p:style>
+        <p:txBody>
+          <a:bodyPr rtlCol="0" anchor="ctr"/>
+          <a:lstStyle/>
+          <a:p>
+            <a:pPr algn="ctr"/>
+            <a:endParaRPr kumimoji="1" lang="ja-JP" altLang="en-US"/>
+          </a:p>
+        </p:txBody>
+      </p:sp>
+      <p:sp>
+        <p:nvSpPr>
+          <p:cNvPr id="111" name="正方形/長方形 110">
+            <a:extLst>
+              <a:ext uri="{FF2B5EF4-FFF2-40B4-BE49-F238E27FC236}">
+                <a16:creationId xmlns:a16="http://schemas.microsoft.com/office/drawing/2014/main" id="{BF64852D-17DD-6240-94DA-710B97191B0B}"/>
+              </a:ext>
+            </a:extLst>
+          </p:cNvPr>
+          <p:cNvSpPr/>
+          <p:nvPr/>
+        </p:nvSpPr>
+        <p:spPr>
+          <a:xfrm>
+            <a:off x="323528" y="4566727"/>
+            <a:ext cx="547261" cy="547261"/>
+          </a:xfrm>
+          <a:prstGeom prst="rect">
+            <a:avLst/>
+          </a:prstGeom>
+          <a:solidFill>
+            <a:schemeClr val="bg1">
+              <a:lumMod val="50000"/>
+            </a:schemeClr>
+          </a:solidFill>
+          <a:ln w="38100">
+            <a:solidFill>
+              <a:schemeClr val="accent1">
+                <a:lumMod val="40000"/>
+                <a:lumOff val="60000"/>
+              </a:schemeClr>
+            </a:solidFill>
+          </a:ln>
+        </p:spPr>
+        <p:style>
+          <a:lnRef idx="2">
+            <a:schemeClr val="accent1">
+              <a:shade val="50000"/>
+            </a:schemeClr>
+          </a:lnRef>
+          <a:fillRef idx="1">
+            <a:schemeClr val="accent1"/>
+          </a:fillRef>
+          <a:effectRef idx="0">
+            <a:schemeClr val="accent1"/>
+          </a:effectRef>
+          <a:fontRef idx="minor">
+            <a:schemeClr val="lt1"/>
+          </a:fontRef>
+        </p:style>
+        <p:txBody>
+          <a:bodyPr rtlCol="0" anchor="ctr"/>
+          <a:lstStyle/>
+          <a:p>
+            <a:pPr algn="ctr"/>
+            <a:endParaRPr kumimoji="1" lang="ja-JP" altLang="en-US"/>
+          </a:p>
+        </p:txBody>
+      </p:sp>
+      <p:sp>
+        <p:nvSpPr>
+          <p:cNvPr id="112" name="正方形/長方形 111">
+            <a:extLst>
+              <a:ext uri="{FF2B5EF4-FFF2-40B4-BE49-F238E27FC236}">
+                <a16:creationId xmlns:a16="http://schemas.microsoft.com/office/drawing/2014/main" id="{79CC8EFE-AA83-0349-BA63-4A1684229316}"/>
+              </a:ext>
+            </a:extLst>
+          </p:cNvPr>
+          <p:cNvSpPr/>
+          <p:nvPr/>
+        </p:nvSpPr>
+        <p:spPr>
+          <a:xfrm>
+            <a:off x="323528" y="5113988"/>
+            <a:ext cx="547261" cy="547261"/>
+          </a:xfrm>
+          <a:prstGeom prst="rect">
+            <a:avLst/>
+          </a:prstGeom>
+          <a:solidFill>
+            <a:schemeClr val="bg1">
+              <a:lumMod val="50000"/>
+            </a:schemeClr>
+          </a:solidFill>
+          <a:ln w="38100">
+            <a:solidFill>
+              <a:schemeClr val="accent1">
+                <a:lumMod val="40000"/>
+                <a:lumOff val="60000"/>
+              </a:schemeClr>
+            </a:solidFill>
+          </a:ln>
+        </p:spPr>
+        <p:style>
+          <a:lnRef idx="2">
+            <a:schemeClr val="accent1">
+              <a:shade val="50000"/>
+            </a:schemeClr>
+          </a:lnRef>
+          <a:fillRef idx="1">
+            <a:schemeClr val="accent1"/>
+          </a:fillRef>
+          <a:effectRef idx="0">
+            <a:schemeClr val="accent1"/>
+          </a:effectRef>
+          <a:fontRef idx="minor">
+            <a:schemeClr val="lt1"/>
+          </a:fontRef>
+        </p:style>
+        <p:txBody>
+          <a:bodyPr rtlCol="0" anchor="ctr"/>
+          <a:lstStyle/>
+          <a:p>
+            <a:pPr algn="ctr"/>
+            <a:endParaRPr kumimoji="1" lang="ja-JP" altLang="en-US"/>
+          </a:p>
+        </p:txBody>
+      </p:sp>
+      <p:sp>
+        <p:nvSpPr>
+          <p:cNvPr id="113" name="正方形/長方形 112">
+            <a:extLst>
+              <a:ext uri="{FF2B5EF4-FFF2-40B4-BE49-F238E27FC236}">
+                <a16:creationId xmlns:a16="http://schemas.microsoft.com/office/drawing/2014/main" id="{AFB6096D-0F3D-7D4B-A98D-83C3D9CC551C}"/>
+              </a:ext>
+            </a:extLst>
+          </p:cNvPr>
+          <p:cNvSpPr/>
+          <p:nvPr/>
+        </p:nvSpPr>
+        <p:spPr>
+          <a:xfrm>
+            <a:off x="323528" y="5661248"/>
+            <a:ext cx="547261" cy="547261"/>
+          </a:xfrm>
+          <a:prstGeom prst="rect">
+            <a:avLst/>
+          </a:prstGeom>
+          <a:solidFill>
+            <a:schemeClr val="bg1">
+              <a:lumMod val="50000"/>
+            </a:schemeClr>
+          </a:solidFill>
+          <a:ln w="38100">
+            <a:solidFill>
+              <a:schemeClr val="accent1">
+                <a:lumMod val="40000"/>
+                <a:lumOff val="60000"/>
+              </a:schemeClr>
+            </a:solidFill>
+          </a:ln>
+        </p:spPr>
+        <p:style>
+          <a:lnRef idx="2">
+            <a:schemeClr val="accent1">
+              <a:shade val="50000"/>
+            </a:schemeClr>
+          </a:lnRef>
+          <a:fillRef idx="1">
+            <a:schemeClr val="accent1"/>
+          </a:fillRef>
+          <a:effectRef idx="0">
+            <a:schemeClr val="accent1"/>
+          </a:effectRef>
+          <a:fontRef idx="minor">
+            <a:schemeClr val="lt1"/>
+          </a:fontRef>
+        </p:style>
+        <p:txBody>
+          <a:bodyPr rtlCol="0" anchor="ctr"/>
+          <a:lstStyle/>
+          <a:p>
+            <a:pPr algn="ctr"/>
+            <a:endParaRPr kumimoji="1" lang="ja-JP" altLang="en-US"/>
+          </a:p>
+        </p:txBody>
+      </p:sp>
+      <p:sp>
+        <p:nvSpPr>
+          <p:cNvPr id="114" name="正方形/長方形 113">
+            <a:extLst>
+              <a:ext uri="{FF2B5EF4-FFF2-40B4-BE49-F238E27FC236}">
+                <a16:creationId xmlns:a16="http://schemas.microsoft.com/office/drawing/2014/main" id="{59AC4E16-2065-D34C-9713-A9B0047FF37B}"/>
+              </a:ext>
+            </a:extLst>
+          </p:cNvPr>
+          <p:cNvSpPr/>
+          <p:nvPr/>
+        </p:nvSpPr>
+        <p:spPr>
+          <a:xfrm>
+            <a:off x="870789" y="4019466"/>
+            <a:ext cx="547261" cy="547261"/>
+          </a:xfrm>
+          <a:prstGeom prst="rect">
+            <a:avLst/>
+          </a:prstGeom>
+          <a:solidFill>
+            <a:schemeClr val="bg1"/>
+          </a:solidFill>
+          <a:ln w="38100">
+            <a:solidFill>
+              <a:schemeClr val="accent1">
+                <a:lumMod val="40000"/>
+                <a:lumOff val="60000"/>
+              </a:schemeClr>
+            </a:solidFill>
+          </a:ln>
+        </p:spPr>
+        <p:style>
+          <a:lnRef idx="2">
+            <a:schemeClr val="accent1">
+              <a:shade val="50000"/>
+            </a:schemeClr>
+          </a:lnRef>
+          <a:fillRef idx="1">
+            <a:schemeClr val="accent1"/>
+          </a:fillRef>
+          <a:effectRef idx="0">
+            <a:schemeClr val="accent1"/>
+          </a:effectRef>
+          <a:fontRef idx="minor">
+            <a:schemeClr val="lt1"/>
+          </a:fontRef>
+        </p:style>
+        <p:txBody>
+          <a:bodyPr rtlCol="0" anchor="ctr"/>
+          <a:lstStyle/>
+          <a:p>
+            <a:pPr algn="ctr"/>
+            <a:endParaRPr kumimoji="1" lang="ja-JP" altLang="en-US"/>
+          </a:p>
+        </p:txBody>
+      </p:sp>
+      <p:sp>
+        <p:nvSpPr>
+          <p:cNvPr id="115" name="正方形/長方形 114">
+            <a:extLst>
+              <a:ext uri="{FF2B5EF4-FFF2-40B4-BE49-F238E27FC236}">
+                <a16:creationId xmlns:a16="http://schemas.microsoft.com/office/drawing/2014/main" id="{7AC15678-5597-FF46-8155-317B841DAAC3}"/>
+              </a:ext>
+            </a:extLst>
+          </p:cNvPr>
+          <p:cNvSpPr/>
+          <p:nvPr/>
+        </p:nvSpPr>
+        <p:spPr>
+          <a:xfrm>
+            <a:off x="870789" y="4566727"/>
+            <a:ext cx="547261" cy="547261"/>
+          </a:xfrm>
+          <a:prstGeom prst="rect">
+            <a:avLst/>
+          </a:prstGeom>
+          <a:solidFill>
+            <a:schemeClr val="bg1"/>
+          </a:solidFill>
+          <a:ln w="38100">
+            <a:solidFill>
+              <a:schemeClr val="accent1">
+                <a:lumMod val="40000"/>
+                <a:lumOff val="60000"/>
+              </a:schemeClr>
+            </a:solidFill>
+          </a:ln>
+        </p:spPr>
+        <p:style>
+          <a:lnRef idx="2">
+            <a:schemeClr val="accent1">
+              <a:shade val="50000"/>
+            </a:schemeClr>
+          </a:lnRef>
+          <a:fillRef idx="1">
+            <a:schemeClr val="accent1"/>
+          </a:fillRef>
+          <a:effectRef idx="0">
+            <a:schemeClr val="accent1"/>
+          </a:effectRef>
+          <a:fontRef idx="minor">
+            <a:schemeClr val="lt1"/>
+          </a:fontRef>
+        </p:style>
+        <p:txBody>
+          <a:bodyPr rtlCol="0" anchor="ctr"/>
+          <a:lstStyle/>
+          <a:p>
+            <a:pPr algn="ctr"/>
+            <a:endParaRPr kumimoji="1" lang="ja-JP" altLang="en-US"/>
+          </a:p>
+        </p:txBody>
+      </p:sp>
+      <p:sp>
+        <p:nvSpPr>
+          <p:cNvPr id="116" name="正方形/長方形 115">
+            <a:extLst>
+              <a:ext uri="{FF2B5EF4-FFF2-40B4-BE49-F238E27FC236}">
+                <a16:creationId xmlns:a16="http://schemas.microsoft.com/office/drawing/2014/main" id="{2B6BD4B1-CF2C-D84C-9719-DBA0767E0FAB}"/>
+              </a:ext>
+            </a:extLst>
+          </p:cNvPr>
+          <p:cNvSpPr/>
+          <p:nvPr/>
+        </p:nvSpPr>
+        <p:spPr>
+          <a:xfrm>
+            <a:off x="870789" y="5113988"/>
+            <a:ext cx="547261" cy="547261"/>
+          </a:xfrm>
+          <a:prstGeom prst="rect">
+            <a:avLst/>
+          </a:prstGeom>
+          <a:solidFill>
+            <a:schemeClr val="bg1"/>
+          </a:solidFill>
+          <a:ln w="38100">
+            <a:solidFill>
+              <a:schemeClr val="accent1">
+                <a:lumMod val="40000"/>
+                <a:lumOff val="60000"/>
+              </a:schemeClr>
+            </a:solidFill>
+          </a:ln>
+        </p:spPr>
+        <p:style>
+          <a:lnRef idx="2">
+            <a:schemeClr val="accent1">
+              <a:shade val="50000"/>
+            </a:schemeClr>
+          </a:lnRef>
+          <a:fillRef idx="1">
+            <a:schemeClr val="accent1"/>
+          </a:fillRef>
+          <a:effectRef idx="0">
+            <a:schemeClr val="accent1"/>
+          </a:effectRef>
+          <a:fontRef idx="minor">
+            <a:schemeClr val="lt1"/>
+          </a:fontRef>
+        </p:style>
+        <p:txBody>
+          <a:bodyPr rtlCol="0" anchor="ctr"/>
+          <a:lstStyle/>
+          <a:p>
+            <a:pPr algn="ctr"/>
+            <a:endParaRPr kumimoji="1" lang="ja-JP" altLang="en-US"/>
+          </a:p>
+        </p:txBody>
+      </p:sp>
+      <p:sp>
+        <p:nvSpPr>
+          <p:cNvPr id="117" name="正方形/長方形 116">
+            <a:extLst>
+              <a:ext uri="{FF2B5EF4-FFF2-40B4-BE49-F238E27FC236}">
+                <a16:creationId xmlns:a16="http://schemas.microsoft.com/office/drawing/2014/main" id="{775653BE-0340-B840-80B4-40F5F49B460D}"/>
+              </a:ext>
+            </a:extLst>
+          </p:cNvPr>
+          <p:cNvSpPr/>
+          <p:nvPr/>
+        </p:nvSpPr>
+        <p:spPr>
+          <a:xfrm>
+            <a:off x="870789" y="5661248"/>
+            <a:ext cx="547261" cy="547261"/>
+          </a:xfrm>
+          <a:prstGeom prst="rect">
+            <a:avLst/>
+          </a:prstGeom>
+          <a:solidFill>
+            <a:schemeClr val="bg1"/>
+          </a:solidFill>
+          <a:ln w="38100">
+            <a:solidFill>
+              <a:schemeClr val="accent1">
+                <a:lumMod val="40000"/>
+                <a:lumOff val="60000"/>
+              </a:schemeClr>
+            </a:solidFill>
+          </a:ln>
+        </p:spPr>
+        <p:style>
+          <a:lnRef idx="2">
+            <a:schemeClr val="accent1">
+              <a:shade val="50000"/>
+            </a:schemeClr>
+          </a:lnRef>
+          <a:fillRef idx="1">
+            <a:schemeClr val="accent1"/>
+          </a:fillRef>
+          <a:effectRef idx="0">
+            <a:schemeClr val="accent1"/>
+          </a:effectRef>
+          <a:fontRef idx="minor">
+            <a:schemeClr val="lt1"/>
+          </a:fontRef>
+        </p:style>
+        <p:txBody>
+          <a:bodyPr rtlCol="0" anchor="ctr"/>
+          <a:lstStyle/>
+          <a:p>
+            <a:pPr algn="ctr"/>
+            <a:endParaRPr kumimoji="1" lang="ja-JP" altLang="en-US"/>
+          </a:p>
+        </p:txBody>
+      </p:sp>
+      <p:sp>
+        <p:nvSpPr>
+          <p:cNvPr id="118" name="正方形/長方形 117">
+            <a:extLst>
+              <a:ext uri="{FF2B5EF4-FFF2-40B4-BE49-F238E27FC236}">
+                <a16:creationId xmlns:a16="http://schemas.microsoft.com/office/drawing/2014/main" id="{39BE1A63-626E-7B4B-8F4E-60F1691F1BDF}"/>
+              </a:ext>
+            </a:extLst>
+          </p:cNvPr>
+          <p:cNvSpPr/>
+          <p:nvPr/>
+        </p:nvSpPr>
+        <p:spPr>
+          <a:xfrm>
+            <a:off x="1418050" y="4019466"/>
+            <a:ext cx="547261" cy="547261"/>
+          </a:xfrm>
+          <a:prstGeom prst="rect">
+            <a:avLst/>
+          </a:prstGeom>
+          <a:solidFill>
+            <a:schemeClr val="bg1">
+              <a:lumMod val="50000"/>
+            </a:schemeClr>
+          </a:solidFill>
+          <a:ln w="38100">
+            <a:solidFill>
+              <a:schemeClr val="accent1">
+                <a:lumMod val="40000"/>
+                <a:lumOff val="60000"/>
+              </a:schemeClr>
+            </a:solidFill>
+          </a:ln>
+        </p:spPr>
+        <p:style>
+          <a:lnRef idx="2">
+            <a:schemeClr val="accent1">
+              <a:shade val="50000"/>
+            </a:schemeClr>
+          </a:lnRef>
+          <a:fillRef idx="1">
+            <a:schemeClr val="accent1"/>
+          </a:fillRef>
+          <a:effectRef idx="0">
+            <a:schemeClr val="accent1"/>
+          </a:effectRef>
+          <a:fontRef idx="minor">
+            <a:schemeClr val="lt1"/>
+          </a:fontRef>
+        </p:style>
+        <p:txBody>
+          <a:bodyPr rtlCol="0" anchor="ctr"/>
+          <a:lstStyle/>
+          <a:p>
+            <a:pPr algn="ctr"/>
+            <a:endParaRPr kumimoji="1" lang="ja-JP" altLang="en-US"/>
+          </a:p>
+        </p:txBody>
+      </p:sp>
+      <p:sp>
+        <p:nvSpPr>
+          <p:cNvPr id="119" name="正方形/長方形 118">
+            <a:extLst>
+              <a:ext uri="{FF2B5EF4-FFF2-40B4-BE49-F238E27FC236}">
+                <a16:creationId xmlns:a16="http://schemas.microsoft.com/office/drawing/2014/main" id="{A6E596C7-6206-DA40-8621-2D3885991651}"/>
+              </a:ext>
+            </a:extLst>
+          </p:cNvPr>
+          <p:cNvSpPr/>
+          <p:nvPr/>
+        </p:nvSpPr>
+        <p:spPr>
+          <a:xfrm>
+            <a:off x="1418050" y="4566727"/>
+            <a:ext cx="547261" cy="547261"/>
+          </a:xfrm>
+          <a:prstGeom prst="rect">
+            <a:avLst/>
+          </a:prstGeom>
+          <a:solidFill>
+            <a:schemeClr val="bg1"/>
+          </a:solidFill>
+          <a:ln w="38100">
+            <a:solidFill>
+              <a:schemeClr val="accent1">
+                <a:lumMod val="40000"/>
+                <a:lumOff val="60000"/>
+              </a:schemeClr>
+            </a:solidFill>
+          </a:ln>
+        </p:spPr>
+        <p:style>
+          <a:lnRef idx="2">
+            <a:schemeClr val="accent1">
+              <a:shade val="50000"/>
+            </a:schemeClr>
+          </a:lnRef>
+          <a:fillRef idx="1">
+            <a:schemeClr val="accent1"/>
+          </a:fillRef>
+          <a:effectRef idx="0">
+            <a:schemeClr val="accent1"/>
+          </a:effectRef>
+          <a:fontRef idx="minor">
+            <a:schemeClr val="lt1"/>
+          </a:fontRef>
+        </p:style>
+        <p:txBody>
+          <a:bodyPr rtlCol="0" anchor="ctr"/>
+          <a:lstStyle/>
+          <a:p>
+            <a:pPr algn="ctr"/>
+            <a:endParaRPr kumimoji="1" lang="ja-JP" altLang="en-US"/>
+          </a:p>
+        </p:txBody>
+      </p:sp>
+      <p:sp>
+        <p:nvSpPr>
+          <p:cNvPr id="120" name="正方形/長方形 119">
+            <a:extLst>
+              <a:ext uri="{FF2B5EF4-FFF2-40B4-BE49-F238E27FC236}">
+                <a16:creationId xmlns:a16="http://schemas.microsoft.com/office/drawing/2014/main" id="{7C967F85-EEB8-2A4A-8FE3-8D952099D9F8}"/>
+              </a:ext>
+            </a:extLst>
+          </p:cNvPr>
+          <p:cNvSpPr/>
+          <p:nvPr/>
+        </p:nvSpPr>
+        <p:spPr>
+          <a:xfrm>
+            <a:off x="1418050" y="5113988"/>
+            <a:ext cx="547261" cy="547261"/>
+          </a:xfrm>
+          <a:prstGeom prst="rect">
+            <a:avLst/>
+          </a:prstGeom>
+          <a:solidFill>
+            <a:schemeClr val="bg1">
+              <a:lumMod val="50000"/>
+            </a:schemeClr>
+          </a:solidFill>
+          <a:ln w="38100">
+            <a:solidFill>
+              <a:schemeClr val="accent1">
+                <a:lumMod val="40000"/>
+                <a:lumOff val="60000"/>
+              </a:schemeClr>
+            </a:solidFill>
+          </a:ln>
+        </p:spPr>
+        <p:style>
+          <a:lnRef idx="2">
+            <a:schemeClr val="accent1">
+              <a:shade val="50000"/>
+            </a:schemeClr>
+          </a:lnRef>
+          <a:fillRef idx="1">
+            <a:schemeClr val="accent1"/>
+          </a:fillRef>
+          <a:effectRef idx="0">
+            <a:schemeClr val="accent1"/>
+          </a:effectRef>
+          <a:fontRef idx="minor">
+            <a:schemeClr val="lt1"/>
+          </a:fontRef>
+        </p:style>
+        <p:txBody>
+          <a:bodyPr rtlCol="0" anchor="ctr"/>
+          <a:lstStyle/>
+          <a:p>
+            <a:pPr algn="ctr"/>
+            <a:endParaRPr kumimoji="1" lang="ja-JP" altLang="en-US"/>
+          </a:p>
+        </p:txBody>
+      </p:sp>
+      <p:sp>
+        <p:nvSpPr>
+          <p:cNvPr id="121" name="正方形/長方形 120">
+            <a:extLst>
+              <a:ext uri="{FF2B5EF4-FFF2-40B4-BE49-F238E27FC236}">
+                <a16:creationId xmlns:a16="http://schemas.microsoft.com/office/drawing/2014/main" id="{05B812CC-0F01-7145-9329-9BFE60EAD593}"/>
+              </a:ext>
+            </a:extLst>
+          </p:cNvPr>
+          <p:cNvSpPr/>
+          <p:nvPr/>
+        </p:nvSpPr>
+        <p:spPr>
+          <a:xfrm>
+            <a:off x="1418050" y="5661248"/>
+            <a:ext cx="547261" cy="547261"/>
+          </a:xfrm>
+          <a:prstGeom prst="rect">
+            <a:avLst/>
+          </a:prstGeom>
+          <a:solidFill>
+            <a:schemeClr val="bg1">
+              <a:lumMod val="50000"/>
+            </a:schemeClr>
+          </a:solidFill>
+          <a:ln w="38100">
+            <a:solidFill>
+              <a:schemeClr val="accent1">
+                <a:lumMod val="40000"/>
+                <a:lumOff val="60000"/>
+              </a:schemeClr>
+            </a:solidFill>
+          </a:ln>
+        </p:spPr>
+        <p:style>
+          <a:lnRef idx="2">
+            <a:schemeClr val="accent1">
+              <a:shade val="50000"/>
+            </a:schemeClr>
+          </a:lnRef>
+          <a:fillRef idx="1">
+            <a:schemeClr val="accent1"/>
+          </a:fillRef>
+          <a:effectRef idx="0">
+            <a:schemeClr val="accent1"/>
+          </a:effectRef>
+          <a:fontRef idx="minor">
+            <a:schemeClr val="lt1"/>
+          </a:fontRef>
+        </p:style>
+        <p:txBody>
+          <a:bodyPr rtlCol="0" anchor="ctr"/>
+          <a:lstStyle/>
+          <a:p>
+            <a:pPr algn="ctr"/>
+            <a:endParaRPr kumimoji="1" lang="ja-JP" altLang="en-US"/>
+          </a:p>
+        </p:txBody>
+      </p:sp>
+      <p:sp>
+        <p:nvSpPr>
+          <p:cNvPr id="122" name="正方形/長方形 121">
+            <a:extLst>
+              <a:ext uri="{FF2B5EF4-FFF2-40B4-BE49-F238E27FC236}">
+                <a16:creationId xmlns:a16="http://schemas.microsoft.com/office/drawing/2014/main" id="{AB984F02-C796-434B-8409-901FAF38B56D}"/>
+              </a:ext>
+            </a:extLst>
+          </p:cNvPr>
+          <p:cNvSpPr/>
+          <p:nvPr/>
+        </p:nvSpPr>
+        <p:spPr>
+          <a:xfrm>
+            <a:off x="1965310" y="4019466"/>
+            <a:ext cx="547261" cy="547261"/>
+          </a:xfrm>
+          <a:prstGeom prst="rect">
+            <a:avLst/>
+          </a:prstGeom>
+          <a:solidFill>
+            <a:schemeClr val="bg1">
+              <a:lumMod val="50000"/>
+            </a:schemeClr>
+          </a:solidFill>
+          <a:ln w="38100">
+            <a:solidFill>
+              <a:schemeClr val="accent1">
+                <a:lumMod val="40000"/>
+                <a:lumOff val="60000"/>
+              </a:schemeClr>
+            </a:solidFill>
+          </a:ln>
+        </p:spPr>
+        <p:style>
+          <a:lnRef idx="2">
+            <a:schemeClr val="accent1">
+              <a:shade val="50000"/>
+            </a:schemeClr>
+          </a:lnRef>
+          <a:fillRef idx="1">
+            <a:schemeClr val="accent1"/>
+          </a:fillRef>
+          <a:effectRef idx="0">
+            <a:schemeClr val="accent1"/>
+          </a:effectRef>
+          <a:fontRef idx="minor">
+            <a:schemeClr val="lt1"/>
+          </a:fontRef>
+        </p:style>
+        <p:txBody>
+          <a:bodyPr rtlCol="0" anchor="ctr"/>
+          <a:lstStyle/>
+          <a:p>
+            <a:pPr algn="ctr"/>
+            <a:endParaRPr kumimoji="1" lang="ja-JP" altLang="en-US"/>
+          </a:p>
+        </p:txBody>
+      </p:sp>
+      <p:sp>
+        <p:nvSpPr>
+          <p:cNvPr id="123" name="正方形/長方形 122">
+            <a:extLst>
+              <a:ext uri="{FF2B5EF4-FFF2-40B4-BE49-F238E27FC236}">
+                <a16:creationId xmlns:a16="http://schemas.microsoft.com/office/drawing/2014/main" id="{BCC9CCBF-103F-E84D-B2AA-B4B84529639A}"/>
+              </a:ext>
+            </a:extLst>
+          </p:cNvPr>
+          <p:cNvSpPr/>
+          <p:nvPr/>
+        </p:nvSpPr>
+        <p:spPr>
+          <a:xfrm>
+            <a:off x="1965310" y="4566727"/>
+            <a:ext cx="547261" cy="547261"/>
+          </a:xfrm>
+          <a:prstGeom prst="rect">
+            <a:avLst/>
+          </a:prstGeom>
+          <a:solidFill>
+            <a:schemeClr val="bg1"/>
+          </a:solidFill>
+          <a:ln w="38100">
+            <a:solidFill>
+              <a:schemeClr val="accent1">
+                <a:lumMod val="40000"/>
+                <a:lumOff val="60000"/>
+              </a:schemeClr>
+            </a:solidFill>
+          </a:ln>
+        </p:spPr>
+        <p:style>
+          <a:lnRef idx="2">
+            <a:schemeClr val="accent1">
+              <a:shade val="50000"/>
+            </a:schemeClr>
+          </a:lnRef>
+          <a:fillRef idx="1">
+            <a:schemeClr val="accent1"/>
+          </a:fillRef>
+          <a:effectRef idx="0">
+            <a:schemeClr val="accent1"/>
+          </a:effectRef>
+          <a:fontRef idx="minor">
+            <a:schemeClr val="lt1"/>
+          </a:fontRef>
+        </p:style>
+        <p:txBody>
+          <a:bodyPr rtlCol="0" anchor="ctr"/>
+          <a:lstStyle/>
+          <a:p>
+            <a:pPr algn="ctr"/>
+            <a:endParaRPr kumimoji="1" lang="ja-JP" altLang="en-US"/>
+          </a:p>
+        </p:txBody>
+      </p:sp>
+      <p:sp>
+        <p:nvSpPr>
+          <p:cNvPr id="124" name="正方形/長方形 123">
+            <a:extLst>
+              <a:ext uri="{FF2B5EF4-FFF2-40B4-BE49-F238E27FC236}">
+                <a16:creationId xmlns:a16="http://schemas.microsoft.com/office/drawing/2014/main" id="{FF28D6E6-8EE9-6046-ACF9-95ED496BC528}"/>
+              </a:ext>
+            </a:extLst>
+          </p:cNvPr>
+          <p:cNvSpPr/>
+          <p:nvPr/>
+        </p:nvSpPr>
+        <p:spPr>
+          <a:xfrm>
+            <a:off x="1965310" y="5113988"/>
+            <a:ext cx="547261" cy="547261"/>
+          </a:xfrm>
+          <a:prstGeom prst="rect">
+            <a:avLst/>
+          </a:prstGeom>
+          <a:solidFill>
+            <a:schemeClr val="bg1">
+              <a:lumMod val="50000"/>
+            </a:schemeClr>
+          </a:solidFill>
+          <a:ln w="38100">
+            <a:solidFill>
+              <a:schemeClr val="accent1">
+                <a:lumMod val="40000"/>
+                <a:lumOff val="60000"/>
+              </a:schemeClr>
+            </a:solidFill>
+          </a:ln>
+        </p:spPr>
+        <p:style>
+          <a:lnRef idx="2">
+            <a:schemeClr val="accent1">
+              <a:shade val="50000"/>
+            </a:schemeClr>
+          </a:lnRef>
+          <a:fillRef idx="1">
+            <a:schemeClr val="accent1"/>
+          </a:fillRef>
+          <a:effectRef idx="0">
+            <a:schemeClr val="accent1"/>
+          </a:effectRef>
+          <a:fontRef idx="minor">
+            <a:schemeClr val="lt1"/>
+          </a:fontRef>
+        </p:style>
+        <p:txBody>
+          <a:bodyPr rtlCol="0" anchor="ctr"/>
+          <a:lstStyle/>
+          <a:p>
+            <a:pPr algn="ctr"/>
+            <a:endParaRPr kumimoji="1" lang="ja-JP" altLang="en-US"/>
+          </a:p>
+        </p:txBody>
+      </p:sp>
+      <p:sp>
+        <p:nvSpPr>
+          <p:cNvPr id="125" name="正方形/長方形 124">
+            <a:extLst>
+              <a:ext uri="{FF2B5EF4-FFF2-40B4-BE49-F238E27FC236}">
+                <a16:creationId xmlns:a16="http://schemas.microsoft.com/office/drawing/2014/main" id="{5F3244DF-6D56-404E-A026-BCCA7988507B}"/>
+              </a:ext>
+            </a:extLst>
+          </p:cNvPr>
+          <p:cNvSpPr/>
+          <p:nvPr/>
+        </p:nvSpPr>
+        <p:spPr>
+          <a:xfrm>
+            <a:off x="1965310" y="5661248"/>
+            <a:ext cx="547261" cy="547261"/>
+          </a:xfrm>
+          <a:prstGeom prst="rect">
+            <a:avLst/>
+          </a:prstGeom>
+          <a:solidFill>
+            <a:schemeClr val="bg1"/>
+          </a:solidFill>
+          <a:ln w="38100">
+            <a:solidFill>
+              <a:schemeClr val="accent1">
+                <a:lumMod val="40000"/>
+                <a:lumOff val="60000"/>
+              </a:schemeClr>
+            </a:solidFill>
+          </a:ln>
+        </p:spPr>
+        <p:style>
+          <a:lnRef idx="2">
+            <a:schemeClr val="accent1">
+              <a:shade val="50000"/>
+            </a:schemeClr>
+          </a:lnRef>
+          <a:fillRef idx="1">
+            <a:schemeClr val="accent1"/>
+          </a:fillRef>
+          <a:effectRef idx="0">
+            <a:schemeClr val="accent1"/>
+          </a:effectRef>
+          <a:fontRef idx="minor">
+            <a:schemeClr val="lt1"/>
+          </a:fontRef>
+        </p:style>
+        <p:txBody>
+          <a:bodyPr rtlCol="0" anchor="ctr"/>
+          <a:lstStyle/>
+          <a:p>
+            <a:pPr algn="ctr"/>
+            <a:endParaRPr kumimoji="1" lang="ja-JP" altLang="en-US"/>
+          </a:p>
+        </p:txBody>
+      </p:sp>
+      <p:sp>
+        <p:nvSpPr>
+          <p:cNvPr id="126" name="正方形/長方形 125">
+            <a:extLst>
+              <a:ext uri="{FF2B5EF4-FFF2-40B4-BE49-F238E27FC236}">
+                <a16:creationId xmlns:a16="http://schemas.microsoft.com/office/drawing/2014/main" id="{10F8C7DC-DBFC-F148-ADCF-28C7C7847C57}"/>
+              </a:ext>
+            </a:extLst>
+          </p:cNvPr>
+          <p:cNvSpPr/>
+          <p:nvPr/>
+        </p:nvSpPr>
+        <p:spPr>
+          <a:xfrm>
+            <a:off x="2512571" y="4019466"/>
+            <a:ext cx="547261" cy="547261"/>
+          </a:xfrm>
+          <a:prstGeom prst="rect">
+            <a:avLst/>
+          </a:prstGeom>
+          <a:solidFill>
+            <a:schemeClr val="bg1">
+              <a:lumMod val="50000"/>
+            </a:schemeClr>
+          </a:solidFill>
+          <a:ln w="38100">
+            <a:solidFill>
+              <a:schemeClr val="accent1">
+                <a:lumMod val="40000"/>
+                <a:lumOff val="60000"/>
+              </a:schemeClr>
+            </a:solidFill>
+          </a:ln>
+        </p:spPr>
+        <p:style>
+          <a:lnRef idx="2">
+            <a:schemeClr val="accent1">
+              <a:shade val="50000"/>
+            </a:schemeClr>
+          </a:lnRef>
+          <a:fillRef idx="1">
+            <a:schemeClr val="accent1"/>
+          </a:fillRef>
+          <a:effectRef idx="0">
+            <a:schemeClr val="accent1"/>
+          </a:effectRef>
+          <a:fontRef idx="minor">
+            <a:schemeClr val="lt1"/>
+          </a:fontRef>
+        </p:style>
+        <p:txBody>
+          <a:bodyPr rtlCol="0" anchor="ctr"/>
+          <a:lstStyle/>
+          <a:p>
+            <a:pPr algn="ctr"/>
+            <a:endParaRPr kumimoji="1" lang="ja-JP" altLang="en-US"/>
+          </a:p>
+        </p:txBody>
+      </p:sp>
+      <p:sp>
+        <p:nvSpPr>
+          <p:cNvPr id="127" name="正方形/長方形 126">
+            <a:extLst>
+              <a:ext uri="{FF2B5EF4-FFF2-40B4-BE49-F238E27FC236}">
+                <a16:creationId xmlns:a16="http://schemas.microsoft.com/office/drawing/2014/main" id="{0162F098-846E-B242-BA93-2D983429713E}"/>
+              </a:ext>
+            </a:extLst>
+          </p:cNvPr>
+          <p:cNvSpPr/>
+          <p:nvPr/>
+        </p:nvSpPr>
+        <p:spPr>
+          <a:xfrm>
+            <a:off x="2512571" y="4566727"/>
+            <a:ext cx="547261" cy="547261"/>
+          </a:xfrm>
+          <a:prstGeom prst="rect">
+            <a:avLst/>
+          </a:prstGeom>
+          <a:solidFill>
+            <a:schemeClr val="bg1"/>
+          </a:solidFill>
+          <a:ln w="38100">
+            <a:solidFill>
+              <a:schemeClr val="accent1">
+                <a:lumMod val="40000"/>
+                <a:lumOff val="60000"/>
+              </a:schemeClr>
+            </a:solidFill>
+          </a:ln>
+        </p:spPr>
+        <p:style>
+          <a:lnRef idx="2">
+            <a:schemeClr val="accent1">
+              <a:shade val="50000"/>
+            </a:schemeClr>
+          </a:lnRef>
+          <a:fillRef idx="1">
+            <a:schemeClr val="accent1"/>
+          </a:fillRef>
+          <a:effectRef idx="0">
+            <a:schemeClr val="accent1"/>
+          </a:effectRef>
+          <a:fontRef idx="minor">
+            <a:schemeClr val="lt1"/>
+          </a:fontRef>
+        </p:style>
+        <p:txBody>
+          <a:bodyPr rtlCol="0" anchor="ctr"/>
+          <a:lstStyle/>
+          <a:p>
+            <a:pPr algn="ctr"/>
+            <a:endParaRPr kumimoji="1" lang="ja-JP" altLang="en-US"/>
+          </a:p>
+        </p:txBody>
+      </p:sp>
+      <p:sp>
+        <p:nvSpPr>
+          <p:cNvPr id="128" name="正方形/長方形 127">
+            <a:extLst>
+              <a:ext uri="{FF2B5EF4-FFF2-40B4-BE49-F238E27FC236}">
+                <a16:creationId xmlns:a16="http://schemas.microsoft.com/office/drawing/2014/main" id="{FDD35459-EA83-8B4F-A7E6-C4E6CAFB9F62}"/>
+              </a:ext>
+            </a:extLst>
+          </p:cNvPr>
+          <p:cNvSpPr/>
+          <p:nvPr/>
+        </p:nvSpPr>
+        <p:spPr>
+          <a:xfrm>
+            <a:off x="2512571" y="5113988"/>
+            <a:ext cx="547261" cy="547261"/>
+          </a:xfrm>
+          <a:prstGeom prst="rect">
+            <a:avLst/>
+          </a:prstGeom>
+          <a:solidFill>
+            <a:schemeClr val="bg1"/>
+          </a:solidFill>
+          <a:ln w="38100">
+            <a:solidFill>
+              <a:schemeClr val="accent1">
+                <a:lumMod val="40000"/>
+                <a:lumOff val="60000"/>
+              </a:schemeClr>
+            </a:solidFill>
+          </a:ln>
+        </p:spPr>
+        <p:style>
+          <a:lnRef idx="2">
+            <a:schemeClr val="accent1">
+              <a:shade val="50000"/>
+            </a:schemeClr>
+          </a:lnRef>
+          <a:fillRef idx="1">
+            <a:schemeClr val="accent1"/>
+          </a:fillRef>
+          <a:effectRef idx="0">
+            <a:schemeClr val="accent1"/>
+          </a:effectRef>
+          <a:fontRef idx="minor">
+            <a:schemeClr val="lt1"/>
+          </a:fontRef>
+        </p:style>
+        <p:txBody>
+          <a:bodyPr rtlCol="0" anchor="ctr"/>
+          <a:lstStyle/>
+          <a:p>
+            <a:pPr algn="ctr"/>
+            <a:endParaRPr kumimoji="1" lang="ja-JP" altLang="en-US"/>
+          </a:p>
+        </p:txBody>
+      </p:sp>
+      <p:sp>
+        <p:nvSpPr>
+          <p:cNvPr id="129" name="正方形/長方形 128">
+            <a:extLst>
+              <a:ext uri="{FF2B5EF4-FFF2-40B4-BE49-F238E27FC236}">
+                <a16:creationId xmlns:a16="http://schemas.microsoft.com/office/drawing/2014/main" id="{90401ACC-446B-E049-AB06-AABD5F5A0459}"/>
+              </a:ext>
+            </a:extLst>
+          </p:cNvPr>
+          <p:cNvSpPr/>
+          <p:nvPr/>
+        </p:nvSpPr>
+        <p:spPr>
+          <a:xfrm>
+            <a:off x="2512571" y="5661248"/>
+            <a:ext cx="547261" cy="547261"/>
+          </a:xfrm>
+          <a:prstGeom prst="rect">
+            <a:avLst/>
+          </a:prstGeom>
+          <a:solidFill>
+            <a:schemeClr val="bg1"/>
+          </a:solidFill>
+          <a:ln w="38100">
+            <a:solidFill>
+              <a:schemeClr val="accent1">
+                <a:lumMod val="40000"/>
+                <a:lumOff val="60000"/>
+              </a:schemeClr>
+            </a:solidFill>
+          </a:ln>
+        </p:spPr>
+        <p:style>
+          <a:lnRef idx="2">
+            <a:schemeClr val="accent1">
+              <a:shade val="50000"/>
+            </a:schemeClr>
+          </a:lnRef>
+          <a:fillRef idx="1">
+            <a:schemeClr val="accent1"/>
+          </a:fillRef>
+          <a:effectRef idx="0">
+            <a:schemeClr val="accent1"/>
+          </a:effectRef>
+          <a:fontRef idx="minor">
+            <a:schemeClr val="lt1"/>
+          </a:fontRef>
+        </p:style>
+        <p:txBody>
+          <a:bodyPr rtlCol="0" anchor="ctr"/>
+          <a:lstStyle/>
+          <a:p>
+            <a:pPr algn="ctr"/>
+            <a:endParaRPr kumimoji="1" lang="ja-JP" altLang="en-US"/>
+          </a:p>
+        </p:txBody>
+      </p:sp>
+      <p:sp>
+        <p:nvSpPr>
+          <p:cNvPr id="130" name="正方形/長方形 129">
+            <a:extLst>
+              <a:ext uri="{FF2B5EF4-FFF2-40B4-BE49-F238E27FC236}">
+                <a16:creationId xmlns:a16="http://schemas.microsoft.com/office/drawing/2014/main" id="{2AD6761D-6E58-D14F-987B-7632D5BE1286}"/>
+              </a:ext>
+            </a:extLst>
+          </p:cNvPr>
+          <p:cNvSpPr/>
+          <p:nvPr/>
+        </p:nvSpPr>
+        <p:spPr>
+          <a:xfrm>
+            <a:off x="3059832" y="4019466"/>
+            <a:ext cx="547261" cy="547261"/>
+          </a:xfrm>
+          <a:prstGeom prst="rect">
+            <a:avLst/>
+          </a:prstGeom>
+          <a:solidFill>
+            <a:schemeClr val="bg1">
+              <a:lumMod val="50000"/>
+            </a:schemeClr>
+          </a:solidFill>
+          <a:ln w="38100">
+            <a:solidFill>
+              <a:schemeClr val="accent1">
+                <a:lumMod val="40000"/>
+                <a:lumOff val="60000"/>
+              </a:schemeClr>
+            </a:solidFill>
+          </a:ln>
+        </p:spPr>
+        <p:style>
+          <a:lnRef idx="2">
+            <a:schemeClr val="accent1">
+              <a:shade val="50000"/>
+            </a:schemeClr>
+          </a:lnRef>
+          <a:fillRef idx="1">
+            <a:schemeClr val="accent1"/>
+          </a:fillRef>
+          <a:effectRef idx="0">
+            <a:schemeClr val="accent1"/>
+          </a:effectRef>
+          <a:fontRef idx="minor">
+            <a:schemeClr val="lt1"/>
+          </a:fontRef>
+        </p:style>
+        <p:txBody>
+          <a:bodyPr rtlCol="0" anchor="ctr"/>
+          <a:lstStyle/>
+          <a:p>
+            <a:pPr algn="ctr"/>
+            <a:endParaRPr kumimoji="1" lang="ja-JP" altLang="en-US"/>
+          </a:p>
+        </p:txBody>
+      </p:sp>
+      <p:sp>
+        <p:nvSpPr>
+          <p:cNvPr id="131" name="正方形/長方形 130">
+            <a:extLst>
+              <a:ext uri="{FF2B5EF4-FFF2-40B4-BE49-F238E27FC236}">
+                <a16:creationId xmlns:a16="http://schemas.microsoft.com/office/drawing/2014/main" id="{9886CEDF-9B9D-3C4E-8808-7813749DC663}"/>
+              </a:ext>
+            </a:extLst>
+          </p:cNvPr>
+          <p:cNvSpPr/>
+          <p:nvPr/>
+        </p:nvSpPr>
+        <p:spPr>
+          <a:xfrm>
+            <a:off x="3059832" y="4566727"/>
+            <a:ext cx="547261" cy="547261"/>
+          </a:xfrm>
+          <a:prstGeom prst="rect">
+            <a:avLst/>
+          </a:prstGeom>
+          <a:solidFill>
+            <a:schemeClr val="bg1">
+              <a:lumMod val="50000"/>
+            </a:schemeClr>
+          </a:solidFill>
+          <a:ln w="38100">
+            <a:solidFill>
+              <a:schemeClr val="accent1">
+                <a:lumMod val="40000"/>
+                <a:lumOff val="60000"/>
+              </a:schemeClr>
+            </a:solidFill>
+          </a:ln>
+        </p:spPr>
+        <p:style>
+          <a:lnRef idx="2">
+            <a:schemeClr val="accent1">
+              <a:shade val="50000"/>
+            </a:schemeClr>
+          </a:lnRef>
+          <a:fillRef idx="1">
+            <a:schemeClr val="accent1"/>
+          </a:fillRef>
+          <a:effectRef idx="0">
+            <a:schemeClr val="accent1"/>
+          </a:effectRef>
+          <a:fontRef idx="minor">
+            <a:schemeClr val="lt1"/>
+          </a:fontRef>
+        </p:style>
+        <p:txBody>
+          <a:bodyPr rtlCol="0" anchor="ctr"/>
+          <a:lstStyle/>
+          <a:p>
+            <a:pPr algn="ctr"/>
+            <a:endParaRPr kumimoji="1" lang="ja-JP" altLang="en-US"/>
+          </a:p>
+        </p:txBody>
+      </p:sp>
+      <p:sp>
+        <p:nvSpPr>
+          <p:cNvPr id="132" name="正方形/長方形 131">
+            <a:extLst>
+              <a:ext uri="{FF2B5EF4-FFF2-40B4-BE49-F238E27FC236}">
+                <a16:creationId xmlns:a16="http://schemas.microsoft.com/office/drawing/2014/main" id="{E9080663-E39F-0747-955C-A375C773411A}"/>
+              </a:ext>
+            </a:extLst>
+          </p:cNvPr>
+          <p:cNvSpPr/>
+          <p:nvPr/>
+        </p:nvSpPr>
+        <p:spPr>
+          <a:xfrm>
+            <a:off x="3059832" y="5113988"/>
+            <a:ext cx="547261" cy="547261"/>
+          </a:xfrm>
+          <a:prstGeom prst="rect">
+            <a:avLst/>
+          </a:prstGeom>
+          <a:solidFill>
+            <a:schemeClr val="bg1">
+              <a:lumMod val="50000"/>
+            </a:schemeClr>
+          </a:solidFill>
+          <a:ln w="38100">
+            <a:solidFill>
+              <a:schemeClr val="accent1">
+                <a:lumMod val="40000"/>
+                <a:lumOff val="60000"/>
+              </a:schemeClr>
+            </a:solidFill>
+          </a:ln>
+        </p:spPr>
+        <p:style>
+          <a:lnRef idx="2">
+            <a:schemeClr val="accent1">
+              <a:shade val="50000"/>
+            </a:schemeClr>
+          </a:lnRef>
+          <a:fillRef idx="1">
+            <a:schemeClr val="accent1"/>
+          </a:fillRef>
+          <a:effectRef idx="0">
+            <a:schemeClr val="accent1"/>
+          </a:effectRef>
+          <a:fontRef idx="minor">
+            <a:schemeClr val="lt1"/>
+          </a:fontRef>
+        </p:style>
+        <p:txBody>
+          <a:bodyPr rtlCol="0" anchor="ctr"/>
+          <a:lstStyle/>
+          <a:p>
+            <a:pPr algn="ctr"/>
+            <a:endParaRPr kumimoji="1" lang="ja-JP" altLang="en-US"/>
+          </a:p>
+        </p:txBody>
+      </p:sp>
+      <p:sp>
+        <p:nvSpPr>
+          <p:cNvPr id="133" name="正方形/長方形 132">
+            <a:extLst>
+              <a:ext uri="{FF2B5EF4-FFF2-40B4-BE49-F238E27FC236}">
+                <a16:creationId xmlns:a16="http://schemas.microsoft.com/office/drawing/2014/main" id="{95358A37-6627-624E-AE6F-C7E39B3E11B8}"/>
+              </a:ext>
+            </a:extLst>
+          </p:cNvPr>
+          <p:cNvSpPr/>
+          <p:nvPr/>
+        </p:nvSpPr>
+        <p:spPr>
+          <a:xfrm>
+            <a:off x="3059832" y="5661248"/>
+            <a:ext cx="547261" cy="547261"/>
+          </a:xfrm>
+          <a:prstGeom prst="rect">
+            <a:avLst/>
+          </a:prstGeom>
+          <a:solidFill>
+            <a:schemeClr val="bg1">
+              <a:lumMod val="50000"/>
+            </a:schemeClr>
+          </a:solidFill>
+          <a:ln w="38100">
+            <a:solidFill>
+              <a:schemeClr val="accent1">
+                <a:lumMod val="40000"/>
+                <a:lumOff val="60000"/>
+              </a:schemeClr>
+            </a:solidFill>
+          </a:ln>
+        </p:spPr>
+        <p:style>
+          <a:lnRef idx="2">
+            <a:schemeClr val="accent1">
+              <a:shade val="50000"/>
+            </a:schemeClr>
+          </a:lnRef>
+          <a:fillRef idx="1">
+            <a:schemeClr val="accent1"/>
+          </a:fillRef>
+          <a:effectRef idx="0">
+            <a:schemeClr val="accent1"/>
+          </a:effectRef>
+          <a:fontRef idx="minor">
+            <a:schemeClr val="lt1"/>
+          </a:fontRef>
+        </p:style>
+        <p:txBody>
+          <a:bodyPr rtlCol="0" anchor="ctr"/>
+          <a:lstStyle/>
+          <a:p>
+            <a:pPr algn="ctr"/>
+            <a:endParaRPr kumimoji="1" lang="ja-JP" altLang="en-US"/>
+          </a:p>
+        </p:txBody>
+      </p:sp>
+      <p:sp>
+        <p:nvSpPr>
+          <p:cNvPr id="135" name="正方形/長方形 134">
+            <a:extLst>
+              <a:ext uri="{FF2B5EF4-FFF2-40B4-BE49-F238E27FC236}">
+                <a16:creationId xmlns:a16="http://schemas.microsoft.com/office/drawing/2014/main" id="{0FFF4693-00C7-8D45-8515-DB57E278B61F}"/>
+              </a:ext>
+            </a:extLst>
+          </p:cNvPr>
+          <p:cNvSpPr/>
+          <p:nvPr/>
+        </p:nvSpPr>
+        <p:spPr>
+          <a:xfrm>
+            <a:off x="323528" y="6208509"/>
+            <a:ext cx="547261" cy="547261"/>
+          </a:xfrm>
+          <a:prstGeom prst="rect">
+            <a:avLst/>
+          </a:prstGeom>
+          <a:solidFill>
+            <a:schemeClr val="bg1">
+              <a:lumMod val="50000"/>
+            </a:schemeClr>
+          </a:solidFill>
+          <a:ln w="38100">
+            <a:solidFill>
+              <a:schemeClr val="accent1">
+                <a:lumMod val="40000"/>
+                <a:lumOff val="60000"/>
+              </a:schemeClr>
+            </a:solidFill>
+          </a:ln>
+        </p:spPr>
+        <p:style>
+          <a:lnRef idx="2">
+            <a:schemeClr val="accent1">
+              <a:shade val="50000"/>
+            </a:schemeClr>
+          </a:lnRef>
+          <a:fillRef idx="1">
+            <a:schemeClr val="accent1"/>
+          </a:fillRef>
+          <a:effectRef idx="0">
+            <a:schemeClr val="accent1"/>
+          </a:effectRef>
+          <a:fontRef idx="minor">
+            <a:schemeClr val="lt1"/>
+          </a:fontRef>
+        </p:style>
+        <p:txBody>
+          <a:bodyPr rtlCol="0" anchor="ctr"/>
+          <a:lstStyle/>
+          <a:p>
+            <a:pPr algn="ctr"/>
+            <a:endParaRPr kumimoji="1" lang="ja-JP" altLang="en-US"/>
+          </a:p>
+        </p:txBody>
+      </p:sp>
+      <p:sp>
+        <p:nvSpPr>
+          <p:cNvPr id="136" name="正方形/長方形 135">
+            <a:extLst>
+              <a:ext uri="{FF2B5EF4-FFF2-40B4-BE49-F238E27FC236}">
+                <a16:creationId xmlns:a16="http://schemas.microsoft.com/office/drawing/2014/main" id="{D236C942-CFCD-1941-9067-263E38ABAF3D}"/>
+              </a:ext>
+            </a:extLst>
+          </p:cNvPr>
+          <p:cNvSpPr/>
+          <p:nvPr/>
+        </p:nvSpPr>
+        <p:spPr>
+          <a:xfrm>
+            <a:off x="870789" y="6208509"/>
+            <a:ext cx="547261" cy="547261"/>
+          </a:xfrm>
+          <a:prstGeom prst="rect">
+            <a:avLst/>
+          </a:prstGeom>
+          <a:solidFill>
+            <a:schemeClr val="bg1">
+              <a:lumMod val="50000"/>
+            </a:schemeClr>
+          </a:solidFill>
+          <a:ln w="38100">
+            <a:solidFill>
+              <a:schemeClr val="accent1">
+                <a:lumMod val="40000"/>
+                <a:lumOff val="60000"/>
+              </a:schemeClr>
+            </a:solidFill>
+          </a:ln>
+        </p:spPr>
+        <p:style>
+          <a:lnRef idx="2">
+            <a:schemeClr val="accent1">
+              <a:shade val="50000"/>
+            </a:schemeClr>
+          </a:lnRef>
+          <a:fillRef idx="1">
+            <a:schemeClr val="accent1"/>
+          </a:fillRef>
+          <a:effectRef idx="0">
+            <a:schemeClr val="accent1"/>
+          </a:effectRef>
+          <a:fontRef idx="minor">
+            <a:schemeClr val="lt1"/>
+          </a:fontRef>
+        </p:style>
+        <p:txBody>
+          <a:bodyPr rtlCol="0" anchor="ctr"/>
+          <a:lstStyle/>
+          <a:p>
+            <a:pPr algn="ctr"/>
+            <a:endParaRPr kumimoji="1" lang="ja-JP" altLang="en-US"/>
+          </a:p>
+        </p:txBody>
+      </p:sp>
+      <p:sp>
+        <p:nvSpPr>
+          <p:cNvPr id="137" name="正方形/長方形 136">
+            <a:extLst>
+              <a:ext uri="{FF2B5EF4-FFF2-40B4-BE49-F238E27FC236}">
+                <a16:creationId xmlns:a16="http://schemas.microsoft.com/office/drawing/2014/main" id="{9EEF206B-828E-CB41-9118-DEBD41BD6BB9}"/>
+              </a:ext>
+            </a:extLst>
+          </p:cNvPr>
+          <p:cNvSpPr/>
+          <p:nvPr/>
+        </p:nvSpPr>
+        <p:spPr>
+          <a:xfrm>
+            <a:off x="1418050" y="6208509"/>
+            <a:ext cx="547261" cy="547261"/>
+          </a:xfrm>
+          <a:prstGeom prst="rect">
+            <a:avLst/>
+          </a:prstGeom>
+          <a:solidFill>
+            <a:schemeClr val="bg1">
+              <a:lumMod val="50000"/>
+            </a:schemeClr>
+          </a:solidFill>
+          <a:ln w="38100">
+            <a:solidFill>
+              <a:schemeClr val="accent1">
+                <a:lumMod val="40000"/>
+                <a:lumOff val="60000"/>
+              </a:schemeClr>
+            </a:solidFill>
+          </a:ln>
+        </p:spPr>
+        <p:style>
+          <a:lnRef idx="2">
+            <a:schemeClr val="accent1">
+              <a:shade val="50000"/>
+            </a:schemeClr>
+          </a:lnRef>
+          <a:fillRef idx="1">
+            <a:schemeClr val="accent1"/>
+          </a:fillRef>
+          <a:effectRef idx="0">
+            <a:schemeClr val="accent1"/>
+          </a:effectRef>
+          <a:fontRef idx="minor">
+            <a:schemeClr val="lt1"/>
+          </a:fontRef>
+        </p:style>
+        <p:txBody>
+          <a:bodyPr rtlCol="0" anchor="ctr"/>
+          <a:lstStyle/>
+          <a:p>
+            <a:pPr algn="ctr"/>
+            <a:endParaRPr kumimoji="1" lang="ja-JP" altLang="en-US"/>
+          </a:p>
+        </p:txBody>
+      </p:sp>
+      <p:sp>
+        <p:nvSpPr>
+          <p:cNvPr id="138" name="正方形/長方形 137">
+            <a:extLst>
+              <a:ext uri="{FF2B5EF4-FFF2-40B4-BE49-F238E27FC236}">
+                <a16:creationId xmlns:a16="http://schemas.microsoft.com/office/drawing/2014/main" id="{8A231F65-975A-1F41-A5CF-03BE23BD466A}"/>
+              </a:ext>
+            </a:extLst>
+          </p:cNvPr>
+          <p:cNvSpPr/>
+          <p:nvPr/>
+        </p:nvSpPr>
+        <p:spPr>
+          <a:xfrm>
+            <a:off x="1965310" y="6208509"/>
+            <a:ext cx="547261" cy="547261"/>
+          </a:xfrm>
+          <a:prstGeom prst="rect">
+            <a:avLst/>
+          </a:prstGeom>
+          <a:solidFill>
+            <a:schemeClr val="bg1"/>
+          </a:solidFill>
+          <a:ln w="38100">
+            <a:solidFill>
+              <a:schemeClr val="accent1">
+                <a:lumMod val="40000"/>
+                <a:lumOff val="60000"/>
+              </a:schemeClr>
+            </a:solidFill>
+          </a:ln>
+        </p:spPr>
+        <p:style>
+          <a:lnRef idx="2">
+            <a:schemeClr val="accent1">
+              <a:shade val="50000"/>
+            </a:schemeClr>
+          </a:lnRef>
+          <a:fillRef idx="1">
+            <a:schemeClr val="accent1"/>
+          </a:fillRef>
+          <a:effectRef idx="0">
+            <a:schemeClr val="accent1"/>
+          </a:effectRef>
+          <a:fontRef idx="minor">
+            <a:schemeClr val="lt1"/>
+          </a:fontRef>
+        </p:style>
+        <p:txBody>
+          <a:bodyPr rtlCol="0" anchor="ctr"/>
+          <a:lstStyle/>
+          <a:p>
+            <a:pPr algn="ctr"/>
+            <a:endParaRPr kumimoji="1" lang="ja-JP" altLang="en-US"/>
+          </a:p>
+        </p:txBody>
+      </p:sp>
+      <p:sp>
+        <p:nvSpPr>
+          <p:cNvPr id="139" name="正方形/長方形 138">
+            <a:extLst>
+              <a:ext uri="{FF2B5EF4-FFF2-40B4-BE49-F238E27FC236}">
+                <a16:creationId xmlns:a16="http://schemas.microsoft.com/office/drawing/2014/main" id="{08C15642-B5D3-6841-891F-CFBA490F0D97}"/>
+              </a:ext>
+            </a:extLst>
+          </p:cNvPr>
+          <p:cNvSpPr/>
+          <p:nvPr/>
+        </p:nvSpPr>
+        <p:spPr>
+          <a:xfrm>
+            <a:off x="2512571" y="6208509"/>
+            <a:ext cx="547261" cy="547261"/>
+          </a:xfrm>
+          <a:prstGeom prst="rect">
+            <a:avLst/>
+          </a:prstGeom>
+          <a:solidFill>
+            <a:schemeClr val="bg1">
+              <a:lumMod val="50000"/>
+            </a:schemeClr>
+          </a:solidFill>
+          <a:ln w="38100">
+            <a:solidFill>
+              <a:schemeClr val="accent1">
+                <a:lumMod val="40000"/>
+                <a:lumOff val="60000"/>
+              </a:schemeClr>
+            </a:solidFill>
+          </a:ln>
+        </p:spPr>
+        <p:style>
+          <a:lnRef idx="2">
+            <a:schemeClr val="accent1">
+              <a:shade val="50000"/>
+            </a:schemeClr>
+          </a:lnRef>
+          <a:fillRef idx="1">
+            <a:schemeClr val="accent1"/>
+          </a:fillRef>
+          <a:effectRef idx="0">
+            <a:schemeClr val="accent1"/>
+          </a:effectRef>
+          <a:fontRef idx="minor">
+            <a:schemeClr val="lt1"/>
+          </a:fontRef>
+        </p:style>
+        <p:txBody>
+          <a:bodyPr rtlCol="0" anchor="ctr"/>
+          <a:lstStyle/>
+          <a:p>
+            <a:pPr algn="ctr"/>
+            <a:endParaRPr kumimoji="1" lang="ja-JP" altLang="en-US"/>
+          </a:p>
+        </p:txBody>
+      </p:sp>
+      <p:sp>
+        <p:nvSpPr>
+          <p:cNvPr id="140" name="正方形/長方形 139">
+            <a:extLst>
+              <a:ext uri="{FF2B5EF4-FFF2-40B4-BE49-F238E27FC236}">
+                <a16:creationId xmlns:a16="http://schemas.microsoft.com/office/drawing/2014/main" id="{08C4F80B-224B-A54B-A8FB-DC7BC4036F74}"/>
+              </a:ext>
+            </a:extLst>
+          </p:cNvPr>
+          <p:cNvSpPr/>
+          <p:nvPr/>
+        </p:nvSpPr>
+        <p:spPr>
+          <a:xfrm>
+            <a:off x="3059832" y="6208509"/>
+            <a:ext cx="547261" cy="547261"/>
+          </a:xfrm>
+          <a:prstGeom prst="rect">
+            <a:avLst/>
+          </a:prstGeom>
+          <a:solidFill>
+            <a:schemeClr val="bg1">
+              <a:lumMod val="50000"/>
+            </a:schemeClr>
+          </a:solidFill>
+          <a:ln w="38100">
+            <a:solidFill>
+              <a:schemeClr val="accent1">
+                <a:lumMod val="40000"/>
+                <a:lumOff val="60000"/>
+              </a:schemeClr>
+            </a:solidFill>
+          </a:ln>
+        </p:spPr>
+        <p:style>
+          <a:lnRef idx="2">
+            <a:schemeClr val="accent1">
+              <a:shade val="50000"/>
+            </a:schemeClr>
+          </a:lnRef>
+          <a:fillRef idx="1">
+            <a:schemeClr val="accent1"/>
+          </a:fillRef>
+          <a:effectRef idx="0">
+            <a:schemeClr val="accent1"/>
+          </a:effectRef>
+          <a:fontRef idx="minor">
+            <a:schemeClr val="lt1"/>
+          </a:fontRef>
+        </p:style>
+        <p:txBody>
+          <a:bodyPr rtlCol="0" anchor="ctr"/>
+          <a:lstStyle/>
+          <a:p>
+            <a:pPr algn="ctr"/>
+            <a:endParaRPr kumimoji="1" lang="ja-JP" altLang="en-US"/>
+          </a:p>
+        </p:txBody>
+      </p:sp>
+      <p:sp>
+        <p:nvSpPr>
+          <p:cNvPr id="141" name="右矢印 140">
+            <a:extLst>
+              <a:ext uri="{FF2B5EF4-FFF2-40B4-BE49-F238E27FC236}">
+                <a16:creationId xmlns:a16="http://schemas.microsoft.com/office/drawing/2014/main" id="{E492298F-9620-154F-B957-C5291FB0BDBE}"/>
+              </a:ext>
+            </a:extLst>
+          </p:cNvPr>
+          <p:cNvSpPr/>
+          <p:nvPr/>
+        </p:nvSpPr>
+        <p:spPr>
+          <a:xfrm rot="5400000">
+            <a:off x="944237" y="4152550"/>
+            <a:ext cx="325320" cy="270593"/>
+          </a:xfrm>
+          <a:prstGeom prst="rightArrow">
+            <a:avLst/>
+          </a:prstGeom>
+          <a:solidFill>
+            <a:schemeClr val="accent1">
+              <a:lumMod val="60000"/>
+              <a:lumOff val="40000"/>
+            </a:schemeClr>
+          </a:solidFill>
+          <a:ln>
+            <a:solidFill>
+              <a:schemeClr val="tx1"/>
+            </a:solidFill>
+          </a:ln>
+        </p:spPr>
+        <p:style>
+          <a:lnRef idx="2">
+            <a:schemeClr val="accent1">
+              <a:shade val="50000"/>
+            </a:schemeClr>
+          </a:lnRef>
+          <a:fillRef idx="1">
+            <a:schemeClr val="accent1"/>
+          </a:fillRef>
+          <a:effectRef idx="0">
+            <a:schemeClr val="accent1"/>
+          </a:effectRef>
+          <a:fontRef idx="minor">
+            <a:schemeClr val="lt1"/>
+          </a:fontRef>
+        </p:style>
+        <p:txBody>
+          <a:bodyPr rtlCol="0" anchor="ctr"/>
+          <a:lstStyle/>
+          <a:p>
+            <a:pPr algn="ctr"/>
+            <a:endParaRPr kumimoji="1" lang="ja-JP" altLang="en-US"/>
+          </a:p>
+        </p:txBody>
+      </p:sp>
+      <p:sp>
+        <p:nvSpPr>
+          <p:cNvPr id="142" name="右矢印 141">
+            <a:extLst>
+              <a:ext uri="{FF2B5EF4-FFF2-40B4-BE49-F238E27FC236}">
+                <a16:creationId xmlns:a16="http://schemas.microsoft.com/office/drawing/2014/main" id="{CE2FD0AD-FF50-414F-B0DA-2B1703560AC1}"/>
+              </a:ext>
+            </a:extLst>
+          </p:cNvPr>
+          <p:cNvSpPr/>
+          <p:nvPr/>
+        </p:nvSpPr>
+        <p:spPr>
+          <a:xfrm rot="5400000">
+            <a:off x="944237" y="4694902"/>
+            <a:ext cx="325320" cy="270593"/>
+          </a:xfrm>
+          <a:prstGeom prst="rightArrow">
+            <a:avLst/>
+          </a:prstGeom>
+          <a:solidFill>
+            <a:schemeClr val="accent1">
+              <a:lumMod val="60000"/>
+              <a:lumOff val="40000"/>
+            </a:schemeClr>
+          </a:solidFill>
+          <a:ln>
+            <a:solidFill>
+              <a:schemeClr val="tx1"/>
+            </a:solidFill>
+          </a:ln>
+        </p:spPr>
+        <p:style>
+          <a:lnRef idx="2">
+            <a:schemeClr val="accent1">
+              <a:shade val="50000"/>
+            </a:schemeClr>
+          </a:lnRef>
+          <a:fillRef idx="1">
+            <a:schemeClr val="accent1"/>
+          </a:fillRef>
+          <a:effectRef idx="0">
+            <a:schemeClr val="accent1"/>
+          </a:effectRef>
+          <a:fontRef idx="minor">
+            <a:schemeClr val="lt1"/>
+          </a:fontRef>
+        </p:style>
+        <p:txBody>
+          <a:bodyPr rtlCol="0" anchor="ctr"/>
+          <a:lstStyle/>
+          <a:p>
+            <a:pPr algn="ctr"/>
+            <a:endParaRPr kumimoji="1" lang="ja-JP" altLang="en-US"/>
+          </a:p>
+        </p:txBody>
+      </p:sp>
+      <p:sp>
+        <p:nvSpPr>
+          <p:cNvPr id="143" name="右矢印 142">
+            <a:extLst>
+              <a:ext uri="{FF2B5EF4-FFF2-40B4-BE49-F238E27FC236}">
+                <a16:creationId xmlns:a16="http://schemas.microsoft.com/office/drawing/2014/main" id="{FA823891-C0A7-BA45-827E-2C509BD7E4A6}"/>
+              </a:ext>
+            </a:extLst>
+          </p:cNvPr>
+          <p:cNvSpPr/>
+          <p:nvPr/>
+        </p:nvSpPr>
+        <p:spPr>
+          <a:xfrm rot="5400000">
+            <a:off x="944236" y="5270966"/>
+            <a:ext cx="325320" cy="270593"/>
+          </a:xfrm>
+          <a:prstGeom prst="rightArrow">
+            <a:avLst/>
+          </a:prstGeom>
+          <a:solidFill>
+            <a:schemeClr val="accent1">
+              <a:lumMod val="60000"/>
+              <a:lumOff val="40000"/>
+            </a:schemeClr>
+          </a:solidFill>
+          <a:ln>
+            <a:solidFill>
+              <a:schemeClr val="tx1"/>
+            </a:solidFill>
+          </a:ln>
+        </p:spPr>
+        <p:style>
+          <a:lnRef idx="2">
+            <a:schemeClr val="accent1">
+              <a:shade val="50000"/>
+            </a:schemeClr>
+          </a:lnRef>
+          <a:fillRef idx="1">
+            <a:schemeClr val="accent1"/>
+          </a:fillRef>
+          <a:effectRef idx="0">
+            <a:schemeClr val="accent1"/>
+          </a:effectRef>
+          <a:fontRef idx="minor">
+            <a:schemeClr val="lt1"/>
+          </a:fontRef>
+        </p:style>
+        <p:txBody>
+          <a:bodyPr rtlCol="0" anchor="ctr"/>
+          <a:lstStyle/>
+          <a:p>
+            <a:pPr algn="ctr"/>
+            <a:endParaRPr kumimoji="1" lang="ja-JP" altLang="en-US"/>
+          </a:p>
+        </p:txBody>
+      </p:sp>
+      <p:pic>
+        <p:nvPicPr>
+          <p:cNvPr id="134" name="図 133">
+            <a:extLst>
+              <a:ext uri="{FF2B5EF4-FFF2-40B4-BE49-F238E27FC236}">
+                <a16:creationId xmlns:a16="http://schemas.microsoft.com/office/drawing/2014/main" id="{7953CBDD-0728-9F46-B606-E03932BF6409}"/>
+              </a:ext>
+            </a:extLst>
+          </p:cNvPr>
+          <p:cNvPicPr>
+            <a:picLocks noChangeAspect="1"/>
+          </p:cNvPicPr>
+          <p:nvPr/>
+        </p:nvPicPr>
+        <p:blipFill>
+          <a:blip r:embed="rId2"/>
+          <a:stretch>
+            <a:fillRect/>
+          </a:stretch>
+        </p:blipFill>
+        <p:spPr>
+          <a:xfrm>
+            <a:off x="971600" y="4624333"/>
+            <a:ext cx="397676" cy="458857"/>
+          </a:xfrm>
+          <a:prstGeom prst="rect">
+            <a:avLst/>
+          </a:prstGeom>
+        </p:spPr>
+      </p:pic>
+      <p:sp>
+        <p:nvSpPr>
+          <p:cNvPr id="144" name="右矢印 143">
+            <a:extLst>
+              <a:ext uri="{FF2B5EF4-FFF2-40B4-BE49-F238E27FC236}">
+                <a16:creationId xmlns:a16="http://schemas.microsoft.com/office/drawing/2014/main" id="{B3AAECD3-DC9F-B940-8691-00DBE4BDDF4E}"/>
+              </a:ext>
+            </a:extLst>
+          </p:cNvPr>
+          <p:cNvSpPr/>
+          <p:nvPr/>
+        </p:nvSpPr>
+        <p:spPr>
+          <a:xfrm rot="5400000">
+            <a:off x="944236" y="5803825"/>
+            <a:ext cx="325320" cy="270593"/>
+          </a:xfrm>
+          <a:prstGeom prst="rightArrow">
+            <a:avLst/>
+          </a:prstGeom>
+          <a:solidFill>
+            <a:schemeClr val="accent1">
+              <a:lumMod val="60000"/>
+              <a:lumOff val="40000"/>
+            </a:schemeClr>
+          </a:solidFill>
+          <a:ln>
+            <a:solidFill>
+              <a:schemeClr val="tx1"/>
+            </a:solidFill>
+          </a:ln>
+        </p:spPr>
+        <p:style>
+          <a:lnRef idx="2">
+            <a:schemeClr val="accent1">
+              <a:shade val="50000"/>
+            </a:schemeClr>
+          </a:lnRef>
+          <a:fillRef idx="1">
+            <a:schemeClr val="accent1"/>
+          </a:fillRef>
+          <a:effectRef idx="0">
+            <a:schemeClr val="accent1"/>
+          </a:effectRef>
+          <a:fontRef idx="minor">
+            <a:schemeClr val="lt1"/>
+          </a:fontRef>
+        </p:style>
+        <p:txBody>
+          <a:bodyPr rtlCol="0" anchor="ctr"/>
+          <a:lstStyle/>
+          <a:p>
+            <a:pPr algn="ctr"/>
+            <a:endParaRPr kumimoji="1" lang="ja-JP" altLang="en-US"/>
+          </a:p>
+        </p:txBody>
+      </p:sp>
+      <p:sp>
+        <p:nvSpPr>
+          <p:cNvPr id="145" name="正方形/長方形 144">
+            <a:extLst>
+              <a:ext uri="{FF2B5EF4-FFF2-40B4-BE49-F238E27FC236}">
+                <a16:creationId xmlns:a16="http://schemas.microsoft.com/office/drawing/2014/main" id="{85793C06-29A2-884C-AD9F-1F81F0C5EC3E}"/>
+              </a:ext>
+            </a:extLst>
+          </p:cNvPr>
+          <p:cNvSpPr/>
+          <p:nvPr/>
+        </p:nvSpPr>
+        <p:spPr>
+          <a:xfrm>
+            <a:off x="5004048" y="4048269"/>
+            <a:ext cx="547261" cy="547261"/>
+          </a:xfrm>
+          <a:prstGeom prst="rect">
+            <a:avLst/>
+          </a:prstGeom>
+          <a:solidFill>
+            <a:schemeClr val="bg1">
+              <a:lumMod val="50000"/>
+            </a:schemeClr>
+          </a:solidFill>
+          <a:ln w="38100">
+            <a:solidFill>
+              <a:schemeClr val="accent1">
+                <a:lumMod val="40000"/>
+                <a:lumOff val="60000"/>
+              </a:schemeClr>
+            </a:solidFill>
+          </a:ln>
+        </p:spPr>
+        <p:style>
+          <a:lnRef idx="2">
+            <a:schemeClr val="accent1">
+              <a:shade val="50000"/>
+            </a:schemeClr>
+          </a:lnRef>
+          <a:fillRef idx="1">
+            <a:schemeClr val="accent1"/>
+          </a:fillRef>
+          <a:effectRef idx="0">
+            <a:schemeClr val="accent1"/>
+          </a:effectRef>
+          <a:fontRef idx="minor">
+            <a:schemeClr val="lt1"/>
+          </a:fontRef>
+        </p:style>
+        <p:txBody>
+          <a:bodyPr rtlCol="0" anchor="ctr"/>
+          <a:lstStyle/>
+          <a:p>
+            <a:pPr algn="ctr"/>
+            <a:endParaRPr kumimoji="1" lang="ja-JP" altLang="en-US"/>
+          </a:p>
+        </p:txBody>
+      </p:sp>
+      <p:sp>
+        <p:nvSpPr>
+          <p:cNvPr id="146" name="正方形/長方形 145">
+            <a:extLst>
+              <a:ext uri="{FF2B5EF4-FFF2-40B4-BE49-F238E27FC236}">
+                <a16:creationId xmlns:a16="http://schemas.microsoft.com/office/drawing/2014/main" id="{F7A6EFE5-0ED6-974C-B0D5-C47C446E7512}"/>
+              </a:ext>
+            </a:extLst>
+          </p:cNvPr>
+          <p:cNvSpPr/>
+          <p:nvPr/>
+        </p:nvSpPr>
+        <p:spPr>
+          <a:xfrm>
+            <a:off x="5004048" y="4595530"/>
+            <a:ext cx="547261" cy="547261"/>
+          </a:xfrm>
+          <a:prstGeom prst="rect">
+            <a:avLst/>
+          </a:prstGeom>
+          <a:solidFill>
+            <a:schemeClr val="bg1">
+              <a:lumMod val="50000"/>
+            </a:schemeClr>
+          </a:solidFill>
+          <a:ln w="38100">
+            <a:solidFill>
+              <a:schemeClr val="accent1">
+                <a:lumMod val="40000"/>
+                <a:lumOff val="60000"/>
+              </a:schemeClr>
+            </a:solidFill>
+          </a:ln>
+        </p:spPr>
+        <p:style>
+          <a:lnRef idx="2">
+            <a:schemeClr val="accent1">
+              <a:shade val="50000"/>
+            </a:schemeClr>
+          </a:lnRef>
+          <a:fillRef idx="1">
+            <a:schemeClr val="accent1"/>
+          </a:fillRef>
+          <a:effectRef idx="0">
+            <a:schemeClr val="accent1"/>
+          </a:effectRef>
+          <a:fontRef idx="minor">
+            <a:schemeClr val="lt1"/>
+          </a:fontRef>
+        </p:style>
+        <p:txBody>
+          <a:bodyPr rtlCol="0" anchor="ctr"/>
+          <a:lstStyle/>
+          <a:p>
+            <a:pPr algn="ctr"/>
+            <a:endParaRPr kumimoji="1" lang="ja-JP" altLang="en-US"/>
+          </a:p>
+        </p:txBody>
+      </p:sp>
+      <p:sp>
+        <p:nvSpPr>
+          <p:cNvPr id="147" name="正方形/長方形 146">
+            <a:extLst>
+              <a:ext uri="{FF2B5EF4-FFF2-40B4-BE49-F238E27FC236}">
+                <a16:creationId xmlns:a16="http://schemas.microsoft.com/office/drawing/2014/main" id="{CAE6EC57-4B73-EE47-BA8B-B60216D0C70E}"/>
+              </a:ext>
+            </a:extLst>
+          </p:cNvPr>
+          <p:cNvSpPr/>
+          <p:nvPr/>
+        </p:nvSpPr>
+        <p:spPr>
+          <a:xfrm>
+            <a:off x="5004048" y="5142791"/>
+            <a:ext cx="547261" cy="547261"/>
+          </a:xfrm>
+          <a:prstGeom prst="rect">
+            <a:avLst/>
+          </a:prstGeom>
+          <a:solidFill>
+            <a:schemeClr val="bg1">
+              <a:lumMod val="50000"/>
+            </a:schemeClr>
+          </a:solidFill>
+          <a:ln w="38100">
+            <a:solidFill>
+              <a:schemeClr val="accent1">
+                <a:lumMod val="40000"/>
+                <a:lumOff val="60000"/>
+              </a:schemeClr>
+            </a:solidFill>
+          </a:ln>
+        </p:spPr>
+        <p:style>
+          <a:lnRef idx="2">
+            <a:schemeClr val="accent1">
+              <a:shade val="50000"/>
+            </a:schemeClr>
+          </a:lnRef>
+          <a:fillRef idx="1">
+            <a:schemeClr val="accent1"/>
+          </a:fillRef>
+          <a:effectRef idx="0">
+            <a:schemeClr val="accent1"/>
+          </a:effectRef>
+          <a:fontRef idx="minor">
+            <a:schemeClr val="lt1"/>
+          </a:fontRef>
+        </p:style>
+        <p:txBody>
+          <a:bodyPr rtlCol="0" anchor="ctr"/>
+          <a:lstStyle/>
+          <a:p>
+            <a:pPr algn="ctr"/>
+            <a:endParaRPr kumimoji="1" lang="ja-JP" altLang="en-US"/>
+          </a:p>
+        </p:txBody>
+      </p:sp>
+      <p:sp>
+        <p:nvSpPr>
+          <p:cNvPr id="148" name="正方形/長方形 147">
+            <a:extLst>
+              <a:ext uri="{FF2B5EF4-FFF2-40B4-BE49-F238E27FC236}">
+                <a16:creationId xmlns:a16="http://schemas.microsoft.com/office/drawing/2014/main" id="{26099D5C-9BD6-6C4A-86DA-21B38554A338}"/>
+              </a:ext>
+            </a:extLst>
+          </p:cNvPr>
+          <p:cNvSpPr/>
+          <p:nvPr/>
+        </p:nvSpPr>
+        <p:spPr>
+          <a:xfrm>
+            <a:off x="5004048" y="5690051"/>
+            <a:ext cx="547261" cy="547261"/>
+          </a:xfrm>
+          <a:prstGeom prst="rect">
+            <a:avLst/>
+          </a:prstGeom>
+          <a:solidFill>
+            <a:schemeClr val="bg1">
+              <a:lumMod val="50000"/>
+            </a:schemeClr>
+          </a:solidFill>
+          <a:ln w="38100">
+            <a:solidFill>
+              <a:schemeClr val="accent1">
+                <a:lumMod val="40000"/>
+                <a:lumOff val="60000"/>
+              </a:schemeClr>
+            </a:solidFill>
+          </a:ln>
+        </p:spPr>
+        <p:style>
+          <a:lnRef idx="2">
+            <a:schemeClr val="accent1">
+              <a:shade val="50000"/>
+            </a:schemeClr>
+          </a:lnRef>
+          <a:fillRef idx="1">
+            <a:schemeClr val="accent1"/>
+          </a:fillRef>
+          <a:effectRef idx="0">
+            <a:schemeClr val="accent1"/>
+          </a:effectRef>
+          <a:fontRef idx="minor">
+            <a:schemeClr val="lt1"/>
+          </a:fontRef>
+        </p:style>
+        <p:txBody>
+          <a:bodyPr rtlCol="0" anchor="ctr"/>
+          <a:lstStyle/>
+          <a:p>
+            <a:pPr algn="ctr"/>
+            <a:endParaRPr kumimoji="1" lang="ja-JP" altLang="en-US"/>
+          </a:p>
+        </p:txBody>
+      </p:sp>
+      <p:sp>
+        <p:nvSpPr>
+          <p:cNvPr id="149" name="正方形/長方形 148">
+            <a:extLst>
+              <a:ext uri="{FF2B5EF4-FFF2-40B4-BE49-F238E27FC236}">
+                <a16:creationId xmlns:a16="http://schemas.microsoft.com/office/drawing/2014/main" id="{B6789E91-95CB-8A44-AA6D-54B52D9A3986}"/>
+              </a:ext>
+            </a:extLst>
+          </p:cNvPr>
+          <p:cNvSpPr/>
+          <p:nvPr/>
+        </p:nvSpPr>
+        <p:spPr>
+          <a:xfrm>
+            <a:off x="5551309" y="4048269"/>
+            <a:ext cx="547261" cy="547261"/>
+          </a:xfrm>
+          <a:prstGeom prst="rect">
+            <a:avLst/>
+          </a:prstGeom>
+          <a:solidFill>
+            <a:schemeClr val="bg1"/>
+          </a:solidFill>
+          <a:ln w="38100">
+            <a:solidFill>
+              <a:schemeClr val="accent1">
+                <a:lumMod val="40000"/>
+                <a:lumOff val="60000"/>
+              </a:schemeClr>
+            </a:solidFill>
+          </a:ln>
+        </p:spPr>
+        <p:style>
+          <a:lnRef idx="2">
+            <a:schemeClr val="accent1">
+              <a:shade val="50000"/>
+            </a:schemeClr>
+          </a:lnRef>
+          <a:fillRef idx="1">
+            <a:schemeClr val="accent1"/>
+          </a:fillRef>
+          <a:effectRef idx="0">
+            <a:schemeClr val="accent1"/>
+          </a:effectRef>
+          <a:fontRef idx="minor">
+            <a:schemeClr val="lt1"/>
+          </a:fontRef>
+        </p:style>
+        <p:txBody>
+          <a:bodyPr rtlCol="0" anchor="ctr"/>
+          <a:lstStyle/>
+          <a:p>
+            <a:pPr algn="ctr"/>
+            <a:endParaRPr kumimoji="1" lang="ja-JP" altLang="en-US"/>
+          </a:p>
+        </p:txBody>
+      </p:sp>
+      <p:sp>
+        <p:nvSpPr>
+          <p:cNvPr id="150" name="正方形/長方形 149">
+            <a:extLst>
+              <a:ext uri="{FF2B5EF4-FFF2-40B4-BE49-F238E27FC236}">
+                <a16:creationId xmlns:a16="http://schemas.microsoft.com/office/drawing/2014/main" id="{8D21D233-92B0-4246-9D48-6D23A946841C}"/>
+              </a:ext>
+            </a:extLst>
+          </p:cNvPr>
+          <p:cNvSpPr/>
+          <p:nvPr/>
+        </p:nvSpPr>
+        <p:spPr>
+          <a:xfrm>
+            <a:off x="5551309" y="4595530"/>
+            <a:ext cx="547261" cy="547261"/>
+          </a:xfrm>
+          <a:prstGeom prst="rect">
+            <a:avLst/>
+          </a:prstGeom>
+          <a:solidFill>
+            <a:schemeClr val="bg1"/>
+          </a:solidFill>
+          <a:ln w="38100">
+            <a:solidFill>
+              <a:schemeClr val="accent1">
+                <a:lumMod val="40000"/>
+                <a:lumOff val="60000"/>
+              </a:schemeClr>
+            </a:solidFill>
+          </a:ln>
+        </p:spPr>
+        <p:style>
+          <a:lnRef idx="2">
+            <a:schemeClr val="accent1">
+              <a:shade val="50000"/>
+            </a:schemeClr>
+          </a:lnRef>
+          <a:fillRef idx="1">
+            <a:schemeClr val="accent1"/>
+          </a:fillRef>
+          <a:effectRef idx="0">
+            <a:schemeClr val="accent1"/>
+          </a:effectRef>
+          <a:fontRef idx="minor">
+            <a:schemeClr val="lt1"/>
+          </a:fontRef>
+        </p:style>
+        <p:txBody>
+          <a:bodyPr rtlCol="0" anchor="ctr"/>
+          <a:lstStyle/>
+          <a:p>
+            <a:pPr algn="ctr"/>
+            <a:endParaRPr kumimoji="1" lang="ja-JP" altLang="en-US"/>
+          </a:p>
+        </p:txBody>
+      </p:sp>
+      <p:sp>
+        <p:nvSpPr>
+          <p:cNvPr id="151" name="正方形/長方形 150">
+            <a:extLst>
+              <a:ext uri="{FF2B5EF4-FFF2-40B4-BE49-F238E27FC236}">
+                <a16:creationId xmlns:a16="http://schemas.microsoft.com/office/drawing/2014/main" id="{0B6FDBA0-12D7-AA47-BB62-C5C885689C63}"/>
+              </a:ext>
+            </a:extLst>
+          </p:cNvPr>
+          <p:cNvSpPr/>
+          <p:nvPr/>
+        </p:nvSpPr>
+        <p:spPr>
+          <a:xfrm>
+            <a:off x="5551309" y="5142791"/>
+            <a:ext cx="547261" cy="547261"/>
+          </a:xfrm>
+          <a:prstGeom prst="rect">
+            <a:avLst/>
+          </a:prstGeom>
+          <a:solidFill>
+            <a:schemeClr val="bg1"/>
+          </a:solidFill>
+          <a:ln w="38100">
+            <a:solidFill>
+              <a:schemeClr val="accent1">
+                <a:lumMod val="40000"/>
+                <a:lumOff val="60000"/>
+              </a:schemeClr>
+            </a:solidFill>
+          </a:ln>
+        </p:spPr>
+        <p:style>
+          <a:lnRef idx="2">
+            <a:schemeClr val="accent1">
+              <a:shade val="50000"/>
+            </a:schemeClr>
+          </a:lnRef>
+          <a:fillRef idx="1">
+            <a:schemeClr val="accent1"/>
+          </a:fillRef>
+          <a:effectRef idx="0">
+            <a:schemeClr val="accent1"/>
+          </a:effectRef>
+          <a:fontRef idx="minor">
+            <a:schemeClr val="lt1"/>
+          </a:fontRef>
+        </p:style>
+        <p:txBody>
+          <a:bodyPr rtlCol="0" anchor="ctr"/>
+          <a:lstStyle/>
+          <a:p>
+            <a:pPr algn="ctr"/>
+            <a:endParaRPr kumimoji="1" lang="ja-JP" altLang="en-US"/>
+          </a:p>
+        </p:txBody>
+      </p:sp>
+      <p:sp>
+        <p:nvSpPr>
+          <p:cNvPr id="152" name="正方形/長方形 151">
+            <a:extLst>
+              <a:ext uri="{FF2B5EF4-FFF2-40B4-BE49-F238E27FC236}">
+                <a16:creationId xmlns:a16="http://schemas.microsoft.com/office/drawing/2014/main" id="{E96E34C1-61CB-C541-9CDB-B4208936FA48}"/>
+              </a:ext>
+            </a:extLst>
+          </p:cNvPr>
+          <p:cNvSpPr/>
+          <p:nvPr/>
+        </p:nvSpPr>
+        <p:spPr>
+          <a:xfrm>
+            <a:off x="5551309" y="5690051"/>
+            <a:ext cx="547261" cy="547261"/>
+          </a:xfrm>
+          <a:prstGeom prst="rect">
+            <a:avLst/>
+          </a:prstGeom>
+          <a:solidFill>
+            <a:schemeClr val="bg1"/>
+          </a:solidFill>
+          <a:ln w="38100">
+            <a:solidFill>
+              <a:schemeClr val="accent1">
+                <a:lumMod val="40000"/>
+                <a:lumOff val="60000"/>
+              </a:schemeClr>
+            </a:solidFill>
+          </a:ln>
+        </p:spPr>
+        <p:style>
+          <a:lnRef idx="2">
+            <a:schemeClr val="accent1">
+              <a:shade val="50000"/>
+            </a:schemeClr>
+          </a:lnRef>
+          <a:fillRef idx="1">
+            <a:schemeClr val="accent1"/>
+          </a:fillRef>
+          <a:effectRef idx="0">
+            <a:schemeClr val="accent1"/>
+          </a:effectRef>
+          <a:fontRef idx="minor">
+            <a:schemeClr val="lt1"/>
+          </a:fontRef>
+        </p:style>
+        <p:txBody>
+          <a:bodyPr rtlCol="0" anchor="ctr"/>
+          <a:lstStyle/>
+          <a:p>
+            <a:pPr algn="ctr"/>
+            <a:endParaRPr kumimoji="1" lang="ja-JP" altLang="en-US"/>
+          </a:p>
+        </p:txBody>
+      </p:sp>
+      <p:sp>
+        <p:nvSpPr>
+          <p:cNvPr id="153" name="正方形/長方形 152">
+            <a:extLst>
+              <a:ext uri="{FF2B5EF4-FFF2-40B4-BE49-F238E27FC236}">
+                <a16:creationId xmlns:a16="http://schemas.microsoft.com/office/drawing/2014/main" id="{EDA10E05-AEDF-6D46-A6AF-FD20A795732C}"/>
+              </a:ext>
+            </a:extLst>
+          </p:cNvPr>
+          <p:cNvSpPr/>
+          <p:nvPr/>
+        </p:nvSpPr>
+        <p:spPr>
+          <a:xfrm>
+            <a:off x="6098570" y="4048269"/>
+            <a:ext cx="547261" cy="547261"/>
+          </a:xfrm>
+          <a:prstGeom prst="rect">
+            <a:avLst/>
+          </a:prstGeom>
+          <a:solidFill>
+            <a:schemeClr val="bg1">
+              <a:lumMod val="50000"/>
+            </a:schemeClr>
+          </a:solidFill>
+          <a:ln w="38100">
+            <a:solidFill>
+              <a:schemeClr val="accent1">
+                <a:lumMod val="40000"/>
+                <a:lumOff val="60000"/>
+              </a:schemeClr>
+            </a:solidFill>
+          </a:ln>
+        </p:spPr>
+        <p:style>
+          <a:lnRef idx="2">
+            <a:schemeClr val="accent1">
+              <a:shade val="50000"/>
+            </a:schemeClr>
+          </a:lnRef>
+          <a:fillRef idx="1">
+            <a:schemeClr val="accent1"/>
+          </a:fillRef>
+          <a:effectRef idx="0">
+            <a:schemeClr val="accent1"/>
+          </a:effectRef>
+          <a:fontRef idx="minor">
+            <a:schemeClr val="lt1"/>
+          </a:fontRef>
+        </p:style>
+        <p:txBody>
+          <a:bodyPr rtlCol="0" anchor="ctr"/>
+          <a:lstStyle/>
+          <a:p>
+            <a:pPr algn="ctr"/>
+            <a:endParaRPr kumimoji="1" lang="ja-JP" altLang="en-US"/>
+          </a:p>
+        </p:txBody>
+      </p:sp>
+      <p:sp>
+        <p:nvSpPr>
+          <p:cNvPr id="154" name="正方形/長方形 153">
+            <a:extLst>
+              <a:ext uri="{FF2B5EF4-FFF2-40B4-BE49-F238E27FC236}">
+                <a16:creationId xmlns:a16="http://schemas.microsoft.com/office/drawing/2014/main" id="{08B78E94-E71B-7D4E-9A1E-3B71CD89E64D}"/>
+              </a:ext>
+            </a:extLst>
+          </p:cNvPr>
+          <p:cNvSpPr/>
+          <p:nvPr/>
+        </p:nvSpPr>
+        <p:spPr>
+          <a:xfrm>
+            <a:off x="6098570" y="4595530"/>
+            <a:ext cx="547261" cy="547261"/>
+          </a:xfrm>
+          <a:prstGeom prst="rect">
+            <a:avLst/>
+          </a:prstGeom>
+          <a:solidFill>
+            <a:schemeClr val="bg1"/>
+          </a:solidFill>
+          <a:ln w="38100">
+            <a:solidFill>
+              <a:schemeClr val="accent1">
+                <a:lumMod val="40000"/>
+                <a:lumOff val="60000"/>
+              </a:schemeClr>
+            </a:solidFill>
+          </a:ln>
+        </p:spPr>
+        <p:style>
+          <a:lnRef idx="2">
+            <a:schemeClr val="accent1">
+              <a:shade val="50000"/>
+            </a:schemeClr>
+          </a:lnRef>
+          <a:fillRef idx="1">
+            <a:schemeClr val="accent1"/>
+          </a:fillRef>
+          <a:effectRef idx="0">
+            <a:schemeClr val="accent1"/>
+          </a:effectRef>
+          <a:fontRef idx="minor">
+            <a:schemeClr val="lt1"/>
+          </a:fontRef>
+        </p:style>
+        <p:txBody>
+          <a:bodyPr rtlCol="0" anchor="ctr"/>
+          <a:lstStyle/>
+          <a:p>
+            <a:pPr algn="ctr"/>
+            <a:endParaRPr kumimoji="1" lang="ja-JP" altLang="en-US"/>
+          </a:p>
+        </p:txBody>
+      </p:sp>
+      <p:sp>
+        <p:nvSpPr>
+          <p:cNvPr id="155" name="正方形/長方形 154">
+            <a:extLst>
+              <a:ext uri="{FF2B5EF4-FFF2-40B4-BE49-F238E27FC236}">
+                <a16:creationId xmlns:a16="http://schemas.microsoft.com/office/drawing/2014/main" id="{7D820F3F-1A4D-1048-B96B-D17861297A76}"/>
+              </a:ext>
+            </a:extLst>
+          </p:cNvPr>
+          <p:cNvSpPr/>
+          <p:nvPr/>
+        </p:nvSpPr>
+        <p:spPr>
+          <a:xfrm>
+            <a:off x="6098570" y="5142791"/>
+            <a:ext cx="547261" cy="547261"/>
+          </a:xfrm>
+          <a:prstGeom prst="rect">
+            <a:avLst/>
+          </a:prstGeom>
+          <a:solidFill>
+            <a:schemeClr val="bg1">
+              <a:lumMod val="50000"/>
+            </a:schemeClr>
+          </a:solidFill>
+          <a:ln w="38100">
+            <a:solidFill>
+              <a:schemeClr val="accent1">
+                <a:lumMod val="40000"/>
+                <a:lumOff val="60000"/>
+              </a:schemeClr>
+            </a:solidFill>
+          </a:ln>
+        </p:spPr>
+        <p:style>
+          <a:lnRef idx="2">
+            <a:schemeClr val="accent1">
+              <a:shade val="50000"/>
+            </a:schemeClr>
+          </a:lnRef>
+          <a:fillRef idx="1">
+            <a:schemeClr val="accent1"/>
+          </a:fillRef>
+          <a:effectRef idx="0">
+            <a:schemeClr val="accent1"/>
+          </a:effectRef>
+          <a:fontRef idx="minor">
+            <a:schemeClr val="lt1"/>
+          </a:fontRef>
+        </p:style>
+        <p:txBody>
+          <a:bodyPr rtlCol="0" anchor="ctr"/>
+          <a:lstStyle/>
+          <a:p>
+            <a:pPr algn="ctr"/>
+            <a:endParaRPr kumimoji="1" lang="ja-JP" altLang="en-US"/>
+          </a:p>
+        </p:txBody>
+      </p:sp>
+      <p:sp>
+        <p:nvSpPr>
+          <p:cNvPr id="156" name="正方形/長方形 155">
+            <a:extLst>
+              <a:ext uri="{FF2B5EF4-FFF2-40B4-BE49-F238E27FC236}">
+                <a16:creationId xmlns:a16="http://schemas.microsoft.com/office/drawing/2014/main" id="{3545ED82-07BA-9148-A94C-7EE721D3590A}"/>
+              </a:ext>
+            </a:extLst>
+          </p:cNvPr>
+          <p:cNvSpPr/>
+          <p:nvPr/>
+        </p:nvSpPr>
+        <p:spPr>
+          <a:xfrm>
+            <a:off x="6098570" y="5690051"/>
+            <a:ext cx="547261" cy="547261"/>
+          </a:xfrm>
+          <a:prstGeom prst="rect">
+            <a:avLst/>
+          </a:prstGeom>
+          <a:solidFill>
+            <a:schemeClr val="bg1">
+              <a:lumMod val="50000"/>
+            </a:schemeClr>
+          </a:solidFill>
+          <a:ln w="38100">
+            <a:solidFill>
+              <a:schemeClr val="accent1">
+                <a:lumMod val="40000"/>
+                <a:lumOff val="60000"/>
+              </a:schemeClr>
+            </a:solidFill>
+          </a:ln>
+        </p:spPr>
+        <p:style>
+          <a:lnRef idx="2">
+            <a:schemeClr val="accent1">
+              <a:shade val="50000"/>
+            </a:schemeClr>
+          </a:lnRef>
+          <a:fillRef idx="1">
+            <a:schemeClr val="accent1"/>
+          </a:fillRef>
+          <a:effectRef idx="0">
+            <a:schemeClr val="accent1"/>
+          </a:effectRef>
+          <a:fontRef idx="minor">
+            <a:schemeClr val="lt1"/>
+          </a:fontRef>
+        </p:style>
+        <p:txBody>
+          <a:bodyPr rtlCol="0" anchor="ctr"/>
+          <a:lstStyle/>
+          <a:p>
+            <a:pPr algn="ctr"/>
+            <a:endParaRPr kumimoji="1" lang="ja-JP" altLang="en-US"/>
+          </a:p>
+        </p:txBody>
+      </p:sp>
+      <p:sp>
+        <p:nvSpPr>
+          <p:cNvPr id="157" name="正方形/長方形 156">
+            <a:extLst>
+              <a:ext uri="{FF2B5EF4-FFF2-40B4-BE49-F238E27FC236}">
+                <a16:creationId xmlns:a16="http://schemas.microsoft.com/office/drawing/2014/main" id="{7B906639-996B-BA45-BA32-47738D934CC9}"/>
+              </a:ext>
+            </a:extLst>
+          </p:cNvPr>
+          <p:cNvSpPr/>
+          <p:nvPr/>
+        </p:nvSpPr>
+        <p:spPr>
+          <a:xfrm>
+            <a:off x="6645830" y="4048269"/>
+            <a:ext cx="547261" cy="547261"/>
+          </a:xfrm>
+          <a:prstGeom prst="rect">
+            <a:avLst/>
+          </a:prstGeom>
+          <a:solidFill>
+            <a:schemeClr val="bg1">
+              <a:lumMod val="50000"/>
+            </a:schemeClr>
+          </a:solidFill>
+          <a:ln w="38100">
+            <a:solidFill>
+              <a:schemeClr val="accent1">
+                <a:lumMod val="40000"/>
+                <a:lumOff val="60000"/>
+              </a:schemeClr>
+            </a:solidFill>
+          </a:ln>
+        </p:spPr>
+        <p:style>
+          <a:lnRef idx="2">
+            <a:schemeClr val="accent1">
+              <a:shade val="50000"/>
+            </a:schemeClr>
+          </a:lnRef>
+          <a:fillRef idx="1">
+            <a:schemeClr val="accent1"/>
+          </a:fillRef>
+          <a:effectRef idx="0">
+            <a:schemeClr val="accent1"/>
+          </a:effectRef>
+          <a:fontRef idx="minor">
+            <a:schemeClr val="lt1"/>
+          </a:fontRef>
+        </p:style>
+        <p:txBody>
+          <a:bodyPr rtlCol="0" anchor="ctr"/>
+          <a:lstStyle/>
+          <a:p>
+            <a:pPr algn="ctr"/>
+            <a:endParaRPr kumimoji="1" lang="ja-JP" altLang="en-US"/>
+          </a:p>
+        </p:txBody>
+      </p:sp>
+      <p:sp>
+        <p:nvSpPr>
+          <p:cNvPr id="158" name="正方形/長方形 157">
+            <a:extLst>
+              <a:ext uri="{FF2B5EF4-FFF2-40B4-BE49-F238E27FC236}">
+                <a16:creationId xmlns:a16="http://schemas.microsoft.com/office/drawing/2014/main" id="{0DD4C941-D45A-CF42-96C2-75A15CBDF7B8}"/>
+              </a:ext>
+            </a:extLst>
+          </p:cNvPr>
+          <p:cNvSpPr/>
+          <p:nvPr/>
+        </p:nvSpPr>
+        <p:spPr>
+          <a:xfrm>
+            <a:off x="6645830" y="4595530"/>
+            <a:ext cx="547261" cy="547261"/>
+          </a:xfrm>
+          <a:prstGeom prst="rect">
+            <a:avLst/>
+          </a:prstGeom>
+          <a:solidFill>
+            <a:schemeClr val="bg1"/>
+          </a:solidFill>
+          <a:ln w="38100">
+            <a:solidFill>
+              <a:schemeClr val="accent1">
+                <a:lumMod val="40000"/>
+                <a:lumOff val="60000"/>
+              </a:schemeClr>
+            </a:solidFill>
+          </a:ln>
+        </p:spPr>
+        <p:style>
+          <a:lnRef idx="2">
+            <a:schemeClr val="accent1">
+              <a:shade val="50000"/>
+            </a:schemeClr>
+          </a:lnRef>
+          <a:fillRef idx="1">
+            <a:schemeClr val="accent1"/>
+          </a:fillRef>
+          <a:effectRef idx="0">
+            <a:schemeClr val="accent1"/>
+          </a:effectRef>
+          <a:fontRef idx="minor">
+            <a:schemeClr val="lt1"/>
+          </a:fontRef>
+        </p:style>
+        <p:txBody>
+          <a:bodyPr rtlCol="0" anchor="ctr"/>
+          <a:lstStyle/>
+          <a:p>
+            <a:pPr algn="ctr"/>
+            <a:endParaRPr kumimoji="1" lang="ja-JP" altLang="en-US"/>
+          </a:p>
+        </p:txBody>
+      </p:sp>
+      <p:sp>
+        <p:nvSpPr>
+          <p:cNvPr id="159" name="正方形/長方形 158">
+            <a:extLst>
+              <a:ext uri="{FF2B5EF4-FFF2-40B4-BE49-F238E27FC236}">
+                <a16:creationId xmlns:a16="http://schemas.microsoft.com/office/drawing/2014/main" id="{FD6E560E-8382-1F4F-B116-6DC7F8877A47}"/>
+              </a:ext>
+            </a:extLst>
+          </p:cNvPr>
+          <p:cNvSpPr/>
+          <p:nvPr/>
+        </p:nvSpPr>
+        <p:spPr>
+          <a:xfrm>
+            <a:off x="6645830" y="5142791"/>
+            <a:ext cx="547261" cy="547261"/>
+          </a:xfrm>
+          <a:prstGeom prst="rect">
+            <a:avLst/>
+          </a:prstGeom>
+          <a:solidFill>
+            <a:schemeClr val="bg1">
+              <a:lumMod val="50000"/>
+            </a:schemeClr>
+          </a:solidFill>
+          <a:ln w="38100">
+            <a:solidFill>
+              <a:schemeClr val="accent1">
+                <a:lumMod val="40000"/>
+                <a:lumOff val="60000"/>
+              </a:schemeClr>
+            </a:solidFill>
+          </a:ln>
+        </p:spPr>
+        <p:style>
+          <a:lnRef idx="2">
+            <a:schemeClr val="accent1">
+              <a:shade val="50000"/>
+            </a:schemeClr>
+          </a:lnRef>
+          <a:fillRef idx="1">
+            <a:schemeClr val="accent1"/>
+          </a:fillRef>
+          <a:effectRef idx="0">
+            <a:schemeClr val="accent1"/>
+          </a:effectRef>
+          <a:fontRef idx="minor">
+            <a:schemeClr val="lt1"/>
+          </a:fontRef>
+        </p:style>
+        <p:txBody>
+          <a:bodyPr rtlCol="0" anchor="ctr"/>
+          <a:lstStyle/>
+          <a:p>
+            <a:pPr algn="ctr"/>
+            <a:endParaRPr kumimoji="1" lang="ja-JP" altLang="en-US"/>
+          </a:p>
+        </p:txBody>
+      </p:sp>
+      <p:sp>
+        <p:nvSpPr>
+          <p:cNvPr id="160" name="正方形/長方形 159">
+            <a:extLst>
+              <a:ext uri="{FF2B5EF4-FFF2-40B4-BE49-F238E27FC236}">
+                <a16:creationId xmlns:a16="http://schemas.microsoft.com/office/drawing/2014/main" id="{59BD89EF-6041-0E4E-8180-65C9318C1A9A}"/>
+              </a:ext>
+            </a:extLst>
+          </p:cNvPr>
+          <p:cNvSpPr/>
+          <p:nvPr/>
+        </p:nvSpPr>
+        <p:spPr>
+          <a:xfrm>
+            <a:off x="6645830" y="5690051"/>
+            <a:ext cx="547261" cy="547261"/>
+          </a:xfrm>
+          <a:prstGeom prst="rect">
+            <a:avLst/>
+          </a:prstGeom>
+          <a:solidFill>
+            <a:schemeClr val="bg1"/>
+          </a:solidFill>
+          <a:ln w="38100">
+            <a:solidFill>
+              <a:schemeClr val="accent1">
+                <a:lumMod val="40000"/>
+                <a:lumOff val="60000"/>
+              </a:schemeClr>
+            </a:solidFill>
+          </a:ln>
+        </p:spPr>
+        <p:style>
+          <a:lnRef idx="2">
+            <a:schemeClr val="accent1">
+              <a:shade val="50000"/>
+            </a:schemeClr>
+          </a:lnRef>
+          <a:fillRef idx="1">
+            <a:schemeClr val="accent1"/>
+          </a:fillRef>
+          <a:effectRef idx="0">
+            <a:schemeClr val="accent1"/>
+          </a:effectRef>
+          <a:fontRef idx="minor">
+            <a:schemeClr val="lt1"/>
+          </a:fontRef>
+        </p:style>
+        <p:txBody>
+          <a:bodyPr rtlCol="0" anchor="ctr"/>
+          <a:lstStyle/>
+          <a:p>
+            <a:pPr algn="ctr"/>
+            <a:endParaRPr kumimoji="1" lang="ja-JP" altLang="en-US"/>
+          </a:p>
+        </p:txBody>
+      </p:sp>
+      <p:sp>
+        <p:nvSpPr>
+          <p:cNvPr id="161" name="正方形/長方形 160">
+            <a:extLst>
+              <a:ext uri="{FF2B5EF4-FFF2-40B4-BE49-F238E27FC236}">
+                <a16:creationId xmlns:a16="http://schemas.microsoft.com/office/drawing/2014/main" id="{36CF3650-891C-2540-975C-6F263704E096}"/>
+              </a:ext>
+            </a:extLst>
+          </p:cNvPr>
+          <p:cNvSpPr/>
+          <p:nvPr/>
+        </p:nvSpPr>
+        <p:spPr>
+          <a:xfrm>
+            <a:off x="7193091" y="4048269"/>
+            <a:ext cx="547261" cy="547261"/>
+          </a:xfrm>
+          <a:prstGeom prst="rect">
+            <a:avLst/>
+          </a:prstGeom>
+          <a:solidFill>
+            <a:schemeClr val="bg1">
+              <a:lumMod val="50000"/>
+            </a:schemeClr>
+          </a:solidFill>
+          <a:ln w="38100">
+            <a:solidFill>
+              <a:schemeClr val="accent1">
+                <a:lumMod val="40000"/>
+                <a:lumOff val="60000"/>
+              </a:schemeClr>
+            </a:solidFill>
+          </a:ln>
+        </p:spPr>
+        <p:style>
+          <a:lnRef idx="2">
+            <a:schemeClr val="accent1">
+              <a:shade val="50000"/>
+            </a:schemeClr>
+          </a:lnRef>
+          <a:fillRef idx="1">
+            <a:schemeClr val="accent1"/>
+          </a:fillRef>
+          <a:effectRef idx="0">
+            <a:schemeClr val="accent1"/>
+          </a:effectRef>
+          <a:fontRef idx="minor">
+            <a:schemeClr val="lt1"/>
+          </a:fontRef>
+        </p:style>
+        <p:txBody>
+          <a:bodyPr rtlCol="0" anchor="ctr"/>
+          <a:lstStyle/>
+          <a:p>
+            <a:pPr algn="ctr"/>
+            <a:endParaRPr kumimoji="1" lang="ja-JP" altLang="en-US"/>
+          </a:p>
+        </p:txBody>
+      </p:sp>
+      <p:sp>
+        <p:nvSpPr>
+          <p:cNvPr id="162" name="正方形/長方形 161">
+            <a:extLst>
+              <a:ext uri="{FF2B5EF4-FFF2-40B4-BE49-F238E27FC236}">
+                <a16:creationId xmlns:a16="http://schemas.microsoft.com/office/drawing/2014/main" id="{DA925D15-771A-0C42-A5EF-6A619D22CD40}"/>
+              </a:ext>
+            </a:extLst>
+          </p:cNvPr>
+          <p:cNvSpPr/>
+          <p:nvPr/>
+        </p:nvSpPr>
+        <p:spPr>
+          <a:xfrm>
+            <a:off x="7193091" y="4595530"/>
+            <a:ext cx="547261" cy="547261"/>
+          </a:xfrm>
+          <a:prstGeom prst="rect">
+            <a:avLst/>
+          </a:prstGeom>
+          <a:solidFill>
+            <a:schemeClr val="bg1"/>
+          </a:solidFill>
+          <a:ln w="38100">
+            <a:solidFill>
+              <a:schemeClr val="accent1">
+                <a:lumMod val="40000"/>
+                <a:lumOff val="60000"/>
+              </a:schemeClr>
+            </a:solidFill>
+          </a:ln>
+        </p:spPr>
+        <p:style>
+          <a:lnRef idx="2">
+            <a:schemeClr val="accent1">
+              <a:shade val="50000"/>
+            </a:schemeClr>
+          </a:lnRef>
+          <a:fillRef idx="1">
+            <a:schemeClr val="accent1"/>
+          </a:fillRef>
+          <a:effectRef idx="0">
+            <a:schemeClr val="accent1"/>
+          </a:effectRef>
+          <a:fontRef idx="minor">
+            <a:schemeClr val="lt1"/>
+          </a:fontRef>
+        </p:style>
+        <p:txBody>
+          <a:bodyPr rtlCol="0" anchor="ctr"/>
+          <a:lstStyle/>
+          <a:p>
+            <a:pPr algn="ctr"/>
+            <a:endParaRPr kumimoji="1" lang="ja-JP" altLang="en-US"/>
+          </a:p>
+        </p:txBody>
+      </p:sp>
+      <p:sp>
+        <p:nvSpPr>
+          <p:cNvPr id="163" name="正方形/長方形 162">
+            <a:extLst>
+              <a:ext uri="{FF2B5EF4-FFF2-40B4-BE49-F238E27FC236}">
+                <a16:creationId xmlns:a16="http://schemas.microsoft.com/office/drawing/2014/main" id="{C892B59E-0DC0-3F4E-80B7-759D66B79622}"/>
+              </a:ext>
+            </a:extLst>
+          </p:cNvPr>
+          <p:cNvSpPr/>
+          <p:nvPr/>
+        </p:nvSpPr>
+        <p:spPr>
+          <a:xfrm>
+            <a:off x="7193091" y="5142791"/>
+            <a:ext cx="547261" cy="547261"/>
+          </a:xfrm>
+          <a:prstGeom prst="rect">
+            <a:avLst/>
+          </a:prstGeom>
+          <a:solidFill>
+            <a:schemeClr val="bg1"/>
+          </a:solidFill>
+          <a:ln w="38100">
+            <a:solidFill>
+              <a:schemeClr val="accent1">
+                <a:lumMod val="40000"/>
+                <a:lumOff val="60000"/>
+              </a:schemeClr>
+            </a:solidFill>
+          </a:ln>
+        </p:spPr>
+        <p:style>
+          <a:lnRef idx="2">
+            <a:schemeClr val="accent1">
+              <a:shade val="50000"/>
+            </a:schemeClr>
+          </a:lnRef>
+          <a:fillRef idx="1">
+            <a:schemeClr val="accent1"/>
+          </a:fillRef>
+          <a:effectRef idx="0">
+            <a:schemeClr val="accent1"/>
+          </a:effectRef>
+          <a:fontRef idx="minor">
+            <a:schemeClr val="lt1"/>
+          </a:fontRef>
+        </p:style>
+        <p:txBody>
+          <a:bodyPr rtlCol="0" anchor="ctr"/>
+          <a:lstStyle/>
+          <a:p>
+            <a:pPr algn="ctr"/>
+            <a:endParaRPr kumimoji="1" lang="ja-JP" altLang="en-US"/>
+          </a:p>
+        </p:txBody>
+      </p:sp>
+      <p:sp>
+        <p:nvSpPr>
+          <p:cNvPr id="164" name="正方形/長方形 163">
+            <a:extLst>
+              <a:ext uri="{FF2B5EF4-FFF2-40B4-BE49-F238E27FC236}">
+                <a16:creationId xmlns:a16="http://schemas.microsoft.com/office/drawing/2014/main" id="{9854FA96-858E-7843-B476-408C51890F2B}"/>
+              </a:ext>
+            </a:extLst>
+          </p:cNvPr>
+          <p:cNvSpPr/>
+          <p:nvPr/>
+        </p:nvSpPr>
+        <p:spPr>
+          <a:xfrm>
+            <a:off x="7193091" y="5690051"/>
+            <a:ext cx="547261" cy="547261"/>
+          </a:xfrm>
+          <a:prstGeom prst="rect">
+            <a:avLst/>
+          </a:prstGeom>
+          <a:solidFill>
+            <a:schemeClr val="bg1"/>
+          </a:solidFill>
+          <a:ln w="38100">
+            <a:solidFill>
+              <a:schemeClr val="accent1">
+                <a:lumMod val="40000"/>
+                <a:lumOff val="60000"/>
+              </a:schemeClr>
+            </a:solidFill>
+          </a:ln>
+        </p:spPr>
+        <p:style>
+          <a:lnRef idx="2">
+            <a:schemeClr val="accent1">
+              <a:shade val="50000"/>
+            </a:schemeClr>
+          </a:lnRef>
+          <a:fillRef idx="1">
+            <a:schemeClr val="accent1"/>
+          </a:fillRef>
+          <a:effectRef idx="0">
+            <a:schemeClr val="accent1"/>
+          </a:effectRef>
+          <a:fontRef idx="minor">
+            <a:schemeClr val="lt1"/>
+          </a:fontRef>
+        </p:style>
+        <p:txBody>
+          <a:bodyPr rtlCol="0" anchor="ctr"/>
+          <a:lstStyle/>
+          <a:p>
+            <a:pPr algn="ctr"/>
+            <a:endParaRPr kumimoji="1" lang="ja-JP" altLang="en-US"/>
+          </a:p>
+        </p:txBody>
+      </p:sp>
+      <p:sp>
+        <p:nvSpPr>
+          <p:cNvPr id="165" name="正方形/長方形 164">
+            <a:extLst>
+              <a:ext uri="{FF2B5EF4-FFF2-40B4-BE49-F238E27FC236}">
+                <a16:creationId xmlns:a16="http://schemas.microsoft.com/office/drawing/2014/main" id="{CE36CADA-07FE-2847-9305-B2816C618190}"/>
+              </a:ext>
+            </a:extLst>
+          </p:cNvPr>
+          <p:cNvSpPr/>
+          <p:nvPr/>
+        </p:nvSpPr>
+        <p:spPr>
+          <a:xfrm>
+            <a:off x="7740352" y="4048269"/>
+            <a:ext cx="547261" cy="547261"/>
+          </a:xfrm>
+          <a:prstGeom prst="rect">
+            <a:avLst/>
+          </a:prstGeom>
+          <a:solidFill>
+            <a:schemeClr val="bg1">
+              <a:lumMod val="50000"/>
+            </a:schemeClr>
+          </a:solidFill>
+          <a:ln w="38100">
+            <a:solidFill>
+              <a:schemeClr val="accent1">
+                <a:lumMod val="40000"/>
+                <a:lumOff val="60000"/>
+              </a:schemeClr>
+            </a:solidFill>
+          </a:ln>
+        </p:spPr>
+        <p:style>
+          <a:lnRef idx="2">
+            <a:schemeClr val="accent1">
+              <a:shade val="50000"/>
+            </a:schemeClr>
+          </a:lnRef>
+          <a:fillRef idx="1">
+            <a:schemeClr val="accent1"/>
+          </a:fillRef>
+          <a:effectRef idx="0">
+            <a:schemeClr val="accent1"/>
+          </a:effectRef>
+          <a:fontRef idx="minor">
+            <a:schemeClr val="lt1"/>
+          </a:fontRef>
+        </p:style>
+        <p:txBody>
+          <a:bodyPr rtlCol="0" anchor="ctr"/>
+          <a:lstStyle/>
+          <a:p>
+            <a:pPr algn="ctr"/>
+            <a:endParaRPr kumimoji="1" lang="ja-JP" altLang="en-US"/>
+          </a:p>
+        </p:txBody>
+      </p:sp>
+      <p:sp>
+        <p:nvSpPr>
+          <p:cNvPr id="166" name="正方形/長方形 165">
+            <a:extLst>
+              <a:ext uri="{FF2B5EF4-FFF2-40B4-BE49-F238E27FC236}">
+                <a16:creationId xmlns:a16="http://schemas.microsoft.com/office/drawing/2014/main" id="{841B5488-A9E1-9B40-985A-55524F4D62A1}"/>
+              </a:ext>
+            </a:extLst>
+          </p:cNvPr>
+          <p:cNvSpPr/>
+          <p:nvPr/>
+        </p:nvSpPr>
+        <p:spPr>
+          <a:xfrm>
+            <a:off x="7740352" y="4595530"/>
+            <a:ext cx="547261" cy="547261"/>
+          </a:xfrm>
+          <a:prstGeom prst="rect">
+            <a:avLst/>
+          </a:prstGeom>
+          <a:solidFill>
+            <a:schemeClr val="bg1">
+              <a:lumMod val="50000"/>
+            </a:schemeClr>
+          </a:solidFill>
+          <a:ln w="38100">
+            <a:solidFill>
+              <a:schemeClr val="accent1">
+                <a:lumMod val="40000"/>
+                <a:lumOff val="60000"/>
+              </a:schemeClr>
+            </a:solidFill>
+          </a:ln>
+        </p:spPr>
+        <p:style>
+          <a:lnRef idx="2">
+            <a:schemeClr val="accent1">
+              <a:shade val="50000"/>
+            </a:schemeClr>
+          </a:lnRef>
+          <a:fillRef idx="1">
+            <a:schemeClr val="accent1"/>
+          </a:fillRef>
+          <a:effectRef idx="0">
+            <a:schemeClr val="accent1"/>
+          </a:effectRef>
+          <a:fontRef idx="minor">
+            <a:schemeClr val="lt1"/>
+          </a:fontRef>
+        </p:style>
+        <p:txBody>
+          <a:bodyPr rtlCol="0" anchor="ctr"/>
+          <a:lstStyle/>
+          <a:p>
+            <a:pPr algn="ctr"/>
+            <a:endParaRPr kumimoji="1" lang="ja-JP" altLang="en-US"/>
+          </a:p>
+        </p:txBody>
+      </p:sp>
+      <p:sp>
+        <p:nvSpPr>
+          <p:cNvPr id="167" name="正方形/長方形 166">
+            <a:extLst>
+              <a:ext uri="{FF2B5EF4-FFF2-40B4-BE49-F238E27FC236}">
+                <a16:creationId xmlns:a16="http://schemas.microsoft.com/office/drawing/2014/main" id="{37848E4A-59AD-DA47-A9CE-2B4DB0C105C1}"/>
+              </a:ext>
+            </a:extLst>
+          </p:cNvPr>
+          <p:cNvSpPr/>
+          <p:nvPr/>
+        </p:nvSpPr>
+        <p:spPr>
+          <a:xfrm>
+            <a:off x="7740352" y="5142791"/>
+            <a:ext cx="547261" cy="547261"/>
+          </a:xfrm>
+          <a:prstGeom prst="rect">
+            <a:avLst/>
+          </a:prstGeom>
+          <a:solidFill>
+            <a:schemeClr val="bg1">
+              <a:lumMod val="50000"/>
+            </a:schemeClr>
+          </a:solidFill>
+          <a:ln w="38100">
+            <a:solidFill>
+              <a:schemeClr val="accent1">
+                <a:lumMod val="40000"/>
+                <a:lumOff val="60000"/>
+              </a:schemeClr>
+            </a:solidFill>
+          </a:ln>
+        </p:spPr>
+        <p:style>
+          <a:lnRef idx="2">
+            <a:schemeClr val="accent1">
+              <a:shade val="50000"/>
+            </a:schemeClr>
+          </a:lnRef>
+          <a:fillRef idx="1">
+            <a:schemeClr val="accent1"/>
+          </a:fillRef>
+          <a:effectRef idx="0">
+            <a:schemeClr val="accent1"/>
+          </a:effectRef>
+          <a:fontRef idx="minor">
+            <a:schemeClr val="lt1"/>
+          </a:fontRef>
+        </p:style>
+        <p:txBody>
+          <a:bodyPr rtlCol="0" anchor="ctr"/>
+          <a:lstStyle/>
+          <a:p>
+            <a:pPr algn="ctr"/>
+            <a:endParaRPr kumimoji="1" lang="ja-JP" altLang="en-US"/>
+          </a:p>
+        </p:txBody>
+      </p:sp>
+      <p:sp>
+        <p:nvSpPr>
+          <p:cNvPr id="168" name="正方形/長方形 167">
+            <a:extLst>
+              <a:ext uri="{FF2B5EF4-FFF2-40B4-BE49-F238E27FC236}">
+                <a16:creationId xmlns:a16="http://schemas.microsoft.com/office/drawing/2014/main" id="{0F084B1B-CFF4-B746-9843-6EF92FB9EB7D}"/>
+              </a:ext>
+            </a:extLst>
+          </p:cNvPr>
+          <p:cNvSpPr/>
+          <p:nvPr/>
+        </p:nvSpPr>
+        <p:spPr>
+          <a:xfrm>
+            <a:off x="7740352" y="5690051"/>
+            <a:ext cx="547261" cy="547261"/>
+          </a:xfrm>
+          <a:prstGeom prst="rect">
+            <a:avLst/>
+          </a:prstGeom>
+          <a:solidFill>
+            <a:schemeClr val="bg1">
+              <a:lumMod val="50000"/>
+            </a:schemeClr>
+          </a:solidFill>
+          <a:ln w="38100">
+            <a:solidFill>
+              <a:schemeClr val="accent1">
+                <a:lumMod val="40000"/>
+                <a:lumOff val="60000"/>
+              </a:schemeClr>
+            </a:solidFill>
+          </a:ln>
+        </p:spPr>
+        <p:style>
+          <a:lnRef idx="2">
+            <a:schemeClr val="accent1">
+              <a:shade val="50000"/>
+            </a:schemeClr>
+          </a:lnRef>
+          <a:fillRef idx="1">
+            <a:schemeClr val="accent1"/>
+          </a:fillRef>
+          <a:effectRef idx="0">
+            <a:schemeClr val="accent1"/>
+          </a:effectRef>
+          <a:fontRef idx="minor">
+            <a:schemeClr val="lt1"/>
+          </a:fontRef>
+        </p:style>
+        <p:txBody>
+          <a:bodyPr rtlCol="0" anchor="ctr"/>
+          <a:lstStyle/>
+          <a:p>
+            <a:pPr algn="ctr"/>
+            <a:endParaRPr kumimoji="1" lang="ja-JP" altLang="en-US"/>
+          </a:p>
+        </p:txBody>
+      </p:sp>
+      <p:sp>
+        <p:nvSpPr>
+          <p:cNvPr id="169" name="正方形/長方形 168">
+            <a:extLst>
+              <a:ext uri="{FF2B5EF4-FFF2-40B4-BE49-F238E27FC236}">
+                <a16:creationId xmlns:a16="http://schemas.microsoft.com/office/drawing/2014/main" id="{01AFAC1B-AADA-BF40-A596-100FA88D5091}"/>
+              </a:ext>
+            </a:extLst>
+          </p:cNvPr>
+          <p:cNvSpPr/>
+          <p:nvPr/>
+        </p:nvSpPr>
+        <p:spPr>
+          <a:xfrm>
+            <a:off x="5004048" y="6237312"/>
+            <a:ext cx="547261" cy="547261"/>
+          </a:xfrm>
+          <a:prstGeom prst="rect">
+            <a:avLst/>
+          </a:prstGeom>
+          <a:solidFill>
+            <a:schemeClr val="bg1">
+              <a:lumMod val="50000"/>
+            </a:schemeClr>
+          </a:solidFill>
+          <a:ln w="38100">
+            <a:solidFill>
+              <a:schemeClr val="accent1">
+                <a:lumMod val="40000"/>
+                <a:lumOff val="60000"/>
+              </a:schemeClr>
+            </a:solidFill>
+          </a:ln>
+        </p:spPr>
+        <p:style>
+          <a:lnRef idx="2">
+            <a:schemeClr val="accent1">
+              <a:shade val="50000"/>
+            </a:schemeClr>
+          </a:lnRef>
+          <a:fillRef idx="1">
+            <a:schemeClr val="accent1"/>
+          </a:fillRef>
+          <a:effectRef idx="0">
+            <a:schemeClr val="accent1"/>
+          </a:effectRef>
+          <a:fontRef idx="minor">
+            <a:schemeClr val="lt1"/>
+          </a:fontRef>
+        </p:style>
+        <p:txBody>
+          <a:bodyPr rtlCol="0" anchor="ctr"/>
+          <a:lstStyle/>
+          <a:p>
+            <a:pPr algn="ctr"/>
+            <a:endParaRPr kumimoji="1" lang="ja-JP" altLang="en-US"/>
+          </a:p>
+        </p:txBody>
+      </p:sp>
+      <p:sp>
+        <p:nvSpPr>
+          <p:cNvPr id="170" name="正方形/長方形 169">
+            <a:extLst>
+              <a:ext uri="{FF2B5EF4-FFF2-40B4-BE49-F238E27FC236}">
+                <a16:creationId xmlns:a16="http://schemas.microsoft.com/office/drawing/2014/main" id="{966AD6BF-D1FD-4B43-89C3-B0470707A9D1}"/>
+              </a:ext>
+            </a:extLst>
+          </p:cNvPr>
+          <p:cNvSpPr/>
+          <p:nvPr/>
+        </p:nvSpPr>
+        <p:spPr>
+          <a:xfrm>
+            <a:off x="5551309" y="6237312"/>
+            <a:ext cx="547261" cy="547261"/>
+          </a:xfrm>
+          <a:prstGeom prst="rect">
+            <a:avLst/>
+          </a:prstGeom>
+          <a:solidFill>
+            <a:schemeClr val="bg1">
+              <a:lumMod val="50000"/>
+            </a:schemeClr>
+          </a:solidFill>
+          <a:ln w="38100">
+            <a:solidFill>
+              <a:schemeClr val="accent1">
+                <a:lumMod val="40000"/>
+                <a:lumOff val="60000"/>
+              </a:schemeClr>
+            </a:solidFill>
+          </a:ln>
+        </p:spPr>
+        <p:style>
+          <a:lnRef idx="2">
+            <a:schemeClr val="accent1">
+              <a:shade val="50000"/>
+            </a:schemeClr>
+          </a:lnRef>
+          <a:fillRef idx="1">
+            <a:schemeClr val="accent1"/>
+          </a:fillRef>
+          <a:effectRef idx="0">
+            <a:schemeClr val="accent1"/>
+          </a:effectRef>
+          <a:fontRef idx="minor">
+            <a:schemeClr val="lt1"/>
+          </a:fontRef>
+        </p:style>
+        <p:txBody>
+          <a:bodyPr rtlCol="0" anchor="ctr"/>
+          <a:lstStyle/>
+          <a:p>
+            <a:pPr algn="ctr"/>
+            <a:endParaRPr kumimoji="1" lang="ja-JP" altLang="en-US"/>
+          </a:p>
+        </p:txBody>
+      </p:sp>
+      <p:sp>
+        <p:nvSpPr>
+          <p:cNvPr id="171" name="正方形/長方形 170">
+            <a:extLst>
+              <a:ext uri="{FF2B5EF4-FFF2-40B4-BE49-F238E27FC236}">
+                <a16:creationId xmlns:a16="http://schemas.microsoft.com/office/drawing/2014/main" id="{299CD270-13ED-664D-9012-381211DDAAAC}"/>
+              </a:ext>
+            </a:extLst>
+          </p:cNvPr>
+          <p:cNvSpPr/>
+          <p:nvPr/>
+        </p:nvSpPr>
+        <p:spPr>
+          <a:xfrm>
+            <a:off x="6098570" y="6237312"/>
+            <a:ext cx="547261" cy="547261"/>
+          </a:xfrm>
+          <a:prstGeom prst="rect">
+            <a:avLst/>
+          </a:prstGeom>
+          <a:solidFill>
+            <a:schemeClr val="bg1">
+              <a:lumMod val="50000"/>
+            </a:schemeClr>
+          </a:solidFill>
+          <a:ln w="38100">
+            <a:solidFill>
+              <a:schemeClr val="accent1">
+                <a:lumMod val="40000"/>
+                <a:lumOff val="60000"/>
+              </a:schemeClr>
+            </a:solidFill>
+          </a:ln>
+        </p:spPr>
+        <p:style>
+          <a:lnRef idx="2">
+            <a:schemeClr val="accent1">
+              <a:shade val="50000"/>
+            </a:schemeClr>
+          </a:lnRef>
+          <a:fillRef idx="1">
+            <a:schemeClr val="accent1"/>
+          </a:fillRef>
+          <a:effectRef idx="0">
+            <a:schemeClr val="accent1"/>
+          </a:effectRef>
+          <a:fontRef idx="minor">
+            <a:schemeClr val="lt1"/>
+          </a:fontRef>
+        </p:style>
+        <p:txBody>
+          <a:bodyPr rtlCol="0" anchor="ctr"/>
+          <a:lstStyle/>
+          <a:p>
+            <a:pPr algn="ctr"/>
+            <a:endParaRPr kumimoji="1" lang="ja-JP" altLang="en-US"/>
+          </a:p>
+        </p:txBody>
+      </p:sp>
+      <p:sp>
+        <p:nvSpPr>
+          <p:cNvPr id="172" name="正方形/長方形 171">
+            <a:extLst>
+              <a:ext uri="{FF2B5EF4-FFF2-40B4-BE49-F238E27FC236}">
+                <a16:creationId xmlns:a16="http://schemas.microsoft.com/office/drawing/2014/main" id="{972057B4-8CC7-EB45-B821-4F1E8E2A3C3C}"/>
+              </a:ext>
+            </a:extLst>
+          </p:cNvPr>
+          <p:cNvSpPr/>
+          <p:nvPr/>
+        </p:nvSpPr>
+        <p:spPr>
+          <a:xfrm>
+            <a:off x="6645830" y="6237312"/>
+            <a:ext cx="547261" cy="547261"/>
+          </a:xfrm>
+          <a:prstGeom prst="rect">
+            <a:avLst/>
+          </a:prstGeom>
+          <a:solidFill>
+            <a:schemeClr val="bg1"/>
+          </a:solidFill>
+          <a:ln w="38100">
+            <a:solidFill>
+              <a:schemeClr val="accent1">
+                <a:lumMod val="40000"/>
+                <a:lumOff val="60000"/>
+              </a:schemeClr>
+            </a:solidFill>
+          </a:ln>
+        </p:spPr>
+        <p:style>
+          <a:lnRef idx="2">
+            <a:schemeClr val="accent1">
+              <a:shade val="50000"/>
+            </a:schemeClr>
+          </a:lnRef>
+          <a:fillRef idx="1">
+            <a:schemeClr val="accent1"/>
+          </a:fillRef>
+          <a:effectRef idx="0">
+            <a:schemeClr val="accent1"/>
+          </a:effectRef>
+          <a:fontRef idx="minor">
+            <a:schemeClr val="lt1"/>
+          </a:fontRef>
+        </p:style>
+        <p:txBody>
+          <a:bodyPr rtlCol="0" anchor="ctr"/>
+          <a:lstStyle/>
+          <a:p>
+            <a:pPr algn="ctr"/>
+            <a:endParaRPr kumimoji="1" lang="ja-JP" altLang="en-US"/>
+          </a:p>
+        </p:txBody>
+      </p:sp>
+      <p:sp>
+        <p:nvSpPr>
+          <p:cNvPr id="173" name="正方形/長方形 172">
+            <a:extLst>
+              <a:ext uri="{FF2B5EF4-FFF2-40B4-BE49-F238E27FC236}">
+                <a16:creationId xmlns:a16="http://schemas.microsoft.com/office/drawing/2014/main" id="{9E4A4EFC-CE32-C044-9F96-5519F41F8A62}"/>
+              </a:ext>
+            </a:extLst>
+          </p:cNvPr>
+          <p:cNvSpPr/>
+          <p:nvPr/>
+        </p:nvSpPr>
+        <p:spPr>
+          <a:xfrm>
+            <a:off x="7193091" y="6237312"/>
+            <a:ext cx="547261" cy="547261"/>
+          </a:xfrm>
+          <a:prstGeom prst="rect">
+            <a:avLst/>
+          </a:prstGeom>
+          <a:solidFill>
+            <a:schemeClr val="bg1">
+              <a:lumMod val="50000"/>
+            </a:schemeClr>
+          </a:solidFill>
+          <a:ln w="38100">
+            <a:solidFill>
+              <a:schemeClr val="accent1">
+                <a:lumMod val="40000"/>
+                <a:lumOff val="60000"/>
+              </a:schemeClr>
+            </a:solidFill>
+          </a:ln>
+        </p:spPr>
+        <p:style>
+          <a:lnRef idx="2">
+            <a:schemeClr val="accent1">
+              <a:shade val="50000"/>
+            </a:schemeClr>
+          </a:lnRef>
+          <a:fillRef idx="1">
+            <a:schemeClr val="accent1"/>
+          </a:fillRef>
+          <a:effectRef idx="0">
+            <a:schemeClr val="accent1"/>
+          </a:effectRef>
+          <a:fontRef idx="minor">
+            <a:schemeClr val="lt1"/>
+          </a:fontRef>
+        </p:style>
+        <p:txBody>
+          <a:bodyPr rtlCol="0" anchor="ctr"/>
+          <a:lstStyle/>
+          <a:p>
+            <a:pPr algn="ctr"/>
+            <a:endParaRPr kumimoji="1" lang="ja-JP" altLang="en-US"/>
+          </a:p>
+        </p:txBody>
+      </p:sp>
+      <p:sp>
+        <p:nvSpPr>
+          <p:cNvPr id="174" name="正方形/長方形 173">
+            <a:extLst>
+              <a:ext uri="{FF2B5EF4-FFF2-40B4-BE49-F238E27FC236}">
+                <a16:creationId xmlns:a16="http://schemas.microsoft.com/office/drawing/2014/main" id="{43265A73-8F65-4446-80AB-212F5F8DD4AD}"/>
+              </a:ext>
+            </a:extLst>
+          </p:cNvPr>
+          <p:cNvSpPr/>
+          <p:nvPr/>
+        </p:nvSpPr>
+        <p:spPr>
+          <a:xfrm>
+            <a:off x="7740352" y="6237312"/>
+            <a:ext cx="547261" cy="547261"/>
+          </a:xfrm>
+          <a:prstGeom prst="rect">
+            <a:avLst/>
+          </a:prstGeom>
+          <a:solidFill>
+            <a:schemeClr val="bg1">
+              <a:lumMod val="50000"/>
+            </a:schemeClr>
+          </a:solidFill>
+          <a:ln w="38100">
+            <a:solidFill>
+              <a:schemeClr val="accent1">
+                <a:lumMod val="40000"/>
+                <a:lumOff val="60000"/>
+              </a:schemeClr>
+            </a:solidFill>
+          </a:ln>
+        </p:spPr>
+        <p:style>
+          <a:lnRef idx="2">
+            <a:schemeClr val="accent1">
+              <a:shade val="50000"/>
+            </a:schemeClr>
+          </a:lnRef>
+          <a:fillRef idx="1">
+            <a:schemeClr val="accent1"/>
+          </a:fillRef>
+          <a:effectRef idx="0">
+            <a:schemeClr val="accent1"/>
+          </a:effectRef>
+          <a:fontRef idx="minor">
+            <a:schemeClr val="lt1"/>
+          </a:fontRef>
+        </p:style>
+        <p:txBody>
+          <a:bodyPr rtlCol="0" anchor="ctr"/>
+          <a:lstStyle/>
+          <a:p>
+            <a:pPr algn="ctr"/>
+            <a:endParaRPr kumimoji="1" lang="ja-JP" altLang="en-US"/>
+          </a:p>
+        </p:txBody>
+      </p:sp>
+      <p:sp>
+        <p:nvSpPr>
+          <p:cNvPr id="175" name="右矢印 174">
+            <a:extLst>
+              <a:ext uri="{FF2B5EF4-FFF2-40B4-BE49-F238E27FC236}">
+                <a16:creationId xmlns:a16="http://schemas.microsoft.com/office/drawing/2014/main" id="{C6264EEB-DF5A-9C45-9977-6DDD84EA2635}"/>
+              </a:ext>
+            </a:extLst>
+          </p:cNvPr>
+          <p:cNvSpPr/>
+          <p:nvPr/>
+        </p:nvSpPr>
+        <p:spPr>
+          <a:xfrm rot="5400000">
+            <a:off x="5624757" y="4181353"/>
+            <a:ext cx="325320" cy="270593"/>
+          </a:xfrm>
+          <a:prstGeom prst="rightArrow">
+            <a:avLst/>
+          </a:prstGeom>
+          <a:solidFill>
+            <a:schemeClr val="accent1">
+              <a:lumMod val="60000"/>
+              <a:lumOff val="40000"/>
+            </a:schemeClr>
+          </a:solidFill>
+          <a:ln>
+            <a:solidFill>
+              <a:schemeClr val="tx1"/>
+            </a:solidFill>
+          </a:ln>
+        </p:spPr>
+        <p:style>
+          <a:lnRef idx="2">
+            <a:schemeClr val="accent1">
+              <a:shade val="50000"/>
+            </a:schemeClr>
+          </a:lnRef>
+          <a:fillRef idx="1">
+            <a:schemeClr val="accent1"/>
+          </a:fillRef>
+          <a:effectRef idx="0">
+            <a:schemeClr val="accent1"/>
+          </a:effectRef>
+          <a:fontRef idx="minor">
+            <a:schemeClr val="lt1"/>
+          </a:fontRef>
+        </p:style>
+        <p:txBody>
+          <a:bodyPr rtlCol="0" anchor="ctr"/>
+          <a:lstStyle/>
+          <a:p>
+            <a:pPr algn="ctr"/>
+            <a:endParaRPr kumimoji="1" lang="ja-JP" altLang="en-US"/>
+          </a:p>
+        </p:txBody>
+      </p:sp>
+      <p:sp>
+        <p:nvSpPr>
+          <p:cNvPr id="176" name="右矢印 175">
+            <a:extLst>
+              <a:ext uri="{FF2B5EF4-FFF2-40B4-BE49-F238E27FC236}">
+                <a16:creationId xmlns:a16="http://schemas.microsoft.com/office/drawing/2014/main" id="{87704801-69A7-004D-AC37-9F8579F1A1E3}"/>
+              </a:ext>
+            </a:extLst>
+          </p:cNvPr>
+          <p:cNvSpPr/>
+          <p:nvPr/>
+        </p:nvSpPr>
+        <p:spPr>
+          <a:xfrm rot="5400000">
+            <a:off x="5624757" y="4723705"/>
+            <a:ext cx="325320" cy="270593"/>
+          </a:xfrm>
+          <a:prstGeom prst="rightArrow">
+            <a:avLst/>
+          </a:prstGeom>
+          <a:solidFill>
+            <a:schemeClr val="accent1">
+              <a:lumMod val="60000"/>
+              <a:lumOff val="40000"/>
+            </a:schemeClr>
+          </a:solidFill>
+          <a:ln>
+            <a:solidFill>
+              <a:schemeClr val="tx1"/>
+            </a:solidFill>
+          </a:ln>
+        </p:spPr>
+        <p:style>
+          <a:lnRef idx="2">
+            <a:schemeClr val="accent1">
+              <a:shade val="50000"/>
+            </a:schemeClr>
+          </a:lnRef>
+          <a:fillRef idx="1">
+            <a:schemeClr val="accent1"/>
+          </a:fillRef>
+          <a:effectRef idx="0">
+            <a:schemeClr val="accent1"/>
+          </a:effectRef>
+          <a:fontRef idx="minor">
+            <a:schemeClr val="lt1"/>
+          </a:fontRef>
+        </p:style>
+        <p:txBody>
+          <a:bodyPr rtlCol="0" anchor="ctr"/>
+          <a:lstStyle/>
+          <a:p>
+            <a:pPr algn="ctr"/>
+            <a:endParaRPr kumimoji="1" lang="ja-JP" altLang="en-US"/>
+          </a:p>
+        </p:txBody>
+      </p:sp>
+      <p:sp>
+        <p:nvSpPr>
+          <p:cNvPr id="177" name="右矢印 176">
+            <a:extLst>
+              <a:ext uri="{FF2B5EF4-FFF2-40B4-BE49-F238E27FC236}">
+                <a16:creationId xmlns:a16="http://schemas.microsoft.com/office/drawing/2014/main" id="{E4EC8B81-265C-F649-8D57-8883CBC237F2}"/>
+              </a:ext>
+            </a:extLst>
+          </p:cNvPr>
+          <p:cNvSpPr/>
+          <p:nvPr/>
+        </p:nvSpPr>
+        <p:spPr>
+          <a:xfrm rot="5400000">
+            <a:off x="5624756" y="5299769"/>
+            <a:ext cx="325320" cy="270593"/>
+          </a:xfrm>
+          <a:prstGeom prst="rightArrow">
+            <a:avLst/>
+          </a:prstGeom>
+          <a:solidFill>
+            <a:schemeClr val="accent1">
+              <a:lumMod val="60000"/>
+              <a:lumOff val="40000"/>
+            </a:schemeClr>
+          </a:solidFill>
+          <a:ln>
+            <a:solidFill>
+              <a:schemeClr val="tx1"/>
+            </a:solidFill>
+          </a:ln>
+        </p:spPr>
+        <p:style>
+          <a:lnRef idx="2">
+            <a:schemeClr val="accent1">
+              <a:shade val="50000"/>
+            </a:schemeClr>
+          </a:lnRef>
+          <a:fillRef idx="1">
+            <a:schemeClr val="accent1"/>
+          </a:fillRef>
+          <a:effectRef idx="0">
+            <a:schemeClr val="accent1"/>
+          </a:effectRef>
+          <a:fontRef idx="minor">
+            <a:schemeClr val="lt1"/>
+          </a:fontRef>
+        </p:style>
+        <p:txBody>
+          <a:bodyPr rtlCol="0" anchor="ctr"/>
+          <a:lstStyle/>
+          <a:p>
+            <a:pPr algn="ctr"/>
+            <a:endParaRPr kumimoji="1" lang="ja-JP" altLang="en-US"/>
+          </a:p>
+        </p:txBody>
+      </p:sp>
+      <p:pic>
+        <p:nvPicPr>
+          <p:cNvPr id="178" name="図 177">
+            <a:extLst>
+              <a:ext uri="{FF2B5EF4-FFF2-40B4-BE49-F238E27FC236}">
+                <a16:creationId xmlns:a16="http://schemas.microsoft.com/office/drawing/2014/main" id="{3431C111-398E-094E-9B42-79BB172D8093}"/>
+              </a:ext>
+            </a:extLst>
+          </p:cNvPr>
+          <p:cNvPicPr>
+            <a:picLocks noChangeAspect="1"/>
+          </p:cNvPicPr>
+          <p:nvPr/>
+        </p:nvPicPr>
+        <p:blipFill>
+          <a:blip r:embed="rId2"/>
+          <a:stretch>
+            <a:fillRect/>
+          </a:stretch>
+        </p:blipFill>
+        <p:spPr>
+          <a:xfrm>
+            <a:off x="6732240" y="4624333"/>
+            <a:ext cx="397676" cy="458857"/>
+          </a:xfrm>
+          <a:prstGeom prst="rect">
+            <a:avLst/>
+          </a:prstGeom>
+        </p:spPr>
+      </p:pic>
+      <p:sp>
+        <p:nvSpPr>
+          <p:cNvPr id="179" name="右矢印 178">
+            <a:extLst>
+              <a:ext uri="{FF2B5EF4-FFF2-40B4-BE49-F238E27FC236}">
+                <a16:creationId xmlns:a16="http://schemas.microsoft.com/office/drawing/2014/main" id="{B20E4E5A-3617-1B44-A4CB-D0CC837C172F}"/>
+              </a:ext>
+            </a:extLst>
+          </p:cNvPr>
+          <p:cNvSpPr/>
+          <p:nvPr/>
+        </p:nvSpPr>
+        <p:spPr>
+          <a:xfrm rot="5400000">
+            <a:off x="5624756" y="5832628"/>
+            <a:ext cx="325320" cy="270593"/>
+          </a:xfrm>
+          <a:prstGeom prst="rightArrow">
+            <a:avLst/>
+          </a:prstGeom>
+          <a:solidFill>
+            <a:schemeClr val="accent1">
+              <a:lumMod val="60000"/>
+              <a:lumOff val="40000"/>
+            </a:schemeClr>
+          </a:solidFill>
+          <a:ln>
+            <a:solidFill>
+              <a:schemeClr val="tx1"/>
+            </a:solidFill>
+          </a:ln>
+        </p:spPr>
+        <p:style>
+          <a:lnRef idx="2">
+            <a:schemeClr val="accent1">
+              <a:shade val="50000"/>
+            </a:schemeClr>
+          </a:lnRef>
+          <a:fillRef idx="1">
+            <a:schemeClr val="accent1"/>
+          </a:fillRef>
+          <a:effectRef idx="0">
+            <a:schemeClr val="accent1"/>
+          </a:effectRef>
+          <a:fontRef idx="minor">
+            <a:schemeClr val="lt1"/>
+          </a:fontRef>
+        </p:style>
+        <p:txBody>
+          <a:bodyPr rtlCol="0" anchor="ctr"/>
+          <a:lstStyle/>
+          <a:p>
+            <a:pPr algn="ctr"/>
+            <a:endParaRPr kumimoji="1" lang="ja-JP" altLang="en-US"/>
+          </a:p>
+        </p:txBody>
+      </p:sp>
+      <p:sp>
+        <p:nvSpPr>
+          <p:cNvPr id="180" name="右矢印 179">
+            <a:extLst>
+              <a:ext uri="{FF2B5EF4-FFF2-40B4-BE49-F238E27FC236}">
+                <a16:creationId xmlns:a16="http://schemas.microsoft.com/office/drawing/2014/main" id="{E5A27D32-0134-2041-BDB9-5BEE03723909}"/>
+              </a:ext>
+            </a:extLst>
+          </p:cNvPr>
+          <p:cNvSpPr/>
+          <p:nvPr/>
+        </p:nvSpPr>
+        <p:spPr>
+          <a:xfrm>
+            <a:off x="6228184" y="4768349"/>
+            <a:ext cx="325320" cy="270593"/>
+          </a:xfrm>
+          <a:prstGeom prst="rightArrow">
+            <a:avLst/>
+          </a:prstGeom>
+          <a:solidFill>
+            <a:schemeClr val="accent1">
+              <a:lumMod val="60000"/>
+              <a:lumOff val="40000"/>
+            </a:schemeClr>
+          </a:solidFill>
+          <a:ln>
+            <a:solidFill>
+              <a:schemeClr val="tx1"/>
+            </a:solidFill>
+          </a:ln>
+        </p:spPr>
+        <p:style>
+          <a:lnRef idx="2">
+            <a:schemeClr val="accent1">
+              <a:shade val="50000"/>
+            </a:schemeClr>
+          </a:lnRef>
+          <a:fillRef idx="1">
+            <a:schemeClr val="accent1"/>
+          </a:fillRef>
+          <a:effectRef idx="0">
+            <a:schemeClr val="accent1"/>
+          </a:effectRef>
+          <a:fontRef idx="minor">
+            <a:schemeClr val="lt1"/>
+          </a:fontRef>
+        </p:style>
+        <p:txBody>
+          <a:bodyPr rtlCol="0" anchor="ctr"/>
+          <a:lstStyle/>
+          <a:p>
+            <a:pPr algn="ctr"/>
+            <a:endParaRPr kumimoji="1" lang="ja-JP" altLang="en-US"/>
+          </a:p>
+        </p:txBody>
+      </p:sp>
+      <p:sp>
+        <p:nvSpPr>
+          <p:cNvPr id="5" name="テキスト ボックス 4">
+            <a:extLst>
+              <a:ext uri="{FF2B5EF4-FFF2-40B4-BE49-F238E27FC236}">
+                <a16:creationId xmlns:a16="http://schemas.microsoft.com/office/drawing/2014/main" id="{25677246-FC7B-9644-AF98-5070146642EE}"/>
+              </a:ext>
+            </a:extLst>
+          </p:cNvPr>
+          <p:cNvSpPr txBox="1"/>
+          <p:nvPr/>
+        </p:nvSpPr>
+        <p:spPr>
+          <a:xfrm>
+            <a:off x="323528" y="107340"/>
+            <a:ext cx="2028119" cy="369332"/>
+          </a:xfrm>
+          <a:prstGeom prst="rect">
+            <a:avLst/>
+          </a:prstGeom>
+          <a:noFill/>
+        </p:spPr>
+        <p:txBody>
+          <a:bodyPr wrap="none" rtlCol="0">
+            <a:spAutoFit/>
+          </a:bodyPr>
+          <a:lstStyle/>
+          <a:p>
+            <a:r>
+              <a:rPr kumimoji="1" lang="en-US" altLang="ja-JP"/>
+              <a:t>1. </a:t>
+            </a:r>
+            <a:r>
+              <a:rPr kumimoji="1" lang="ja-JP" altLang="en-US"/>
+              <a:t>分かれ道に来た</a:t>
+            </a:r>
+          </a:p>
+        </p:txBody>
+      </p:sp>
+      <p:sp>
+        <p:nvSpPr>
+          <p:cNvPr id="181" name="テキスト ボックス 180">
+            <a:extLst>
+              <a:ext uri="{FF2B5EF4-FFF2-40B4-BE49-F238E27FC236}">
+                <a16:creationId xmlns:a16="http://schemas.microsoft.com/office/drawing/2014/main" id="{CBC6F7A5-DDC7-7E4D-83A0-6AC260309263}"/>
+              </a:ext>
+            </a:extLst>
+          </p:cNvPr>
+          <p:cNvSpPr txBox="1"/>
+          <p:nvPr/>
+        </p:nvSpPr>
+        <p:spPr>
+          <a:xfrm>
+            <a:off x="4860032" y="88796"/>
+            <a:ext cx="3413114" cy="369332"/>
+          </a:xfrm>
+          <a:prstGeom prst="rect">
+            <a:avLst/>
+          </a:prstGeom>
+          <a:noFill/>
+        </p:spPr>
+        <p:txBody>
+          <a:bodyPr wrap="none" rtlCol="0">
+            <a:spAutoFit/>
+          </a:bodyPr>
+          <a:lstStyle/>
+          <a:p>
+            <a:r>
+              <a:rPr kumimoji="1" lang="en-US" altLang="ja-JP"/>
+              <a:t>2. </a:t>
+            </a:r>
+            <a:r>
+              <a:rPr kumimoji="1" lang="ja-JP" altLang="en-US"/>
+              <a:t>とりあえず片方に進んで見る</a:t>
+            </a:r>
+          </a:p>
+        </p:txBody>
+      </p:sp>
+      <p:sp>
+        <p:nvSpPr>
+          <p:cNvPr id="182" name="テキスト ボックス 181">
+            <a:extLst>
+              <a:ext uri="{FF2B5EF4-FFF2-40B4-BE49-F238E27FC236}">
+                <a16:creationId xmlns:a16="http://schemas.microsoft.com/office/drawing/2014/main" id="{B9AA2EA6-4E86-5C4F-9062-522E467FED73}"/>
+              </a:ext>
+            </a:extLst>
+          </p:cNvPr>
+          <p:cNvSpPr txBox="1"/>
+          <p:nvPr/>
+        </p:nvSpPr>
+        <p:spPr>
+          <a:xfrm>
+            <a:off x="251520" y="3573016"/>
+            <a:ext cx="3182281" cy="369332"/>
+          </a:xfrm>
+          <a:prstGeom prst="rect">
+            <a:avLst/>
+          </a:prstGeom>
+          <a:noFill/>
+        </p:spPr>
+        <p:txBody>
+          <a:bodyPr wrap="none" rtlCol="0">
+            <a:spAutoFit/>
+          </a:bodyPr>
+          <a:lstStyle/>
+          <a:p>
+            <a:r>
+              <a:rPr kumimoji="1" lang="en-US" altLang="ja-JP"/>
+              <a:t>3. </a:t>
+            </a:r>
+            <a:r>
+              <a:rPr kumimoji="1" lang="ja-JP" altLang="en-US"/>
+              <a:t>行き止まりだったので戻る</a:t>
+            </a:r>
+          </a:p>
+        </p:txBody>
+      </p:sp>
+      <p:sp>
+        <p:nvSpPr>
+          <p:cNvPr id="183" name="テキスト ボックス 182">
+            <a:extLst>
+              <a:ext uri="{FF2B5EF4-FFF2-40B4-BE49-F238E27FC236}">
+                <a16:creationId xmlns:a16="http://schemas.microsoft.com/office/drawing/2014/main" id="{5714177B-DC7B-F048-BFA1-976282E7DE1E}"/>
+              </a:ext>
+            </a:extLst>
+          </p:cNvPr>
+          <p:cNvSpPr txBox="1"/>
+          <p:nvPr/>
+        </p:nvSpPr>
+        <p:spPr>
+          <a:xfrm>
+            <a:off x="4860032" y="3573016"/>
+            <a:ext cx="2951449" cy="369332"/>
+          </a:xfrm>
+          <a:prstGeom prst="rect">
+            <a:avLst/>
+          </a:prstGeom>
+          <a:noFill/>
+        </p:spPr>
+        <p:txBody>
+          <a:bodyPr wrap="none" rtlCol="0">
+            <a:spAutoFit/>
+          </a:bodyPr>
+          <a:lstStyle/>
+          <a:p>
+            <a:r>
+              <a:rPr kumimoji="1" lang="en-US" altLang="ja-JP"/>
+              <a:t>4. </a:t>
+            </a:r>
+            <a:r>
+              <a:rPr kumimoji="1" lang="ja-JP" altLang="en-US"/>
+              <a:t>まだ試してない道に進む</a:t>
+            </a:r>
+          </a:p>
+        </p:txBody>
+      </p:sp>
+      <p:sp>
+        <p:nvSpPr>
+          <p:cNvPr id="6" name="右矢印 5">
+            <a:extLst>
+              <a:ext uri="{FF2B5EF4-FFF2-40B4-BE49-F238E27FC236}">
+                <a16:creationId xmlns:a16="http://schemas.microsoft.com/office/drawing/2014/main" id="{8A41B33A-CE50-D24E-8129-96C2A57B46FB}"/>
+              </a:ext>
+            </a:extLst>
+          </p:cNvPr>
+          <p:cNvSpPr/>
+          <p:nvPr/>
+        </p:nvSpPr>
+        <p:spPr>
+          <a:xfrm>
+            <a:off x="4067944" y="1772816"/>
+            <a:ext cx="432048" cy="360040"/>
+          </a:xfrm>
+          <a:prstGeom prst="rightArrow">
+            <a:avLst/>
+          </a:prstGeom>
+          <a:solidFill>
+            <a:srgbClr val="FF0000"/>
+          </a:solidFill>
+          <a:ln>
+            <a:solidFill>
+              <a:schemeClr val="tx1"/>
+            </a:solidFill>
+          </a:ln>
+        </p:spPr>
+        <p:style>
+          <a:lnRef idx="2">
+            <a:schemeClr val="accent1">
+              <a:shade val="50000"/>
+            </a:schemeClr>
+          </a:lnRef>
+          <a:fillRef idx="1">
+            <a:schemeClr val="accent1"/>
+          </a:fillRef>
+          <a:effectRef idx="0">
+            <a:schemeClr val="accent1"/>
+          </a:effectRef>
+          <a:fontRef idx="minor">
+            <a:schemeClr val="lt1"/>
+          </a:fontRef>
+        </p:style>
+        <p:txBody>
+          <a:bodyPr rtlCol="0" anchor="ctr"/>
+          <a:lstStyle/>
+          <a:p>
+            <a:pPr algn="ctr"/>
+            <a:endParaRPr kumimoji="1" lang="ja-JP" altLang="en-US"/>
+          </a:p>
+        </p:txBody>
+      </p:sp>
+      <p:sp>
+        <p:nvSpPr>
+          <p:cNvPr id="184" name="右矢印 183">
+            <a:extLst>
+              <a:ext uri="{FF2B5EF4-FFF2-40B4-BE49-F238E27FC236}">
+                <a16:creationId xmlns:a16="http://schemas.microsoft.com/office/drawing/2014/main" id="{6A36065F-C241-6649-86E6-CFC50B5257EC}"/>
+              </a:ext>
+            </a:extLst>
+          </p:cNvPr>
+          <p:cNvSpPr/>
+          <p:nvPr/>
+        </p:nvSpPr>
+        <p:spPr>
+          <a:xfrm rot="8100000">
+            <a:off x="3987950" y="3457018"/>
+            <a:ext cx="432048" cy="360040"/>
+          </a:xfrm>
+          <a:prstGeom prst="rightArrow">
+            <a:avLst/>
+          </a:prstGeom>
+          <a:solidFill>
+            <a:srgbClr val="FF0000"/>
+          </a:solidFill>
+          <a:ln>
+            <a:solidFill>
+              <a:schemeClr val="tx1"/>
+            </a:solidFill>
+          </a:ln>
+        </p:spPr>
+        <p:style>
+          <a:lnRef idx="2">
+            <a:schemeClr val="accent1">
+              <a:shade val="50000"/>
+            </a:schemeClr>
+          </a:lnRef>
+          <a:fillRef idx="1">
+            <a:schemeClr val="accent1"/>
+          </a:fillRef>
+          <a:effectRef idx="0">
+            <a:schemeClr val="accent1"/>
+          </a:effectRef>
+          <a:fontRef idx="minor">
+            <a:schemeClr val="lt1"/>
+          </a:fontRef>
+        </p:style>
+        <p:txBody>
+          <a:bodyPr rtlCol="0" anchor="ctr"/>
+          <a:lstStyle/>
+          <a:p>
+            <a:pPr algn="ctr"/>
+            <a:endParaRPr kumimoji="1" lang="ja-JP" altLang="en-US"/>
+          </a:p>
+        </p:txBody>
+      </p:sp>
+      <p:sp>
+        <p:nvSpPr>
+          <p:cNvPr id="186" name="右矢印 185">
+            <a:extLst>
+              <a:ext uri="{FF2B5EF4-FFF2-40B4-BE49-F238E27FC236}">
+                <a16:creationId xmlns:a16="http://schemas.microsoft.com/office/drawing/2014/main" id="{4CE3BC4B-ED09-1845-A41F-3355249DB7A2}"/>
+              </a:ext>
+            </a:extLst>
+          </p:cNvPr>
+          <p:cNvSpPr/>
+          <p:nvPr/>
+        </p:nvSpPr>
+        <p:spPr>
+          <a:xfrm>
+            <a:off x="3995936" y="5301208"/>
+            <a:ext cx="432048" cy="360040"/>
+          </a:xfrm>
+          <a:prstGeom prst="rightArrow">
+            <a:avLst/>
+          </a:prstGeom>
+          <a:solidFill>
+            <a:srgbClr val="FF0000"/>
+          </a:solidFill>
+          <a:ln>
+            <a:solidFill>
+              <a:schemeClr val="tx1"/>
+            </a:solidFill>
+          </a:ln>
+        </p:spPr>
+        <p:style>
+          <a:lnRef idx="2">
+            <a:schemeClr val="accent1">
+              <a:shade val="50000"/>
+            </a:schemeClr>
+          </a:lnRef>
+          <a:fillRef idx="1">
+            <a:schemeClr val="accent1"/>
+          </a:fillRef>
+          <a:effectRef idx="0">
+            <a:schemeClr val="accent1"/>
+          </a:effectRef>
+          <a:fontRef idx="minor">
+            <a:schemeClr val="lt1"/>
+          </a:fontRef>
+        </p:style>
+        <p:txBody>
+          <a:bodyPr rtlCol="0" anchor="ctr"/>
+          <a:lstStyle/>
+          <a:p>
+            <a:pPr algn="ctr"/>
+            <a:endParaRPr kumimoji="1" lang="ja-JP" altLang="en-US"/>
+          </a:p>
+        </p:txBody>
+      </p:sp>
+    </p:spTree>
+    <p:extLst>
+      <p:ext uri="{BB962C8B-B14F-4D97-AF65-F5344CB8AC3E}">
+        <p14:creationId xmlns:p14="http://schemas.microsoft.com/office/powerpoint/2010/main" val="3221932115"/>
+      </p:ext>
+    </p:extLst>
+  </p:cSld>
+  <p:clrMapOvr>
+    <a:masterClrMapping/>
+  </p:clrMapOvr>
+</p:sld>
+</file>
+
 <file path=ppt/theme/theme1.xml><?xml version="1.0" encoding="utf-8"?>
 <a:theme xmlns:a="http://schemas.openxmlformats.org/drawingml/2006/main" name="Office テーマ">
   <a:themeElements>

--- a/recursion/fig/fig.pptx
+++ b/recursion/fig/fig.pptx
@@ -23616,7 +23616,7 @@
         <p:spPr>
           <a:xfrm>
             <a:off x="251520" y="3501008"/>
-            <a:ext cx="4105611" cy="369332"/>
+            <a:ext cx="3182281" cy="369332"/>
           </a:xfrm>
           <a:prstGeom prst="rect">
             <a:avLst/>
@@ -23635,7 +23635,7 @@
             </a:r>
             <a:r>
               <a:rPr kumimoji="1" lang="ja-JP" altLang="en-US"/>
-              <a:t>ゴールからカウントダウンしていく</a:t>
+              <a:t>ゴールからカウントダウン</a:t>
             </a:r>
           </a:p>
         </p:txBody>
@@ -23779,6 +23779,114 @@
           <a:xfrm rot="10800000">
             <a:off x="1805216" y="5105504"/>
             <a:ext cx="207640" cy="224408"/>
+          </a:xfrm>
+          <a:prstGeom prst="rightArrow">
+            <a:avLst/>
+          </a:prstGeom>
+          <a:solidFill>
+            <a:srgbClr val="FF0000"/>
+          </a:solidFill>
+          <a:ln>
+            <a:solidFill>
+              <a:schemeClr val="tx1"/>
+            </a:solidFill>
+          </a:ln>
+        </p:spPr>
+        <p:style>
+          <a:lnRef idx="2">
+            <a:schemeClr val="accent1">
+              <a:shade val="50000"/>
+            </a:schemeClr>
+          </a:lnRef>
+          <a:fillRef idx="1">
+            <a:schemeClr val="accent1"/>
+          </a:fillRef>
+          <a:effectRef idx="0">
+            <a:schemeClr val="accent1"/>
+          </a:effectRef>
+          <a:fontRef idx="minor">
+            <a:schemeClr val="lt1"/>
+          </a:fontRef>
+        </p:style>
+        <p:txBody>
+          <a:bodyPr rtlCol="0" anchor="ctr"/>
+          <a:lstStyle/>
+          <a:p>
+            <a:pPr algn="ctr"/>
+            <a:endParaRPr kumimoji="1" lang="ja-JP" altLang="en-US"/>
+          </a:p>
+        </p:txBody>
+      </p:sp>
+      <p:sp>
+        <p:nvSpPr>
+          <p:cNvPr id="136" name="右矢印 135">
+            <a:extLst>
+              <a:ext uri="{FF2B5EF4-FFF2-40B4-BE49-F238E27FC236}">
+                <a16:creationId xmlns:a16="http://schemas.microsoft.com/office/drawing/2014/main" id="{A547DF84-E132-D948-B3F3-D4B319EF7941}"/>
+              </a:ext>
+            </a:extLst>
+          </p:cNvPr>
+          <p:cNvSpPr/>
+          <p:nvPr/>
+        </p:nvSpPr>
+        <p:spPr>
+          <a:xfrm>
+            <a:off x="4067944" y="1772816"/>
+            <a:ext cx="432048" cy="360040"/>
+          </a:xfrm>
+          <a:prstGeom prst="rightArrow">
+            <a:avLst/>
+          </a:prstGeom>
+          <a:solidFill>
+            <a:srgbClr val="FF0000"/>
+          </a:solidFill>
+          <a:ln>
+            <a:solidFill>
+              <a:schemeClr val="tx1"/>
+            </a:solidFill>
+          </a:ln>
+        </p:spPr>
+        <p:style>
+          <a:lnRef idx="2">
+            <a:schemeClr val="accent1">
+              <a:shade val="50000"/>
+            </a:schemeClr>
+          </a:lnRef>
+          <a:fillRef idx="1">
+            <a:schemeClr val="accent1"/>
+          </a:fillRef>
+          <a:effectRef idx="0">
+            <a:schemeClr val="accent1"/>
+          </a:effectRef>
+          <a:fontRef idx="minor">
+            <a:schemeClr val="lt1"/>
+          </a:fontRef>
+        </p:style>
+        <p:txBody>
+          <a:bodyPr rtlCol="0" anchor="ctr"/>
+          <a:lstStyle/>
+          <a:p>
+            <a:pPr algn="ctr"/>
+            <a:endParaRPr kumimoji="1" lang="ja-JP" altLang="en-US"/>
+          </a:p>
+        </p:txBody>
+      </p:sp>
+      <p:sp>
+        <p:nvSpPr>
+          <p:cNvPr id="137" name="右矢印 136">
+            <a:extLst>
+              <a:ext uri="{FF2B5EF4-FFF2-40B4-BE49-F238E27FC236}">
+                <a16:creationId xmlns:a16="http://schemas.microsoft.com/office/drawing/2014/main" id="{9ADED847-662F-2C4B-B024-400C13ED1927}"/>
+              </a:ext>
+            </a:extLst>
+          </p:cNvPr>
+          <p:cNvSpPr/>
+          <p:nvPr/>
+        </p:nvSpPr>
+        <p:spPr>
+          <a:xfrm rot="8100000">
+            <a:off x="3987950" y="3457018"/>
+            <a:ext cx="432048" cy="360040"/>
           </a:xfrm>
           <a:prstGeom prst="rightArrow">
             <a:avLst/>
